--- a/Presentations/Stats - Basics - Terms.pptx
+++ b/Presentations/Stats - Basics - Terms.pptx
@@ -5,7 +5,7 @@
     <p:sldMasterId id="2147483648" r:id="rId1"/>
   </p:sldMasterIdLst>
   <p:notesMasterIdLst>
-    <p:notesMasterId r:id="rId9"/>
+    <p:notesMasterId r:id="rId15"/>
   </p:notesMasterIdLst>
   <p:sldIdLst>
     <p:sldId id="256" r:id="rId2"/>
@@ -15,6 +15,12 @@
     <p:sldId id="284" r:id="rId6"/>
     <p:sldId id="285" r:id="rId7"/>
     <p:sldId id="286" r:id="rId8"/>
+    <p:sldId id="287" r:id="rId9"/>
+    <p:sldId id="288" r:id="rId10"/>
+    <p:sldId id="289" r:id="rId11"/>
+    <p:sldId id="291" r:id="rId12"/>
+    <p:sldId id="292" r:id="rId13"/>
+    <p:sldId id="290" r:id="rId14"/>
   </p:sldIdLst>
   <p:sldSz cx="9144000" cy="6858000" type="screen4x3"/>
   <p:notesSz cx="6858000" cy="9144000"/>
@@ -198,7 +204,7 @@
           <a:p>
             <a:fld id="{FAF957FC-5175-49AC-8D2B-2F056FFFC1DD}" type="datetimeFigureOut">
               <a:rPr lang="en-US" smtClean="0"/>
-              <a:t>7/10/2017</a:t>
+              <a:t>7/19/2017</a:t>
             </a:fld>
             <a:endParaRPr lang="en-US"/>
           </a:p>
@@ -648,7 +654,7 @@
             <a:fld id="{1D8BD707-D9CF-40AE-B4C6-C98DA3205C09}" type="datetimeFigureOut">
               <a:rPr lang="en-US" smtClean="0"/>
               <a:pPr/>
-              <a:t>7/10/2017</a:t>
+              <a:t>7/19/2017</a:t>
             </a:fld>
             <a:endParaRPr lang="en-US"/>
           </a:p>
@@ -815,7 +821,7 @@
             <a:fld id="{1D8BD707-D9CF-40AE-B4C6-C98DA3205C09}" type="datetimeFigureOut">
               <a:rPr lang="en-US" smtClean="0"/>
               <a:pPr/>
-              <a:t>7/10/2017</a:t>
+              <a:t>7/19/2017</a:t>
             </a:fld>
             <a:endParaRPr lang="en-US"/>
           </a:p>
@@ -992,7 +998,7 @@
             <a:fld id="{1D8BD707-D9CF-40AE-B4C6-C98DA3205C09}" type="datetimeFigureOut">
               <a:rPr lang="en-US" smtClean="0"/>
               <a:pPr/>
-              <a:t>7/10/2017</a:t>
+              <a:t>7/19/2017</a:t>
             </a:fld>
             <a:endParaRPr lang="en-US"/>
           </a:p>
@@ -1159,7 +1165,7 @@
             <a:fld id="{1D8BD707-D9CF-40AE-B4C6-C98DA3205C09}" type="datetimeFigureOut">
               <a:rPr lang="en-US" smtClean="0"/>
               <a:pPr/>
-              <a:t>7/10/2017</a:t>
+              <a:t>7/19/2017</a:t>
             </a:fld>
             <a:endParaRPr lang="en-US"/>
           </a:p>
@@ -1402,7 +1408,7 @@
             <a:fld id="{1D8BD707-D9CF-40AE-B4C6-C98DA3205C09}" type="datetimeFigureOut">
               <a:rPr lang="en-US" smtClean="0"/>
               <a:pPr/>
-              <a:t>7/10/2017</a:t>
+              <a:t>7/19/2017</a:t>
             </a:fld>
             <a:endParaRPr lang="en-US"/>
           </a:p>
@@ -1687,7 +1693,7 @@
             <a:fld id="{1D8BD707-D9CF-40AE-B4C6-C98DA3205C09}" type="datetimeFigureOut">
               <a:rPr lang="en-US" smtClean="0"/>
               <a:pPr/>
-              <a:t>7/10/2017</a:t>
+              <a:t>7/19/2017</a:t>
             </a:fld>
             <a:endParaRPr lang="en-US"/>
           </a:p>
@@ -2106,7 +2112,7 @@
             <a:fld id="{1D8BD707-D9CF-40AE-B4C6-C98DA3205C09}" type="datetimeFigureOut">
               <a:rPr lang="en-US" smtClean="0"/>
               <a:pPr/>
-              <a:t>7/10/2017</a:t>
+              <a:t>7/19/2017</a:t>
             </a:fld>
             <a:endParaRPr lang="en-US"/>
           </a:p>
@@ -2221,7 +2227,7 @@
             <a:fld id="{1D8BD707-D9CF-40AE-B4C6-C98DA3205C09}" type="datetimeFigureOut">
               <a:rPr lang="en-US" smtClean="0"/>
               <a:pPr/>
-              <a:t>7/10/2017</a:t>
+              <a:t>7/19/2017</a:t>
             </a:fld>
             <a:endParaRPr lang="en-US"/>
           </a:p>
@@ -2313,7 +2319,7 @@
             <a:fld id="{1D8BD707-D9CF-40AE-B4C6-C98DA3205C09}" type="datetimeFigureOut">
               <a:rPr lang="en-US" smtClean="0"/>
               <a:pPr/>
-              <a:t>7/10/2017</a:t>
+              <a:t>7/19/2017</a:t>
             </a:fld>
             <a:endParaRPr lang="en-US"/>
           </a:p>
@@ -2587,7 +2593,7 @@
             <a:fld id="{1D8BD707-D9CF-40AE-B4C6-C98DA3205C09}" type="datetimeFigureOut">
               <a:rPr lang="en-US" smtClean="0"/>
               <a:pPr/>
-              <a:t>7/10/2017</a:t>
+              <a:t>7/19/2017</a:t>
             </a:fld>
             <a:endParaRPr lang="en-US"/>
           </a:p>
@@ -2837,7 +2843,7 @@
             <a:fld id="{1D8BD707-D9CF-40AE-B4C6-C98DA3205C09}" type="datetimeFigureOut">
               <a:rPr lang="en-US" smtClean="0"/>
               <a:pPr/>
-              <a:t>7/10/2017</a:t>
+              <a:t>7/19/2017</a:t>
             </a:fld>
             <a:endParaRPr lang="en-US"/>
           </a:p>
@@ -3047,7 +3053,7 @@
             <a:fld id="{1D8BD707-D9CF-40AE-B4C6-C98DA3205C09}" type="datetimeFigureOut">
               <a:rPr lang="en-US" smtClean="0"/>
               <a:pPr/>
-              <a:t>7/10/2017</a:t>
+              <a:t>7/19/2017</a:t>
             </a:fld>
             <a:endParaRPr lang="en-US"/>
           </a:p>
@@ -3439,10 +3445,6 @@
               <a:rPr lang="en-US" dirty="0" smtClean="0"/>
               <a:t>Statistics</a:t>
             </a:r>
-            <a:r>
-              <a:rPr lang="en-US" dirty="0" smtClean="0"/>
-              <a:t/>
-            </a:r>
             <a:br>
               <a:rPr lang="en-US" dirty="0" smtClean="0"/>
             </a:br>
@@ -3711,6 +3713,4980 @@
     <p:extLst>
       <p:ext uri="{BB962C8B-B14F-4D97-AF65-F5344CB8AC3E}">
         <p14:creationId xmlns:p14="http://schemas.microsoft.com/office/powerpoint/2010/main" val="2654196744"/>
+      </p:ext>
+    </p:extLst>
+  </p:cSld>
+  <p:clrMapOvr>
+    <a:masterClrMapping/>
+  </p:clrMapOvr>
+  <p:timing>
+    <p:tnLst>
+      <p:par>
+        <p:cTn id="1" dur="indefinite" restart="never" nodeType="tmRoot"/>
+      </p:par>
+    </p:tnLst>
+  </p:timing>
+</p:sld>
+</file>
+
+<file path=ppt/slides/slide10.xml><?xml version="1.0" encoding="utf-8"?>
+<p:sld xmlns:a="http://schemas.openxmlformats.org/drawingml/2006/main" xmlns:r="http://schemas.openxmlformats.org/officeDocument/2006/relationships" xmlns:p="http://schemas.openxmlformats.org/presentationml/2006/main">
+  <p:cSld>
+    <p:spTree>
+      <p:nvGrpSpPr>
+        <p:cNvPr id="1" name=""/>
+        <p:cNvGrpSpPr/>
+        <p:nvPr/>
+      </p:nvGrpSpPr>
+      <p:grpSpPr>
+        <a:xfrm>
+          <a:off x="0" y="0"/>
+          <a:ext cx="0" cy="0"/>
+          <a:chOff x="0" y="0"/>
+          <a:chExt cx="0" cy="0"/>
+        </a:xfrm>
+      </p:grpSpPr>
+      <p:sp>
+        <p:nvSpPr>
+          <p:cNvPr id="2" name="Title 1"/>
+          <p:cNvSpPr>
+            <a:spLocks noGrp="1"/>
+          </p:cNvSpPr>
+          <p:nvPr>
+            <p:ph type="title"/>
+          </p:nvPr>
+        </p:nvSpPr>
+        <p:spPr>
+          <a:xfrm>
+            <a:off x="457200" y="274638"/>
+            <a:ext cx="8305800" cy="792162"/>
+          </a:xfrm>
+        </p:spPr>
+        <p:txBody>
+          <a:bodyPr>
+            <a:normAutofit/>
+          </a:bodyPr>
+          <a:lstStyle/>
+          <a:p>
+            <a:pPr algn="l"/>
+            <a:r>
+              <a:rPr lang="en-US" dirty="0" smtClean="0">
+                <a:solidFill>
+                  <a:schemeClr val="accent1">
+                    <a:lumMod val="75000"/>
+                  </a:schemeClr>
+                </a:solidFill>
+              </a:rPr>
+              <a:t>Z-Score</a:t>
+            </a:r>
+            <a:endParaRPr lang="en-US" dirty="0">
+              <a:solidFill>
+                <a:schemeClr val="accent1">
+                  <a:lumMod val="75000"/>
+                </a:schemeClr>
+              </a:solidFill>
+            </a:endParaRPr>
+          </a:p>
+        </p:txBody>
+      </p:sp>
+      <p:cxnSp>
+        <p:nvCxnSpPr>
+          <p:cNvPr id="5" name="Straight Connector 4"/>
+          <p:cNvCxnSpPr/>
+          <p:nvPr/>
+        </p:nvCxnSpPr>
+        <p:spPr>
+          <a:xfrm>
+            <a:off x="0" y="990600"/>
+            <a:ext cx="9144000" cy="0"/>
+          </a:xfrm>
+          <a:prstGeom prst="line">
+            <a:avLst/>
+          </a:prstGeom>
+          <a:ln w="19050"/>
+        </p:spPr>
+        <p:style>
+          <a:lnRef idx="1">
+            <a:schemeClr val="accent1"/>
+          </a:lnRef>
+          <a:fillRef idx="0">
+            <a:schemeClr val="accent1"/>
+          </a:fillRef>
+          <a:effectRef idx="0">
+            <a:schemeClr val="accent1"/>
+          </a:effectRef>
+          <a:fontRef idx="minor">
+            <a:schemeClr val="tx1"/>
+          </a:fontRef>
+        </p:style>
+      </p:cxnSp>
+      <p:sp>
+        <p:nvSpPr>
+          <p:cNvPr id="44" name="TextBox 43"/>
+          <p:cNvSpPr txBox="1"/>
+          <p:nvPr/>
+        </p:nvSpPr>
+        <p:spPr>
+          <a:xfrm>
+            <a:off x="152400" y="1164134"/>
+            <a:ext cx="8758231" cy="830997"/>
+          </a:xfrm>
+          <a:prstGeom prst="rect">
+            <a:avLst/>
+          </a:prstGeom>
+          <a:noFill/>
+        </p:spPr>
+        <p:txBody>
+          <a:bodyPr wrap="none" rtlCol="0">
+            <a:spAutoFit/>
+          </a:bodyPr>
+          <a:lstStyle/>
+          <a:p>
+            <a:pPr marL="285750" indent="-285750">
+              <a:buFont typeface="Arial" panose="020B0604020202020204" pitchFamily="34" charset="0"/>
+              <a:buChar char="•"/>
+            </a:pPr>
+            <a:r>
+              <a:rPr lang="en-US" sz="2400" b="1" dirty="0" smtClean="0">
+                <a:solidFill>
+                  <a:schemeClr val="accent5">
+                    <a:lumMod val="75000"/>
+                  </a:schemeClr>
+                </a:solidFill>
+              </a:rPr>
+              <a:t>The </a:t>
+            </a:r>
+            <a:r>
+              <a:rPr lang="en-US" sz="2400" b="1" dirty="0" smtClean="0">
+                <a:solidFill>
+                  <a:schemeClr val="accent6">
+                    <a:lumMod val="75000"/>
+                  </a:schemeClr>
+                </a:solidFill>
+              </a:rPr>
+              <a:t>Z-Score </a:t>
+            </a:r>
+            <a:r>
+              <a:rPr lang="en-US" sz="2400" b="1" dirty="0" smtClean="0">
+                <a:solidFill>
+                  <a:schemeClr val="accent5">
+                    <a:lumMod val="75000"/>
+                  </a:schemeClr>
+                </a:solidFill>
+              </a:rPr>
+              <a:t>is the same as the standard deviation from the mean</a:t>
+            </a:r>
+          </a:p>
+          <a:p>
+            <a:r>
+              <a:rPr lang="en-US" sz="2400" b="1" dirty="0">
+                <a:solidFill>
+                  <a:schemeClr val="accent5">
+                    <a:lumMod val="75000"/>
+                  </a:schemeClr>
+                </a:solidFill>
+              </a:rPr>
+              <a:t> </a:t>
+            </a:r>
+            <a:r>
+              <a:rPr lang="en-US" sz="2400" b="1" dirty="0" smtClean="0">
+                <a:solidFill>
+                  <a:schemeClr val="accent5">
+                    <a:lumMod val="75000"/>
+                  </a:schemeClr>
+                </a:solidFill>
+              </a:rPr>
+              <a:t>    in a normal distribution.</a:t>
+            </a:r>
+            <a:endParaRPr lang="en-US" sz="2400" b="1" dirty="0" smtClean="0">
+              <a:solidFill>
+                <a:schemeClr val="accent5">
+                  <a:lumMod val="75000"/>
+                </a:schemeClr>
+              </a:solidFill>
+            </a:endParaRPr>
+          </a:p>
+        </p:txBody>
+      </p:sp>
+      <p:pic>
+        <p:nvPicPr>
+          <p:cNvPr id="46" name="Picture 2" descr="Image result for normal distribution image"/>
+          <p:cNvPicPr>
+            <a:picLocks noChangeAspect="1" noChangeArrowheads="1"/>
+          </p:cNvPicPr>
+          <p:nvPr/>
+        </p:nvPicPr>
+        <p:blipFill>
+          <a:blip r:embed="rId2">
+            <a:extLst>
+              <a:ext uri="{28A0092B-C50C-407E-A947-70E740481C1C}">
+                <a14:useLocalDpi xmlns:a14="http://schemas.microsoft.com/office/drawing/2010/main" val="0"/>
+              </a:ext>
+            </a:extLst>
+          </a:blip>
+          <a:srcRect/>
+          <a:stretch>
+            <a:fillRect/>
+          </a:stretch>
+        </p:blipFill>
+        <p:spPr bwMode="auto">
+          <a:xfrm>
+            <a:off x="699390" y="2286000"/>
+            <a:ext cx="5343525" cy="3743325"/>
+          </a:xfrm>
+          <a:prstGeom prst="rect">
+            <a:avLst/>
+          </a:prstGeom>
+          <a:noFill/>
+          <a:extLst>
+            <a:ext uri="{909E8E84-426E-40DD-AFC4-6F175D3DCCD1}">
+              <a14:hiddenFill xmlns:a14="http://schemas.microsoft.com/office/drawing/2010/main">
+                <a:solidFill>
+                  <a:srgbClr val="FFFFFF"/>
+                </a:solidFill>
+              </a14:hiddenFill>
+            </a:ext>
+          </a:extLst>
+        </p:spPr>
+      </p:pic>
+      <p:cxnSp>
+        <p:nvCxnSpPr>
+          <p:cNvPr id="8" name="Straight Arrow Connector 7"/>
+          <p:cNvCxnSpPr/>
+          <p:nvPr/>
+        </p:nvCxnSpPr>
+        <p:spPr>
+          <a:xfrm flipH="1">
+            <a:off x="4742753" y="2819400"/>
+            <a:ext cx="800100" cy="1905000"/>
+          </a:xfrm>
+          <a:prstGeom prst="straightConnector1">
+            <a:avLst/>
+          </a:prstGeom>
+          <a:ln w="19050">
+            <a:solidFill>
+              <a:schemeClr val="tx1"/>
+            </a:solidFill>
+            <a:tailEnd type="arrow"/>
+          </a:ln>
+        </p:spPr>
+        <p:style>
+          <a:lnRef idx="1">
+            <a:schemeClr val="accent1"/>
+          </a:lnRef>
+          <a:fillRef idx="0">
+            <a:schemeClr val="accent1"/>
+          </a:fillRef>
+          <a:effectRef idx="0">
+            <a:schemeClr val="accent1"/>
+          </a:effectRef>
+          <a:fontRef idx="minor">
+            <a:schemeClr val="tx1"/>
+          </a:fontRef>
+        </p:style>
+      </p:cxnSp>
+      <p:sp>
+        <p:nvSpPr>
+          <p:cNvPr id="55" name="TextBox 54"/>
+          <p:cNvSpPr txBox="1"/>
+          <p:nvPr/>
+        </p:nvSpPr>
+        <p:spPr>
+          <a:xfrm>
+            <a:off x="5045601" y="2494061"/>
+            <a:ext cx="994503" cy="307777"/>
+          </a:xfrm>
+          <a:prstGeom prst="rect">
+            <a:avLst/>
+          </a:prstGeom>
+          <a:noFill/>
+        </p:spPr>
+        <p:txBody>
+          <a:bodyPr wrap="none" rtlCol="0">
+            <a:spAutoFit/>
+          </a:bodyPr>
+          <a:lstStyle/>
+          <a:p>
+            <a:r>
+              <a:rPr lang="en-US" sz="1400" b="1" dirty="0" smtClean="0"/>
+              <a:t>Z-Score = 2</a:t>
+            </a:r>
+            <a:endParaRPr lang="en-US" sz="1400" b="1" dirty="0"/>
+          </a:p>
+        </p:txBody>
+      </p:sp>
+      <p:cxnSp>
+        <p:nvCxnSpPr>
+          <p:cNvPr id="56" name="Straight Arrow Connector 55"/>
+          <p:cNvCxnSpPr/>
+          <p:nvPr/>
+        </p:nvCxnSpPr>
+        <p:spPr>
+          <a:xfrm>
+            <a:off x="1618553" y="2819400"/>
+            <a:ext cx="685800" cy="1905000"/>
+          </a:xfrm>
+          <a:prstGeom prst="straightConnector1">
+            <a:avLst/>
+          </a:prstGeom>
+          <a:ln w="19050">
+            <a:solidFill>
+              <a:schemeClr val="tx1"/>
+            </a:solidFill>
+            <a:tailEnd type="arrow"/>
+          </a:ln>
+        </p:spPr>
+        <p:style>
+          <a:lnRef idx="1">
+            <a:schemeClr val="accent1"/>
+          </a:lnRef>
+          <a:fillRef idx="0">
+            <a:schemeClr val="accent1"/>
+          </a:fillRef>
+          <a:effectRef idx="0">
+            <a:schemeClr val="accent1"/>
+          </a:effectRef>
+          <a:fontRef idx="minor">
+            <a:schemeClr val="tx1"/>
+          </a:fontRef>
+        </p:style>
+      </p:cxnSp>
+      <p:sp>
+        <p:nvSpPr>
+          <p:cNvPr id="57" name="TextBox 56"/>
+          <p:cNvSpPr txBox="1"/>
+          <p:nvPr/>
+        </p:nvSpPr>
+        <p:spPr>
+          <a:xfrm>
+            <a:off x="1121301" y="2494061"/>
+            <a:ext cx="1049005" cy="307777"/>
+          </a:xfrm>
+          <a:prstGeom prst="rect">
+            <a:avLst/>
+          </a:prstGeom>
+          <a:noFill/>
+        </p:spPr>
+        <p:txBody>
+          <a:bodyPr wrap="none" rtlCol="0">
+            <a:spAutoFit/>
+          </a:bodyPr>
+          <a:lstStyle/>
+          <a:p>
+            <a:r>
+              <a:rPr lang="en-US" sz="1400" b="1" dirty="0" smtClean="0"/>
+              <a:t>Z-Score = -2</a:t>
+            </a:r>
+            <a:endParaRPr lang="en-US" sz="1400" b="1" dirty="0"/>
+          </a:p>
+        </p:txBody>
+      </p:sp>
+      <p:cxnSp>
+        <p:nvCxnSpPr>
+          <p:cNvPr id="14" name="Straight Arrow Connector 13"/>
+          <p:cNvCxnSpPr/>
+          <p:nvPr/>
+        </p:nvCxnSpPr>
+        <p:spPr>
+          <a:xfrm flipV="1">
+            <a:off x="4437953" y="5029200"/>
+            <a:ext cx="0" cy="533400"/>
+          </a:xfrm>
+          <a:prstGeom prst="straightConnector1">
+            <a:avLst/>
+          </a:prstGeom>
+          <a:ln w="19050">
+            <a:solidFill>
+              <a:schemeClr val="bg1">
+                <a:lumMod val="50000"/>
+              </a:schemeClr>
+            </a:solidFill>
+            <a:tailEnd type="arrow"/>
+          </a:ln>
+        </p:spPr>
+        <p:style>
+          <a:lnRef idx="1">
+            <a:schemeClr val="accent1"/>
+          </a:lnRef>
+          <a:fillRef idx="0">
+            <a:schemeClr val="accent1"/>
+          </a:fillRef>
+          <a:effectRef idx="0">
+            <a:schemeClr val="accent1"/>
+          </a:effectRef>
+          <a:fontRef idx="minor">
+            <a:schemeClr val="tx1"/>
+          </a:fontRef>
+        </p:style>
+      </p:cxnSp>
+      <p:sp>
+        <p:nvSpPr>
+          <p:cNvPr id="58" name="TextBox 57"/>
+          <p:cNvSpPr txBox="1"/>
+          <p:nvPr/>
+        </p:nvSpPr>
+        <p:spPr>
+          <a:xfrm>
+            <a:off x="3468524" y="5565577"/>
+            <a:ext cx="2206951" cy="307777"/>
+          </a:xfrm>
+          <a:prstGeom prst="rect">
+            <a:avLst/>
+          </a:prstGeom>
+          <a:noFill/>
+        </p:spPr>
+        <p:txBody>
+          <a:bodyPr wrap="none" rtlCol="0">
+            <a:spAutoFit/>
+          </a:bodyPr>
+          <a:lstStyle/>
+          <a:p>
+            <a:r>
+              <a:rPr lang="en-US" sz="1400" b="1" dirty="0" smtClean="0">
+                <a:solidFill>
+                  <a:schemeClr val="bg1">
+                    <a:lumMod val="50000"/>
+                  </a:schemeClr>
+                </a:solidFill>
+              </a:rPr>
+              <a:t>Arbitrary Z-score (e.g., 1.5)</a:t>
+            </a:r>
+            <a:endParaRPr lang="en-US" sz="1400" b="1" dirty="0">
+              <a:solidFill>
+                <a:schemeClr val="bg1">
+                  <a:lumMod val="50000"/>
+                </a:schemeClr>
+              </a:solidFill>
+            </a:endParaRPr>
+          </a:p>
+        </p:txBody>
+      </p:sp>
+      <mc:AlternateContent xmlns:mc="http://schemas.openxmlformats.org/markup-compatibility/2006">
+        <mc:Choice xmlns:a14="http://schemas.microsoft.com/office/drawing/2010/main" Requires="a14">
+          <p:sp>
+            <p:nvSpPr>
+              <p:cNvPr id="61" name="TextBox 60"/>
+              <p:cNvSpPr txBox="1"/>
+              <p:nvPr/>
+            </p:nvSpPr>
+            <p:spPr>
+              <a:xfrm>
+                <a:off x="3880152" y="5934107"/>
+                <a:ext cx="1231427" cy="590546"/>
+              </a:xfrm>
+              <a:prstGeom prst="rect">
+                <a:avLst/>
+              </a:prstGeom>
+              <a:noFill/>
+            </p:spPr>
+            <p:txBody>
+              <a:bodyPr wrap="none" rtlCol="0">
+                <a:spAutoFit/>
+              </a:bodyPr>
+              <a:lstStyle/>
+              <a:p>
+                <a:r>
+                  <a:rPr lang="en-US" sz="2000" b="1" dirty="0" smtClean="0"/>
+                  <a:t>Z = </a:t>
+                </a:r>
+                <a14:m>
+                  <m:oMath xmlns:m="http://schemas.openxmlformats.org/officeDocument/2006/math">
+                    <m:f>
+                      <m:fPr>
+                        <m:ctrlPr>
+                          <a:rPr lang="en-US" sz="2000" b="1" i="1" smtClean="0">
+                            <a:latin typeface="Cambria Math"/>
+                          </a:rPr>
+                        </m:ctrlPr>
+                      </m:fPr>
+                      <m:num>
+                        <m:r>
+                          <m:rPr>
+                            <m:nor/>
+                          </m:rPr>
+                          <a:rPr lang="en-US" sz="2000" b="1" dirty="0"/>
+                          <m:t>(</m:t>
+                        </m:r>
+                        <m:r>
+                          <m:rPr>
+                            <m:nor/>
+                          </m:rPr>
+                          <a:rPr lang="en-US" sz="2000" dirty="0"/>
+                          <m:t>x</m:t>
+                        </m:r>
+                        <m:r>
+                          <m:rPr>
+                            <m:nor/>
+                          </m:rPr>
+                          <a:rPr lang="en-US" sz="2000" dirty="0"/>
+                          <m:t>̅ </m:t>
+                        </m:r>
+                        <m:r>
+                          <a:rPr lang="en-US" sz="2000" b="1" i="1" dirty="0" smtClean="0">
+                            <a:latin typeface="Cambria Math"/>
+                          </a:rPr>
+                          <m:t>− </m:t>
+                        </m:r>
+                        <m:r>
+                          <a:rPr lang="en-US" sz="2000" b="1" i="1">
+                            <a:latin typeface="Cambria Math"/>
+                          </a:rPr>
+                          <m:t>µ</m:t>
+                        </m:r>
+                        <m:r>
+                          <m:rPr>
+                            <m:nor/>
+                          </m:rPr>
+                          <a:rPr lang="en-US" sz="2000" b="1" dirty="0"/>
+                          <m:t> )</m:t>
+                        </m:r>
+                      </m:num>
+                      <m:den>
+                        <m:r>
+                          <m:rPr>
+                            <m:nor/>
+                          </m:rPr>
+                          <a:rPr lang="vi-VN" sz="2000" dirty="0"/>
+                          <m:t>σ</m:t>
+                        </m:r>
+                      </m:den>
+                    </m:f>
+                  </m:oMath>
+                </a14:m>
+                <a:endParaRPr lang="en-US" sz="2000" b="1" dirty="0"/>
+              </a:p>
+            </p:txBody>
+          </p:sp>
+        </mc:Choice>
+        <mc:Fallback>
+          <p:sp>
+            <p:nvSpPr>
+              <p:cNvPr id="61" name="TextBox 60"/>
+              <p:cNvSpPr txBox="1">
+                <a:spLocks noRot="1" noChangeAspect="1" noMove="1" noResize="1" noEditPoints="1" noAdjustHandles="1" noChangeArrowheads="1" noChangeShapeType="1" noTextEdit="1"/>
+              </p:cNvSpPr>
+              <p:nvPr/>
+            </p:nvSpPr>
+            <p:spPr>
+              <a:xfrm>
+                <a:off x="3880152" y="5934107"/>
+                <a:ext cx="1231427" cy="590546"/>
+              </a:xfrm>
+              <a:prstGeom prst="rect">
+                <a:avLst/>
+              </a:prstGeom>
+              <a:blipFill rotWithShape="1">
+                <a:blip r:embed="rId3"/>
+                <a:stretch>
+                  <a:fillRect l="-5446" b="-6186"/>
+                </a:stretch>
+              </a:blipFill>
+            </p:spPr>
+            <p:txBody>
+              <a:bodyPr/>
+              <a:lstStyle/>
+              <a:p>
+                <a:r>
+                  <a:rPr lang="en-US">
+                    <a:noFill/>
+                  </a:rPr>
+                  <a:t> </a:t>
+                </a:r>
+              </a:p>
+            </p:txBody>
+          </p:sp>
+        </mc:Fallback>
+      </mc:AlternateContent>
+      <p:sp>
+        <p:nvSpPr>
+          <p:cNvPr id="63" name="Rectangle 62"/>
+          <p:cNvSpPr/>
+          <p:nvPr/>
+        </p:nvSpPr>
+        <p:spPr>
+          <a:xfrm>
+            <a:off x="4647631" y="6266758"/>
+            <a:ext cx="299520" cy="400110"/>
+          </a:xfrm>
+          <a:prstGeom prst="rect">
+            <a:avLst/>
+          </a:prstGeom>
+        </p:spPr>
+        <p:txBody>
+          <a:bodyPr wrap="square">
+            <a:spAutoFit/>
+          </a:bodyPr>
+          <a:lstStyle/>
+          <a:p>
+            <a:r>
+              <a:rPr lang="en-US" sz="2000" b="1" dirty="0" smtClean="0"/>
+              <a:t>x</a:t>
+            </a:r>
+            <a:r>
+              <a:rPr lang="en-US" sz="2000" dirty="0" smtClean="0"/>
+              <a:t>̅</a:t>
+            </a:r>
+            <a:endParaRPr lang="en-US" sz="2000" dirty="0"/>
+          </a:p>
+        </p:txBody>
+      </p:sp>
+      <mc:AlternateContent xmlns:mc="http://schemas.openxmlformats.org/markup-compatibility/2006">
+        <mc:Choice xmlns:a14="http://schemas.microsoft.com/office/drawing/2010/main" Requires="a14">
+          <p:sp>
+            <p:nvSpPr>
+              <p:cNvPr id="15" name="Rectangle 14"/>
+              <p:cNvSpPr/>
+              <p:nvPr/>
+            </p:nvSpPr>
+            <p:spPr>
+              <a:xfrm>
+                <a:off x="3353526" y="2788682"/>
+                <a:ext cx="364202" cy="369332"/>
+              </a:xfrm>
+              <a:prstGeom prst="rect">
+                <a:avLst/>
+              </a:prstGeom>
+            </p:spPr>
+            <p:txBody>
+              <a:bodyPr wrap="none">
+                <a:spAutoFit/>
+              </a:bodyPr>
+              <a:lstStyle/>
+              <a:p>
+                <a14:m>
+                  <m:oMathPara xmlns:m="http://schemas.openxmlformats.org/officeDocument/2006/math">
+                    <m:oMathParaPr>
+                      <m:jc m:val="centerGroup"/>
+                    </m:oMathParaPr>
+                    <m:oMath xmlns:m="http://schemas.openxmlformats.org/officeDocument/2006/math">
+                      <m:r>
+                        <a:rPr lang="en-US" b="1" i="1">
+                          <a:latin typeface="Cambria Math"/>
+                        </a:rPr>
+                        <m:t>µ</m:t>
+                      </m:r>
+                    </m:oMath>
+                  </m:oMathPara>
+                </a14:m>
+                <a:endParaRPr lang="en-US" dirty="0"/>
+              </a:p>
+            </p:txBody>
+          </p:sp>
+        </mc:Choice>
+        <mc:Fallback>
+          <p:sp>
+            <p:nvSpPr>
+              <p:cNvPr id="15" name="Rectangle 14"/>
+              <p:cNvSpPr>
+                <a:spLocks noRot="1" noChangeAspect="1" noMove="1" noResize="1" noEditPoints="1" noAdjustHandles="1" noChangeArrowheads="1" noChangeShapeType="1" noTextEdit="1"/>
+              </p:cNvSpPr>
+              <p:nvPr/>
+            </p:nvSpPr>
+            <p:spPr>
+              <a:xfrm>
+                <a:off x="3353526" y="2788682"/>
+                <a:ext cx="364202" cy="369332"/>
+              </a:xfrm>
+              <a:prstGeom prst="rect">
+                <a:avLst/>
+              </a:prstGeom>
+              <a:blipFill rotWithShape="1">
+                <a:blip r:embed="rId4"/>
+                <a:stretch>
+                  <a:fillRect b="-4918"/>
+                </a:stretch>
+              </a:blipFill>
+            </p:spPr>
+            <p:txBody>
+              <a:bodyPr/>
+              <a:lstStyle/>
+              <a:p>
+                <a:r>
+                  <a:rPr lang="en-US">
+                    <a:noFill/>
+                  </a:rPr>
+                  <a:t> </a:t>
+                </a:r>
+              </a:p>
+            </p:txBody>
+          </p:sp>
+        </mc:Fallback>
+      </mc:AlternateContent>
+    </p:spTree>
+    <p:extLst>
+      <p:ext uri="{BB962C8B-B14F-4D97-AF65-F5344CB8AC3E}">
+        <p14:creationId xmlns:p14="http://schemas.microsoft.com/office/powerpoint/2010/main" val="2495864770"/>
+      </p:ext>
+    </p:extLst>
+  </p:cSld>
+  <p:clrMapOvr>
+    <a:masterClrMapping/>
+  </p:clrMapOvr>
+  <p:timing>
+    <p:tnLst>
+      <p:par>
+        <p:cTn id="1" dur="indefinite" restart="never" nodeType="tmRoot"/>
+      </p:par>
+    </p:tnLst>
+  </p:timing>
+</p:sld>
+</file>
+
+<file path=ppt/slides/slide11.xml><?xml version="1.0" encoding="utf-8"?>
+<p:sld xmlns:a="http://schemas.openxmlformats.org/drawingml/2006/main" xmlns:r="http://schemas.openxmlformats.org/officeDocument/2006/relationships" xmlns:p="http://schemas.openxmlformats.org/presentationml/2006/main">
+  <p:cSld>
+    <p:spTree>
+      <p:nvGrpSpPr>
+        <p:cNvPr id="1" name=""/>
+        <p:cNvGrpSpPr/>
+        <p:nvPr/>
+      </p:nvGrpSpPr>
+      <p:grpSpPr>
+        <a:xfrm>
+          <a:off x="0" y="0"/>
+          <a:ext cx="0" cy="0"/>
+          <a:chOff x="0" y="0"/>
+          <a:chExt cx="0" cy="0"/>
+        </a:xfrm>
+      </p:grpSpPr>
+      <p:sp>
+        <p:nvSpPr>
+          <p:cNvPr id="2" name="Title 1"/>
+          <p:cNvSpPr>
+            <a:spLocks noGrp="1"/>
+          </p:cNvSpPr>
+          <p:nvPr>
+            <p:ph type="title"/>
+          </p:nvPr>
+        </p:nvSpPr>
+        <p:spPr>
+          <a:xfrm>
+            <a:off x="457200" y="274638"/>
+            <a:ext cx="8305800" cy="792162"/>
+          </a:xfrm>
+        </p:spPr>
+        <p:txBody>
+          <a:bodyPr>
+            <a:normAutofit/>
+          </a:bodyPr>
+          <a:lstStyle/>
+          <a:p>
+            <a:pPr algn="l"/>
+            <a:r>
+              <a:rPr lang="en-US" dirty="0" smtClean="0">
+                <a:solidFill>
+                  <a:schemeClr val="accent1">
+                    <a:lumMod val="75000"/>
+                  </a:schemeClr>
+                </a:solidFill>
+              </a:rPr>
+              <a:t>Standard Normal Probabilities</a:t>
+            </a:r>
+            <a:endParaRPr lang="en-US" dirty="0">
+              <a:solidFill>
+                <a:schemeClr val="accent1">
+                  <a:lumMod val="75000"/>
+                </a:schemeClr>
+              </a:solidFill>
+            </a:endParaRPr>
+          </a:p>
+        </p:txBody>
+      </p:sp>
+      <p:cxnSp>
+        <p:nvCxnSpPr>
+          <p:cNvPr id="5" name="Straight Connector 4"/>
+          <p:cNvCxnSpPr/>
+          <p:nvPr/>
+        </p:nvCxnSpPr>
+        <p:spPr>
+          <a:xfrm>
+            <a:off x="0" y="990600"/>
+            <a:ext cx="9144000" cy="0"/>
+          </a:xfrm>
+          <a:prstGeom prst="line">
+            <a:avLst/>
+          </a:prstGeom>
+          <a:ln w="19050"/>
+        </p:spPr>
+        <p:style>
+          <a:lnRef idx="1">
+            <a:schemeClr val="accent1"/>
+          </a:lnRef>
+          <a:fillRef idx="0">
+            <a:schemeClr val="accent1"/>
+          </a:fillRef>
+          <a:effectRef idx="0">
+            <a:schemeClr val="accent1"/>
+          </a:effectRef>
+          <a:fontRef idx="minor">
+            <a:schemeClr val="tx1"/>
+          </a:fontRef>
+        </p:style>
+      </p:cxnSp>
+      <p:sp>
+        <p:nvSpPr>
+          <p:cNvPr id="44" name="TextBox 43"/>
+          <p:cNvSpPr txBox="1"/>
+          <p:nvPr/>
+        </p:nvSpPr>
+        <p:spPr>
+          <a:xfrm>
+            <a:off x="152400" y="1164134"/>
+            <a:ext cx="8963672" cy="1200329"/>
+          </a:xfrm>
+          <a:prstGeom prst="rect">
+            <a:avLst/>
+          </a:prstGeom>
+          <a:noFill/>
+        </p:spPr>
+        <p:txBody>
+          <a:bodyPr wrap="none" rtlCol="0">
+            <a:spAutoFit/>
+          </a:bodyPr>
+          <a:lstStyle/>
+          <a:p>
+            <a:pPr marL="285750" indent="-285750">
+              <a:buFont typeface="Arial" panose="020B0604020202020204" pitchFamily="34" charset="0"/>
+              <a:buChar char="•"/>
+            </a:pPr>
+            <a:r>
+              <a:rPr lang="en-US" sz="2400" b="1" dirty="0" smtClean="0">
+                <a:solidFill>
+                  <a:schemeClr val="accent5">
+                    <a:lumMod val="75000"/>
+                  </a:schemeClr>
+                </a:solidFill>
+              </a:rPr>
+              <a:t>The Probability that a Z-Score for a sample will fall within the area </a:t>
+            </a:r>
+            <a:br>
+              <a:rPr lang="en-US" sz="2400" b="1" dirty="0" smtClean="0">
+                <a:solidFill>
+                  <a:schemeClr val="accent5">
+                    <a:lumMod val="75000"/>
+                  </a:schemeClr>
+                </a:solidFill>
+              </a:rPr>
+            </a:br>
+            <a:r>
+              <a:rPr lang="en-US" sz="2400" b="1" dirty="0" smtClean="0">
+                <a:solidFill>
+                  <a:schemeClr val="accent5">
+                    <a:lumMod val="75000"/>
+                  </a:schemeClr>
+                </a:solidFill>
+              </a:rPr>
+              <a:t>of a </a:t>
+            </a:r>
+            <a:r>
+              <a:rPr lang="en-US" sz="2400" b="1" dirty="0" smtClean="0">
+                <a:solidFill>
+                  <a:schemeClr val="accent5">
+                    <a:lumMod val="75000"/>
+                  </a:schemeClr>
+                </a:solidFill>
+              </a:rPr>
+              <a:t>normal distribution can be looked up in the </a:t>
+            </a:r>
+            <a:r>
+              <a:rPr lang="en-US" sz="2400" b="1" dirty="0" smtClean="0">
+                <a:solidFill>
+                  <a:schemeClr val="accent6">
+                    <a:lumMod val="75000"/>
+                  </a:schemeClr>
+                </a:solidFill>
+              </a:rPr>
+              <a:t>Standard Normal</a:t>
+            </a:r>
+            <a:br>
+              <a:rPr lang="en-US" sz="2400" b="1" dirty="0" smtClean="0">
+                <a:solidFill>
+                  <a:schemeClr val="accent6">
+                    <a:lumMod val="75000"/>
+                  </a:schemeClr>
+                </a:solidFill>
+              </a:rPr>
+            </a:br>
+            <a:r>
+              <a:rPr lang="en-US" sz="2400" b="1" dirty="0" smtClean="0">
+                <a:solidFill>
+                  <a:schemeClr val="accent6">
+                    <a:lumMod val="75000"/>
+                  </a:schemeClr>
+                </a:solidFill>
+              </a:rPr>
+              <a:t>Probabilities Table</a:t>
+            </a:r>
+            <a:r>
+              <a:rPr lang="en-US" sz="2400" b="1" dirty="0" smtClean="0">
+                <a:solidFill>
+                  <a:schemeClr val="accent5">
+                    <a:lumMod val="75000"/>
+                  </a:schemeClr>
+                </a:solidFill>
+              </a:rPr>
+              <a:t> </a:t>
+            </a:r>
+            <a:r>
+              <a:rPr lang="en-US" sz="2400" b="1" dirty="0">
+                <a:solidFill>
+                  <a:schemeClr val="accent5">
+                    <a:lumMod val="75000"/>
+                  </a:schemeClr>
+                </a:solidFill>
+              </a:rPr>
+              <a:t>- </a:t>
+            </a:r>
+            <a:r>
+              <a:rPr lang="en-US" sz="1600" b="1" dirty="0">
+                <a:solidFill>
+                  <a:schemeClr val="accent5">
+                    <a:lumMod val="75000"/>
+                  </a:schemeClr>
+                </a:solidFill>
+                <a:hlinkClick r:id="rId2"/>
+              </a:rPr>
+              <a:t>http://www.stat.ufl.edu/~</a:t>
+            </a:r>
+            <a:r>
+              <a:rPr lang="en-US" sz="1600" b="1" dirty="0" smtClean="0">
+                <a:solidFill>
+                  <a:schemeClr val="accent5">
+                    <a:lumMod val="75000"/>
+                  </a:schemeClr>
+                </a:solidFill>
+                <a:hlinkClick r:id="rId2"/>
+              </a:rPr>
+              <a:t>athienit/Tables/Ztable.pdf</a:t>
+            </a:r>
+            <a:r>
+              <a:rPr lang="en-US" sz="1600" b="1" dirty="0" smtClean="0">
+                <a:solidFill>
+                  <a:schemeClr val="accent5">
+                    <a:lumMod val="75000"/>
+                  </a:schemeClr>
+                </a:solidFill>
+              </a:rPr>
+              <a:t> </a:t>
+            </a:r>
+            <a:endParaRPr lang="en-US" sz="1600" b="1" dirty="0" smtClean="0">
+              <a:solidFill>
+                <a:schemeClr val="accent5">
+                  <a:lumMod val="75000"/>
+                </a:schemeClr>
+              </a:solidFill>
+            </a:endParaRPr>
+          </a:p>
+        </p:txBody>
+      </p:sp>
+      <p:pic>
+        <p:nvPicPr>
+          <p:cNvPr id="46" name="Picture 2" descr="Image result for normal distribution image"/>
+          <p:cNvPicPr>
+            <a:picLocks noChangeAspect="1" noChangeArrowheads="1"/>
+          </p:cNvPicPr>
+          <p:nvPr/>
+        </p:nvPicPr>
+        <p:blipFill>
+          <a:blip r:embed="rId3">
+            <a:extLst>
+              <a:ext uri="{28A0092B-C50C-407E-A947-70E740481C1C}">
+                <a14:useLocalDpi xmlns:a14="http://schemas.microsoft.com/office/drawing/2010/main" val="0"/>
+              </a:ext>
+            </a:extLst>
+          </a:blip>
+          <a:srcRect/>
+          <a:stretch>
+            <a:fillRect/>
+          </a:stretch>
+        </p:blipFill>
+        <p:spPr bwMode="auto">
+          <a:xfrm>
+            <a:off x="1600200" y="2282894"/>
+            <a:ext cx="5773707" cy="4044683"/>
+          </a:xfrm>
+          <a:prstGeom prst="rect">
+            <a:avLst/>
+          </a:prstGeom>
+          <a:noFill/>
+          <a:extLst>
+            <a:ext uri="{909E8E84-426E-40DD-AFC4-6F175D3DCCD1}">
+              <a14:hiddenFill xmlns:a14="http://schemas.microsoft.com/office/drawing/2010/main">
+                <a:solidFill>
+                  <a:srgbClr val="FFFFFF"/>
+                </a:solidFill>
+              </a14:hiddenFill>
+            </a:ext>
+          </a:extLst>
+        </p:spPr>
+      </p:pic>
+      <p:sp>
+        <p:nvSpPr>
+          <p:cNvPr id="55" name="TextBox 54"/>
+          <p:cNvSpPr txBox="1"/>
+          <p:nvPr/>
+        </p:nvSpPr>
+        <p:spPr>
+          <a:xfrm>
+            <a:off x="2156126" y="2589311"/>
+            <a:ext cx="5026056" cy="307777"/>
+          </a:xfrm>
+          <a:prstGeom prst="rect">
+            <a:avLst/>
+          </a:prstGeom>
+          <a:noFill/>
+        </p:spPr>
+        <p:txBody>
+          <a:bodyPr wrap="none" rtlCol="0">
+            <a:spAutoFit/>
+          </a:bodyPr>
+          <a:lstStyle/>
+          <a:p>
+            <a:r>
+              <a:rPr lang="en-US" sz="1400" b="1" dirty="0" smtClean="0"/>
+              <a:t>50% Probability that Sample falls into the area of the distribution</a:t>
+            </a:r>
+            <a:endParaRPr lang="en-US" sz="1400" b="1" dirty="0"/>
+          </a:p>
+        </p:txBody>
+      </p:sp>
+      <mc:AlternateContent xmlns:mc="http://schemas.openxmlformats.org/markup-compatibility/2006">
+        <mc:Choice xmlns:a14="http://schemas.microsoft.com/office/drawing/2010/main" Requires="a14">
+          <p:sp>
+            <p:nvSpPr>
+              <p:cNvPr id="15" name="Rectangle 14"/>
+              <p:cNvSpPr/>
+              <p:nvPr/>
+            </p:nvSpPr>
+            <p:spPr>
+              <a:xfrm>
+                <a:off x="4487053" y="2743200"/>
+                <a:ext cx="364202" cy="369332"/>
+              </a:xfrm>
+              <a:prstGeom prst="rect">
+                <a:avLst/>
+              </a:prstGeom>
+            </p:spPr>
+            <p:txBody>
+              <a:bodyPr wrap="none">
+                <a:spAutoFit/>
+              </a:bodyPr>
+              <a:lstStyle/>
+              <a:p>
+                <a14:m>
+                  <m:oMathPara xmlns:m="http://schemas.openxmlformats.org/officeDocument/2006/math">
+                    <m:oMathParaPr>
+                      <m:jc m:val="centerGroup"/>
+                    </m:oMathParaPr>
+                    <m:oMath xmlns:m="http://schemas.openxmlformats.org/officeDocument/2006/math">
+                      <m:r>
+                        <a:rPr lang="en-US" b="1" i="1">
+                          <a:latin typeface="Cambria Math"/>
+                        </a:rPr>
+                        <m:t>µ</m:t>
+                      </m:r>
+                    </m:oMath>
+                  </m:oMathPara>
+                </a14:m>
+                <a:endParaRPr lang="en-US" dirty="0"/>
+              </a:p>
+            </p:txBody>
+          </p:sp>
+        </mc:Choice>
+        <mc:Fallback>
+          <p:sp>
+            <p:nvSpPr>
+              <p:cNvPr id="15" name="Rectangle 14"/>
+              <p:cNvSpPr>
+                <a:spLocks noRot="1" noChangeAspect="1" noMove="1" noResize="1" noEditPoints="1" noAdjustHandles="1" noChangeArrowheads="1" noChangeShapeType="1" noTextEdit="1"/>
+              </p:cNvSpPr>
+              <p:nvPr/>
+            </p:nvSpPr>
+            <p:spPr>
+              <a:xfrm>
+                <a:off x="4487053" y="2743200"/>
+                <a:ext cx="364202" cy="369332"/>
+              </a:xfrm>
+              <a:prstGeom prst="rect">
+                <a:avLst/>
+              </a:prstGeom>
+              <a:blipFill rotWithShape="1">
+                <a:blip r:embed="rId4"/>
+                <a:stretch>
+                  <a:fillRect b="-4918"/>
+                </a:stretch>
+              </a:blipFill>
+            </p:spPr>
+            <p:txBody>
+              <a:bodyPr/>
+              <a:lstStyle/>
+              <a:p>
+                <a:r>
+                  <a:rPr lang="en-US">
+                    <a:noFill/>
+                  </a:rPr>
+                  <a:t> </a:t>
+                </a:r>
+              </a:p>
+            </p:txBody>
+          </p:sp>
+        </mc:Fallback>
+      </mc:AlternateContent>
+      <p:sp>
+        <p:nvSpPr>
+          <p:cNvPr id="4" name="Right Arrow 3"/>
+          <p:cNvSpPr/>
+          <p:nvPr/>
+        </p:nvSpPr>
+        <p:spPr>
+          <a:xfrm>
+            <a:off x="6838910" y="5791200"/>
+            <a:ext cx="609600" cy="76200"/>
+          </a:xfrm>
+          <a:prstGeom prst="rightArrow">
+            <a:avLst/>
+          </a:prstGeom>
+          <a:solidFill>
+            <a:schemeClr val="bg1">
+              <a:lumMod val="50000"/>
+            </a:schemeClr>
+          </a:solidFill>
+          <a:ln>
+            <a:solidFill>
+              <a:schemeClr val="bg1">
+                <a:lumMod val="50000"/>
+              </a:schemeClr>
+            </a:solidFill>
+          </a:ln>
+        </p:spPr>
+        <p:style>
+          <a:lnRef idx="2">
+            <a:schemeClr val="accent1">
+              <a:shade val="50000"/>
+            </a:schemeClr>
+          </a:lnRef>
+          <a:fillRef idx="1">
+            <a:schemeClr val="accent1"/>
+          </a:fillRef>
+          <a:effectRef idx="0">
+            <a:schemeClr val="accent1"/>
+          </a:effectRef>
+          <a:fontRef idx="minor">
+            <a:schemeClr val="lt1"/>
+          </a:fontRef>
+        </p:style>
+        <p:txBody>
+          <a:bodyPr rtlCol="0" anchor="ctr"/>
+          <a:lstStyle/>
+          <a:p>
+            <a:pPr algn="ctr"/>
+            <a:endParaRPr lang="en-US"/>
+          </a:p>
+        </p:txBody>
+      </p:sp>
+      <p:sp>
+        <p:nvSpPr>
+          <p:cNvPr id="17" name="TextBox 16"/>
+          <p:cNvSpPr txBox="1"/>
+          <p:nvPr/>
+        </p:nvSpPr>
+        <p:spPr>
+          <a:xfrm>
+            <a:off x="152400" y="5675411"/>
+            <a:ext cx="6686510" cy="307777"/>
+          </a:xfrm>
+          <a:prstGeom prst="rect">
+            <a:avLst/>
+          </a:prstGeom>
+          <a:noFill/>
+        </p:spPr>
+        <p:txBody>
+          <a:bodyPr wrap="none" rtlCol="0">
+            <a:spAutoFit/>
+          </a:bodyPr>
+          <a:lstStyle/>
+          <a:p>
+            <a:r>
+              <a:rPr lang="en-US" sz="1400" b="1" dirty="0" smtClean="0">
+                <a:solidFill>
+                  <a:schemeClr val="bg1">
+                    <a:lumMod val="50000"/>
+                  </a:schemeClr>
+                </a:solidFill>
+              </a:rPr>
+              <a:t>Probability of Sample falling within area of distribution increases with the std. deviation</a:t>
+            </a:r>
+            <a:endParaRPr lang="en-US" sz="1400" b="1" dirty="0">
+              <a:solidFill>
+                <a:schemeClr val="bg1">
+                  <a:lumMod val="50000"/>
+                </a:schemeClr>
+              </a:solidFill>
+            </a:endParaRPr>
+          </a:p>
+        </p:txBody>
+      </p:sp>
+    </p:spTree>
+    <p:extLst>
+      <p:ext uri="{BB962C8B-B14F-4D97-AF65-F5344CB8AC3E}">
+        <p14:creationId xmlns:p14="http://schemas.microsoft.com/office/powerpoint/2010/main" val="652646192"/>
+      </p:ext>
+    </p:extLst>
+  </p:cSld>
+  <p:clrMapOvr>
+    <a:masterClrMapping/>
+  </p:clrMapOvr>
+  <p:timing>
+    <p:tnLst>
+      <p:par>
+        <p:cTn id="1" dur="indefinite" restart="never" nodeType="tmRoot"/>
+      </p:par>
+    </p:tnLst>
+  </p:timing>
+</p:sld>
+</file>
+
+<file path=ppt/slides/slide12.xml><?xml version="1.0" encoding="utf-8"?>
+<p:sld xmlns:a="http://schemas.openxmlformats.org/drawingml/2006/main" xmlns:r="http://schemas.openxmlformats.org/officeDocument/2006/relationships" xmlns:p="http://schemas.openxmlformats.org/presentationml/2006/main">
+  <p:cSld>
+    <p:spTree>
+      <p:nvGrpSpPr>
+        <p:cNvPr id="1" name=""/>
+        <p:cNvGrpSpPr/>
+        <p:nvPr/>
+      </p:nvGrpSpPr>
+      <p:grpSpPr>
+        <a:xfrm>
+          <a:off x="0" y="0"/>
+          <a:ext cx="0" cy="0"/>
+          <a:chOff x="0" y="0"/>
+          <a:chExt cx="0" cy="0"/>
+        </a:xfrm>
+      </p:grpSpPr>
+      <p:sp>
+        <p:nvSpPr>
+          <p:cNvPr id="2" name="Title 1"/>
+          <p:cNvSpPr>
+            <a:spLocks noGrp="1"/>
+          </p:cNvSpPr>
+          <p:nvPr>
+            <p:ph type="title"/>
+          </p:nvPr>
+        </p:nvSpPr>
+        <p:spPr>
+          <a:xfrm>
+            <a:off x="457200" y="274638"/>
+            <a:ext cx="8305800" cy="792162"/>
+          </a:xfrm>
+        </p:spPr>
+        <p:txBody>
+          <a:bodyPr>
+            <a:normAutofit/>
+          </a:bodyPr>
+          <a:lstStyle/>
+          <a:p>
+            <a:pPr algn="l"/>
+            <a:r>
+              <a:rPr lang="en-US" dirty="0" smtClean="0">
+                <a:solidFill>
+                  <a:schemeClr val="accent1">
+                    <a:lumMod val="75000"/>
+                  </a:schemeClr>
+                </a:solidFill>
+              </a:rPr>
+              <a:t>Robot Example</a:t>
+            </a:r>
+            <a:endParaRPr lang="en-US" dirty="0">
+              <a:solidFill>
+                <a:schemeClr val="accent1">
+                  <a:lumMod val="75000"/>
+                </a:schemeClr>
+              </a:solidFill>
+            </a:endParaRPr>
+          </a:p>
+        </p:txBody>
+      </p:sp>
+      <p:cxnSp>
+        <p:nvCxnSpPr>
+          <p:cNvPr id="5" name="Straight Connector 4"/>
+          <p:cNvCxnSpPr/>
+          <p:nvPr/>
+        </p:nvCxnSpPr>
+        <p:spPr>
+          <a:xfrm>
+            <a:off x="0" y="990600"/>
+            <a:ext cx="9144000" cy="0"/>
+          </a:xfrm>
+          <a:prstGeom prst="line">
+            <a:avLst/>
+          </a:prstGeom>
+          <a:ln w="19050"/>
+        </p:spPr>
+        <p:style>
+          <a:lnRef idx="1">
+            <a:schemeClr val="accent1"/>
+          </a:lnRef>
+          <a:fillRef idx="0">
+            <a:schemeClr val="accent1"/>
+          </a:fillRef>
+          <a:effectRef idx="0">
+            <a:schemeClr val="accent1"/>
+          </a:effectRef>
+          <a:fontRef idx="minor">
+            <a:schemeClr val="tx1"/>
+          </a:fontRef>
+        </p:style>
+      </p:cxnSp>
+      <p:sp>
+        <p:nvSpPr>
+          <p:cNvPr id="44" name="TextBox 43"/>
+          <p:cNvSpPr txBox="1"/>
+          <p:nvPr/>
+        </p:nvSpPr>
+        <p:spPr>
+          <a:xfrm>
+            <a:off x="152400" y="1164134"/>
+            <a:ext cx="8356390" cy="1323439"/>
+          </a:xfrm>
+          <a:prstGeom prst="rect">
+            <a:avLst/>
+          </a:prstGeom>
+          <a:noFill/>
+        </p:spPr>
+        <p:txBody>
+          <a:bodyPr wrap="none" rtlCol="0">
+            <a:spAutoFit/>
+          </a:bodyPr>
+          <a:lstStyle/>
+          <a:p>
+            <a:pPr marL="285750" indent="-285750">
+              <a:buFont typeface="Arial" panose="020B0604020202020204" pitchFamily="34" charset="0"/>
+              <a:buChar char="•"/>
+            </a:pPr>
+            <a:r>
+              <a:rPr lang="en-US" sz="2000" b="1" dirty="0" smtClean="0">
+                <a:solidFill>
+                  <a:schemeClr val="accent6">
+                    <a:lumMod val="75000"/>
+                  </a:schemeClr>
+                </a:solidFill>
+              </a:rPr>
+              <a:t>Warehouse of Boxes: </a:t>
+            </a:r>
+            <a:r>
+              <a:rPr lang="en-US" sz="2000" b="1" dirty="0" smtClean="0">
+                <a:solidFill>
+                  <a:schemeClr val="accent5">
+                    <a:lumMod val="75000"/>
+                  </a:schemeClr>
+                </a:solidFill>
+              </a:rPr>
+              <a:t>Mean Weight of 50 </a:t>
+            </a:r>
+            <a:r>
+              <a:rPr lang="en-US" sz="2000" b="1" dirty="0" err="1" smtClean="0">
+                <a:solidFill>
+                  <a:schemeClr val="accent5">
+                    <a:lumMod val="75000"/>
+                  </a:schemeClr>
+                </a:solidFill>
+              </a:rPr>
+              <a:t>lbs</a:t>
+            </a:r>
+            <a:r>
+              <a:rPr lang="en-US" sz="2000" b="1" dirty="0" smtClean="0">
+                <a:solidFill>
+                  <a:schemeClr val="accent5">
+                    <a:lumMod val="75000"/>
+                  </a:schemeClr>
+                </a:solidFill>
+              </a:rPr>
+              <a:t>, Standard Deviation of 10 lbs.</a:t>
+            </a:r>
+          </a:p>
+          <a:p>
+            <a:pPr marL="285750" indent="-285750">
+              <a:buFont typeface="Arial" panose="020B0604020202020204" pitchFamily="34" charset="0"/>
+              <a:buChar char="•"/>
+            </a:pPr>
+            <a:r>
+              <a:rPr lang="en-US" sz="2000" b="1" dirty="0" smtClean="0">
+                <a:solidFill>
+                  <a:schemeClr val="accent6">
+                    <a:lumMod val="75000"/>
+                  </a:schemeClr>
+                </a:solidFill>
+              </a:rPr>
+              <a:t>Pallet of Boxes: </a:t>
+            </a:r>
+            <a:r>
+              <a:rPr lang="en-US" sz="2000" b="1" dirty="0" smtClean="0">
+                <a:solidFill>
+                  <a:schemeClr val="accent5">
+                    <a:lumMod val="75000"/>
+                  </a:schemeClr>
+                </a:solidFill>
+              </a:rPr>
+              <a:t>Need to move pallet of 10 boxes of unknown weight.</a:t>
+            </a:r>
+          </a:p>
+          <a:p>
+            <a:pPr marL="285750" indent="-285750">
+              <a:buFont typeface="Arial" panose="020B0604020202020204" pitchFamily="34" charset="0"/>
+              <a:buChar char="•"/>
+            </a:pPr>
+            <a:r>
+              <a:rPr lang="en-US" sz="2000" b="1" dirty="0" smtClean="0">
+                <a:solidFill>
+                  <a:schemeClr val="accent6">
+                    <a:lumMod val="75000"/>
+                  </a:schemeClr>
+                </a:solidFill>
+              </a:rPr>
+              <a:t>Robot: </a:t>
+            </a:r>
+            <a:r>
+              <a:rPr lang="en-US" sz="2000" b="1" dirty="0" smtClean="0">
+                <a:solidFill>
+                  <a:schemeClr val="accent5">
+                    <a:lumMod val="75000"/>
+                  </a:schemeClr>
+                </a:solidFill>
+              </a:rPr>
+              <a:t>Has lift limit of 560 lbs.</a:t>
+            </a:r>
+          </a:p>
+          <a:p>
+            <a:pPr marL="285750" indent="-285750">
+              <a:buFont typeface="Arial" panose="020B0604020202020204" pitchFamily="34" charset="0"/>
+              <a:buChar char="•"/>
+            </a:pPr>
+            <a:r>
+              <a:rPr lang="en-US" sz="2000" b="1" dirty="0" smtClean="0">
+                <a:solidFill>
+                  <a:schemeClr val="accent6">
+                    <a:lumMod val="75000"/>
+                  </a:schemeClr>
+                </a:solidFill>
+              </a:rPr>
+              <a:t>Question: </a:t>
+            </a:r>
+            <a:r>
+              <a:rPr lang="en-US" sz="2000" b="1" dirty="0" smtClean="0">
+                <a:solidFill>
+                  <a:schemeClr val="accent5">
+                    <a:lumMod val="75000"/>
+                  </a:schemeClr>
+                </a:solidFill>
+              </a:rPr>
+              <a:t>What is the probability the Robot can lift this pallet.</a:t>
+            </a:r>
+            <a:endParaRPr lang="en-US" sz="2000" b="1" dirty="0" smtClean="0">
+              <a:solidFill>
+                <a:schemeClr val="accent5">
+                  <a:lumMod val="75000"/>
+                </a:schemeClr>
+              </a:solidFill>
+            </a:endParaRPr>
+          </a:p>
+        </p:txBody>
+      </p:sp>
+      <p:sp>
+        <p:nvSpPr>
+          <p:cNvPr id="10" name="Oval 9"/>
+          <p:cNvSpPr/>
+          <p:nvPr/>
+        </p:nvSpPr>
+        <p:spPr>
+          <a:xfrm>
+            <a:off x="1130195" y="2958286"/>
+            <a:ext cx="3352800" cy="3124200"/>
+          </a:xfrm>
+          <a:prstGeom prst="ellipse">
+            <a:avLst/>
+          </a:prstGeom>
+          <a:noFill/>
+        </p:spPr>
+        <p:style>
+          <a:lnRef idx="2">
+            <a:schemeClr val="accent1">
+              <a:shade val="50000"/>
+            </a:schemeClr>
+          </a:lnRef>
+          <a:fillRef idx="1">
+            <a:schemeClr val="accent1"/>
+          </a:fillRef>
+          <a:effectRef idx="0">
+            <a:schemeClr val="accent1"/>
+          </a:effectRef>
+          <a:fontRef idx="minor">
+            <a:schemeClr val="lt1"/>
+          </a:fontRef>
+        </p:style>
+        <p:txBody>
+          <a:bodyPr rtlCol="0" anchor="ctr"/>
+          <a:lstStyle/>
+          <a:p>
+            <a:pPr algn="ctr"/>
+            <a:endParaRPr lang="en-US"/>
+          </a:p>
+        </p:txBody>
+      </p:sp>
+      <p:sp>
+        <p:nvSpPr>
+          <p:cNvPr id="11" name="TextBox 10"/>
+          <p:cNvSpPr txBox="1"/>
+          <p:nvPr/>
+        </p:nvSpPr>
+        <p:spPr>
+          <a:xfrm>
+            <a:off x="2307772" y="2650509"/>
+            <a:ext cx="997645" cy="307777"/>
+          </a:xfrm>
+          <a:prstGeom prst="rect">
+            <a:avLst/>
+          </a:prstGeom>
+          <a:noFill/>
+        </p:spPr>
+        <p:txBody>
+          <a:bodyPr wrap="none" rtlCol="0">
+            <a:spAutoFit/>
+          </a:bodyPr>
+          <a:lstStyle/>
+          <a:p>
+            <a:r>
+              <a:rPr lang="en-US" sz="1400" b="1" dirty="0" smtClean="0"/>
+              <a:t>Population</a:t>
+            </a:r>
+            <a:endParaRPr lang="en-US" sz="1400" b="1" dirty="0"/>
+          </a:p>
+        </p:txBody>
+      </p:sp>
+      <p:cxnSp>
+        <p:nvCxnSpPr>
+          <p:cNvPr id="12" name="Straight Arrow Connector 11"/>
+          <p:cNvCxnSpPr/>
+          <p:nvPr/>
+        </p:nvCxnSpPr>
+        <p:spPr>
+          <a:xfrm>
+            <a:off x="2806595" y="2958286"/>
+            <a:ext cx="3048000" cy="0"/>
+          </a:xfrm>
+          <a:prstGeom prst="straightConnector1">
+            <a:avLst/>
+          </a:prstGeom>
+          <a:ln w="19050">
+            <a:tailEnd type="arrow"/>
+          </a:ln>
+        </p:spPr>
+        <p:style>
+          <a:lnRef idx="1">
+            <a:schemeClr val="accent1"/>
+          </a:lnRef>
+          <a:fillRef idx="0">
+            <a:schemeClr val="accent1"/>
+          </a:fillRef>
+          <a:effectRef idx="0">
+            <a:schemeClr val="accent1"/>
+          </a:effectRef>
+          <a:fontRef idx="minor">
+            <a:schemeClr val="tx1"/>
+          </a:fontRef>
+        </p:style>
+      </p:cxnSp>
+      <p:sp>
+        <p:nvSpPr>
+          <p:cNvPr id="13" name="TextBox 12"/>
+          <p:cNvSpPr txBox="1"/>
+          <p:nvPr/>
+        </p:nvSpPr>
+        <p:spPr>
+          <a:xfrm>
+            <a:off x="5875981" y="2765762"/>
+            <a:ext cx="2316340" cy="523220"/>
+          </a:xfrm>
+          <a:prstGeom prst="rect">
+            <a:avLst/>
+          </a:prstGeom>
+          <a:noFill/>
+        </p:spPr>
+        <p:txBody>
+          <a:bodyPr wrap="none" rtlCol="0">
+            <a:spAutoFit/>
+          </a:bodyPr>
+          <a:lstStyle/>
+          <a:p>
+            <a:r>
+              <a:rPr lang="en-US" sz="1400" b="1" dirty="0" smtClean="0"/>
+              <a:t>Weight Distribution of Boxes</a:t>
+            </a:r>
+          </a:p>
+          <a:p>
+            <a:r>
+              <a:rPr lang="en-US" sz="1400" b="1" dirty="0"/>
+              <a:t> </a:t>
+            </a:r>
+            <a:r>
+              <a:rPr lang="en-US" sz="1400" b="1" dirty="0" smtClean="0"/>
+              <a:t>     </a:t>
+            </a:r>
+            <a:endParaRPr lang="en-US" sz="1400" b="1" dirty="0"/>
+          </a:p>
+        </p:txBody>
+      </p:sp>
+      <p:sp>
+        <p:nvSpPr>
+          <p:cNvPr id="14" name="Rectangle 13"/>
+          <p:cNvSpPr/>
+          <p:nvPr/>
+        </p:nvSpPr>
+        <p:spPr>
+          <a:xfrm>
+            <a:off x="5952181" y="2974657"/>
+            <a:ext cx="1663340" cy="523220"/>
+          </a:xfrm>
+          <a:prstGeom prst="rect">
+            <a:avLst/>
+          </a:prstGeom>
+        </p:spPr>
+        <p:txBody>
+          <a:bodyPr wrap="none">
+            <a:spAutoFit/>
+          </a:bodyPr>
+          <a:lstStyle/>
+          <a:p>
+            <a:r>
+              <a:rPr lang="en-US" sz="1400" b="1" dirty="0" smtClean="0"/>
+              <a:t>µ (mean)      = 50 </a:t>
+            </a:r>
+            <a:r>
+              <a:rPr lang="en-US" sz="1400" b="1" dirty="0" err="1" smtClean="0"/>
+              <a:t>lbs</a:t>
+            </a:r>
+            <a:endParaRPr lang="en-US" sz="1400" b="1" dirty="0" smtClean="0"/>
+          </a:p>
+          <a:p>
+            <a:r>
+              <a:rPr lang="vi-VN" sz="1400" b="1" dirty="0" smtClean="0"/>
+              <a:t>σ</a:t>
+            </a:r>
+            <a:r>
+              <a:rPr lang="en-US" sz="1400" b="1" dirty="0" smtClean="0"/>
+              <a:t> (std. dev) = 10 </a:t>
+            </a:r>
+            <a:r>
+              <a:rPr lang="en-US" sz="1400" b="1" dirty="0" err="1" smtClean="0"/>
+              <a:t>lbs</a:t>
+            </a:r>
+            <a:endParaRPr lang="en-US" sz="1400" b="1" dirty="0" smtClean="0"/>
+          </a:p>
+        </p:txBody>
+      </p:sp>
+      <p:sp>
+        <p:nvSpPr>
+          <p:cNvPr id="16" name="Oval 15"/>
+          <p:cNvSpPr/>
+          <p:nvPr/>
+        </p:nvSpPr>
+        <p:spPr>
+          <a:xfrm>
+            <a:off x="3035195" y="4392781"/>
+            <a:ext cx="381000" cy="381000"/>
+          </a:xfrm>
+          <a:prstGeom prst="ellipse">
+            <a:avLst/>
+          </a:prstGeom>
+          <a:solidFill>
+            <a:schemeClr val="accent6">
+              <a:lumMod val="75000"/>
+            </a:schemeClr>
+          </a:solidFill>
+          <a:ln>
+            <a:solidFill>
+              <a:schemeClr val="accent6">
+                <a:lumMod val="75000"/>
+              </a:schemeClr>
+            </a:solidFill>
+          </a:ln>
+        </p:spPr>
+        <p:style>
+          <a:lnRef idx="2">
+            <a:schemeClr val="accent1">
+              <a:shade val="50000"/>
+            </a:schemeClr>
+          </a:lnRef>
+          <a:fillRef idx="1">
+            <a:schemeClr val="accent1"/>
+          </a:fillRef>
+          <a:effectRef idx="0">
+            <a:schemeClr val="accent1"/>
+          </a:effectRef>
+          <a:fontRef idx="minor">
+            <a:schemeClr val="lt1"/>
+          </a:fontRef>
+        </p:style>
+        <p:txBody>
+          <a:bodyPr rtlCol="0" anchor="ctr"/>
+          <a:lstStyle/>
+          <a:p>
+            <a:pPr algn="ctr"/>
+            <a:endParaRPr lang="en-US"/>
+          </a:p>
+        </p:txBody>
+      </p:sp>
+      <p:sp>
+        <p:nvSpPr>
+          <p:cNvPr id="18" name="TextBox 17"/>
+          <p:cNvSpPr txBox="1"/>
+          <p:nvPr/>
+        </p:nvSpPr>
+        <p:spPr>
+          <a:xfrm>
+            <a:off x="2558161" y="4023449"/>
+            <a:ext cx="1494512" cy="307777"/>
+          </a:xfrm>
+          <a:prstGeom prst="rect">
+            <a:avLst/>
+          </a:prstGeom>
+          <a:noFill/>
+        </p:spPr>
+        <p:txBody>
+          <a:bodyPr wrap="none" rtlCol="0">
+            <a:spAutoFit/>
+          </a:bodyPr>
+          <a:lstStyle/>
+          <a:p>
+            <a:r>
+              <a:rPr lang="en-US" sz="1400" b="1" dirty="0" smtClean="0"/>
+              <a:t>Pallet of 10 Boxes</a:t>
+            </a:r>
+            <a:endParaRPr lang="en-US" sz="1400" b="1" dirty="0"/>
+          </a:p>
+        </p:txBody>
+      </p:sp>
+      <p:cxnSp>
+        <p:nvCxnSpPr>
+          <p:cNvPr id="19" name="Straight Arrow Connector 18"/>
+          <p:cNvCxnSpPr/>
+          <p:nvPr/>
+        </p:nvCxnSpPr>
+        <p:spPr>
+          <a:xfrm flipV="1">
+            <a:off x="3225695" y="4392781"/>
+            <a:ext cx="2508494" cy="1"/>
+          </a:xfrm>
+          <a:prstGeom prst="straightConnector1">
+            <a:avLst/>
+          </a:prstGeom>
+          <a:ln w="19050">
+            <a:solidFill>
+              <a:schemeClr val="accent6">
+                <a:lumMod val="75000"/>
+              </a:schemeClr>
+            </a:solidFill>
+            <a:tailEnd type="arrow"/>
+          </a:ln>
+        </p:spPr>
+        <p:style>
+          <a:lnRef idx="1">
+            <a:schemeClr val="accent1"/>
+          </a:lnRef>
+          <a:fillRef idx="0">
+            <a:schemeClr val="accent1"/>
+          </a:fillRef>
+          <a:effectRef idx="0">
+            <a:schemeClr val="accent1"/>
+          </a:effectRef>
+          <a:fontRef idx="minor">
+            <a:schemeClr val="tx1"/>
+          </a:fontRef>
+        </p:style>
+      </p:cxnSp>
+      <p:sp>
+        <p:nvSpPr>
+          <p:cNvPr id="20" name="TextBox 19"/>
+          <p:cNvSpPr txBox="1"/>
+          <p:nvPr/>
+        </p:nvSpPr>
+        <p:spPr>
+          <a:xfrm>
+            <a:off x="5875981" y="4177337"/>
+            <a:ext cx="2144883" cy="523220"/>
+          </a:xfrm>
+          <a:prstGeom prst="rect">
+            <a:avLst/>
+          </a:prstGeom>
+          <a:noFill/>
+        </p:spPr>
+        <p:txBody>
+          <a:bodyPr wrap="none" rtlCol="0">
+            <a:spAutoFit/>
+          </a:bodyPr>
+          <a:lstStyle/>
+          <a:p>
+            <a:r>
+              <a:rPr lang="en-US" sz="1400" b="1" dirty="0" smtClean="0"/>
+              <a:t>Weight of Boxes Unknown</a:t>
+            </a:r>
+          </a:p>
+          <a:p>
+            <a:endParaRPr lang="en-US" sz="1400" b="1" dirty="0" smtClean="0"/>
+          </a:p>
+        </p:txBody>
+      </p:sp>
+      <mc:AlternateContent xmlns:mc="http://schemas.openxmlformats.org/markup-compatibility/2006">
+        <mc:Choice xmlns:a14="http://schemas.microsoft.com/office/drawing/2010/main" Requires="a14">
+          <p:sp>
+            <p:nvSpPr>
+              <p:cNvPr id="23" name="TextBox 22"/>
+              <p:cNvSpPr txBox="1"/>
+              <p:nvPr/>
+            </p:nvSpPr>
+            <p:spPr>
+              <a:xfrm>
+                <a:off x="5919159" y="4349288"/>
+                <a:ext cx="3111108" cy="862737"/>
+              </a:xfrm>
+              <a:prstGeom prst="rect">
+                <a:avLst/>
+              </a:prstGeom>
+              <a:noFill/>
+            </p:spPr>
+            <p:txBody>
+              <a:bodyPr wrap="none" rtlCol="0">
+                <a:spAutoFit/>
+              </a:bodyPr>
+              <a:lstStyle/>
+              <a:p>
+                <a:r>
+                  <a:rPr lang="en-US" sz="1400" b="0" dirty="0" smtClean="0"/>
+                  <a:t>    </a:t>
+                </a:r>
+                <a14:m>
+                  <m:oMath xmlns:m="http://schemas.openxmlformats.org/officeDocument/2006/math">
+                    <m:r>
+                      <a:rPr lang="en-US" sz="1400" b="0" i="1">
+                        <a:latin typeface="Cambria Math"/>
+                      </a:rPr>
+                      <m:t>µ</m:t>
+                    </m:r>
+                  </m:oMath>
+                </a14:m>
+                <a:r>
+                  <a:rPr lang="en-US" sz="1400" dirty="0" smtClean="0"/>
+                  <a:t>     = </a:t>
+                </a:r>
+                <a14:m>
+                  <m:oMath xmlns:m="http://schemas.openxmlformats.org/officeDocument/2006/math">
+                    <m:r>
+                      <a:rPr lang="en-US" sz="1400" b="0" i="1">
+                        <a:latin typeface="Cambria Math"/>
+                      </a:rPr>
+                      <m:t>µ</m:t>
+                    </m:r>
+                  </m:oMath>
+                </a14:m>
+                <a:r>
+                  <a:rPr lang="en-US" sz="1400" b="0" dirty="0" smtClean="0"/>
+                  <a:t>   </a:t>
+                </a:r>
+                <a:r>
+                  <a:rPr lang="en-US" sz="1400" b="1" dirty="0" smtClean="0"/>
+                  <a:t>(mean)      = 50</a:t>
+                </a:r>
+              </a:p>
+              <a:p>
+                <a:endParaRPr lang="en-US" sz="1400" b="0" dirty="0" smtClean="0"/>
+              </a:p>
+              <a:p>
+                <a:r>
+                  <a:rPr lang="en-US" sz="1400" dirty="0"/>
+                  <a:t> </a:t>
+                </a:r>
+                <a:r>
+                  <a:rPr lang="en-US" sz="1400" dirty="0" smtClean="0"/>
+                  <a:t>   </a:t>
+                </a:r>
+                <a:r>
+                  <a:rPr lang="vi-VN" sz="1400" dirty="0" smtClean="0"/>
+                  <a:t>σ</a:t>
+                </a:r>
+                <a:r>
+                  <a:rPr lang="en-US" sz="1400" dirty="0" smtClean="0"/>
+                  <a:t>    = </a:t>
+                </a:r>
+                <a14:m>
+                  <m:oMath xmlns:m="http://schemas.openxmlformats.org/officeDocument/2006/math">
+                    <m:f>
+                      <m:fPr>
+                        <m:ctrlPr>
+                          <a:rPr lang="en-US" sz="1400" i="1" dirty="0" smtClean="0">
+                            <a:latin typeface="Cambria Math"/>
+                          </a:rPr>
+                        </m:ctrlPr>
+                      </m:fPr>
+                      <m:num>
+                        <m:r>
+                          <m:rPr>
+                            <m:nor/>
+                          </m:rPr>
+                          <a:rPr lang="vi-VN" sz="1400" dirty="0"/>
+                          <m:t>σ</m:t>
+                        </m:r>
+                      </m:num>
+                      <m:den>
+                        <m:rad>
+                          <m:radPr>
+                            <m:degHide m:val="on"/>
+                            <m:ctrlPr>
+                              <a:rPr lang="en-US" sz="1400" i="1" dirty="0" smtClean="0">
+                                <a:latin typeface="Cambria Math"/>
+                              </a:rPr>
+                            </m:ctrlPr>
+                          </m:radPr>
+                          <m:deg/>
+                          <m:e>
+                            <m:r>
+                              <a:rPr lang="en-US" sz="1400" b="0" i="1" dirty="0" smtClean="0">
+                                <a:latin typeface="Cambria Math"/>
+                              </a:rPr>
+                              <m:t>𝑛</m:t>
+                            </m:r>
+                          </m:e>
+                        </m:rad>
+                      </m:den>
+                    </m:f>
+                  </m:oMath>
+                </a14:m>
+                <a:r>
+                  <a:rPr lang="en-US" sz="1400" dirty="0" smtClean="0"/>
+                  <a:t>  </a:t>
+                </a:r>
+                <a:r>
+                  <a:rPr lang="en-US" sz="1400" b="1" dirty="0" smtClean="0"/>
+                  <a:t>(std. dev)  = 10 / </a:t>
+                </a:r>
+                <a14:m>
+                  <m:oMath xmlns:m="http://schemas.openxmlformats.org/officeDocument/2006/math">
+                    <m:rad>
+                      <m:radPr>
+                        <m:degHide m:val="on"/>
+                        <m:ctrlPr>
+                          <a:rPr lang="en-US" sz="1400" b="1" i="1" smtClean="0">
+                            <a:latin typeface="Cambria Math"/>
+                          </a:rPr>
+                        </m:ctrlPr>
+                      </m:radPr>
+                      <m:deg/>
+                      <m:e>
+                        <m:r>
+                          <a:rPr lang="en-US" sz="1400" b="1" i="1" smtClean="0">
+                            <a:latin typeface="Cambria Math"/>
+                          </a:rPr>
+                          <m:t>𝟏𝟎</m:t>
+                        </m:r>
+                      </m:e>
+                    </m:rad>
+                  </m:oMath>
+                </a14:m>
+                <a:r>
+                  <a:rPr lang="en-US" sz="1400" b="1" dirty="0" smtClean="0"/>
+                  <a:t>  = 3.16</a:t>
+                </a:r>
+                <a:endParaRPr lang="en-US" sz="1400" b="1" dirty="0"/>
+              </a:p>
+            </p:txBody>
+          </p:sp>
+        </mc:Choice>
+        <mc:Fallback>
+          <p:sp>
+            <p:nvSpPr>
+              <p:cNvPr id="23" name="TextBox 22"/>
+              <p:cNvSpPr txBox="1">
+                <a:spLocks noRot="1" noChangeAspect="1" noMove="1" noResize="1" noEditPoints="1" noAdjustHandles="1" noChangeArrowheads="1" noChangeShapeType="1" noTextEdit="1"/>
+              </p:cNvSpPr>
+              <p:nvPr/>
+            </p:nvSpPr>
+            <p:spPr>
+              <a:xfrm>
+                <a:off x="5919159" y="4349288"/>
+                <a:ext cx="3111108" cy="862737"/>
+              </a:xfrm>
+              <a:prstGeom prst="rect">
+                <a:avLst/>
+              </a:prstGeom>
+              <a:blipFill rotWithShape="1">
+                <a:blip r:embed="rId2"/>
+                <a:stretch>
+                  <a:fillRect t="-704"/>
+                </a:stretch>
+              </a:blipFill>
+            </p:spPr>
+            <p:txBody>
+              <a:bodyPr/>
+              <a:lstStyle/>
+              <a:p>
+                <a:r>
+                  <a:rPr lang="en-US">
+                    <a:noFill/>
+                  </a:rPr>
+                  <a:t> </a:t>
+                </a:r>
+              </a:p>
+            </p:txBody>
+          </p:sp>
+        </mc:Fallback>
+      </mc:AlternateContent>
+      <p:sp>
+        <p:nvSpPr>
+          <p:cNvPr id="7" name="Down Arrow 6"/>
+          <p:cNvSpPr/>
+          <p:nvPr/>
+        </p:nvSpPr>
+        <p:spPr>
+          <a:xfrm>
+            <a:off x="6477000" y="3635126"/>
+            <a:ext cx="762000" cy="388323"/>
+          </a:xfrm>
+          <a:prstGeom prst="downArrow">
+            <a:avLst/>
+          </a:prstGeom>
+          <a:solidFill>
+            <a:schemeClr val="bg1">
+              <a:lumMod val="50000"/>
+            </a:schemeClr>
+          </a:solidFill>
+          <a:ln>
+            <a:solidFill>
+              <a:schemeClr val="bg1">
+                <a:lumMod val="50000"/>
+              </a:schemeClr>
+            </a:solidFill>
+          </a:ln>
+        </p:spPr>
+        <p:style>
+          <a:lnRef idx="2">
+            <a:schemeClr val="accent1">
+              <a:shade val="50000"/>
+            </a:schemeClr>
+          </a:lnRef>
+          <a:fillRef idx="1">
+            <a:schemeClr val="accent1"/>
+          </a:fillRef>
+          <a:effectRef idx="0">
+            <a:schemeClr val="accent1"/>
+          </a:effectRef>
+          <a:fontRef idx="minor">
+            <a:schemeClr val="lt1"/>
+          </a:fontRef>
+        </p:style>
+        <p:txBody>
+          <a:bodyPr rtlCol="0" anchor="ctr"/>
+          <a:lstStyle/>
+          <a:p>
+            <a:pPr algn="ctr"/>
+            <a:endParaRPr lang="en-US"/>
+          </a:p>
+        </p:txBody>
+      </p:sp>
+      <p:sp>
+        <p:nvSpPr>
+          <p:cNvPr id="25" name="TextBox 24"/>
+          <p:cNvSpPr txBox="1"/>
+          <p:nvPr/>
+        </p:nvSpPr>
+        <p:spPr>
+          <a:xfrm>
+            <a:off x="8226906" y="3756897"/>
+            <a:ext cx="803361" cy="646331"/>
+          </a:xfrm>
+          <a:prstGeom prst="rect">
+            <a:avLst/>
+          </a:prstGeom>
+          <a:noFill/>
+        </p:spPr>
+        <p:txBody>
+          <a:bodyPr wrap="none" rtlCol="0">
+            <a:spAutoFit/>
+          </a:bodyPr>
+          <a:lstStyle/>
+          <a:p>
+            <a:r>
+              <a:rPr lang="en-US" sz="1200" dirty="0" smtClean="0">
+                <a:solidFill>
+                  <a:srgbClr val="00B050"/>
+                </a:solidFill>
+              </a:rPr>
+              <a:t>Calculate </a:t>
+            </a:r>
+            <a:br>
+              <a:rPr lang="en-US" sz="1200" dirty="0" smtClean="0">
+                <a:solidFill>
+                  <a:srgbClr val="00B050"/>
+                </a:solidFill>
+              </a:rPr>
+            </a:br>
+            <a:r>
+              <a:rPr lang="en-US" sz="1200" dirty="0" smtClean="0">
+                <a:solidFill>
+                  <a:srgbClr val="00B050"/>
+                </a:solidFill>
+              </a:rPr>
+              <a:t>Std. Dev.</a:t>
+            </a:r>
+          </a:p>
+          <a:p>
+            <a:r>
+              <a:rPr lang="en-US" sz="1200" dirty="0">
+                <a:solidFill>
+                  <a:srgbClr val="00B050"/>
+                </a:solidFill>
+              </a:rPr>
+              <a:t>o</a:t>
+            </a:r>
+            <a:r>
+              <a:rPr lang="en-US" sz="1200" dirty="0" smtClean="0">
+                <a:solidFill>
+                  <a:srgbClr val="00B050"/>
+                </a:solidFill>
+              </a:rPr>
+              <a:t>f Pallet</a:t>
+            </a:r>
+            <a:endParaRPr lang="en-US" sz="1200" dirty="0">
+              <a:solidFill>
+                <a:srgbClr val="00B050"/>
+              </a:solidFill>
+            </a:endParaRPr>
+          </a:p>
+        </p:txBody>
+      </p:sp>
+      <p:cxnSp>
+        <p:nvCxnSpPr>
+          <p:cNvPr id="9" name="Straight Arrow Connector 8"/>
+          <p:cNvCxnSpPr>
+            <a:stCxn id="25" idx="2"/>
+          </p:cNvCxnSpPr>
+          <p:nvPr/>
+        </p:nvCxnSpPr>
+        <p:spPr>
+          <a:xfrm flipH="1">
+            <a:off x="8628586" y="4403228"/>
+            <a:ext cx="1" cy="377428"/>
+          </a:xfrm>
+          <a:prstGeom prst="straightConnector1">
+            <a:avLst/>
+          </a:prstGeom>
+          <a:ln w="19050">
+            <a:solidFill>
+              <a:srgbClr val="00B050"/>
+            </a:solidFill>
+            <a:tailEnd type="arrow"/>
+          </a:ln>
+        </p:spPr>
+        <p:style>
+          <a:lnRef idx="1">
+            <a:schemeClr val="accent1"/>
+          </a:lnRef>
+          <a:fillRef idx="0">
+            <a:schemeClr val="accent1"/>
+          </a:fillRef>
+          <a:effectRef idx="0">
+            <a:schemeClr val="accent1"/>
+          </a:effectRef>
+          <a:fontRef idx="minor">
+            <a:schemeClr val="tx1"/>
+          </a:fontRef>
+        </p:style>
+      </p:cxnSp>
+      <p:sp>
+        <p:nvSpPr>
+          <p:cNvPr id="28" name="Down Arrow 27"/>
+          <p:cNvSpPr/>
+          <p:nvPr/>
+        </p:nvSpPr>
+        <p:spPr>
+          <a:xfrm>
+            <a:off x="6477000" y="5257800"/>
+            <a:ext cx="762000" cy="388323"/>
+          </a:xfrm>
+          <a:prstGeom prst="downArrow">
+            <a:avLst/>
+          </a:prstGeom>
+          <a:solidFill>
+            <a:schemeClr val="bg1">
+              <a:lumMod val="50000"/>
+            </a:schemeClr>
+          </a:solidFill>
+          <a:ln>
+            <a:solidFill>
+              <a:schemeClr val="bg1">
+                <a:lumMod val="50000"/>
+              </a:schemeClr>
+            </a:solidFill>
+          </a:ln>
+        </p:spPr>
+        <p:style>
+          <a:lnRef idx="2">
+            <a:schemeClr val="accent1">
+              <a:shade val="50000"/>
+            </a:schemeClr>
+          </a:lnRef>
+          <a:fillRef idx="1">
+            <a:schemeClr val="accent1"/>
+          </a:fillRef>
+          <a:effectRef idx="0">
+            <a:schemeClr val="accent1"/>
+          </a:effectRef>
+          <a:fontRef idx="minor">
+            <a:schemeClr val="lt1"/>
+          </a:fontRef>
+        </p:style>
+        <p:txBody>
+          <a:bodyPr rtlCol="0" anchor="ctr"/>
+          <a:lstStyle/>
+          <a:p>
+            <a:pPr algn="ctr"/>
+            <a:endParaRPr lang="en-US"/>
+          </a:p>
+        </p:txBody>
+      </p:sp>
+      <p:sp>
+        <p:nvSpPr>
+          <p:cNvPr id="24" name="TextBox 23"/>
+          <p:cNvSpPr txBox="1"/>
+          <p:nvPr/>
+        </p:nvSpPr>
+        <p:spPr>
+          <a:xfrm>
+            <a:off x="5933381" y="5752027"/>
+            <a:ext cx="2846515" cy="307777"/>
+          </a:xfrm>
+          <a:prstGeom prst="rect">
+            <a:avLst/>
+          </a:prstGeom>
+          <a:noFill/>
+        </p:spPr>
+        <p:txBody>
+          <a:bodyPr wrap="square" rtlCol="0">
+            <a:spAutoFit/>
+          </a:bodyPr>
+          <a:lstStyle/>
+          <a:p>
+            <a:r>
+              <a:rPr lang="en-US" sz="1400" dirty="0"/>
+              <a:t> </a:t>
+            </a:r>
+            <a:r>
+              <a:rPr lang="en-US" sz="1400" dirty="0" smtClean="0"/>
+              <a:t>      </a:t>
+            </a:r>
+            <a:r>
+              <a:rPr lang="en-US" sz="1400" baseline="-25000" dirty="0" smtClean="0"/>
+              <a:t>max</a:t>
+            </a:r>
+            <a:r>
+              <a:rPr lang="en-US" sz="1400" dirty="0" smtClean="0"/>
+              <a:t> </a:t>
+            </a:r>
+            <a:r>
+              <a:rPr lang="en-US" sz="1400" b="1" baseline="-25000" dirty="0" smtClean="0"/>
+              <a:t> </a:t>
+            </a:r>
+            <a:r>
+              <a:rPr lang="en-US" sz="1400" b="1" dirty="0" smtClean="0"/>
+              <a:t>= 560 </a:t>
+            </a:r>
+            <a:r>
+              <a:rPr lang="en-US" sz="1400" b="1" dirty="0" err="1" smtClean="0"/>
+              <a:t>lbs</a:t>
+            </a:r>
+            <a:r>
+              <a:rPr lang="en-US" sz="1400" b="1" dirty="0" smtClean="0"/>
+              <a:t> / 10 boxes = 56</a:t>
+            </a:r>
+          </a:p>
+        </p:txBody>
+      </p:sp>
+      <p:sp>
+        <p:nvSpPr>
+          <p:cNvPr id="30" name="Rectangle 29"/>
+          <p:cNvSpPr/>
+          <p:nvPr/>
+        </p:nvSpPr>
+        <p:spPr>
+          <a:xfrm>
+            <a:off x="6243330" y="4392781"/>
+            <a:ext cx="299520" cy="369332"/>
+          </a:xfrm>
+          <a:prstGeom prst="rect">
+            <a:avLst/>
+          </a:prstGeom>
+        </p:spPr>
+        <p:txBody>
+          <a:bodyPr wrap="square">
+            <a:spAutoFit/>
+          </a:bodyPr>
+          <a:lstStyle/>
+          <a:p>
+            <a:r>
+              <a:rPr lang="en-US" sz="1200" b="1" dirty="0" smtClean="0"/>
+              <a:t>x</a:t>
+            </a:r>
+            <a:r>
+              <a:rPr lang="en-US" dirty="0" smtClean="0"/>
+              <a:t>̅</a:t>
+            </a:r>
+            <a:endParaRPr lang="en-US" dirty="0"/>
+          </a:p>
+        </p:txBody>
+      </p:sp>
+      <p:sp>
+        <p:nvSpPr>
+          <p:cNvPr id="31" name="Rectangle 30"/>
+          <p:cNvSpPr/>
+          <p:nvPr/>
+        </p:nvSpPr>
+        <p:spPr>
+          <a:xfrm>
+            <a:off x="6243330" y="4905375"/>
+            <a:ext cx="299520" cy="369332"/>
+          </a:xfrm>
+          <a:prstGeom prst="rect">
+            <a:avLst/>
+          </a:prstGeom>
+        </p:spPr>
+        <p:txBody>
+          <a:bodyPr wrap="square">
+            <a:spAutoFit/>
+          </a:bodyPr>
+          <a:lstStyle/>
+          <a:p>
+            <a:r>
+              <a:rPr lang="en-US" sz="1200" b="1" dirty="0" smtClean="0"/>
+              <a:t>x</a:t>
+            </a:r>
+            <a:r>
+              <a:rPr lang="en-US" dirty="0" smtClean="0"/>
+              <a:t>̅</a:t>
+            </a:r>
+            <a:endParaRPr lang="en-US" dirty="0"/>
+          </a:p>
+        </p:txBody>
+      </p:sp>
+      <p:sp>
+        <p:nvSpPr>
+          <p:cNvPr id="33" name="Rectangle 32"/>
+          <p:cNvSpPr/>
+          <p:nvPr/>
+        </p:nvSpPr>
+        <p:spPr>
+          <a:xfrm>
+            <a:off x="6119386" y="5741401"/>
+            <a:ext cx="299520" cy="369332"/>
+          </a:xfrm>
+          <a:prstGeom prst="rect">
+            <a:avLst/>
+          </a:prstGeom>
+        </p:spPr>
+        <p:txBody>
+          <a:bodyPr wrap="square">
+            <a:spAutoFit/>
+          </a:bodyPr>
+          <a:lstStyle/>
+          <a:p>
+            <a:r>
+              <a:rPr lang="en-US" sz="1400" b="1" dirty="0" smtClean="0"/>
+              <a:t>X</a:t>
+            </a:r>
+            <a:r>
+              <a:rPr lang="en-US" dirty="0" smtClean="0"/>
+              <a:t>̅</a:t>
+            </a:r>
+            <a:endParaRPr lang="en-US" dirty="0"/>
+          </a:p>
+        </p:txBody>
+      </p:sp>
+      <mc:AlternateContent xmlns:mc="http://schemas.openxmlformats.org/markup-compatibility/2006">
+        <mc:Choice xmlns:a14="http://schemas.microsoft.com/office/drawing/2010/main" Requires="a14">
+          <p:sp>
+            <p:nvSpPr>
+              <p:cNvPr id="35" name="TextBox 34"/>
+              <p:cNvSpPr txBox="1"/>
+              <p:nvPr/>
+            </p:nvSpPr>
+            <p:spPr>
+              <a:xfrm>
+                <a:off x="6119386" y="6141320"/>
+                <a:ext cx="1393330" cy="540661"/>
+              </a:xfrm>
+              <a:prstGeom prst="rect">
+                <a:avLst/>
+              </a:prstGeom>
+              <a:noFill/>
+            </p:spPr>
+            <p:txBody>
+              <a:bodyPr wrap="none" rtlCol="0">
+                <a:spAutoFit/>
+              </a:bodyPr>
+              <a:lstStyle/>
+              <a:p>
+                <a:r>
+                  <a:rPr lang="en-US" b="1" dirty="0" smtClean="0"/>
+                  <a:t>Z = </a:t>
+                </a:r>
+                <a14:m>
+                  <m:oMath xmlns:m="http://schemas.openxmlformats.org/officeDocument/2006/math">
+                    <m:f>
+                      <m:fPr>
+                        <m:ctrlPr>
+                          <a:rPr lang="en-US" b="1" i="1" smtClean="0">
+                            <a:latin typeface="Cambria Math"/>
+                          </a:rPr>
+                        </m:ctrlPr>
+                      </m:fPr>
+                      <m:num>
+                        <m:r>
+                          <m:rPr>
+                            <m:nor/>
+                          </m:rPr>
+                          <a:rPr lang="en-US" b="1" dirty="0"/>
+                          <m:t>(</m:t>
+                        </m:r>
+                        <m:r>
+                          <m:rPr>
+                            <m:nor/>
+                          </m:rPr>
+                          <a:rPr lang="en-US" dirty="0"/>
+                          <m:t>x</m:t>
+                        </m:r>
+                        <m:r>
+                          <m:rPr>
+                            <m:nor/>
+                          </m:rPr>
+                          <a:rPr lang="en-US" dirty="0"/>
+                          <m:t>̅</m:t>
+                        </m:r>
+                        <m:r>
+                          <m:rPr>
+                            <m:nor/>
+                          </m:rPr>
+                          <a:rPr lang="en-US" b="0" i="0" baseline="-25000" dirty="0" smtClean="0"/>
+                          <m:t>max</m:t>
+                        </m:r>
+                        <m:r>
+                          <m:rPr>
+                            <m:nor/>
+                          </m:rPr>
+                          <a:rPr lang="en-US" dirty="0"/>
+                          <m:t> </m:t>
+                        </m:r>
+                        <m:r>
+                          <a:rPr lang="en-US" b="1" i="1" dirty="0" smtClean="0">
+                            <a:latin typeface="Cambria Math"/>
+                          </a:rPr>
+                          <m:t>− </m:t>
+                        </m:r>
+                        <m:r>
+                          <a:rPr lang="en-US" b="1" i="1">
+                            <a:latin typeface="Cambria Math"/>
+                          </a:rPr>
+                          <m:t>µ</m:t>
+                        </m:r>
+                        <m:r>
+                          <m:rPr>
+                            <m:nor/>
+                          </m:rPr>
+                          <a:rPr lang="en-US" b="1" dirty="0"/>
+                          <m:t> )</m:t>
+                        </m:r>
+                      </m:num>
+                      <m:den>
+                        <m:r>
+                          <m:rPr>
+                            <m:nor/>
+                          </m:rPr>
+                          <a:rPr lang="vi-VN" dirty="0"/>
+                          <m:t>σ</m:t>
+                        </m:r>
+                      </m:den>
+                    </m:f>
+                  </m:oMath>
+                </a14:m>
+                <a:endParaRPr lang="en-US" b="1" dirty="0"/>
+              </a:p>
+            </p:txBody>
+          </p:sp>
+        </mc:Choice>
+        <mc:Fallback>
+          <p:sp>
+            <p:nvSpPr>
+              <p:cNvPr id="35" name="TextBox 34"/>
+              <p:cNvSpPr txBox="1">
+                <a:spLocks noRot="1" noChangeAspect="1" noMove="1" noResize="1" noEditPoints="1" noAdjustHandles="1" noChangeArrowheads="1" noChangeShapeType="1" noTextEdit="1"/>
+              </p:cNvSpPr>
+              <p:nvPr/>
+            </p:nvSpPr>
+            <p:spPr>
+              <a:xfrm>
+                <a:off x="6119386" y="6141320"/>
+                <a:ext cx="1393330" cy="540661"/>
+              </a:xfrm>
+              <a:prstGeom prst="rect">
+                <a:avLst/>
+              </a:prstGeom>
+              <a:blipFill rotWithShape="1">
+                <a:blip r:embed="rId3"/>
+                <a:stretch>
+                  <a:fillRect l="-3947" b="-6742"/>
+                </a:stretch>
+              </a:blipFill>
+            </p:spPr>
+            <p:txBody>
+              <a:bodyPr/>
+              <a:lstStyle/>
+              <a:p>
+                <a:r>
+                  <a:rPr lang="en-US">
+                    <a:noFill/>
+                  </a:rPr>
+                  <a:t> </a:t>
+                </a:r>
+              </a:p>
+            </p:txBody>
+          </p:sp>
+        </mc:Fallback>
+      </mc:AlternateContent>
+      <p:sp>
+        <p:nvSpPr>
+          <p:cNvPr id="36" name="Rectangle 35"/>
+          <p:cNvSpPr/>
+          <p:nvPr/>
+        </p:nvSpPr>
+        <p:spPr>
+          <a:xfrm>
+            <a:off x="6948422" y="6464231"/>
+            <a:ext cx="299520" cy="400110"/>
+          </a:xfrm>
+          <a:prstGeom prst="rect">
+            <a:avLst/>
+          </a:prstGeom>
+        </p:spPr>
+        <p:txBody>
+          <a:bodyPr wrap="square">
+            <a:spAutoFit/>
+          </a:bodyPr>
+          <a:lstStyle/>
+          <a:p>
+            <a:r>
+              <a:rPr lang="en-US" b="1" dirty="0" smtClean="0"/>
+              <a:t>x</a:t>
+            </a:r>
+            <a:r>
+              <a:rPr lang="en-US" sz="2000" dirty="0" smtClean="0"/>
+              <a:t>̅</a:t>
+            </a:r>
+            <a:endParaRPr lang="en-US" sz="2000" dirty="0"/>
+          </a:p>
+        </p:txBody>
+      </p:sp>
+      <p:sp>
+        <p:nvSpPr>
+          <p:cNvPr id="37" name="TextBox 36"/>
+          <p:cNvSpPr txBox="1"/>
+          <p:nvPr/>
+        </p:nvSpPr>
+        <p:spPr>
+          <a:xfrm>
+            <a:off x="4122193" y="5646123"/>
+            <a:ext cx="1829988" cy="461665"/>
+          </a:xfrm>
+          <a:prstGeom prst="rect">
+            <a:avLst/>
+          </a:prstGeom>
+          <a:noFill/>
+        </p:spPr>
+        <p:txBody>
+          <a:bodyPr wrap="none" rtlCol="0">
+            <a:spAutoFit/>
+          </a:bodyPr>
+          <a:lstStyle/>
+          <a:p>
+            <a:r>
+              <a:rPr lang="en-US" sz="1200" dirty="0" smtClean="0">
+                <a:solidFill>
+                  <a:srgbClr val="00B050"/>
+                </a:solidFill>
+              </a:rPr>
+              <a:t>Maximum mean weight of</a:t>
+            </a:r>
+          </a:p>
+          <a:p>
+            <a:r>
+              <a:rPr lang="en-US" sz="1200" dirty="0" smtClean="0">
+                <a:solidFill>
+                  <a:srgbClr val="00B050"/>
+                </a:solidFill>
+              </a:rPr>
+              <a:t>10 boxes robot can lift.</a:t>
+            </a:r>
+            <a:endParaRPr lang="en-US" sz="1200" dirty="0">
+              <a:solidFill>
+                <a:srgbClr val="00B050"/>
+              </a:solidFill>
+            </a:endParaRPr>
+          </a:p>
+        </p:txBody>
+      </p:sp>
+      <p:cxnSp>
+        <p:nvCxnSpPr>
+          <p:cNvPr id="38" name="Straight Arrow Connector 37"/>
+          <p:cNvCxnSpPr>
+            <a:endCxn id="33" idx="1"/>
+          </p:cNvCxnSpPr>
+          <p:nvPr/>
+        </p:nvCxnSpPr>
+        <p:spPr>
+          <a:xfrm flipV="1">
+            <a:off x="5734191" y="5926067"/>
+            <a:ext cx="385195" cy="4732"/>
+          </a:xfrm>
+          <a:prstGeom prst="straightConnector1">
+            <a:avLst/>
+          </a:prstGeom>
+          <a:ln w="19050">
+            <a:solidFill>
+              <a:srgbClr val="00B050"/>
+            </a:solidFill>
+            <a:tailEnd type="arrow"/>
+          </a:ln>
+        </p:spPr>
+        <p:style>
+          <a:lnRef idx="1">
+            <a:schemeClr val="accent1"/>
+          </a:lnRef>
+          <a:fillRef idx="0">
+            <a:schemeClr val="accent1"/>
+          </a:fillRef>
+          <a:effectRef idx="0">
+            <a:schemeClr val="accent1"/>
+          </a:effectRef>
+          <a:fontRef idx="minor">
+            <a:schemeClr val="tx1"/>
+          </a:fontRef>
+        </p:style>
+      </p:cxnSp>
+      <mc:AlternateContent xmlns:mc="http://schemas.openxmlformats.org/markup-compatibility/2006">
+        <mc:Choice xmlns:a14="http://schemas.microsoft.com/office/drawing/2010/main" Requires="a14">
+          <p:sp>
+            <p:nvSpPr>
+              <p:cNvPr id="29" name="TextBox 28"/>
+              <p:cNvSpPr txBox="1"/>
+              <p:nvPr/>
+            </p:nvSpPr>
+            <p:spPr>
+              <a:xfrm>
+                <a:off x="7512716" y="6178832"/>
+                <a:ext cx="1260281" cy="492443"/>
+              </a:xfrm>
+              <a:prstGeom prst="rect">
+                <a:avLst/>
+              </a:prstGeom>
+              <a:noFill/>
+            </p:spPr>
+            <p:txBody>
+              <a:bodyPr wrap="none" rtlCol="0">
+                <a:spAutoFit/>
+              </a:bodyPr>
+              <a:lstStyle/>
+              <a:p>
+                <a:r>
+                  <a:rPr lang="en-US" b="1" dirty="0" smtClean="0"/>
+                  <a:t>= </a:t>
+                </a:r>
+                <a14:m>
+                  <m:oMath xmlns:m="http://schemas.openxmlformats.org/officeDocument/2006/math">
+                    <m:f>
+                      <m:fPr>
+                        <m:ctrlPr>
+                          <a:rPr lang="en-US" b="1" i="1" smtClean="0">
+                            <a:latin typeface="Cambria Math"/>
+                          </a:rPr>
+                        </m:ctrlPr>
+                      </m:fPr>
+                      <m:num>
+                        <m:r>
+                          <a:rPr lang="en-US" b="1" i="1" smtClean="0">
+                            <a:latin typeface="Cambria Math"/>
+                          </a:rPr>
+                          <m:t>𝟔</m:t>
+                        </m:r>
+                      </m:num>
+                      <m:den>
+                        <m:r>
+                          <a:rPr lang="en-US" b="1" i="1" smtClean="0">
+                            <a:latin typeface="Cambria Math"/>
+                          </a:rPr>
+                          <m:t>𝟑</m:t>
+                        </m:r>
+                        <m:r>
+                          <a:rPr lang="en-US" b="1" i="1" smtClean="0">
+                            <a:latin typeface="Cambria Math"/>
+                          </a:rPr>
+                          <m:t>.</m:t>
+                        </m:r>
+                        <m:r>
+                          <a:rPr lang="en-US" b="1" i="1" smtClean="0">
+                            <a:latin typeface="Cambria Math"/>
+                          </a:rPr>
+                          <m:t>𝟏𝟔</m:t>
+                        </m:r>
+                      </m:den>
+                    </m:f>
+                  </m:oMath>
+                </a14:m>
+                <a:r>
+                  <a:rPr lang="en-US" b="1" dirty="0" smtClean="0"/>
+                  <a:t> = 1.9 </a:t>
+                </a:r>
+                <a:endParaRPr lang="en-US" b="1" dirty="0"/>
+              </a:p>
+            </p:txBody>
+          </p:sp>
+        </mc:Choice>
+        <mc:Fallback>
+          <p:sp>
+            <p:nvSpPr>
+              <p:cNvPr id="29" name="TextBox 28"/>
+              <p:cNvSpPr txBox="1">
+                <a:spLocks noRot="1" noChangeAspect="1" noMove="1" noResize="1" noEditPoints="1" noAdjustHandles="1" noChangeArrowheads="1" noChangeShapeType="1" noTextEdit="1"/>
+              </p:cNvSpPr>
+              <p:nvPr/>
+            </p:nvSpPr>
+            <p:spPr>
+              <a:xfrm>
+                <a:off x="7512716" y="6178832"/>
+                <a:ext cx="1260281" cy="492443"/>
+              </a:xfrm>
+              <a:prstGeom prst="rect">
+                <a:avLst/>
+              </a:prstGeom>
+              <a:blipFill rotWithShape="1">
+                <a:blip r:embed="rId4"/>
+                <a:stretch>
+                  <a:fillRect l="-3865" r="-3382" b="-8750"/>
+                </a:stretch>
+              </a:blipFill>
+            </p:spPr>
+            <p:txBody>
+              <a:bodyPr/>
+              <a:lstStyle/>
+              <a:p>
+                <a:r>
+                  <a:rPr lang="en-US">
+                    <a:noFill/>
+                  </a:rPr>
+                  <a:t> </a:t>
+                </a:r>
+              </a:p>
+            </p:txBody>
+          </p:sp>
+        </mc:Fallback>
+      </mc:AlternateContent>
+      <p:sp>
+        <p:nvSpPr>
+          <p:cNvPr id="32" name="Oval 31"/>
+          <p:cNvSpPr/>
+          <p:nvPr/>
+        </p:nvSpPr>
+        <p:spPr>
+          <a:xfrm>
+            <a:off x="8142856" y="6141320"/>
+            <a:ext cx="637040" cy="540661"/>
+          </a:xfrm>
+          <a:prstGeom prst="ellipse">
+            <a:avLst/>
+          </a:prstGeom>
+          <a:noFill/>
+          <a:ln>
+            <a:solidFill>
+              <a:srgbClr val="00B050"/>
+            </a:solidFill>
+            <a:prstDash val="sysDash"/>
+          </a:ln>
+        </p:spPr>
+        <p:style>
+          <a:lnRef idx="2">
+            <a:schemeClr val="accent1">
+              <a:shade val="50000"/>
+            </a:schemeClr>
+          </a:lnRef>
+          <a:fillRef idx="1">
+            <a:schemeClr val="accent1"/>
+          </a:fillRef>
+          <a:effectRef idx="0">
+            <a:schemeClr val="accent1"/>
+          </a:effectRef>
+          <a:fontRef idx="minor">
+            <a:schemeClr val="lt1"/>
+          </a:fontRef>
+        </p:style>
+        <p:txBody>
+          <a:bodyPr rtlCol="0" anchor="ctr"/>
+          <a:lstStyle/>
+          <a:p>
+            <a:pPr algn="ctr"/>
+            <a:endParaRPr lang="en-US"/>
+          </a:p>
+        </p:txBody>
+      </p:sp>
+      <p:sp>
+        <p:nvSpPr>
+          <p:cNvPr id="42" name="Down Arrow 41"/>
+          <p:cNvSpPr/>
+          <p:nvPr/>
+        </p:nvSpPr>
+        <p:spPr>
+          <a:xfrm rot="5400000">
+            <a:off x="5549698" y="6278152"/>
+            <a:ext cx="586963" cy="388323"/>
+          </a:xfrm>
+          <a:prstGeom prst="downArrow">
+            <a:avLst/>
+          </a:prstGeom>
+          <a:solidFill>
+            <a:schemeClr val="bg1">
+              <a:lumMod val="50000"/>
+            </a:schemeClr>
+          </a:solidFill>
+          <a:ln>
+            <a:solidFill>
+              <a:schemeClr val="bg1">
+                <a:lumMod val="50000"/>
+              </a:schemeClr>
+            </a:solidFill>
+          </a:ln>
+        </p:spPr>
+        <p:style>
+          <a:lnRef idx="2">
+            <a:schemeClr val="accent1">
+              <a:shade val="50000"/>
+            </a:schemeClr>
+          </a:lnRef>
+          <a:fillRef idx="1">
+            <a:schemeClr val="accent1"/>
+          </a:fillRef>
+          <a:effectRef idx="0">
+            <a:schemeClr val="accent1"/>
+          </a:effectRef>
+          <a:fontRef idx="minor">
+            <a:schemeClr val="lt1"/>
+          </a:fontRef>
+        </p:style>
+        <p:txBody>
+          <a:bodyPr rtlCol="0" anchor="ctr"/>
+          <a:lstStyle/>
+          <a:p>
+            <a:pPr algn="ctr"/>
+            <a:endParaRPr lang="en-US"/>
+          </a:p>
+        </p:txBody>
+      </p:sp>
+      <p:sp>
+        <p:nvSpPr>
+          <p:cNvPr id="43" name="TextBox 42"/>
+          <p:cNvSpPr txBox="1"/>
+          <p:nvPr/>
+        </p:nvSpPr>
+        <p:spPr>
+          <a:xfrm>
+            <a:off x="1905000" y="6301586"/>
+            <a:ext cx="3581400" cy="307777"/>
+          </a:xfrm>
+          <a:prstGeom prst="rect">
+            <a:avLst/>
+          </a:prstGeom>
+          <a:noFill/>
+        </p:spPr>
+        <p:txBody>
+          <a:bodyPr wrap="square" rtlCol="0">
+            <a:spAutoFit/>
+          </a:bodyPr>
+          <a:lstStyle/>
+          <a:p>
+            <a:r>
+              <a:rPr lang="en-US" sz="1400" b="1" dirty="0" smtClean="0"/>
+              <a:t>Standard Normal Probability of 1.9 = 97.13 %</a:t>
+            </a:r>
+          </a:p>
+        </p:txBody>
+      </p:sp>
+      <p:sp>
+        <p:nvSpPr>
+          <p:cNvPr id="45" name="Oval 44"/>
+          <p:cNvSpPr/>
+          <p:nvPr/>
+        </p:nvSpPr>
+        <p:spPr>
+          <a:xfrm>
+            <a:off x="4718667" y="6185143"/>
+            <a:ext cx="637040" cy="540661"/>
+          </a:xfrm>
+          <a:prstGeom prst="ellipse">
+            <a:avLst/>
+          </a:prstGeom>
+          <a:noFill/>
+          <a:ln>
+            <a:solidFill>
+              <a:srgbClr val="00B050"/>
+            </a:solidFill>
+            <a:prstDash val="sysDash"/>
+          </a:ln>
+        </p:spPr>
+        <p:style>
+          <a:lnRef idx="2">
+            <a:schemeClr val="accent1">
+              <a:shade val="50000"/>
+            </a:schemeClr>
+          </a:lnRef>
+          <a:fillRef idx="1">
+            <a:schemeClr val="accent1"/>
+          </a:fillRef>
+          <a:effectRef idx="0">
+            <a:schemeClr val="accent1"/>
+          </a:effectRef>
+          <a:fontRef idx="minor">
+            <a:schemeClr val="lt1"/>
+          </a:fontRef>
+        </p:style>
+        <p:txBody>
+          <a:bodyPr rtlCol="0" anchor="ctr"/>
+          <a:lstStyle/>
+          <a:p>
+            <a:pPr algn="ctr"/>
+            <a:endParaRPr lang="en-US"/>
+          </a:p>
+        </p:txBody>
+      </p:sp>
+    </p:spTree>
+    <p:extLst>
+      <p:ext uri="{BB962C8B-B14F-4D97-AF65-F5344CB8AC3E}">
+        <p14:creationId xmlns:p14="http://schemas.microsoft.com/office/powerpoint/2010/main" val="1637532827"/>
+      </p:ext>
+    </p:extLst>
+  </p:cSld>
+  <p:clrMapOvr>
+    <a:masterClrMapping/>
+  </p:clrMapOvr>
+  <p:timing>
+    <p:tnLst>
+      <p:par>
+        <p:cTn id="1" dur="indefinite" restart="never" nodeType="tmRoot"/>
+      </p:par>
+    </p:tnLst>
+  </p:timing>
+</p:sld>
+</file>
+
+<file path=ppt/slides/slide13.xml><?xml version="1.0" encoding="utf-8"?>
+<p:sld xmlns:a="http://schemas.openxmlformats.org/drawingml/2006/main" xmlns:r="http://schemas.openxmlformats.org/officeDocument/2006/relationships" xmlns:p="http://schemas.openxmlformats.org/presentationml/2006/main">
+  <p:cSld>
+    <p:spTree>
+      <p:nvGrpSpPr>
+        <p:cNvPr id="1" name=""/>
+        <p:cNvGrpSpPr/>
+        <p:nvPr/>
+      </p:nvGrpSpPr>
+      <p:grpSpPr>
+        <a:xfrm>
+          <a:off x="0" y="0"/>
+          <a:ext cx="0" cy="0"/>
+          <a:chOff x="0" y="0"/>
+          <a:chExt cx="0" cy="0"/>
+        </a:xfrm>
+      </p:grpSpPr>
+      <p:sp>
+        <p:nvSpPr>
+          <p:cNvPr id="2" name="Title 1"/>
+          <p:cNvSpPr>
+            <a:spLocks noGrp="1"/>
+          </p:cNvSpPr>
+          <p:nvPr>
+            <p:ph type="title"/>
+          </p:nvPr>
+        </p:nvSpPr>
+        <p:spPr>
+          <a:xfrm>
+            <a:off x="457200" y="274638"/>
+            <a:ext cx="8305800" cy="792162"/>
+          </a:xfrm>
+        </p:spPr>
+        <p:txBody>
+          <a:bodyPr>
+            <a:normAutofit/>
+          </a:bodyPr>
+          <a:lstStyle/>
+          <a:p>
+            <a:pPr algn="l"/>
+            <a:r>
+              <a:rPr lang="en-US" dirty="0" smtClean="0">
+                <a:solidFill>
+                  <a:schemeClr val="accent1">
+                    <a:lumMod val="75000"/>
+                  </a:schemeClr>
+                </a:solidFill>
+              </a:rPr>
+              <a:t>Null Hypothesis</a:t>
+            </a:r>
+            <a:endParaRPr lang="en-US" dirty="0">
+              <a:solidFill>
+                <a:schemeClr val="accent1">
+                  <a:lumMod val="75000"/>
+                </a:schemeClr>
+              </a:solidFill>
+            </a:endParaRPr>
+          </a:p>
+        </p:txBody>
+      </p:sp>
+      <p:cxnSp>
+        <p:nvCxnSpPr>
+          <p:cNvPr id="5" name="Straight Connector 4"/>
+          <p:cNvCxnSpPr/>
+          <p:nvPr/>
+        </p:nvCxnSpPr>
+        <p:spPr>
+          <a:xfrm>
+            <a:off x="0" y="990600"/>
+            <a:ext cx="9144000" cy="0"/>
+          </a:xfrm>
+          <a:prstGeom prst="line">
+            <a:avLst/>
+          </a:prstGeom>
+          <a:ln w="19050"/>
+        </p:spPr>
+        <p:style>
+          <a:lnRef idx="1">
+            <a:schemeClr val="accent1"/>
+          </a:lnRef>
+          <a:fillRef idx="0">
+            <a:schemeClr val="accent1"/>
+          </a:fillRef>
+          <a:effectRef idx="0">
+            <a:schemeClr val="accent1"/>
+          </a:effectRef>
+          <a:fontRef idx="minor">
+            <a:schemeClr val="tx1"/>
+          </a:fontRef>
+        </p:style>
+      </p:cxnSp>
+      <mc:AlternateContent xmlns:mc="http://schemas.openxmlformats.org/markup-compatibility/2006">
+        <mc:Choice xmlns:a14="http://schemas.microsoft.com/office/drawing/2010/main" Requires="a14">
+          <p:sp>
+            <p:nvSpPr>
+              <p:cNvPr id="4" name="TextBox 3"/>
+              <p:cNvSpPr txBox="1"/>
+              <p:nvPr/>
+            </p:nvSpPr>
+            <p:spPr>
+              <a:xfrm>
+                <a:off x="0" y="1066800"/>
+                <a:ext cx="9233746" cy="3847207"/>
+              </a:xfrm>
+              <a:prstGeom prst="rect">
+                <a:avLst/>
+              </a:prstGeom>
+              <a:noFill/>
+            </p:spPr>
+            <p:txBody>
+              <a:bodyPr wrap="none" rtlCol="0">
+                <a:spAutoFit/>
+              </a:bodyPr>
+              <a:lstStyle/>
+              <a:p>
+                <a:pPr marL="285750" indent="-285750">
+                  <a:buFont typeface="Arial" panose="020B0604020202020204" pitchFamily="34" charset="0"/>
+                  <a:buChar char="•"/>
+                </a:pPr>
+                <a:r>
+                  <a:rPr lang="en-US" sz="2400" b="1" dirty="0" smtClean="0">
+                    <a:solidFill>
+                      <a:schemeClr val="accent5">
+                        <a:lumMod val="75000"/>
+                      </a:schemeClr>
+                    </a:solidFill>
+                  </a:rPr>
+                  <a:t>The </a:t>
+                </a:r>
+                <a:r>
+                  <a:rPr lang="en-US" sz="2400" b="1" dirty="0" smtClean="0">
+                    <a:solidFill>
+                      <a:schemeClr val="accent6">
+                        <a:lumMod val="75000"/>
+                      </a:schemeClr>
+                    </a:solidFill>
+                  </a:rPr>
+                  <a:t>Null Hypothesis H</a:t>
+                </a:r>
+                <a:r>
+                  <a:rPr lang="en-US" sz="2400" b="1" baseline="-25000" dirty="0" smtClean="0">
+                    <a:solidFill>
+                      <a:schemeClr val="accent6">
+                        <a:lumMod val="75000"/>
+                      </a:schemeClr>
+                    </a:solidFill>
+                  </a:rPr>
+                  <a:t>0 </a:t>
+                </a:r>
+                <a:r>
+                  <a:rPr lang="en-US" sz="2400" b="1" dirty="0" smtClean="0">
+                    <a:solidFill>
+                      <a:schemeClr val="accent5">
+                        <a:lumMod val="75000"/>
+                      </a:schemeClr>
+                    </a:solidFill>
+                  </a:rPr>
+                  <a:t>is the opposite of what one is trying to prove.</a:t>
+                </a:r>
+                <a:endParaRPr lang="en-US" sz="2000" b="1" dirty="0" smtClean="0">
+                  <a:solidFill>
+                    <a:schemeClr val="accent5">
+                      <a:lumMod val="75000"/>
+                    </a:schemeClr>
+                  </a:solidFill>
+                </a:endParaRPr>
+              </a:p>
+              <a:p>
+                <a:r>
+                  <a:rPr lang="en-US" sz="2000" b="1" dirty="0" smtClean="0">
+                    <a:solidFill>
+                      <a:schemeClr val="accent6">
+                        <a:lumMod val="75000"/>
+                      </a:schemeClr>
+                    </a:solidFill>
+                  </a:rPr>
+                  <a:t/>
+                </a:r>
+                <a:br>
+                  <a:rPr lang="en-US" sz="2000" b="1" dirty="0" smtClean="0">
+                    <a:solidFill>
+                      <a:schemeClr val="accent6">
+                        <a:lumMod val="75000"/>
+                      </a:schemeClr>
+                    </a:solidFill>
+                  </a:rPr>
+                </a:br>
+                <a:r>
+                  <a:rPr lang="en-US" sz="2000" b="1" dirty="0" smtClean="0">
+                    <a:solidFill>
+                      <a:schemeClr val="accent6">
+                        <a:lumMod val="75000"/>
+                      </a:schemeClr>
+                    </a:solidFill>
+                  </a:rPr>
+                  <a:t>          H</a:t>
+                </a:r>
+                <a:r>
+                  <a:rPr lang="en-US" sz="2000" b="1" baseline="-25000" dirty="0" smtClean="0">
+                    <a:solidFill>
+                      <a:schemeClr val="accent6">
+                        <a:lumMod val="75000"/>
+                      </a:schemeClr>
+                    </a:solidFill>
+                  </a:rPr>
+                  <a:t>0</a:t>
+                </a:r>
+                <a:r>
+                  <a:rPr lang="en-US" sz="2000" b="1" dirty="0" smtClean="0">
+                    <a:solidFill>
+                      <a:schemeClr val="accent6">
+                        <a:lumMod val="75000"/>
+                      </a:schemeClr>
+                    </a:solidFill>
+                  </a:rPr>
+                  <a:t> = </a:t>
+                </a:r>
+                <a:r>
+                  <a:rPr lang="en-US" sz="2000" b="1" dirty="0" smtClean="0"/>
+                  <a:t>The mean price of a transaction has increased (e.g., </a:t>
+                </a:r>
+                <a14:m>
+                  <m:oMath xmlns:m="http://schemas.openxmlformats.org/officeDocument/2006/math">
+                    <m:r>
+                      <a:rPr lang="en-US" sz="2000" b="1" i="1">
+                        <a:latin typeface="Cambria Math"/>
+                      </a:rPr>
+                      <m:t>µ</m:t>
+                    </m:r>
+                  </m:oMath>
+                </a14:m>
+                <a:r>
+                  <a:rPr lang="en-US" sz="2000" b="1" dirty="0" smtClean="0"/>
+                  <a:t> &gt; $25)</a:t>
+                </a:r>
+              </a:p>
+              <a:p>
+                <a:r>
+                  <a:rPr lang="en-US" sz="2000" b="1" dirty="0" smtClean="0">
+                    <a:solidFill>
+                      <a:schemeClr val="accent6">
+                        <a:lumMod val="75000"/>
+                      </a:schemeClr>
+                    </a:solidFill>
+                  </a:rPr>
+                  <a:t>          H</a:t>
+                </a:r>
+                <a:r>
+                  <a:rPr lang="en-US" sz="2000" b="1" baseline="-25000" dirty="0" smtClean="0">
+                    <a:solidFill>
+                      <a:schemeClr val="accent6">
+                        <a:lumMod val="75000"/>
+                      </a:schemeClr>
+                    </a:solidFill>
+                  </a:rPr>
+                  <a:t>1</a:t>
+                </a:r>
+                <a:r>
+                  <a:rPr lang="en-US" sz="2000" b="1" dirty="0" smtClean="0">
+                    <a:solidFill>
+                      <a:schemeClr val="accent6">
+                        <a:lumMod val="75000"/>
+                      </a:schemeClr>
+                    </a:solidFill>
+                  </a:rPr>
+                  <a:t> </a:t>
+                </a:r>
+                <a:r>
+                  <a:rPr lang="en-US" sz="2000" b="1" dirty="0">
+                    <a:solidFill>
+                      <a:schemeClr val="accent6">
+                        <a:lumMod val="75000"/>
+                      </a:schemeClr>
+                    </a:solidFill>
+                  </a:rPr>
+                  <a:t>= </a:t>
+                </a:r>
+                <a:r>
+                  <a:rPr lang="en-US" sz="2000" b="1" dirty="0"/>
+                  <a:t>The mean price of a transaction has </a:t>
+                </a:r>
+                <a:r>
+                  <a:rPr lang="en-US" sz="2000" b="1" dirty="0" smtClean="0"/>
+                  <a:t>not increase (e.g., </a:t>
+                </a:r>
+                <a14:m>
+                  <m:oMath xmlns:m="http://schemas.openxmlformats.org/officeDocument/2006/math">
+                    <m:r>
+                      <a:rPr lang="en-US" sz="2000" b="1" i="1">
+                        <a:latin typeface="Cambria Math"/>
+                      </a:rPr>
+                      <m:t>µ</m:t>
+                    </m:r>
+                  </m:oMath>
+                </a14:m>
+                <a:r>
+                  <a:rPr lang="en-US" sz="2000" b="1" dirty="0"/>
+                  <a:t> </a:t>
+                </a:r>
+                <a:r>
+                  <a:rPr lang="en-US" sz="2000" b="1" dirty="0" smtClean="0"/>
+                  <a:t>≤ </a:t>
+                </a:r>
+                <a:r>
+                  <a:rPr lang="en-US" sz="2000" b="1" dirty="0"/>
+                  <a:t>$25)</a:t>
+                </a:r>
+              </a:p>
+              <a:p>
+                <a:endParaRPr lang="en-US" sz="2000" b="1" dirty="0" smtClean="0">
+                  <a:solidFill>
+                    <a:schemeClr val="accent5">
+                      <a:lumMod val="75000"/>
+                    </a:schemeClr>
+                  </a:solidFill>
+                </a:endParaRPr>
+              </a:p>
+              <a:p>
+                <a:pPr marL="285750" indent="-285750">
+                  <a:buFont typeface="Arial" panose="020B0604020202020204" pitchFamily="34" charset="0"/>
+                  <a:buChar char="•"/>
+                </a:pPr>
+                <a:r>
+                  <a:rPr lang="en-US" sz="2400" b="1" dirty="0" smtClean="0">
+                    <a:solidFill>
+                      <a:schemeClr val="accent5">
+                        <a:lumMod val="75000"/>
+                      </a:schemeClr>
+                    </a:solidFill>
+                  </a:rPr>
+                  <a:t>To Prove the Alternate Hypothesis </a:t>
+                </a:r>
+                <a:r>
+                  <a:rPr lang="en-US" sz="2400" b="1" dirty="0" smtClean="0">
+                    <a:solidFill>
+                      <a:schemeClr val="accent6">
+                        <a:lumMod val="75000"/>
+                      </a:schemeClr>
+                    </a:solidFill>
+                  </a:rPr>
+                  <a:t>H</a:t>
+                </a:r>
+                <a:r>
+                  <a:rPr lang="en-US" sz="2400" b="1" baseline="-25000" dirty="0" smtClean="0">
+                    <a:solidFill>
+                      <a:schemeClr val="accent6">
+                        <a:lumMod val="75000"/>
+                      </a:schemeClr>
+                    </a:solidFill>
+                  </a:rPr>
+                  <a:t>1 </a:t>
+                </a:r>
+                <a:r>
+                  <a:rPr lang="en-US" sz="2400" b="1" dirty="0" smtClean="0">
+                    <a:solidFill>
+                      <a:schemeClr val="accent5">
+                        <a:lumMod val="75000"/>
+                      </a:schemeClr>
+                    </a:solidFill>
+                  </a:rPr>
+                  <a:t>:</a:t>
+                </a:r>
+              </a:p>
+              <a:p>
+                <a:pPr marL="742950" lvl="1" indent="-285750">
+                  <a:buFont typeface="Arial" panose="020B0604020202020204" pitchFamily="34" charset="0"/>
+                  <a:buChar char="•"/>
+                </a:pPr>
+                <a:r>
+                  <a:rPr lang="en-US" sz="2400" b="1" u="sng" dirty="0" smtClean="0">
+                    <a:solidFill>
+                      <a:schemeClr val="accent5">
+                        <a:lumMod val="75000"/>
+                      </a:schemeClr>
+                    </a:solidFill>
+                  </a:rPr>
+                  <a:t>Disprove the Null Hypothesis</a:t>
+                </a:r>
+              </a:p>
+              <a:p>
+                <a:pPr marL="742950" lvl="1" indent="-285750">
+                  <a:buFont typeface="Arial" panose="020B0604020202020204" pitchFamily="34" charset="0"/>
+                  <a:buChar char="•"/>
+                </a:pPr>
+                <a:r>
+                  <a:rPr lang="en-US" sz="2400" b="1" dirty="0" smtClean="0">
+                    <a:solidFill>
+                      <a:schemeClr val="accent5">
+                        <a:lumMod val="75000"/>
+                      </a:schemeClr>
+                    </a:solidFill>
+                  </a:rPr>
+                  <a:t>Within a Level of </a:t>
+                </a:r>
+                <a:r>
+                  <a:rPr lang="en-US" sz="2400" b="1" dirty="0" smtClean="0">
+                    <a:solidFill>
+                      <a:schemeClr val="accent6">
+                        <a:lumMod val="75000"/>
+                      </a:schemeClr>
+                    </a:solidFill>
+                  </a:rPr>
+                  <a:t>Statistical Significance</a:t>
+                </a:r>
+              </a:p>
+              <a:p>
+                <a:endParaRPr lang="en-US" sz="2000" b="1" dirty="0">
+                  <a:solidFill>
+                    <a:schemeClr val="accent5">
+                      <a:lumMod val="75000"/>
+                    </a:schemeClr>
+                  </a:solidFill>
+                </a:endParaRPr>
+              </a:p>
+              <a:p>
+                <a:pPr marL="285750" indent="-285750">
+                  <a:buFont typeface="Arial" panose="020B0604020202020204" pitchFamily="34" charset="0"/>
+                  <a:buChar char="•"/>
+                </a:pPr>
+                <a:r>
+                  <a:rPr lang="en-US" sz="2400" b="1" dirty="0" smtClean="0">
+                    <a:solidFill>
+                      <a:schemeClr val="accent5">
+                        <a:lumMod val="75000"/>
+                      </a:schemeClr>
+                    </a:solidFill>
+                  </a:rPr>
+                  <a:t>Example: Transaction History has </a:t>
+                </a:r>
+                <a14:m>
+                  <m:oMath xmlns:m="http://schemas.openxmlformats.org/officeDocument/2006/math">
+                    <m:r>
+                      <a:rPr lang="en-US" sz="2400" b="1" i="1">
+                        <a:solidFill>
+                          <a:schemeClr val="accent5">
+                            <a:lumMod val="75000"/>
+                          </a:schemeClr>
+                        </a:solidFill>
+                        <a:latin typeface="Cambria Math"/>
+                      </a:rPr>
+                      <m:t>µ</m:t>
+                    </m:r>
+                  </m:oMath>
+                </a14:m>
+                <a:r>
+                  <a:rPr lang="en-US" sz="2400" b="1" dirty="0">
+                    <a:solidFill>
+                      <a:schemeClr val="accent5">
+                        <a:lumMod val="75000"/>
+                      </a:schemeClr>
+                    </a:solidFill>
+                  </a:rPr>
+                  <a:t> </a:t>
+                </a:r>
+                <a:r>
+                  <a:rPr lang="en-US" sz="2400" b="1" dirty="0" smtClean="0">
+                    <a:solidFill>
+                      <a:schemeClr val="accent5">
+                        <a:lumMod val="75000"/>
+                      </a:schemeClr>
+                    </a:solidFill>
+                  </a:rPr>
+                  <a:t>= </a:t>
+                </a:r>
+                <a:r>
+                  <a:rPr lang="en-US" sz="2400" b="1" dirty="0">
+                    <a:solidFill>
+                      <a:schemeClr val="accent5">
+                        <a:lumMod val="75000"/>
+                      </a:schemeClr>
+                    </a:solidFill>
+                  </a:rPr>
+                  <a:t>$</a:t>
+                </a:r>
+                <a:r>
+                  <a:rPr lang="en-US" sz="2400" b="1" dirty="0" smtClean="0">
+                    <a:solidFill>
+                      <a:schemeClr val="accent5">
+                        <a:lumMod val="75000"/>
+                      </a:schemeClr>
+                    </a:solidFill>
+                  </a:rPr>
+                  <a:t>25 with </a:t>
+                </a:r>
+                <a:r>
+                  <a:rPr lang="vi-VN" sz="2400" b="1" dirty="0">
+                    <a:solidFill>
+                      <a:schemeClr val="accent5">
+                        <a:lumMod val="75000"/>
+                      </a:schemeClr>
+                    </a:solidFill>
+                  </a:rPr>
+                  <a:t>σ</a:t>
+                </a:r>
+                <a:r>
+                  <a:rPr lang="en-US" sz="2400" b="1" dirty="0">
+                    <a:solidFill>
+                      <a:schemeClr val="accent5">
+                        <a:lumMod val="75000"/>
+                      </a:schemeClr>
+                    </a:solidFill>
+                  </a:rPr>
+                  <a:t> </a:t>
+                </a:r>
+                <a:r>
+                  <a:rPr lang="en-US" sz="2400" b="1" dirty="0" smtClean="0">
+                    <a:solidFill>
+                      <a:schemeClr val="accent5">
+                        <a:lumMod val="75000"/>
+                      </a:schemeClr>
+                    </a:solidFill>
+                  </a:rPr>
+                  <a:t>= $5</a:t>
+                </a:r>
+              </a:p>
+              <a:p>
+                <a:r>
+                  <a:rPr lang="en-US" sz="2400" b="1" dirty="0" smtClean="0">
+                    <a:solidFill>
+                      <a:schemeClr val="accent5">
+                        <a:lumMod val="75000"/>
+                      </a:schemeClr>
+                    </a:solidFill>
+                  </a:rPr>
+                  <a:t>                       Transaction Sample has </a:t>
+                </a:r>
+                <a14:m>
+                  <m:oMath xmlns:m="http://schemas.openxmlformats.org/officeDocument/2006/math">
+                    <m:r>
+                      <m:rPr>
+                        <m:nor/>
+                      </m:rPr>
+                      <a:rPr lang="en-US" sz="2400" dirty="0"/>
+                      <m:t>x</m:t>
+                    </m:r>
+                    <m:r>
+                      <m:rPr>
+                        <m:nor/>
+                      </m:rPr>
+                      <a:rPr lang="en-US" sz="2400" b="1" dirty="0" smtClean="0">
+                        <a:solidFill>
+                          <a:schemeClr val="accent5">
+                            <a:lumMod val="75000"/>
+                          </a:schemeClr>
+                        </a:solidFill>
+                      </a:rPr>
+                      <m:t>̅</m:t>
+                    </m:r>
+                  </m:oMath>
+                </a14:m>
+                <a:r>
+                  <a:rPr lang="en-US" sz="2400" b="1" dirty="0" smtClean="0">
+                    <a:solidFill>
+                      <a:schemeClr val="accent5">
+                        <a:lumMod val="75000"/>
+                      </a:schemeClr>
+                    </a:solidFill>
+                  </a:rPr>
+                  <a:t> = $26.50</a:t>
+                </a:r>
+              </a:p>
+            </p:txBody>
+          </p:sp>
+        </mc:Choice>
+        <mc:Fallback>
+          <p:sp>
+            <p:nvSpPr>
+              <p:cNvPr id="4" name="TextBox 3"/>
+              <p:cNvSpPr txBox="1">
+                <a:spLocks noRot="1" noChangeAspect="1" noMove="1" noResize="1" noEditPoints="1" noAdjustHandles="1" noChangeArrowheads="1" noChangeShapeType="1" noTextEdit="1"/>
+              </p:cNvSpPr>
+              <p:nvPr/>
+            </p:nvSpPr>
+            <p:spPr>
+              <a:xfrm>
+                <a:off x="0" y="1066800"/>
+                <a:ext cx="9233746" cy="3847207"/>
+              </a:xfrm>
+              <a:prstGeom prst="rect">
+                <a:avLst/>
+              </a:prstGeom>
+              <a:blipFill rotWithShape="1">
+                <a:blip r:embed="rId2"/>
+                <a:stretch>
+                  <a:fillRect l="-858" t="-1268" r="-66" b="-2694"/>
+                </a:stretch>
+              </a:blipFill>
+            </p:spPr>
+            <p:txBody>
+              <a:bodyPr/>
+              <a:lstStyle/>
+              <a:p>
+                <a:r>
+                  <a:rPr lang="en-US">
+                    <a:noFill/>
+                  </a:rPr>
+                  <a:t> </a:t>
+                </a:r>
+              </a:p>
+            </p:txBody>
+          </p:sp>
+        </mc:Fallback>
+      </mc:AlternateContent>
+      <mc:AlternateContent xmlns:mc="http://schemas.openxmlformats.org/markup-compatibility/2006">
+        <mc:Choice xmlns:a14="http://schemas.microsoft.com/office/drawing/2010/main" Requires="a14">
+          <p:sp>
+            <p:nvSpPr>
+              <p:cNvPr id="6" name="TextBox 5"/>
+              <p:cNvSpPr txBox="1"/>
+              <p:nvPr/>
+            </p:nvSpPr>
+            <p:spPr>
+              <a:xfrm>
+                <a:off x="314325" y="5114054"/>
+                <a:ext cx="2772554" cy="528799"/>
+              </a:xfrm>
+              <a:prstGeom prst="rect">
+                <a:avLst/>
+              </a:prstGeom>
+              <a:noFill/>
+            </p:spPr>
+            <p:txBody>
+              <a:bodyPr wrap="none" rtlCol="0">
+                <a:spAutoFit/>
+              </a:bodyPr>
+              <a:lstStyle/>
+              <a:p>
+                <a:r>
+                  <a:rPr lang="en-US" sz="1400" dirty="0" smtClean="0"/>
+                  <a:t>  </a:t>
+                </a:r>
+                <a:r>
+                  <a:rPr lang="vi-VN" dirty="0" smtClean="0"/>
+                  <a:t>σ</a:t>
+                </a:r>
+                <a:r>
+                  <a:rPr lang="en-US" dirty="0" smtClean="0"/>
+                  <a:t>    = </a:t>
+                </a:r>
+                <a14:m>
+                  <m:oMath xmlns:m="http://schemas.openxmlformats.org/officeDocument/2006/math">
+                    <m:f>
+                      <m:fPr>
+                        <m:ctrlPr>
+                          <a:rPr lang="en-US" i="1" dirty="0" smtClean="0">
+                            <a:latin typeface="Cambria Math"/>
+                          </a:rPr>
+                        </m:ctrlPr>
+                      </m:fPr>
+                      <m:num>
+                        <m:r>
+                          <m:rPr>
+                            <m:nor/>
+                          </m:rPr>
+                          <a:rPr lang="vi-VN" dirty="0"/>
+                          <m:t>σ</m:t>
+                        </m:r>
+                      </m:num>
+                      <m:den>
+                        <m:rad>
+                          <m:radPr>
+                            <m:degHide m:val="on"/>
+                            <m:ctrlPr>
+                              <a:rPr lang="en-US" i="1" dirty="0" smtClean="0">
+                                <a:latin typeface="Cambria Math"/>
+                              </a:rPr>
+                            </m:ctrlPr>
+                          </m:radPr>
+                          <m:deg/>
+                          <m:e>
+                            <m:r>
+                              <a:rPr lang="en-US" b="0" i="1" dirty="0" smtClean="0">
+                                <a:latin typeface="Cambria Math"/>
+                              </a:rPr>
+                              <m:t>𝑛</m:t>
+                            </m:r>
+                          </m:e>
+                        </m:rad>
+                      </m:den>
+                    </m:f>
+                  </m:oMath>
+                </a14:m>
+                <a:r>
+                  <a:rPr lang="en-US" b="1" dirty="0" smtClean="0"/>
+                  <a:t>  = 5 / </a:t>
+                </a:r>
+                <a14:m>
+                  <m:oMath xmlns:m="http://schemas.openxmlformats.org/officeDocument/2006/math">
+                    <m:rad>
+                      <m:radPr>
+                        <m:degHide m:val="on"/>
+                        <m:ctrlPr>
+                          <a:rPr lang="en-US" b="1" i="1" smtClean="0">
+                            <a:latin typeface="Cambria Math"/>
+                          </a:rPr>
+                        </m:ctrlPr>
+                      </m:radPr>
+                      <m:deg/>
+                      <m:e>
+                        <m:r>
+                          <a:rPr lang="en-US" b="1" i="1" smtClean="0">
+                            <a:latin typeface="Cambria Math"/>
+                          </a:rPr>
+                          <m:t>𝟏𝟎</m:t>
+                        </m:r>
+                      </m:e>
+                    </m:rad>
+                  </m:oMath>
+                </a14:m>
+                <a:r>
+                  <a:rPr lang="en-US" b="1" dirty="0" smtClean="0"/>
+                  <a:t>  = 1.58</a:t>
+                </a:r>
+                <a:endParaRPr lang="en-US" b="1" dirty="0"/>
+              </a:p>
+            </p:txBody>
+          </p:sp>
+        </mc:Choice>
+        <mc:Fallback>
+          <p:sp>
+            <p:nvSpPr>
+              <p:cNvPr id="6" name="TextBox 5"/>
+              <p:cNvSpPr txBox="1">
+                <a:spLocks noRot="1" noChangeAspect="1" noMove="1" noResize="1" noEditPoints="1" noAdjustHandles="1" noChangeArrowheads="1" noChangeShapeType="1" noTextEdit="1"/>
+              </p:cNvSpPr>
+              <p:nvPr/>
+            </p:nvSpPr>
+            <p:spPr>
+              <a:xfrm>
+                <a:off x="314325" y="5114054"/>
+                <a:ext cx="2772554" cy="528799"/>
+              </a:xfrm>
+              <a:prstGeom prst="rect">
+                <a:avLst/>
+              </a:prstGeom>
+              <a:blipFill rotWithShape="1">
+                <a:blip r:embed="rId3"/>
+                <a:stretch>
+                  <a:fillRect b="-1149"/>
+                </a:stretch>
+              </a:blipFill>
+            </p:spPr>
+            <p:txBody>
+              <a:bodyPr/>
+              <a:lstStyle/>
+              <a:p>
+                <a:r>
+                  <a:rPr lang="en-US">
+                    <a:noFill/>
+                  </a:rPr>
+                  <a:t> </a:t>
+                </a:r>
+              </a:p>
+            </p:txBody>
+          </p:sp>
+        </mc:Fallback>
+      </mc:AlternateContent>
+      <p:sp>
+        <p:nvSpPr>
+          <p:cNvPr id="7" name="Rectangle 6"/>
+          <p:cNvSpPr/>
+          <p:nvPr/>
+        </p:nvSpPr>
+        <p:spPr>
+          <a:xfrm>
+            <a:off x="618309" y="5273521"/>
+            <a:ext cx="299520" cy="369332"/>
+          </a:xfrm>
+          <a:prstGeom prst="rect">
+            <a:avLst/>
+          </a:prstGeom>
+        </p:spPr>
+        <p:txBody>
+          <a:bodyPr wrap="square">
+            <a:spAutoFit/>
+          </a:bodyPr>
+          <a:lstStyle/>
+          <a:p>
+            <a:r>
+              <a:rPr lang="en-US" sz="1200" b="1" dirty="0" smtClean="0"/>
+              <a:t>x</a:t>
+            </a:r>
+            <a:r>
+              <a:rPr lang="en-US" dirty="0" smtClean="0"/>
+              <a:t>̅</a:t>
+            </a:r>
+            <a:endParaRPr lang="en-US" dirty="0"/>
+          </a:p>
+        </p:txBody>
+      </p:sp>
+      <mc:AlternateContent xmlns:mc="http://schemas.openxmlformats.org/markup-compatibility/2006">
+        <mc:Choice xmlns:a14="http://schemas.microsoft.com/office/drawing/2010/main" Requires="a14">
+          <p:sp>
+            <p:nvSpPr>
+              <p:cNvPr id="8" name="TextBox 7"/>
+              <p:cNvSpPr txBox="1"/>
+              <p:nvPr/>
+            </p:nvSpPr>
+            <p:spPr>
+              <a:xfrm>
+                <a:off x="359198" y="5652220"/>
+                <a:ext cx="4267200" cy="540661"/>
+              </a:xfrm>
+              <a:prstGeom prst="rect">
+                <a:avLst/>
+              </a:prstGeom>
+              <a:noFill/>
+            </p:spPr>
+            <p:txBody>
+              <a:bodyPr wrap="square" rtlCol="0">
+                <a:spAutoFit/>
+              </a:bodyPr>
+              <a:lstStyle/>
+              <a:p>
+                <a:r>
+                  <a:rPr lang="en-US" b="1" dirty="0" smtClean="0"/>
+                  <a:t>Z = </a:t>
+                </a:r>
+                <a14:m>
+                  <m:oMath xmlns:m="http://schemas.openxmlformats.org/officeDocument/2006/math">
+                    <m:f>
+                      <m:fPr>
+                        <m:ctrlPr>
+                          <a:rPr lang="en-US" b="1" i="1" smtClean="0">
+                            <a:latin typeface="Cambria Math"/>
+                          </a:rPr>
+                        </m:ctrlPr>
+                      </m:fPr>
+                      <m:num>
+                        <m:r>
+                          <m:rPr>
+                            <m:nor/>
+                          </m:rPr>
+                          <a:rPr lang="en-US" b="1" dirty="0"/>
+                          <m:t>(</m:t>
+                        </m:r>
+                        <m:r>
+                          <m:rPr>
+                            <m:nor/>
+                          </m:rPr>
+                          <a:rPr lang="en-US" dirty="0"/>
+                          <m:t>x</m:t>
+                        </m:r>
+                        <m:r>
+                          <m:rPr>
+                            <m:nor/>
+                          </m:rPr>
+                          <a:rPr lang="en-US" dirty="0"/>
+                          <m:t>̅</m:t>
+                        </m:r>
+                        <m:r>
+                          <m:rPr>
+                            <m:nor/>
+                          </m:rPr>
+                          <a:rPr lang="en-US" b="0" i="0" baseline="-25000" dirty="0" smtClean="0"/>
+                          <m:t>max</m:t>
+                        </m:r>
+                        <m:r>
+                          <m:rPr>
+                            <m:nor/>
+                          </m:rPr>
+                          <a:rPr lang="en-US" dirty="0"/>
+                          <m:t> </m:t>
+                        </m:r>
+                        <m:r>
+                          <a:rPr lang="en-US" b="1" i="1" dirty="0" smtClean="0">
+                            <a:latin typeface="Cambria Math"/>
+                          </a:rPr>
+                          <m:t>− </m:t>
+                        </m:r>
+                        <m:r>
+                          <a:rPr lang="en-US" b="1" i="1">
+                            <a:latin typeface="Cambria Math"/>
+                          </a:rPr>
+                          <m:t>µ</m:t>
+                        </m:r>
+                        <m:r>
+                          <m:rPr>
+                            <m:nor/>
+                          </m:rPr>
+                          <a:rPr lang="en-US" b="1" dirty="0"/>
+                          <m:t> )</m:t>
+                        </m:r>
+                      </m:num>
+                      <m:den>
+                        <m:r>
+                          <m:rPr>
+                            <m:nor/>
+                          </m:rPr>
+                          <a:rPr lang="vi-VN" dirty="0"/>
+                          <m:t>σ</m:t>
+                        </m:r>
+                      </m:den>
+                    </m:f>
+                    <m:r>
+                      <a:rPr lang="en-US" b="1" i="0" smtClean="0">
+                        <a:latin typeface="Cambria Math"/>
+                      </a:rPr>
+                      <m:t>=</m:t>
+                    </m:r>
+                  </m:oMath>
+                </a14:m>
+                <a:r>
+                  <a:rPr lang="en-US" b="1" dirty="0" smtClean="0"/>
+                  <a:t> </a:t>
+                </a:r>
+                <a14:m>
+                  <m:oMath xmlns:m="http://schemas.openxmlformats.org/officeDocument/2006/math">
+                    <m:f>
+                      <m:fPr>
+                        <m:ctrlPr>
+                          <a:rPr lang="en-US" b="1" i="1">
+                            <a:latin typeface="Cambria Math"/>
+                          </a:rPr>
+                        </m:ctrlPr>
+                      </m:fPr>
+                      <m:num>
+                        <m:r>
+                          <a:rPr lang="en-US" b="1" i="1">
+                            <a:latin typeface="Cambria Math"/>
+                          </a:rPr>
+                          <m:t>𝟐𝟔</m:t>
+                        </m:r>
+                        <m:r>
+                          <a:rPr lang="en-US" b="1" i="1">
+                            <a:latin typeface="Cambria Math"/>
+                          </a:rPr>
+                          <m:t>.</m:t>
+                        </m:r>
+                        <m:r>
+                          <a:rPr lang="en-US" b="1" i="1" smtClean="0">
+                            <a:latin typeface="Cambria Math"/>
+                          </a:rPr>
+                          <m:t>𝟓</m:t>
+                        </m:r>
+                        <m:r>
+                          <a:rPr lang="en-US" b="1" i="1">
+                            <a:latin typeface="Cambria Math"/>
+                          </a:rPr>
+                          <m:t> −</m:t>
+                        </m:r>
+                        <m:r>
+                          <a:rPr lang="en-US" b="1" i="1">
+                            <a:latin typeface="Cambria Math"/>
+                          </a:rPr>
+                          <m:t>𝟐𝟓</m:t>
+                        </m:r>
+                      </m:num>
+                      <m:den>
+                        <m:r>
+                          <a:rPr lang="en-US" b="1" i="1">
+                            <a:latin typeface="Cambria Math"/>
+                          </a:rPr>
+                          <m:t>𝟏</m:t>
+                        </m:r>
+                        <m:r>
+                          <a:rPr lang="en-US" b="1" i="1">
+                            <a:latin typeface="Cambria Math"/>
+                          </a:rPr>
+                          <m:t>.</m:t>
+                        </m:r>
+                        <m:r>
+                          <a:rPr lang="en-US" b="1" i="1">
+                            <a:latin typeface="Cambria Math"/>
+                          </a:rPr>
+                          <m:t>𝟓𝟖</m:t>
+                        </m:r>
+                      </m:den>
+                    </m:f>
+                    <m:r>
+                      <a:rPr lang="en-US" b="1" i="1">
+                        <a:latin typeface="Cambria Math"/>
+                      </a:rPr>
+                      <m:t> </m:t>
+                    </m:r>
+                  </m:oMath>
+                </a14:m>
+                <a:r>
+                  <a:rPr lang="en-US" b="1" dirty="0" smtClean="0"/>
+                  <a:t> = 0.95  </a:t>
+                </a:r>
+                <a:endParaRPr lang="en-US" b="1" dirty="0"/>
+              </a:p>
+            </p:txBody>
+          </p:sp>
+        </mc:Choice>
+        <mc:Fallback>
+          <p:sp>
+            <p:nvSpPr>
+              <p:cNvPr id="8" name="TextBox 7"/>
+              <p:cNvSpPr txBox="1">
+                <a:spLocks noRot="1" noChangeAspect="1" noMove="1" noResize="1" noEditPoints="1" noAdjustHandles="1" noChangeArrowheads="1" noChangeShapeType="1" noTextEdit="1"/>
+              </p:cNvSpPr>
+              <p:nvPr/>
+            </p:nvSpPr>
+            <p:spPr>
+              <a:xfrm>
+                <a:off x="359198" y="5652220"/>
+                <a:ext cx="4267200" cy="540661"/>
+              </a:xfrm>
+              <a:prstGeom prst="rect">
+                <a:avLst/>
+              </a:prstGeom>
+              <a:blipFill rotWithShape="1">
+                <a:blip r:embed="rId4"/>
+                <a:stretch>
+                  <a:fillRect l="-1286" b="-6742"/>
+                </a:stretch>
+              </a:blipFill>
+            </p:spPr>
+            <p:txBody>
+              <a:bodyPr/>
+              <a:lstStyle/>
+              <a:p>
+                <a:r>
+                  <a:rPr lang="en-US">
+                    <a:noFill/>
+                  </a:rPr>
+                  <a:t> </a:t>
+                </a:r>
+              </a:p>
+            </p:txBody>
+          </p:sp>
+        </mc:Fallback>
+      </mc:AlternateContent>
+      <p:sp>
+        <p:nvSpPr>
+          <p:cNvPr id="9" name="Rectangle 8"/>
+          <p:cNvSpPr/>
+          <p:nvPr/>
+        </p:nvSpPr>
+        <p:spPr>
+          <a:xfrm>
+            <a:off x="1225973" y="5992826"/>
+            <a:ext cx="299520" cy="400110"/>
+          </a:xfrm>
+          <a:prstGeom prst="rect">
+            <a:avLst/>
+          </a:prstGeom>
+        </p:spPr>
+        <p:txBody>
+          <a:bodyPr wrap="square">
+            <a:spAutoFit/>
+          </a:bodyPr>
+          <a:lstStyle/>
+          <a:p>
+            <a:r>
+              <a:rPr lang="en-US" b="1" dirty="0" smtClean="0"/>
+              <a:t>x</a:t>
+            </a:r>
+            <a:r>
+              <a:rPr lang="en-US" sz="2000" dirty="0" smtClean="0"/>
+              <a:t>̅</a:t>
+            </a:r>
+            <a:endParaRPr lang="en-US" sz="2000" dirty="0"/>
+          </a:p>
+        </p:txBody>
+      </p:sp>
+      <p:sp>
+        <p:nvSpPr>
+          <p:cNvPr id="10" name="TextBox 9"/>
+          <p:cNvSpPr txBox="1"/>
+          <p:nvPr/>
+        </p:nvSpPr>
+        <p:spPr>
+          <a:xfrm>
+            <a:off x="7490516" y="5070327"/>
+            <a:ext cx="1611517" cy="461665"/>
+          </a:xfrm>
+          <a:prstGeom prst="rect">
+            <a:avLst/>
+          </a:prstGeom>
+          <a:noFill/>
+        </p:spPr>
+        <p:txBody>
+          <a:bodyPr wrap="square" rtlCol="0">
+            <a:spAutoFit/>
+          </a:bodyPr>
+          <a:lstStyle/>
+          <a:p>
+            <a:r>
+              <a:rPr lang="en-US" sz="1200" dirty="0" smtClean="0">
+                <a:solidFill>
+                  <a:srgbClr val="00B050"/>
+                </a:solidFill>
+              </a:rPr>
+              <a:t>Calculate  Std. Dev. of </a:t>
+            </a:r>
+            <a:br>
+              <a:rPr lang="en-US" sz="1200" dirty="0" smtClean="0">
+                <a:solidFill>
+                  <a:srgbClr val="00B050"/>
+                </a:solidFill>
+              </a:rPr>
+            </a:br>
+            <a:r>
+              <a:rPr lang="en-US" sz="1200" dirty="0" smtClean="0">
+                <a:solidFill>
+                  <a:srgbClr val="00B050"/>
+                </a:solidFill>
+              </a:rPr>
+              <a:t>Transaction</a:t>
+            </a:r>
+            <a:endParaRPr lang="en-US" sz="1200" dirty="0">
+              <a:solidFill>
+                <a:srgbClr val="00B050"/>
+              </a:solidFill>
+            </a:endParaRPr>
+          </a:p>
+        </p:txBody>
+      </p:sp>
+      <p:cxnSp>
+        <p:nvCxnSpPr>
+          <p:cNvPr id="11" name="Straight Arrow Connector 10"/>
+          <p:cNvCxnSpPr/>
+          <p:nvPr/>
+        </p:nvCxnSpPr>
+        <p:spPr>
+          <a:xfrm flipH="1">
+            <a:off x="7542125" y="6546822"/>
+            <a:ext cx="366323" cy="0"/>
+          </a:xfrm>
+          <a:prstGeom prst="straightConnector1">
+            <a:avLst/>
+          </a:prstGeom>
+          <a:ln w="19050">
+            <a:solidFill>
+              <a:srgbClr val="00B050"/>
+            </a:solidFill>
+            <a:tailEnd type="arrow"/>
+          </a:ln>
+        </p:spPr>
+        <p:style>
+          <a:lnRef idx="1">
+            <a:schemeClr val="accent1"/>
+          </a:lnRef>
+          <a:fillRef idx="0">
+            <a:schemeClr val="accent1"/>
+          </a:fillRef>
+          <a:effectRef idx="0">
+            <a:schemeClr val="accent1"/>
+          </a:effectRef>
+          <a:fontRef idx="minor">
+            <a:schemeClr val="tx1"/>
+          </a:fontRef>
+        </p:style>
+      </p:cxnSp>
+      <p:cxnSp>
+        <p:nvCxnSpPr>
+          <p:cNvPr id="12" name="Straight Arrow Connector 11"/>
+          <p:cNvCxnSpPr/>
+          <p:nvPr/>
+        </p:nvCxnSpPr>
+        <p:spPr>
+          <a:xfrm flipH="1">
+            <a:off x="6905625" y="5922548"/>
+            <a:ext cx="485775" cy="0"/>
+          </a:xfrm>
+          <a:prstGeom prst="straightConnector1">
+            <a:avLst/>
+          </a:prstGeom>
+          <a:ln w="19050">
+            <a:solidFill>
+              <a:srgbClr val="00B050"/>
+            </a:solidFill>
+            <a:tailEnd type="arrow"/>
+          </a:ln>
+        </p:spPr>
+        <p:style>
+          <a:lnRef idx="1">
+            <a:schemeClr val="accent1"/>
+          </a:lnRef>
+          <a:fillRef idx="0">
+            <a:schemeClr val="accent1"/>
+          </a:fillRef>
+          <a:effectRef idx="0">
+            <a:schemeClr val="accent1"/>
+          </a:effectRef>
+          <a:fontRef idx="minor">
+            <a:schemeClr val="tx1"/>
+          </a:fontRef>
+        </p:style>
+      </p:cxnSp>
+      <p:sp>
+        <p:nvSpPr>
+          <p:cNvPr id="14" name="TextBox 13"/>
+          <p:cNvSpPr txBox="1"/>
+          <p:nvPr/>
+        </p:nvSpPr>
+        <p:spPr>
+          <a:xfrm>
+            <a:off x="7542125" y="5784049"/>
+            <a:ext cx="1621042" cy="276999"/>
+          </a:xfrm>
+          <a:prstGeom prst="rect">
+            <a:avLst/>
+          </a:prstGeom>
+          <a:noFill/>
+        </p:spPr>
+        <p:txBody>
+          <a:bodyPr wrap="square" rtlCol="0">
+            <a:spAutoFit/>
+          </a:bodyPr>
+          <a:lstStyle/>
+          <a:p>
+            <a:r>
+              <a:rPr lang="en-US" sz="1200" dirty="0" smtClean="0">
+                <a:solidFill>
+                  <a:srgbClr val="00B050"/>
+                </a:solidFill>
+              </a:rPr>
+              <a:t>Z-Score of Transaction</a:t>
+            </a:r>
+            <a:endParaRPr lang="en-US" sz="1200" dirty="0">
+              <a:solidFill>
+                <a:srgbClr val="00B050"/>
+              </a:solidFill>
+            </a:endParaRPr>
+          </a:p>
+        </p:txBody>
+      </p:sp>
+      <p:sp>
+        <p:nvSpPr>
+          <p:cNvPr id="15" name="TextBox 14"/>
+          <p:cNvSpPr txBox="1"/>
+          <p:nvPr/>
+        </p:nvSpPr>
+        <p:spPr>
+          <a:xfrm>
+            <a:off x="357677" y="6392936"/>
+            <a:ext cx="4125141" cy="307777"/>
+          </a:xfrm>
+          <a:prstGeom prst="rect">
+            <a:avLst/>
+          </a:prstGeom>
+          <a:noFill/>
+        </p:spPr>
+        <p:txBody>
+          <a:bodyPr wrap="square" rtlCol="0">
+            <a:spAutoFit/>
+          </a:bodyPr>
+          <a:lstStyle/>
+          <a:p>
+            <a:r>
+              <a:rPr lang="en-US" sz="1400" b="1" dirty="0" smtClean="0"/>
+              <a:t>Standard Normal Probability of  0.95 = 82.18 %</a:t>
+            </a:r>
+          </a:p>
+        </p:txBody>
+      </p:sp>
+      <p:cxnSp>
+        <p:nvCxnSpPr>
+          <p:cNvPr id="16" name="Straight Arrow Connector 15"/>
+          <p:cNvCxnSpPr/>
+          <p:nvPr/>
+        </p:nvCxnSpPr>
+        <p:spPr>
+          <a:xfrm flipH="1">
+            <a:off x="6905625" y="5378453"/>
+            <a:ext cx="485775" cy="0"/>
+          </a:xfrm>
+          <a:prstGeom prst="straightConnector1">
+            <a:avLst/>
+          </a:prstGeom>
+          <a:ln w="19050">
+            <a:solidFill>
+              <a:srgbClr val="00B050"/>
+            </a:solidFill>
+            <a:tailEnd type="arrow"/>
+          </a:ln>
+        </p:spPr>
+        <p:style>
+          <a:lnRef idx="1">
+            <a:schemeClr val="accent1"/>
+          </a:lnRef>
+          <a:fillRef idx="0">
+            <a:schemeClr val="accent1"/>
+          </a:fillRef>
+          <a:effectRef idx="0">
+            <a:schemeClr val="accent1"/>
+          </a:effectRef>
+          <a:fontRef idx="minor">
+            <a:schemeClr val="tx1"/>
+          </a:fontRef>
+        </p:style>
+      </p:cxnSp>
+      <p:sp>
+        <p:nvSpPr>
+          <p:cNvPr id="17" name="TextBox 16"/>
+          <p:cNvSpPr txBox="1"/>
+          <p:nvPr/>
+        </p:nvSpPr>
+        <p:spPr>
+          <a:xfrm>
+            <a:off x="8014898" y="6315990"/>
+            <a:ext cx="941183" cy="461665"/>
+          </a:xfrm>
+          <a:prstGeom prst="rect">
+            <a:avLst/>
+          </a:prstGeom>
+          <a:noFill/>
+        </p:spPr>
+        <p:txBody>
+          <a:bodyPr wrap="square" rtlCol="0">
+            <a:spAutoFit/>
+          </a:bodyPr>
+          <a:lstStyle/>
+          <a:p>
+            <a:r>
+              <a:rPr lang="en-US" sz="1200" dirty="0" smtClean="0">
+                <a:solidFill>
+                  <a:srgbClr val="00B050"/>
+                </a:solidFill>
+              </a:rPr>
+              <a:t>Confidence</a:t>
+            </a:r>
+            <a:br>
+              <a:rPr lang="en-US" sz="1200" dirty="0" smtClean="0">
+                <a:solidFill>
+                  <a:srgbClr val="00B050"/>
+                </a:solidFill>
+              </a:rPr>
+            </a:br>
+            <a:r>
+              <a:rPr lang="en-US" sz="1200" dirty="0" smtClean="0">
+                <a:solidFill>
+                  <a:srgbClr val="00B050"/>
+                </a:solidFill>
+              </a:rPr>
+              <a:t>Level</a:t>
+            </a:r>
+            <a:endParaRPr lang="en-US" sz="1200" dirty="0">
+              <a:solidFill>
+                <a:srgbClr val="00B050"/>
+              </a:solidFill>
+            </a:endParaRPr>
+          </a:p>
+        </p:txBody>
+      </p:sp>
+      <p:sp>
+        <p:nvSpPr>
+          <p:cNvPr id="18" name="TextBox 17"/>
+          <p:cNvSpPr txBox="1"/>
+          <p:nvPr/>
+        </p:nvSpPr>
+        <p:spPr>
+          <a:xfrm>
+            <a:off x="768069" y="4914007"/>
+            <a:ext cx="2261808" cy="276999"/>
+          </a:xfrm>
+          <a:prstGeom prst="rect">
+            <a:avLst/>
+          </a:prstGeom>
+          <a:noFill/>
+        </p:spPr>
+        <p:txBody>
+          <a:bodyPr wrap="square" rtlCol="0">
+            <a:spAutoFit/>
+          </a:bodyPr>
+          <a:lstStyle/>
+          <a:p>
+            <a:r>
+              <a:rPr lang="en-US" sz="1200" b="1" dirty="0" smtClean="0"/>
+              <a:t>Transaction Sample Size = 10</a:t>
+            </a:r>
+            <a:endParaRPr lang="en-US" sz="1200" b="1" dirty="0"/>
+          </a:p>
+        </p:txBody>
+      </p:sp>
+      <mc:AlternateContent xmlns:mc="http://schemas.openxmlformats.org/markup-compatibility/2006">
+        <mc:Choice xmlns:a14="http://schemas.microsoft.com/office/drawing/2010/main" Requires="a14">
+          <p:sp>
+            <p:nvSpPr>
+              <p:cNvPr id="19" name="TextBox 18"/>
+              <p:cNvSpPr txBox="1"/>
+              <p:nvPr/>
+            </p:nvSpPr>
+            <p:spPr>
+              <a:xfrm>
+                <a:off x="4118256" y="5114053"/>
+                <a:ext cx="2740494" cy="528799"/>
+              </a:xfrm>
+              <a:prstGeom prst="rect">
+                <a:avLst/>
+              </a:prstGeom>
+              <a:noFill/>
+            </p:spPr>
+            <p:txBody>
+              <a:bodyPr wrap="none" rtlCol="0">
+                <a:spAutoFit/>
+              </a:bodyPr>
+              <a:lstStyle/>
+              <a:p>
+                <a:r>
+                  <a:rPr lang="en-US" sz="1400" dirty="0" smtClean="0"/>
+                  <a:t>  </a:t>
+                </a:r>
+                <a:r>
+                  <a:rPr lang="vi-VN" dirty="0" smtClean="0"/>
+                  <a:t>σ</a:t>
+                </a:r>
+                <a:r>
+                  <a:rPr lang="en-US" dirty="0" smtClean="0"/>
+                  <a:t>    = </a:t>
+                </a:r>
+                <a14:m>
+                  <m:oMath xmlns:m="http://schemas.openxmlformats.org/officeDocument/2006/math">
+                    <m:f>
+                      <m:fPr>
+                        <m:ctrlPr>
+                          <a:rPr lang="en-US" i="1" dirty="0" smtClean="0">
+                            <a:latin typeface="Cambria Math"/>
+                          </a:rPr>
+                        </m:ctrlPr>
+                      </m:fPr>
+                      <m:num>
+                        <m:r>
+                          <m:rPr>
+                            <m:nor/>
+                          </m:rPr>
+                          <a:rPr lang="vi-VN" dirty="0"/>
+                          <m:t>σ</m:t>
+                        </m:r>
+                      </m:num>
+                      <m:den>
+                        <m:rad>
+                          <m:radPr>
+                            <m:degHide m:val="on"/>
+                            <m:ctrlPr>
+                              <a:rPr lang="en-US" i="1" dirty="0" smtClean="0">
+                                <a:latin typeface="Cambria Math"/>
+                              </a:rPr>
+                            </m:ctrlPr>
+                          </m:radPr>
+                          <m:deg/>
+                          <m:e>
+                            <m:r>
+                              <a:rPr lang="en-US" b="0" i="1" dirty="0" smtClean="0">
+                                <a:latin typeface="Cambria Math"/>
+                              </a:rPr>
+                              <m:t>𝑛</m:t>
+                            </m:r>
+                          </m:e>
+                        </m:rad>
+                      </m:den>
+                    </m:f>
+                  </m:oMath>
+                </a14:m>
+                <a:r>
+                  <a:rPr lang="en-US" b="1" dirty="0" smtClean="0"/>
+                  <a:t>  = 5 / </a:t>
+                </a:r>
+                <a14:m>
+                  <m:oMath xmlns:m="http://schemas.openxmlformats.org/officeDocument/2006/math">
+                    <m:rad>
+                      <m:radPr>
+                        <m:degHide m:val="on"/>
+                        <m:ctrlPr>
+                          <a:rPr lang="en-US" b="1" i="1" smtClean="0">
+                            <a:latin typeface="Cambria Math"/>
+                          </a:rPr>
+                        </m:ctrlPr>
+                      </m:radPr>
+                      <m:deg/>
+                      <m:e>
+                        <m:r>
+                          <a:rPr lang="en-US" b="1" i="1" smtClean="0">
+                            <a:latin typeface="Cambria Math"/>
+                          </a:rPr>
+                          <m:t>𝟏𝟎𝟎</m:t>
+                        </m:r>
+                      </m:e>
+                    </m:rad>
+                  </m:oMath>
+                </a14:m>
+                <a:r>
+                  <a:rPr lang="en-US" b="1" dirty="0" smtClean="0"/>
+                  <a:t>  = 0.5</a:t>
+                </a:r>
+                <a:endParaRPr lang="en-US" b="1" dirty="0"/>
+              </a:p>
+            </p:txBody>
+          </p:sp>
+        </mc:Choice>
+        <mc:Fallback>
+          <p:sp>
+            <p:nvSpPr>
+              <p:cNvPr id="19" name="TextBox 18"/>
+              <p:cNvSpPr txBox="1">
+                <a:spLocks noRot="1" noChangeAspect="1" noMove="1" noResize="1" noEditPoints="1" noAdjustHandles="1" noChangeArrowheads="1" noChangeShapeType="1" noTextEdit="1"/>
+              </p:cNvSpPr>
+              <p:nvPr/>
+            </p:nvSpPr>
+            <p:spPr>
+              <a:xfrm>
+                <a:off x="4118256" y="5114053"/>
+                <a:ext cx="2740494" cy="528799"/>
+              </a:xfrm>
+              <a:prstGeom prst="rect">
+                <a:avLst/>
+              </a:prstGeom>
+              <a:blipFill rotWithShape="1">
+                <a:blip r:embed="rId5"/>
+                <a:stretch>
+                  <a:fillRect r="-891" b="-1149"/>
+                </a:stretch>
+              </a:blipFill>
+            </p:spPr>
+            <p:txBody>
+              <a:bodyPr/>
+              <a:lstStyle/>
+              <a:p>
+                <a:r>
+                  <a:rPr lang="en-US">
+                    <a:noFill/>
+                  </a:rPr>
+                  <a:t> </a:t>
+                </a:r>
+              </a:p>
+            </p:txBody>
+          </p:sp>
+        </mc:Fallback>
+      </mc:AlternateContent>
+      <p:sp>
+        <p:nvSpPr>
+          <p:cNvPr id="20" name="Rectangle 19"/>
+          <p:cNvSpPr/>
+          <p:nvPr/>
+        </p:nvSpPr>
+        <p:spPr>
+          <a:xfrm>
+            <a:off x="4422240" y="5273520"/>
+            <a:ext cx="299520" cy="369332"/>
+          </a:xfrm>
+          <a:prstGeom prst="rect">
+            <a:avLst/>
+          </a:prstGeom>
+        </p:spPr>
+        <p:txBody>
+          <a:bodyPr wrap="square">
+            <a:spAutoFit/>
+          </a:bodyPr>
+          <a:lstStyle/>
+          <a:p>
+            <a:r>
+              <a:rPr lang="en-US" sz="1200" b="1" dirty="0" smtClean="0"/>
+              <a:t>x</a:t>
+            </a:r>
+            <a:r>
+              <a:rPr lang="en-US" dirty="0" smtClean="0"/>
+              <a:t>̅</a:t>
+            </a:r>
+            <a:endParaRPr lang="en-US" dirty="0"/>
+          </a:p>
+        </p:txBody>
+      </p:sp>
+      <mc:AlternateContent xmlns:mc="http://schemas.openxmlformats.org/markup-compatibility/2006">
+        <mc:Choice xmlns:a14="http://schemas.microsoft.com/office/drawing/2010/main" Requires="a14">
+          <p:sp>
+            <p:nvSpPr>
+              <p:cNvPr id="21" name="TextBox 20"/>
+              <p:cNvSpPr txBox="1"/>
+              <p:nvPr/>
+            </p:nvSpPr>
+            <p:spPr>
+              <a:xfrm>
+                <a:off x="4163129" y="5652219"/>
+                <a:ext cx="4267200" cy="540661"/>
+              </a:xfrm>
+              <a:prstGeom prst="rect">
+                <a:avLst/>
+              </a:prstGeom>
+              <a:noFill/>
+            </p:spPr>
+            <p:txBody>
+              <a:bodyPr wrap="square" rtlCol="0">
+                <a:spAutoFit/>
+              </a:bodyPr>
+              <a:lstStyle/>
+              <a:p>
+                <a:r>
+                  <a:rPr lang="en-US" b="1" dirty="0" smtClean="0"/>
+                  <a:t>Z = </a:t>
+                </a:r>
+                <a14:m>
+                  <m:oMath xmlns:m="http://schemas.openxmlformats.org/officeDocument/2006/math">
+                    <m:f>
+                      <m:fPr>
+                        <m:ctrlPr>
+                          <a:rPr lang="en-US" b="1" i="1" smtClean="0">
+                            <a:latin typeface="Cambria Math"/>
+                          </a:rPr>
+                        </m:ctrlPr>
+                      </m:fPr>
+                      <m:num>
+                        <m:r>
+                          <m:rPr>
+                            <m:nor/>
+                          </m:rPr>
+                          <a:rPr lang="en-US" b="1" dirty="0"/>
+                          <m:t>(</m:t>
+                        </m:r>
+                        <m:r>
+                          <m:rPr>
+                            <m:nor/>
+                          </m:rPr>
+                          <a:rPr lang="en-US" dirty="0"/>
+                          <m:t>x</m:t>
+                        </m:r>
+                        <m:r>
+                          <m:rPr>
+                            <m:nor/>
+                          </m:rPr>
+                          <a:rPr lang="en-US" dirty="0"/>
+                          <m:t>̅</m:t>
+                        </m:r>
+                        <m:r>
+                          <m:rPr>
+                            <m:nor/>
+                          </m:rPr>
+                          <a:rPr lang="en-US" b="0" i="0" baseline="-25000" dirty="0" smtClean="0"/>
+                          <m:t>max</m:t>
+                        </m:r>
+                        <m:r>
+                          <m:rPr>
+                            <m:nor/>
+                          </m:rPr>
+                          <a:rPr lang="en-US" dirty="0"/>
+                          <m:t> </m:t>
+                        </m:r>
+                        <m:r>
+                          <a:rPr lang="en-US" b="1" i="1" dirty="0" smtClean="0">
+                            <a:latin typeface="Cambria Math"/>
+                          </a:rPr>
+                          <m:t>− </m:t>
+                        </m:r>
+                        <m:r>
+                          <a:rPr lang="en-US" b="1" i="1">
+                            <a:latin typeface="Cambria Math"/>
+                          </a:rPr>
+                          <m:t>µ</m:t>
+                        </m:r>
+                        <m:r>
+                          <m:rPr>
+                            <m:nor/>
+                          </m:rPr>
+                          <a:rPr lang="en-US" b="1" dirty="0"/>
+                          <m:t> )</m:t>
+                        </m:r>
+                      </m:num>
+                      <m:den>
+                        <m:r>
+                          <m:rPr>
+                            <m:nor/>
+                          </m:rPr>
+                          <a:rPr lang="vi-VN" dirty="0"/>
+                          <m:t>σ</m:t>
+                        </m:r>
+                      </m:den>
+                    </m:f>
+                    <m:r>
+                      <a:rPr lang="en-US" b="1" i="0" smtClean="0">
+                        <a:latin typeface="Cambria Math"/>
+                      </a:rPr>
+                      <m:t>=</m:t>
+                    </m:r>
+                  </m:oMath>
+                </a14:m>
+                <a:r>
+                  <a:rPr lang="en-US" b="1" dirty="0" smtClean="0"/>
+                  <a:t> </a:t>
+                </a:r>
+                <a14:m>
+                  <m:oMath xmlns:m="http://schemas.openxmlformats.org/officeDocument/2006/math">
+                    <m:f>
+                      <m:fPr>
+                        <m:ctrlPr>
+                          <a:rPr lang="en-US" b="1" i="1">
+                            <a:latin typeface="Cambria Math"/>
+                          </a:rPr>
+                        </m:ctrlPr>
+                      </m:fPr>
+                      <m:num>
+                        <m:r>
+                          <a:rPr lang="en-US" b="1" i="1">
+                            <a:latin typeface="Cambria Math"/>
+                          </a:rPr>
+                          <m:t>𝟐𝟔</m:t>
+                        </m:r>
+                        <m:r>
+                          <a:rPr lang="en-US" b="1" i="1">
+                            <a:latin typeface="Cambria Math"/>
+                          </a:rPr>
+                          <m:t>.</m:t>
+                        </m:r>
+                        <m:r>
+                          <a:rPr lang="en-US" b="1" i="1" smtClean="0">
+                            <a:latin typeface="Cambria Math"/>
+                          </a:rPr>
+                          <m:t>𝟓</m:t>
+                        </m:r>
+                        <m:r>
+                          <a:rPr lang="en-US" b="1" i="1">
+                            <a:latin typeface="Cambria Math"/>
+                          </a:rPr>
+                          <m:t> −</m:t>
+                        </m:r>
+                        <m:r>
+                          <a:rPr lang="en-US" b="1" i="1">
+                            <a:latin typeface="Cambria Math"/>
+                          </a:rPr>
+                          <m:t>𝟐𝟓</m:t>
+                        </m:r>
+                      </m:num>
+                      <m:den>
+                        <m:r>
+                          <a:rPr lang="en-US" b="1" i="1" smtClean="0">
+                            <a:latin typeface="Cambria Math"/>
+                          </a:rPr>
+                          <m:t>𝟎</m:t>
+                        </m:r>
+                        <m:r>
+                          <a:rPr lang="en-US" b="1" i="1" smtClean="0">
+                            <a:latin typeface="Cambria Math"/>
+                          </a:rPr>
+                          <m:t>.</m:t>
+                        </m:r>
+                        <m:r>
+                          <a:rPr lang="en-US" b="1" i="1" smtClean="0">
+                            <a:latin typeface="Cambria Math"/>
+                          </a:rPr>
+                          <m:t>𝟓</m:t>
+                        </m:r>
+                      </m:den>
+                    </m:f>
+                    <m:r>
+                      <a:rPr lang="en-US" b="1" i="1">
+                        <a:latin typeface="Cambria Math"/>
+                      </a:rPr>
+                      <m:t> </m:t>
+                    </m:r>
+                  </m:oMath>
+                </a14:m>
+                <a:r>
+                  <a:rPr lang="en-US" b="1" dirty="0" smtClean="0"/>
+                  <a:t> = 3  </a:t>
+                </a:r>
+                <a:endParaRPr lang="en-US" b="1" dirty="0"/>
+              </a:p>
+            </p:txBody>
+          </p:sp>
+        </mc:Choice>
+        <mc:Fallback>
+          <p:sp>
+            <p:nvSpPr>
+              <p:cNvPr id="21" name="TextBox 20"/>
+              <p:cNvSpPr txBox="1">
+                <a:spLocks noRot="1" noChangeAspect="1" noMove="1" noResize="1" noEditPoints="1" noAdjustHandles="1" noChangeArrowheads="1" noChangeShapeType="1" noTextEdit="1"/>
+              </p:cNvSpPr>
+              <p:nvPr/>
+            </p:nvSpPr>
+            <p:spPr>
+              <a:xfrm>
+                <a:off x="4163129" y="5652219"/>
+                <a:ext cx="4267200" cy="540661"/>
+              </a:xfrm>
+              <a:prstGeom prst="rect">
+                <a:avLst/>
+              </a:prstGeom>
+              <a:blipFill rotWithShape="1">
+                <a:blip r:embed="rId6"/>
+                <a:stretch>
+                  <a:fillRect l="-1286" b="-6742"/>
+                </a:stretch>
+              </a:blipFill>
+            </p:spPr>
+            <p:txBody>
+              <a:bodyPr/>
+              <a:lstStyle/>
+              <a:p>
+                <a:r>
+                  <a:rPr lang="en-US">
+                    <a:noFill/>
+                  </a:rPr>
+                  <a:t> </a:t>
+                </a:r>
+              </a:p>
+            </p:txBody>
+          </p:sp>
+        </mc:Fallback>
+      </mc:AlternateContent>
+      <p:sp>
+        <p:nvSpPr>
+          <p:cNvPr id="22" name="Rectangle 21"/>
+          <p:cNvSpPr/>
+          <p:nvPr/>
+        </p:nvSpPr>
+        <p:spPr>
+          <a:xfrm>
+            <a:off x="5029904" y="5992825"/>
+            <a:ext cx="299520" cy="400110"/>
+          </a:xfrm>
+          <a:prstGeom prst="rect">
+            <a:avLst/>
+          </a:prstGeom>
+        </p:spPr>
+        <p:txBody>
+          <a:bodyPr wrap="square">
+            <a:spAutoFit/>
+          </a:bodyPr>
+          <a:lstStyle/>
+          <a:p>
+            <a:r>
+              <a:rPr lang="en-US" b="1" dirty="0" smtClean="0"/>
+              <a:t>x</a:t>
+            </a:r>
+            <a:r>
+              <a:rPr lang="en-US" sz="2000" dirty="0" smtClean="0"/>
+              <a:t>̅</a:t>
+            </a:r>
+            <a:endParaRPr lang="en-US" sz="2000" dirty="0"/>
+          </a:p>
+        </p:txBody>
+      </p:sp>
+      <p:sp>
+        <p:nvSpPr>
+          <p:cNvPr id="23" name="TextBox 22"/>
+          <p:cNvSpPr txBox="1"/>
+          <p:nvPr/>
+        </p:nvSpPr>
+        <p:spPr>
+          <a:xfrm>
+            <a:off x="4161608" y="6392935"/>
+            <a:ext cx="4125141" cy="307777"/>
+          </a:xfrm>
+          <a:prstGeom prst="rect">
+            <a:avLst/>
+          </a:prstGeom>
+          <a:noFill/>
+        </p:spPr>
+        <p:txBody>
+          <a:bodyPr wrap="square" rtlCol="0">
+            <a:spAutoFit/>
+          </a:bodyPr>
+          <a:lstStyle/>
+          <a:p>
+            <a:r>
+              <a:rPr lang="en-US" sz="1400" b="1" dirty="0" smtClean="0"/>
+              <a:t>Standard Normal Probability of 3 = 99.87 %</a:t>
+            </a:r>
+          </a:p>
+        </p:txBody>
+      </p:sp>
+      <p:sp>
+        <p:nvSpPr>
+          <p:cNvPr id="24" name="TextBox 23"/>
+          <p:cNvSpPr txBox="1"/>
+          <p:nvPr/>
+        </p:nvSpPr>
+        <p:spPr>
+          <a:xfrm>
+            <a:off x="4572000" y="4914006"/>
+            <a:ext cx="2261808" cy="276999"/>
+          </a:xfrm>
+          <a:prstGeom prst="rect">
+            <a:avLst/>
+          </a:prstGeom>
+          <a:noFill/>
+        </p:spPr>
+        <p:txBody>
+          <a:bodyPr wrap="square" rtlCol="0">
+            <a:spAutoFit/>
+          </a:bodyPr>
+          <a:lstStyle/>
+          <a:p>
+            <a:r>
+              <a:rPr lang="en-US" sz="1200" b="1" dirty="0" smtClean="0"/>
+              <a:t>Transaction Sample Size = 100</a:t>
+            </a:r>
+            <a:endParaRPr lang="en-US" sz="1200" b="1" dirty="0"/>
+          </a:p>
+        </p:txBody>
+      </p:sp>
+      <p:cxnSp>
+        <p:nvCxnSpPr>
+          <p:cNvPr id="27" name="Straight Connector 26"/>
+          <p:cNvCxnSpPr/>
+          <p:nvPr/>
+        </p:nvCxnSpPr>
+        <p:spPr>
+          <a:xfrm>
+            <a:off x="4038600" y="5013408"/>
+            <a:ext cx="0" cy="1805495"/>
+          </a:xfrm>
+          <a:prstGeom prst="line">
+            <a:avLst/>
+          </a:prstGeom>
+          <a:ln w="19050">
+            <a:solidFill>
+              <a:schemeClr val="bg1">
+                <a:lumMod val="50000"/>
+              </a:schemeClr>
+            </a:solidFill>
+            <a:prstDash val="dash"/>
+          </a:ln>
+        </p:spPr>
+        <p:style>
+          <a:lnRef idx="1">
+            <a:schemeClr val="accent1"/>
+          </a:lnRef>
+          <a:fillRef idx="0">
+            <a:schemeClr val="accent1"/>
+          </a:fillRef>
+          <a:effectRef idx="0">
+            <a:schemeClr val="accent1"/>
+          </a:effectRef>
+          <a:fontRef idx="minor">
+            <a:schemeClr val="tx1"/>
+          </a:fontRef>
+        </p:style>
+      </p:cxnSp>
+      <p:sp>
+        <p:nvSpPr>
+          <p:cNvPr id="28" name="TextBox 27"/>
+          <p:cNvSpPr txBox="1"/>
+          <p:nvPr/>
+        </p:nvSpPr>
+        <p:spPr>
+          <a:xfrm>
+            <a:off x="5222291" y="3200399"/>
+            <a:ext cx="1611517" cy="276999"/>
+          </a:xfrm>
+          <a:prstGeom prst="rect">
+            <a:avLst/>
+          </a:prstGeom>
+          <a:noFill/>
+        </p:spPr>
+        <p:txBody>
+          <a:bodyPr wrap="square" rtlCol="0">
+            <a:spAutoFit/>
+          </a:bodyPr>
+          <a:lstStyle/>
+          <a:p>
+            <a:r>
+              <a:rPr lang="en-US" sz="1200" dirty="0" smtClean="0">
+                <a:solidFill>
+                  <a:srgbClr val="00B050"/>
+                </a:solidFill>
+              </a:rPr>
+              <a:t>i.e., nothing changed</a:t>
+            </a:r>
+            <a:endParaRPr lang="en-US" sz="1200" dirty="0">
+              <a:solidFill>
+                <a:srgbClr val="00B050"/>
+              </a:solidFill>
+            </a:endParaRPr>
+          </a:p>
+        </p:txBody>
+      </p:sp>
+      <p:cxnSp>
+        <p:nvCxnSpPr>
+          <p:cNvPr id="29" name="Straight Arrow Connector 28"/>
+          <p:cNvCxnSpPr/>
+          <p:nvPr/>
+        </p:nvCxnSpPr>
+        <p:spPr>
+          <a:xfrm flipH="1">
+            <a:off x="4693889" y="3338899"/>
+            <a:ext cx="485775" cy="0"/>
+          </a:xfrm>
+          <a:prstGeom prst="straightConnector1">
+            <a:avLst/>
+          </a:prstGeom>
+          <a:ln w="19050">
+            <a:solidFill>
+              <a:srgbClr val="00B050"/>
+            </a:solidFill>
+            <a:tailEnd type="arrow"/>
+          </a:ln>
+        </p:spPr>
+        <p:style>
+          <a:lnRef idx="1">
+            <a:schemeClr val="accent1"/>
+          </a:lnRef>
+          <a:fillRef idx="0">
+            <a:schemeClr val="accent1"/>
+          </a:fillRef>
+          <a:effectRef idx="0">
+            <a:schemeClr val="accent1"/>
+          </a:effectRef>
+          <a:fontRef idx="minor">
+            <a:schemeClr val="tx1"/>
+          </a:fontRef>
+        </p:style>
+      </p:cxnSp>
+    </p:spTree>
+    <p:extLst>
+      <p:ext uri="{BB962C8B-B14F-4D97-AF65-F5344CB8AC3E}">
+        <p14:creationId xmlns:p14="http://schemas.microsoft.com/office/powerpoint/2010/main" val="4063101084"/>
       </p:ext>
     </p:extLst>
   </p:cSld>
@@ -4006,11 +8982,7 @@
             <a:pPr algn="ctr"/>
             <a:r>
               <a:rPr lang="en-US" dirty="0" smtClean="0"/>
-              <a:t>Samples = </a:t>
-            </a:r>
-            <a:r>
-              <a:rPr lang="en-US" dirty="0" smtClean="0"/>
-              <a:t>{  1, 2, 2.5, 2.5, 3, 3, 3.5 }</a:t>
+              <a:t>Samples = {  1, 2, 2.5, 2.5, 3, 3, 3.5 }</a:t>
             </a:r>
           </a:p>
           <a:p>
@@ -4049,8 +9021,8 @@
           </a:p>
         </p:txBody>
       </p:sp>
-      <mc:AlternateContent xmlns:mc="http://schemas.openxmlformats.org/markup-compatibility/2006">
-        <mc:Choice xmlns:a14="http://schemas.microsoft.com/office/drawing/2010/main" Requires="a14">
+      <mc:AlternateContent xmlns:mc="http://schemas.openxmlformats.org/markup-compatibility/2006" xmlns:a14="http://schemas.microsoft.com/office/drawing/2010/main">
+        <mc:Choice Requires="a14">
           <p:sp>
             <p:nvSpPr>
               <p:cNvPr id="3" name="TextBox 2"/>
@@ -4073,6 +9045,7 @@
               </a:bodyPr>
               <a:lstStyle/>
               <a:p>
+                <a:pPr/>
                 <a14:m>
                   <m:oMathPara xmlns:m="http://schemas.openxmlformats.org/officeDocument/2006/math">
                     <m:oMathParaPr>
@@ -4127,7 +9100,13 @@
                             <a:rPr lang="en-US" b="0" i="1" smtClean="0">
                               <a:latin typeface="Cambria Math"/>
                             </a:rPr>
-                            <m:t>=0</m:t>
+                            <m:t>=</m:t>
+                          </m:r>
+                          <m:r>
+                            <a:rPr lang="en-US" b="0" i="1" smtClean="0">
+                              <a:latin typeface="Cambria Math"/>
+                            </a:rPr>
+                            <m:t>0</m:t>
                           </m:r>
                         </m:sub>
                         <m:sup>
@@ -4161,7 +9140,7 @@
             </p:txBody>
           </p:sp>
         </mc:Choice>
-        <mc:Fallback>
+        <mc:Fallback xmlns="">
           <p:sp>
             <p:nvSpPr>
               <p:cNvPr id="3" name="TextBox 2"/>
@@ -4828,11 +9807,7 @@
             <a:pPr algn="ctr"/>
             <a:r>
               <a:rPr lang="en-US" dirty="0" smtClean="0"/>
-              <a:t>Seven Samples = </a:t>
-            </a:r>
-            <a:r>
-              <a:rPr lang="en-US" dirty="0" smtClean="0"/>
-              <a:t>{  1, 2, 2.5, 2.5, 3, 3, 3.5 }</a:t>
+              <a:t>Seven Samples = {  1, 2, 2.5, 2.5, 3, 3, 3.5 }</a:t>
             </a:r>
           </a:p>
           <a:p>
@@ -5000,11 +9975,7 @@
             <a:pPr algn="ctr"/>
             <a:r>
               <a:rPr lang="en-US" dirty="0" smtClean="0"/>
-              <a:t>Eight Samples = </a:t>
-            </a:r>
-            <a:r>
-              <a:rPr lang="en-US" dirty="0" smtClean="0"/>
-              <a:t>{  1, 2, 2.5, 2.5, 3, 3, 3.5, 4 }</a:t>
+              <a:t>Eight Samples = {  1, 2, 2.5, 2.5, 3, 3, 3.5, 4 }</a:t>
             </a:r>
           </a:p>
           <a:p>
@@ -5756,7 +10727,6 @@
               <a:rPr lang="en-US" dirty="0" smtClean="0"/>
               <a:t>Ex., Age = 0, 1, 2 … 99</a:t>
             </a:r>
-            <a:endParaRPr lang="en-US" dirty="0" smtClean="0"/>
           </a:p>
         </p:txBody>
       </p:sp>
@@ -5795,7 +10765,6 @@
               <a:rPr lang="en-US" dirty="0" smtClean="0"/>
               <a:t> … }</a:t>
             </a:r>
-            <a:endParaRPr lang="en-US" dirty="0" smtClean="0"/>
           </a:p>
         </p:txBody>
       </p:sp>
@@ -6208,11 +11177,7 @@
             <a:pPr algn="ctr"/>
             <a:r>
               <a:rPr lang="en-US" dirty="0" smtClean="0"/>
-              <a:t>Samples = </a:t>
-            </a:r>
-            <a:r>
-              <a:rPr lang="en-US" dirty="0" smtClean="0"/>
-              <a:t>{  1, 2, 2, 2, 3, 3, 4, 5, 7 }</a:t>
+              <a:t>Samples = {  1, 2, 2, 2, 3, 3, 4, 5, 7 }</a:t>
             </a:r>
           </a:p>
         </p:txBody>
@@ -6753,7 +11718,6 @@
               <a:rPr lang="en-US" dirty="0" smtClean="0"/>
               <a:t>4. Select the range with the largest number of samples.</a:t>
             </a:r>
-            <a:endParaRPr lang="en-US" dirty="0" smtClean="0"/>
           </a:p>
         </p:txBody>
       </p:sp>
@@ -6922,29 +11886,29 @@
                   </a:schemeClr>
                 </a:solidFill>
               </a:rPr>
-              <a:t> i</a:t>
-            </a:r>
-            <a:r>
-              <a:rPr lang="en-US" sz="2400" b="1" dirty="0" smtClean="0">
+              <a:t> is </a:t>
+            </a:r>
+            <a:r>
+              <a:rPr lang="en-US" sz="2400" b="1" dirty="0">
                 <a:solidFill>
                   <a:schemeClr val="accent5">
                     <a:lumMod val="75000"/>
                   </a:schemeClr>
                 </a:solidFill>
               </a:rPr>
-              <a:t>s </a:t>
-            </a:r>
-            <a:r>
-              <a:rPr lang="en-US" sz="2400" b="1" dirty="0">
+              <a:t>a measure that is used to quantify the </a:t>
+            </a:r>
+            <a:r>
+              <a:rPr lang="en-US" sz="2400" b="1" dirty="0" smtClean="0">
                 <a:solidFill>
                   <a:schemeClr val="accent5">
                     <a:lumMod val="75000"/>
                   </a:schemeClr>
                 </a:solidFill>
               </a:rPr>
-              <a:t>a measure that is used to quantify the </a:t>
-            </a:r>
-            <a:r>
+              <a:t/>
+            </a:r>
+            <a:br>
               <a:rPr lang="en-US" sz="2400" b="1" dirty="0" smtClean="0">
                 <a:solidFill>
                   <a:schemeClr val="accent5">
@@ -6952,9 +11916,8 @@
                   </a:schemeClr>
                 </a:solidFill>
               </a:rPr>
-              <a:t/>
-            </a:r>
-            <a:br>
+            </a:br>
+            <a:r>
               <a:rPr lang="en-US" sz="2400" b="1" dirty="0" smtClean="0">
                 <a:solidFill>
                   <a:schemeClr val="accent5">
@@ -6962,42 +11925,33 @@
                   </a:schemeClr>
                 </a:solidFill>
               </a:rPr>
-            </a:br>
-            <a:r>
-              <a:rPr lang="en-US" sz="2400" b="1" dirty="0" smtClean="0">
+              <a:t>amount </a:t>
+            </a:r>
+            <a:r>
+              <a:rPr lang="en-US" sz="2400" b="1" dirty="0">
                 <a:solidFill>
                   <a:schemeClr val="accent5">
                     <a:lumMod val="75000"/>
                   </a:schemeClr>
                 </a:solidFill>
               </a:rPr>
-              <a:t>amount </a:t>
-            </a:r>
-            <a:r>
-              <a:rPr lang="en-US" sz="2400" b="1" dirty="0">
+              <a:t>of variation or dispersion of a set of </a:t>
+            </a:r>
+            <a:r>
+              <a:rPr lang="en-US" sz="2400" b="1" dirty="0" smtClean="0">
                 <a:solidFill>
                   <a:schemeClr val="accent5">
                     <a:lumMod val="75000"/>
                   </a:schemeClr>
                 </a:solidFill>
               </a:rPr>
-              <a:t>of variation or dispersion of a set of </a:t>
-            </a:r>
-            <a:r>
-              <a:rPr lang="en-US" sz="2400" b="1" dirty="0" smtClean="0">
-                <a:solidFill>
-                  <a:schemeClr val="accent5">
-                    <a:lumMod val="75000"/>
-                  </a:schemeClr>
-                </a:solidFill>
-              </a:rPr>
               <a:t>samples (population).</a:t>
             </a:r>
           </a:p>
         </p:txBody>
       </p:sp>
-      <mc:AlternateContent xmlns:mc="http://schemas.openxmlformats.org/markup-compatibility/2006">
-        <mc:Choice xmlns:a14="http://schemas.microsoft.com/office/drawing/2010/main" Requires="a14">
+      <mc:AlternateContent xmlns:mc="http://schemas.openxmlformats.org/markup-compatibility/2006" xmlns:a14="http://schemas.microsoft.com/office/drawing/2010/main">
+        <mc:Choice Requires="a14">
           <p:sp>
             <p:nvSpPr>
               <p:cNvPr id="3" name="TextBox 2"/>
@@ -7020,6 +11974,7 @@
               </a:bodyPr>
               <a:lstStyle/>
               <a:p>
+                <a:pPr/>
                 <a14:m>
                   <m:oMathPara xmlns:m="http://schemas.openxmlformats.org/officeDocument/2006/math">
                     <m:oMathParaPr>
@@ -7132,7 +12087,7 @@
             </p:txBody>
           </p:sp>
         </mc:Choice>
-        <mc:Fallback>
+        <mc:Fallback xmlns="">
           <p:sp>
             <p:nvSpPr>
               <p:cNvPr id="3" name="TextBox 2"/>
@@ -7481,11 +12436,7 @@
             <a:pPr algn="ctr"/>
             <a:r>
               <a:rPr lang="en-US" dirty="0" smtClean="0"/>
-              <a:t>Seven Samples = </a:t>
-            </a:r>
-            <a:r>
-              <a:rPr lang="en-US" dirty="0" smtClean="0"/>
-              <a:t>{  1, 2, 2.5, 2.5, 3, 3, 3.5 }  , µ = 2.5</a:t>
+              <a:t>Seven Samples = {  1, 2, 2.5, 2.5, 3, 3, 3.5 }  , µ = 2.5</a:t>
             </a:r>
           </a:p>
           <a:p>
@@ -7502,8 +12453,8 @@
           </a:p>
         </p:txBody>
       </p:sp>
-      <mc:AlternateContent xmlns:mc="http://schemas.openxmlformats.org/markup-compatibility/2006">
-        <mc:Choice xmlns:a14="http://schemas.microsoft.com/office/drawing/2010/main" Requires="a14">
+      <mc:AlternateContent xmlns:mc="http://schemas.openxmlformats.org/markup-compatibility/2006" xmlns:a14="http://schemas.microsoft.com/office/drawing/2010/main">
+        <mc:Choice Requires="a14">
           <p:sp>
             <p:nvSpPr>
               <p:cNvPr id="22" name="TextBox 21"/>
@@ -7526,6 +12477,7 @@
               </a:bodyPr>
               <a:lstStyle/>
               <a:p>
+                <a:pPr/>
                 <a14:m>
                   <m:oMathPara xmlns:m="http://schemas.openxmlformats.org/officeDocument/2006/math">
                     <m:oMathParaPr>
@@ -7602,7 +12554,49 @@
                                   <m:nor/>
                                 </m:rPr>
                                 <a:rPr lang="en-US" sz="1200" dirty="0"/>
-                                <m:t>(2.5 – 1)</m:t>
+                                <m:t>(</m:t>
+                              </m:r>
+                              <m:r>
+                                <m:rPr>
+                                  <m:nor/>
+                                </m:rPr>
+                                <a:rPr lang="en-US" sz="1200" dirty="0"/>
+                                <m:t>2</m:t>
+                              </m:r>
+                              <m:r>
+                                <m:rPr>
+                                  <m:nor/>
+                                </m:rPr>
+                                <a:rPr lang="en-US" sz="1200" dirty="0"/>
+                                <m:t>.</m:t>
+                              </m:r>
+                              <m:r>
+                                <m:rPr>
+                                  <m:nor/>
+                                </m:rPr>
+                                <a:rPr lang="en-US" sz="1200" dirty="0"/>
+                                <m:t>5 </m:t>
+                              </m:r>
+                              <m:r>
+                                <m:rPr>
+                                  <m:nor/>
+                                </m:rPr>
+                                <a:rPr lang="en-US" sz="1200" dirty="0"/>
+                                <m:t>– </m:t>
+                              </m:r>
+                              <m:r>
+                                <m:rPr>
+                                  <m:nor/>
+                                </m:rPr>
+                                <a:rPr lang="en-US" sz="1200" dirty="0"/>
+                                <m:t>1</m:t>
+                              </m:r>
+                              <m:r>
+                                <m:rPr>
+                                  <m:nor/>
+                                </m:rPr>
+                                <a:rPr lang="en-US" sz="1200" dirty="0"/>
+                                <m:t>)</m:t>
                               </m:r>
                               <m:r>
                                 <m:rPr>
@@ -7616,7 +12610,49 @@
                                   <m:nor/>
                                 </m:rPr>
                                 <a:rPr lang="en-US" sz="1200" dirty="0"/>
-                                <m:t>+ (2.5 – 2)</m:t>
+                                <m:t>+ (</m:t>
+                              </m:r>
+                              <m:r>
+                                <m:rPr>
+                                  <m:nor/>
+                                </m:rPr>
+                                <a:rPr lang="en-US" sz="1200" dirty="0"/>
+                                <m:t>2</m:t>
+                              </m:r>
+                              <m:r>
+                                <m:rPr>
+                                  <m:nor/>
+                                </m:rPr>
+                                <a:rPr lang="en-US" sz="1200" dirty="0"/>
+                                <m:t>.</m:t>
+                              </m:r>
+                              <m:r>
+                                <m:rPr>
+                                  <m:nor/>
+                                </m:rPr>
+                                <a:rPr lang="en-US" sz="1200" dirty="0"/>
+                                <m:t>5 </m:t>
+                              </m:r>
+                              <m:r>
+                                <m:rPr>
+                                  <m:nor/>
+                                </m:rPr>
+                                <a:rPr lang="en-US" sz="1200" dirty="0"/>
+                                <m:t>– </m:t>
+                              </m:r>
+                              <m:r>
+                                <m:rPr>
+                                  <m:nor/>
+                                </m:rPr>
+                                <a:rPr lang="en-US" sz="1200" dirty="0"/>
+                                <m:t>2</m:t>
+                              </m:r>
+                              <m:r>
+                                <m:rPr>
+                                  <m:nor/>
+                                </m:rPr>
+                                <a:rPr lang="en-US" sz="1200" dirty="0"/>
+                                <m:t>)</m:t>
                               </m:r>
                               <m:r>
                                 <m:rPr>
@@ -7630,7 +12666,70 @@
                                   <m:nor/>
                                 </m:rPr>
                                 <a:rPr lang="en-US" sz="1200" dirty="0"/>
-                                <m:t> + (2.5 – 2.5)</m:t>
+                                <m:t> </m:t>
+                              </m:r>
+                              <m:r>
+                                <m:rPr>
+                                  <m:nor/>
+                                </m:rPr>
+                                <a:rPr lang="en-US" sz="1200" dirty="0"/>
+                                <m:t>+ (</m:t>
+                              </m:r>
+                              <m:r>
+                                <m:rPr>
+                                  <m:nor/>
+                                </m:rPr>
+                                <a:rPr lang="en-US" sz="1200" dirty="0"/>
+                                <m:t>2</m:t>
+                              </m:r>
+                              <m:r>
+                                <m:rPr>
+                                  <m:nor/>
+                                </m:rPr>
+                                <a:rPr lang="en-US" sz="1200" dirty="0"/>
+                                <m:t>.</m:t>
+                              </m:r>
+                              <m:r>
+                                <m:rPr>
+                                  <m:nor/>
+                                </m:rPr>
+                                <a:rPr lang="en-US" sz="1200" dirty="0"/>
+                                <m:t>5 </m:t>
+                              </m:r>
+                              <m:r>
+                                <m:rPr>
+                                  <m:nor/>
+                                </m:rPr>
+                                <a:rPr lang="en-US" sz="1200" dirty="0"/>
+                                <m:t>– </m:t>
+                              </m:r>
+                              <m:r>
+                                <m:rPr>
+                                  <m:nor/>
+                                </m:rPr>
+                                <a:rPr lang="en-US" sz="1200" dirty="0"/>
+                                <m:t>2</m:t>
+                              </m:r>
+                              <m:r>
+                                <m:rPr>
+                                  <m:nor/>
+                                </m:rPr>
+                                <a:rPr lang="en-US" sz="1200" dirty="0"/>
+                                <m:t>.</m:t>
+                              </m:r>
+                              <m:r>
+                                <m:rPr>
+                                  <m:nor/>
+                                </m:rPr>
+                                <a:rPr lang="en-US" sz="1200" dirty="0"/>
+                                <m:t>5</m:t>
+                              </m:r>
+                              <m:r>
+                                <m:rPr>
+                                  <m:nor/>
+                                </m:rPr>
+                                <a:rPr lang="en-US" sz="1200" dirty="0"/>
+                                <m:t>)</m:t>
                               </m:r>
                               <m:r>
                                 <m:rPr>
@@ -7644,7 +12743,63 @@
                                   <m:nor/>
                                 </m:rPr>
                                 <a:rPr lang="en-US" sz="1200" dirty="0"/>
-                                <m:t>+ (2.5 – 2.5)</m:t>
+                                <m:t>+ (</m:t>
+                              </m:r>
+                              <m:r>
+                                <m:rPr>
+                                  <m:nor/>
+                                </m:rPr>
+                                <a:rPr lang="en-US" sz="1200" dirty="0"/>
+                                <m:t>2</m:t>
+                              </m:r>
+                              <m:r>
+                                <m:rPr>
+                                  <m:nor/>
+                                </m:rPr>
+                                <a:rPr lang="en-US" sz="1200" dirty="0"/>
+                                <m:t>.</m:t>
+                              </m:r>
+                              <m:r>
+                                <m:rPr>
+                                  <m:nor/>
+                                </m:rPr>
+                                <a:rPr lang="en-US" sz="1200" dirty="0"/>
+                                <m:t>5 </m:t>
+                              </m:r>
+                              <m:r>
+                                <m:rPr>
+                                  <m:nor/>
+                                </m:rPr>
+                                <a:rPr lang="en-US" sz="1200" dirty="0"/>
+                                <m:t>– </m:t>
+                              </m:r>
+                              <m:r>
+                                <m:rPr>
+                                  <m:nor/>
+                                </m:rPr>
+                                <a:rPr lang="en-US" sz="1200" dirty="0"/>
+                                <m:t>2</m:t>
+                              </m:r>
+                              <m:r>
+                                <m:rPr>
+                                  <m:nor/>
+                                </m:rPr>
+                                <a:rPr lang="en-US" sz="1200" dirty="0"/>
+                                <m:t>.</m:t>
+                              </m:r>
+                              <m:r>
+                                <m:rPr>
+                                  <m:nor/>
+                                </m:rPr>
+                                <a:rPr lang="en-US" sz="1200" dirty="0"/>
+                                <m:t>5</m:t>
+                              </m:r>
+                              <m:r>
+                                <m:rPr>
+                                  <m:nor/>
+                                </m:rPr>
+                                <a:rPr lang="en-US" sz="1200" dirty="0"/>
+                                <m:t>)</m:t>
                               </m:r>
                               <m:r>
                                 <m:rPr>
@@ -7658,7 +12813,56 @@
                                   <m:nor/>
                                 </m:rPr>
                                 <a:rPr lang="en-US" sz="1200" dirty="0"/>
-                                <m:t> + (2.5 – 3)</m:t>
+                                <m:t> </m:t>
+                              </m:r>
+                              <m:r>
+                                <m:rPr>
+                                  <m:nor/>
+                                </m:rPr>
+                                <a:rPr lang="en-US" sz="1200" dirty="0"/>
+                                <m:t>+ (</m:t>
+                              </m:r>
+                              <m:r>
+                                <m:rPr>
+                                  <m:nor/>
+                                </m:rPr>
+                                <a:rPr lang="en-US" sz="1200" dirty="0"/>
+                                <m:t>2</m:t>
+                              </m:r>
+                              <m:r>
+                                <m:rPr>
+                                  <m:nor/>
+                                </m:rPr>
+                                <a:rPr lang="en-US" sz="1200" dirty="0"/>
+                                <m:t>.</m:t>
+                              </m:r>
+                              <m:r>
+                                <m:rPr>
+                                  <m:nor/>
+                                </m:rPr>
+                                <a:rPr lang="en-US" sz="1200" dirty="0"/>
+                                <m:t>5 </m:t>
+                              </m:r>
+                              <m:r>
+                                <m:rPr>
+                                  <m:nor/>
+                                </m:rPr>
+                                <a:rPr lang="en-US" sz="1200" dirty="0"/>
+                                <m:t>– </m:t>
+                              </m:r>
+                              <m:r>
+                                <m:rPr>
+                                  <m:nor/>
+                                </m:rPr>
+                                <a:rPr lang="en-US" sz="1200" dirty="0"/>
+                                <m:t>3</m:t>
+                              </m:r>
+                              <m:r>
+                                <m:rPr>
+                                  <m:nor/>
+                                </m:rPr>
+                                <a:rPr lang="en-US" sz="1200" dirty="0"/>
+                                <m:t>)</m:t>
                               </m:r>
                               <m:r>
                                 <m:rPr>
@@ -7672,7 +12876,56 @@
                                   <m:nor/>
                                 </m:rPr>
                                 <a:rPr lang="en-US" sz="1200" dirty="0"/>
-                                <m:t> + (2.5 – 3)</m:t>
+                                <m:t> </m:t>
+                              </m:r>
+                              <m:r>
+                                <m:rPr>
+                                  <m:nor/>
+                                </m:rPr>
+                                <a:rPr lang="en-US" sz="1200" dirty="0"/>
+                                <m:t>+ (</m:t>
+                              </m:r>
+                              <m:r>
+                                <m:rPr>
+                                  <m:nor/>
+                                </m:rPr>
+                                <a:rPr lang="en-US" sz="1200" dirty="0"/>
+                                <m:t>2</m:t>
+                              </m:r>
+                              <m:r>
+                                <m:rPr>
+                                  <m:nor/>
+                                </m:rPr>
+                                <a:rPr lang="en-US" sz="1200" dirty="0"/>
+                                <m:t>.</m:t>
+                              </m:r>
+                              <m:r>
+                                <m:rPr>
+                                  <m:nor/>
+                                </m:rPr>
+                                <a:rPr lang="en-US" sz="1200" dirty="0"/>
+                                <m:t>5 </m:t>
+                              </m:r>
+                              <m:r>
+                                <m:rPr>
+                                  <m:nor/>
+                                </m:rPr>
+                                <a:rPr lang="en-US" sz="1200" dirty="0"/>
+                                <m:t>– </m:t>
+                              </m:r>
+                              <m:r>
+                                <m:rPr>
+                                  <m:nor/>
+                                </m:rPr>
+                                <a:rPr lang="en-US" sz="1200" dirty="0"/>
+                                <m:t>3</m:t>
+                              </m:r>
+                              <m:r>
+                                <m:rPr>
+                                  <m:nor/>
+                                </m:rPr>
+                                <a:rPr lang="en-US" sz="1200" dirty="0"/>
+                                <m:t>)</m:t>
                               </m:r>
                               <m:r>
                                 <m:rPr>
@@ -7686,7 +12939,70 @@
                                   <m:nor/>
                                 </m:rPr>
                                 <a:rPr lang="en-US" sz="1200" dirty="0"/>
-                                <m:t> + (2.5 – 3.5)</m:t>
+                                <m:t> </m:t>
+                              </m:r>
+                              <m:r>
+                                <m:rPr>
+                                  <m:nor/>
+                                </m:rPr>
+                                <a:rPr lang="en-US" sz="1200" dirty="0"/>
+                                <m:t>+ (</m:t>
+                              </m:r>
+                              <m:r>
+                                <m:rPr>
+                                  <m:nor/>
+                                </m:rPr>
+                                <a:rPr lang="en-US" sz="1200" dirty="0"/>
+                                <m:t>2</m:t>
+                              </m:r>
+                              <m:r>
+                                <m:rPr>
+                                  <m:nor/>
+                                </m:rPr>
+                                <a:rPr lang="en-US" sz="1200" dirty="0"/>
+                                <m:t>.</m:t>
+                              </m:r>
+                              <m:r>
+                                <m:rPr>
+                                  <m:nor/>
+                                </m:rPr>
+                                <a:rPr lang="en-US" sz="1200" dirty="0"/>
+                                <m:t>5 </m:t>
+                              </m:r>
+                              <m:r>
+                                <m:rPr>
+                                  <m:nor/>
+                                </m:rPr>
+                                <a:rPr lang="en-US" sz="1200" dirty="0"/>
+                                <m:t>– </m:t>
+                              </m:r>
+                              <m:r>
+                                <m:rPr>
+                                  <m:nor/>
+                                </m:rPr>
+                                <a:rPr lang="en-US" sz="1200" dirty="0"/>
+                                <m:t>3</m:t>
+                              </m:r>
+                              <m:r>
+                                <m:rPr>
+                                  <m:nor/>
+                                </m:rPr>
+                                <a:rPr lang="en-US" sz="1200" dirty="0"/>
+                                <m:t>.</m:t>
+                              </m:r>
+                              <m:r>
+                                <m:rPr>
+                                  <m:nor/>
+                                </m:rPr>
+                                <a:rPr lang="en-US" sz="1200" dirty="0"/>
+                                <m:t>5</m:t>
+                              </m:r>
+                              <m:r>
+                                <m:rPr>
+                                  <m:nor/>
+                                </m:rPr>
+                                <a:rPr lang="en-US" sz="1200" dirty="0"/>
+                                <m:t>)</m:t>
                               </m:r>
                               <m:r>
                                 <m:rPr>
@@ -7707,7 +13023,7 @@
             </p:txBody>
           </p:sp>
         </mc:Choice>
-        <mc:Fallback>
+        <mc:Fallback xmlns="">
           <p:sp>
             <p:nvSpPr>
               <p:cNvPr id="22" name="TextBox 21"/>
@@ -7746,8 +13062,8 @@
           </p:sp>
         </mc:Fallback>
       </mc:AlternateContent>
-      <mc:AlternateContent xmlns:mc="http://schemas.openxmlformats.org/markup-compatibility/2006">
-        <mc:Choice xmlns:a14="http://schemas.microsoft.com/office/drawing/2010/main" Requires="a14">
+      <mc:AlternateContent xmlns:mc="http://schemas.openxmlformats.org/markup-compatibility/2006" xmlns:a14="http://schemas.microsoft.com/office/drawing/2010/main">
+        <mc:Choice Requires="a14">
           <p:sp>
             <p:nvSpPr>
               <p:cNvPr id="29" name="TextBox 28"/>
@@ -7770,6 +13086,7 @@
               </a:bodyPr>
               <a:lstStyle/>
               <a:p>
+                <a:pPr/>
                 <a14:m>
                   <m:oMathPara xmlns:m="http://schemas.openxmlformats.org/officeDocument/2006/math">
                     <m:oMathParaPr>
@@ -7848,14 +13165,187 @@
                                 <a:rPr lang="en-US" sz="1200" b="0" i="0" smtClean="0">
                                   <a:latin typeface="Cambria Math"/>
                                 </a:rPr>
-                                <m:t>2.25 + 0.25 + 0 + 0 + 0.25 + 0.25 + 1</m:t>
+                                <m:t>2</m:t>
                               </m:r>
                               <m:r>
                                 <m:rPr>
                                   <m:nor/>
                                 </m:rPr>
-                                <a:rPr lang="en-US" sz="1200" baseline="30000" dirty="0"/>
-                                <m:t> </m:t>
+                                <a:rPr lang="en-US" sz="1200" b="0" i="0" smtClean="0">
+                                  <a:latin typeface="Cambria Math"/>
+                                </a:rPr>
+                                <m:t>.</m:t>
+                              </m:r>
+                              <m:r>
+                                <m:rPr>
+                                  <m:nor/>
+                                </m:rPr>
+                                <a:rPr lang="en-US" sz="1200" b="0" i="0" smtClean="0">
+                                  <a:latin typeface="Cambria Math"/>
+                                </a:rPr>
+                                <m:t>25 </m:t>
+                              </m:r>
+                              <m:r>
+                                <m:rPr>
+                                  <m:nor/>
+                                </m:rPr>
+                                <a:rPr lang="en-US" sz="1200" b="0" i="0" smtClean="0">
+                                  <a:latin typeface="Cambria Math"/>
+                                </a:rPr>
+                                <m:t>+ </m:t>
+                              </m:r>
+                              <m:r>
+                                <m:rPr>
+                                  <m:nor/>
+                                </m:rPr>
+                                <a:rPr lang="en-US" sz="1200" b="0" i="0" smtClean="0">
+                                  <a:latin typeface="Cambria Math"/>
+                                </a:rPr>
+                                <m:t>0</m:t>
+                              </m:r>
+                              <m:r>
+                                <m:rPr>
+                                  <m:nor/>
+                                </m:rPr>
+                                <a:rPr lang="en-US" sz="1200" b="0" i="0" smtClean="0">
+                                  <a:latin typeface="Cambria Math"/>
+                                </a:rPr>
+                                <m:t>.</m:t>
+                              </m:r>
+                              <m:r>
+                                <m:rPr>
+                                  <m:nor/>
+                                </m:rPr>
+                                <a:rPr lang="en-US" sz="1200" b="0" i="0" smtClean="0">
+                                  <a:latin typeface="Cambria Math"/>
+                                </a:rPr>
+                                <m:t>25 </m:t>
+                              </m:r>
+                              <m:r>
+                                <m:rPr>
+                                  <m:nor/>
+                                </m:rPr>
+                                <a:rPr lang="en-US" sz="1200" b="0" i="0" smtClean="0">
+                                  <a:latin typeface="Cambria Math"/>
+                                </a:rPr>
+                                <m:t>+ </m:t>
+                              </m:r>
+                              <m:r>
+                                <m:rPr>
+                                  <m:nor/>
+                                </m:rPr>
+                                <a:rPr lang="en-US" sz="1200" b="0" i="0" smtClean="0">
+                                  <a:latin typeface="Cambria Math"/>
+                                </a:rPr>
+                                <m:t>0 </m:t>
+                              </m:r>
+                              <m:r>
+                                <m:rPr>
+                                  <m:nor/>
+                                </m:rPr>
+                                <a:rPr lang="en-US" sz="1200" b="0" i="0" smtClean="0">
+                                  <a:latin typeface="Cambria Math"/>
+                                </a:rPr>
+                                <m:t>+ </m:t>
+                              </m:r>
+                              <m:r>
+                                <m:rPr>
+                                  <m:nor/>
+                                </m:rPr>
+                                <a:rPr lang="en-US" sz="1200" b="0" i="0" smtClean="0">
+                                  <a:latin typeface="Cambria Math"/>
+                                </a:rPr>
+                                <m:t>0 </m:t>
+                              </m:r>
+                              <m:r>
+                                <m:rPr>
+                                  <m:nor/>
+                                </m:rPr>
+                                <a:rPr lang="en-US" sz="1200" b="0" i="0" smtClean="0">
+                                  <a:latin typeface="Cambria Math"/>
+                                </a:rPr>
+                                <m:t>+ </m:t>
+                              </m:r>
+                              <m:r>
+                                <m:rPr>
+                                  <m:nor/>
+                                </m:rPr>
+                                <a:rPr lang="en-US" sz="1200" b="0" i="0" smtClean="0">
+                                  <a:latin typeface="Cambria Math"/>
+                                </a:rPr>
+                                <m:t>0</m:t>
+                              </m:r>
+                              <m:r>
+                                <m:rPr>
+                                  <m:nor/>
+                                </m:rPr>
+                                <a:rPr lang="en-US" sz="1200" b="0" i="0" smtClean="0">
+                                  <a:latin typeface="Cambria Math"/>
+                                </a:rPr>
+                                <m:t>.</m:t>
+                              </m:r>
+                              <m:r>
+                                <m:rPr>
+                                  <m:nor/>
+                                </m:rPr>
+                                <a:rPr lang="en-US" sz="1200" b="0" i="0" smtClean="0">
+                                  <a:latin typeface="Cambria Math"/>
+                                </a:rPr>
+                                <m:t>25 </m:t>
+                              </m:r>
+                              <m:r>
+                                <m:rPr>
+                                  <m:nor/>
+                                </m:rPr>
+                                <a:rPr lang="en-US" sz="1200" b="0" i="0" smtClean="0">
+                                  <a:latin typeface="Cambria Math"/>
+                                </a:rPr>
+                                <m:t>+ </m:t>
+                              </m:r>
+                              <m:r>
+                                <m:rPr>
+                                  <m:nor/>
+                                </m:rPr>
+                                <a:rPr lang="en-US" sz="1200" b="0" i="0" smtClean="0">
+                                  <a:latin typeface="Cambria Math"/>
+                                </a:rPr>
+                                <m:t>0</m:t>
+                              </m:r>
+                              <m:r>
+                                <m:rPr>
+                                  <m:nor/>
+                                </m:rPr>
+                                <a:rPr lang="en-US" sz="1200" b="0" i="0" smtClean="0">
+                                  <a:latin typeface="Cambria Math"/>
+                                </a:rPr>
+                                <m:t>.</m:t>
+                              </m:r>
+                              <m:r>
+                                <m:rPr>
+                                  <m:nor/>
+                                </m:rPr>
+                                <a:rPr lang="en-US" sz="1200" b="0" i="0" smtClean="0">
+                                  <a:latin typeface="Cambria Math"/>
+                                </a:rPr>
+                                <m:t>25 </m:t>
+                              </m:r>
+                              <m:r>
+                                <m:rPr>
+                                  <m:nor/>
+                                </m:rPr>
+                                <a:rPr lang="en-US" sz="1200" b="0" i="0" smtClean="0">
+                                  <a:latin typeface="Cambria Math"/>
+                                </a:rPr>
+                                <m:t>+ </m:t>
+                              </m:r>
+                              <m:r>
+                                <m:rPr>
+                                  <m:nor/>
+                                </m:rPr>
+                                <a:rPr lang="en-US" sz="1200" b="0" i="0" smtClean="0">
+                                  <a:latin typeface="Cambria Math"/>
+                                </a:rPr>
+                                <m:t>1 </m:t>
                               </m:r>
                             </m:e>
                           </m:nary>
@@ -7869,7 +13359,7 @@
             </p:txBody>
           </p:sp>
         </mc:Choice>
-        <mc:Fallback>
+        <mc:Fallback xmlns="">
           <p:sp>
             <p:nvSpPr>
               <p:cNvPr id="29" name="TextBox 28"/>
@@ -7908,8 +13398,8 @@
           </p:sp>
         </mc:Fallback>
       </mc:AlternateContent>
-      <mc:AlternateContent xmlns:mc="http://schemas.openxmlformats.org/markup-compatibility/2006">
-        <mc:Choice xmlns:a14="http://schemas.microsoft.com/office/drawing/2010/main" Requires="a14">
+      <mc:AlternateContent xmlns:mc="http://schemas.openxmlformats.org/markup-compatibility/2006" xmlns:a14="http://schemas.microsoft.com/office/drawing/2010/main">
+        <mc:Choice Requires="a14">
           <p:sp>
             <p:nvSpPr>
               <p:cNvPr id="30" name="TextBox 29"/>
@@ -7932,6 +13422,7 @@
               </a:bodyPr>
               <a:lstStyle/>
               <a:p>
+                <a:pPr/>
                 <a14:m>
                   <m:oMathPara xmlns:m="http://schemas.openxmlformats.org/officeDocument/2006/math">
                     <m:oMathParaPr>
@@ -7978,7 +13469,13 @@
                             <a:rPr lang="en-US" sz="1200" b="0" i="1" smtClean="0">
                               <a:latin typeface="Cambria Math"/>
                             </a:rPr>
-                            <m:t> ∗4</m:t>
+                            <m:t> ∗</m:t>
+                          </m:r>
+                          <m:r>
+                            <a:rPr lang="en-US" sz="1200" b="0" i="1" smtClean="0">
+                              <a:latin typeface="Cambria Math"/>
+                            </a:rPr>
+                            <m:t>4</m:t>
                           </m:r>
                         </m:e>
                       </m:rad>
@@ -7990,7 +13487,7 @@
             </p:txBody>
           </p:sp>
         </mc:Choice>
-        <mc:Fallback>
+        <mc:Fallback xmlns="">
           <p:sp>
             <p:nvSpPr>
               <p:cNvPr id="30" name="TextBox 29"/>
@@ -8089,8 +13586,8 @@
           </a:p>
         </p:txBody>
       </p:sp>
-      <mc:AlternateContent xmlns:mc="http://schemas.openxmlformats.org/markup-compatibility/2006">
-        <mc:Choice xmlns:a14="http://schemas.microsoft.com/office/drawing/2010/main" Requires="a14">
+      <mc:AlternateContent xmlns:mc="http://schemas.openxmlformats.org/markup-compatibility/2006" xmlns:a14="http://schemas.microsoft.com/office/drawing/2010/main">
+        <mc:Choice Requires="a14">
           <p:sp>
             <p:nvSpPr>
               <p:cNvPr id="32" name="TextBox 31"/>
@@ -8113,6 +13610,7 @@
               </a:bodyPr>
               <a:lstStyle/>
               <a:p>
+                <a:pPr/>
                 <a14:m>
                   <m:oMathPara xmlns:m="http://schemas.openxmlformats.org/officeDocument/2006/math">
                     <m:oMathParaPr>
@@ -8171,7 +13669,7 @@
             </p:txBody>
           </p:sp>
         </mc:Choice>
-        <mc:Fallback>
+        <mc:Fallback xmlns="">
           <p:sp>
             <p:nvSpPr>
               <p:cNvPr id="32" name="TextBox 31"/>
@@ -8446,17 +13944,7 @@
                   </a:schemeClr>
                 </a:solidFill>
               </a:rPr>
-              <a:t>i</a:t>
-            </a:r>
-            <a:r>
-              <a:rPr lang="en-US" sz="2400" b="1" dirty="0" smtClean="0">
-                <a:solidFill>
-                  <a:schemeClr val="accent5">
-                    <a:lumMod val="75000"/>
-                  </a:schemeClr>
-                </a:solidFill>
-              </a:rPr>
-              <a:t>s a distribution that is</a:t>
+              <a:t>is a distribution that is</a:t>
             </a:r>
           </a:p>
           <a:p>
@@ -8573,6 +14061,2462 @@
     <p:extLst>
       <p:ext uri="{BB962C8B-B14F-4D97-AF65-F5344CB8AC3E}">
         <p14:creationId xmlns:p14="http://schemas.microsoft.com/office/powerpoint/2010/main" val="1197466097"/>
+      </p:ext>
+    </p:extLst>
+  </p:cSld>
+  <p:clrMapOvr>
+    <a:masterClrMapping/>
+  </p:clrMapOvr>
+  <p:timing>
+    <p:tnLst>
+      <p:par>
+        <p:cTn id="1" dur="indefinite" restart="never" nodeType="tmRoot"/>
+      </p:par>
+    </p:tnLst>
+  </p:timing>
+</p:sld>
+</file>
+
+<file path=ppt/slides/slide8.xml><?xml version="1.0" encoding="utf-8"?>
+<p:sld xmlns:a="http://schemas.openxmlformats.org/drawingml/2006/main" xmlns:r="http://schemas.openxmlformats.org/officeDocument/2006/relationships" xmlns:p="http://schemas.openxmlformats.org/presentationml/2006/main">
+  <p:cSld>
+    <p:spTree>
+      <p:nvGrpSpPr>
+        <p:cNvPr id="1" name=""/>
+        <p:cNvGrpSpPr/>
+        <p:nvPr/>
+      </p:nvGrpSpPr>
+      <p:grpSpPr>
+        <a:xfrm>
+          <a:off x="0" y="0"/>
+          <a:ext cx="0" cy="0"/>
+          <a:chOff x="0" y="0"/>
+          <a:chExt cx="0" cy="0"/>
+        </a:xfrm>
+      </p:grpSpPr>
+      <p:sp>
+        <p:nvSpPr>
+          <p:cNvPr id="2" name="Title 1"/>
+          <p:cNvSpPr>
+            <a:spLocks noGrp="1"/>
+          </p:cNvSpPr>
+          <p:nvPr>
+            <p:ph type="title"/>
+          </p:nvPr>
+        </p:nvSpPr>
+        <p:spPr>
+          <a:xfrm>
+            <a:off x="457200" y="274638"/>
+            <a:ext cx="8305800" cy="792162"/>
+          </a:xfrm>
+        </p:spPr>
+        <p:txBody>
+          <a:bodyPr>
+            <a:normAutofit/>
+          </a:bodyPr>
+          <a:lstStyle/>
+          <a:p>
+            <a:pPr algn="l"/>
+            <a:r>
+              <a:rPr lang="en-US" dirty="0" smtClean="0">
+                <a:solidFill>
+                  <a:schemeClr val="accent1">
+                    <a:lumMod val="75000"/>
+                  </a:schemeClr>
+                </a:solidFill>
+              </a:rPr>
+              <a:t>Population vs. Sample</a:t>
+            </a:r>
+            <a:endParaRPr lang="en-US" dirty="0">
+              <a:solidFill>
+                <a:schemeClr val="accent1">
+                  <a:lumMod val="75000"/>
+                </a:schemeClr>
+              </a:solidFill>
+            </a:endParaRPr>
+          </a:p>
+        </p:txBody>
+      </p:sp>
+      <p:cxnSp>
+        <p:nvCxnSpPr>
+          <p:cNvPr id="5" name="Straight Connector 4"/>
+          <p:cNvCxnSpPr/>
+          <p:nvPr/>
+        </p:nvCxnSpPr>
+        <p:spPr>
+          <a:xfrm>
+            <a:off x="0" y="990600"/>
+            <a:ext cx="9144000" cy="0"/>
+          </a:xfrm>
+          <a:prstGeom prst="line">
+            <a:avLst/>
+          </a:prstGeom>
+          <a:ln w="19050"/>
+        </p:spPr>
+        <p:style>
+          <a:lnRef idx="1">
+            <a:schemeClr val="accent1"/>
+          </a:lnRef>
+          <a:fillRef idx="0">
+            <a:schemeClr val="accent1"/>
+          </a:fillRef>
+          <a:effectRef idx="0">
+            <a:schemeClr val="accent1"/>
+          </a:effectRef>
+          <a:fontRef idx="minor">
+            <a:schemeClr val="tx1"/>
+          </a:fontRef>
+        </p:style>
+      </p:cxnSp>
+      <p:sp>
+        <p:nvSpPr>
+          <p:cNvPr id="3" name="Oval 2"/>
+          <p:cNvSpPr/>
+          <p:nvPr/>
+        </p:nvSpPr>
+        <p:spPr>
+          <a:xfrm>
+            <a:off x="1066800" y="2209800"/>
+            <a:ext cx="3352800" cy="3124200"/>
+          </a:xfrm>
+          <a:prstGeom prst="ellipse">
+            <a:avLst/>
+          </a:prstGeom>
+          <a:noFill/>
+        </p:spPr>
+        <p:style>
+          <a:lnRef idx="2">
+            <a:schemeClr val="accent1">
+              <a:shade val="50000"/>
+            </a:schemeClr>
+          </a:lnRef>
+          <a:fillRef idx="1">
+            <a:schemeClr val="accent1"/>
+          </a:fillRef>
+          <a:effectRef idx="0">
+            <a:schemeClr val="accent1"/>
+          </a:effectRef>
+          <a:fontRef idx="minor">
+            <a:schemeClr val="lt1"/>
+          </a:fontRef>
+        </p:style>
+        <p:txBody>
+          <a:bodyPr rtlCol="0" anchor="ctr"/>
+          <a:lstStyle/>
+          <a:p>
+            <a:pPr algn="ctr"/>
+            <a:endParaRPr lang="en-US"/>
+          </a:p>
+        </p:txBody>
+      </p:sp>
+      <p:sp>
+        <p:nvSpPr>
+          <p:cNvPr id="4" name="Oval 3"/>
+          <p:cNvSpPr/>
+          <p:nvPr/>
+        </p:nvSpPr>
+        <p:spPr>
+          <a:xfrm>
+            <a:off x="3048000" y="4114800"/>
+            <a:ext cx="381000" cy="381000"/>
+          </a:xfrm>
+          <a:prstGeom prst="ellipse">
+            <a:avLst/>
+          </a:prstGeom>
+          <a:solidFill>
+            <a:schemeClr val="accent6">
+              <a:lumMod val="75000"/>
+            </a:schemeClr>
+          </a:solidFill>
+          <a:ln>
+            <a:solidFill>
+              <a:schemeClr val="accent6">
+                <a:lumMod val="75000"/>
+              </a:schemeClr>
+            </a:solidFill>
+          </a:ln>
+        </p:spPr>
+        <p:style>
+          <a:lnRef idx="2">
+            <a:schemeClr val="accent1">
+              <a:shade val="50000"/>
+            </a:schemeClr>
+          </a:lnRef>
+          <a:fillRef idx="1">
+            <a:schemeClr val="accent1"/>
+          </a:fillRef>
+          <a:effectRef idx="0">
+            <a:schemeClr val="accent1"/>
+          </a:effectRef>
+          <a:fontRef idx="minor">
+            <a:schemeClr val="lt1"/>
+          </a:fontRef>
+        </p:style>
+        <p:txBody>
+          <a:bodyPr rtlCol="0" anchor="ctr"/>
+          <a:lstStyle/>
+          <a:p>
+            <a:pPr algn="ctr"/>
+            <a:endParaRPr lang="en-US"/>
+          </a:p>
+        </p:txBody>
+      </p:sp>
+      <p:sp>
+        <p:nvSpPr>
+          <p:cNvPr id="6" name="TextBox 5"/>
+          <p:cNvSpPr txBox="1"/>
+          <p:nvPr/>
+        </p:nvSpPr>
+        <p:spPr>
+          <a:xfrm>
+            <a:off x="2244377" y="1902023"/>
+            <a:ext cx="997645" cy="307777"/>
+          </a:xfrm>
+          <a:prstGeom prst="rect">
+            <a:avLst/>
+          </a:prstGeom>
+          <a:noFill/>
+        </p:spPr>
+        <p:txBody>
+          <a:bodyPr wrap="none" rtlCol="0">
+            <a:spAutoFit/>
+          </a:bodyPr>
+          <a:lstStyle/>
+          <a:p>
+            <a:r>
+              <a:rPr lang="en-US" sz="1400" b="1" dirty="0" smtClean="0"/>
+              <a:t>Population</a:t>
+            </a:r>
+            <a:endParaRPr lang="en-US" sz="1400" b="1" dirty="0"/>
+          </a:p>
+        </p:txBody>
+      </p:sp>
+      <p:sp>
+        <p:nvSpPr>
+          <p:cNvPr id="9" name="TextBox 8"/>
+          <p:cNvSpPr txBox="1"/>
+          <p:nvPr/>
+        </p:nvSpPr>
+        <p:spPr>
+          <a:xfrm>
+            <a:off x="2542952" y="3807023"/>
+            <a:ext cx="1398140" cy="307777"/>
+          </a:xfrm>
+          <a:prstGeom prst="rect">
+            <a:avLst/>
+          </a:prstGeom>
+          <a:noFill/>
+        </p:spPr>
+        <p:txBody>
+          <a:bodyPr wrap="none" rtlCol="0">
+            <a:spAutoFit/>
+          </a:bodyPr>
+          <a:lstStyle/>
+          <a:p>
+            <a:r>
+              <a:rPr lang="en-US" sz="1400" b="1" dirty="0" smtClean="0"/>
+              <a:t>Random Sample</a:t>
+            </a:r>
+            <a:endParaRPr lang="en-US" sz="1400" b="1" dirty="0"/>
+          </a:p>
+        </p:txBody>
+      </p:sp>
+      <p:cxnSp>
+        <p:nvCxnSpPr>
+          <p:cNvPr id="8" name="Straight Arrow Connector 7"/>
+          <p:cNvCxnSpPr>
+            <a:stCxn id="3" idx="0"/>
+          </p:cNvCxnSpPr>
+          <p:nvPr/>
+        </p:nvCxnSpPr>
+        <p:spPr>
+          <a:xfrm>
+            <a:off x="2743200" y="2209800"/>
+            <a:ext cx="3048000" cy="0"/>
+          </a:xfrm>
+          <a:prstGeom prst="straightConnector1">
+            <a:avLst/>
+          </a:prstGeom>
+          <a:ln w="19050">
+            <a:tailEnd type="arrow"/>
+          </a:ln>
+        </p:spPr>
+        <p:style>
+          <a:lnRef idx="1">
+            <a:schemeClr val="accent1"/>
+          </a:lnRef>
+          <a:fillRef idx="0">
+            <a:schemeClr val="accent1"/>
+          </a:fillRef>
+          <a:effectRef idx="0">
+            <a:schemeClr val="accent1"/>
+          </a:effectRef>
+          <a:fontRef idx="minor">
+            <a:schemeClr val="tx1"/>
+          </a:fontRef>
+        </p:style>
+      </p:cxnSp>
+      <p:sp>
+        <p:nvSpPr>
+          <p:cNvPr id="13" name="TextBox 12"/>
+          <p:cNvSpPr txBox="1"/>
+          <p:nvPr/>
+        </p:nvSpPr>
+        <p:spPr>
+          <a:xfrm>
+            <a:off x="5812586" y="2017276"/>
+            <a:ext cx="1077154" cy="523220"/>
+          </a:xfrm>
+          <a:prstGeom prst="rect">
+            <a:avLst/>
+          </a:prstGeom>
+          <a:noFill/>
+        </p:spPr>
+        <p:txBody>
+          <a:bodyPr wrap="none" rtlCol="0">
+            <a:spAutoFit/>
+          </a:bodyPr>
+          <a:lstStyle/>
+          <a:p>
+            <a:r>
+              <a:rPr lang="en-US" sz="1400" b="1" dirty="0" smtClean="0"/>
+              <a:t>Distribution</a:t>
+            </a:r>
+          </a:p>
+          <a:p>
+            <a:r>
+              <a:rPr lang="en-US" sz="1400" b="1" dirty="0"/>
+              <a:t> </a:t>
+            </a:r>
+            <a:r>
+              <a:rPr lang="en-US" sz="1400" b="1" dirty="0" smtClean="0"/>
+              <a:t>     </a:t>
+            </a:r>
+            <a:endParaRPr lang="en-US" sz="1400" b="1" dirty="0"/>
+          </a:p>
+        </p:txBody>
+      </p:sp>
+      <p:sp>
+        <p:nvSpPr>
+          <p:cNvPr id="11" name="Rectangle 10"/>
+          <p:cNvSpPr/>
+          <p:nvPr/>
+        </p:nvSpPr>
+        <p:spPr>
+          <a:xfrm>
+            <a:off x="5888786" y="2226171"/>
+            <a:ext cx="1045414" cy="738664"/>
+          </a:xfrm>
+          <a:prstGeom prst="rect">
+            <a:avLst/>
+          </a:prstGeom>
+        </p:spPr>
+        <p:txBody>
+          <a:bodyPr wrap="none">
+            <a:spAutoFit/>
+          </a:bodyPr>
+          <a:lstStyle/>
+          <a:p>
+            <a:r>
+              <a:rPr lang="en-US" sz="1400" b="1" dirty="0" smtClean="0"/>
+              <a:t>µ (mean)</a:t>
+            </a:r>
+          </a:p>
+          <a:p>
+            <a:r>
+              <a:rPr lang="vi-VN" sz="1400" b="1" dirty="0" smtClean="0"/>
+              <a:t>σ</a:t>
+            </a:r>
+            <a:r>
+              <a:rPr lang="en-US" sz="1400" b="1" dirty="0" smtClean="0"/>
+              <a:t> (std. dev)</a:t>
+            </a:r>
+          </a:p>
+          <a:p>
+            <a:r>
+              <a:rPr lang="en-US" sz="1400" b="1" dirty="0" smtClean="0"/>
+              <a:t>N (size) </a:t>
+            </a:r>
+            <a:endParaRPr lang="en-US" sz="1400" b="1" dirty="0"/>
+          </a:p>
+        </p:txBody>
+      </p:sp>
+      <p:sp>
+        <p:nvSpPr>
+          <p:cNvPr id="12" name="TextBox 11"/>
+          <p:cNvSpPr txBox="1"/>
+          <p:nvPr/>
+        </p:nvSpPr>
+        <p:spPr>
+          <a:xfrm>
+            <a:off x="6482177" y="1371600"/>
+            <a:ext cx="1876924" cy="307777"/>
+          </a:xfrm>
+          <a:prstGeom prst="rect">
+            <a:avLst/>
+          </a:prstGeom>
+          <a:noFill/>
+        </p:spPr>
+        <p:txBody>
+          <a:bodyPr wrap="none" rtlCol="0">
+            <a:spAutoFit/>
+          </a:bodyPr>
+          <a:lstStyle/>
+          <a:p>
+            <a:r>
+              <a:rPr lang="en-US" sz="1400" dirty="0" smtClean="0">
+                <a:solidFill>
+                  <a:srgbClr val="00B050"/>
+                </a:solidFill>
+              </a:rPr>
+              <a:t>Can be any distribution</a:t>
+            </a:r>
+            <a:endParaRPr lang="en-US" sz="1400" dirty="0">
+              <a:solidFill>
+                <a:srgbClr val="00B050"/>
+              </a:solidFill>
+            </a:endParaRPr>
+          </a:p>
+        </p:txBody>
+      </p:sp>
+      <p:cxnSp>
+        <p:nvCxnSpPr>
+          <p:cNvPr id="15" name="Curved Connector 14"/>
+          <p:cNvCxnSpPr/>
+          <p:nvPr/>
+        </p:nvCxnSpPr>
+        <p:spPr>
+          <a:xfrm rot="5400000">
+            <a:off x="6669733" y="1791444"/>
+            <a:ext cx="376534" cy="152400"/>
+          </a:xfrm>
+          <a:prstGeom prst="curvedConnector3">
+            <a:avLst/>
+          </a:prstGeom>
+          <a:ln>
+            <a:solidFill>
+              <a:srgbClr val="00B050"/>
+            </a:solidFill>
+            <a:tailEnd type="arrow"/>
+          </a:ln>
+        </p:spPr>
+        <p:style>
+          <a:lnRef idx="1">
+            <a:schemeClr val="accent1"/>
+          </a:lnRef>
+          <a:fillRef idx="0">
+            <a:schemeClr val="accent1"/>
+          </a:fillRef>
+          <a:effectRef idx="0">
+            <a:schemeClr val="accent1"/>
+          </a:effectRef>
+          <a:fontRef idx="minor">
+            <a:schemeClr val="tx1"/>
+          </a:fontRef>
+        </p:style>
+      </p:cxnSp>
+      <p:cxnSp>
+        <p:nvCxnSpPr>
+          <p:cNvPr id="17" name="Straight Arrow Connector 16"/>
+          <p:cNvCxnSpPr>
+            <a:stCxn id="9" idx="2"/>
+          </p:cNvCxnSpPr>
+          <p:nvPr/>
+        </p:nvCxnSpPr>
+        <p:spPr>
+          <a:xfrm>
+            <a:off x="3242022" y="4114800"/>
+            <a:ext cx="2549178" cy="0"/>
+          </a:xfrm>
+          <a:prstGeom prst="straightConnector1">
+            <a:avLst/>
+          </a:prstGeom>
+          <a:ln w="19050">
+            <a:solidFill>
+              <a:schemeClr val="accent6">
+                <a:lumMod val="75000"/>
+              </a:schemeClr>
+            </a:solidFill>
+            <a:tailEnd type="arrow"/>
+          </a:ln>
+        </p:spPr>
+        <p:style>
+          <a:lnRef idx="1">
+            <a:schemeClr val="accent1"/>
+          </a:lnRef>
+          <a:fillRef idx="0">
+            <a:schemeClr val="accent1"/>
+          </a:fillRef>
+          <a:effectRef idx="0">
+            <a:schemeClr val="accent1"/>
+          </a:effectRef>
+          <a:fontRef idx="minor">
+            <a:schemeClr val="tx1"/>
+          </a:fontRef>
+        </p:style>
+      </p:cxnSp>
+      <p:sp>
+        <p:nvSpPr>
+          <p:cNvPr id="18" name="Right Brace 17"/>
+          <p:cNvSpPr/>
+          <p:nvPr/>
+        </p:nvSpPr>
+        <p:spPr>
+          <a:xfrm>
+            <a:off x="6889740" y="2330276"/>
+            <a:ext cx="199361" cy="530454"/>
+          </a:xfrm>
+          <a:prstGeom prst="rightBrace">
+            <a:avLst/>
+          </a:prstGeom>
+          <a:ln w="19050">
+            <a:solidFill>
+              <a:schemeClr val="tx1"/>
+            </a:solidFill>
+          </a:ln>
+        </p:spPr>
+        <p:style>
+          <a:lnRef idx="1">
+            <a:schemeClr val="accent1"/>
+          </a:lnRef>
+          <a:fillRef idx="0">
+            <a:schemeClr val="accent1"/>
+          </a:fillRef>
+          <a:effectRef idx="0">
+            <a:schemeClr val="accent1"/>
+          </a:effectRef>
+          <a:fontRef idx="minor">
+            <a:schemeClr val="tx1"/>
+          </a:fontRef>
+        </p:style>
+        <p:txBody>
+          <a:bodyPr rtlCol="0" anchor="ctr"/>
+          <a:lstStyle/>
+          <a:p>
+            <a:pPr algn="ctr"/>
+            <a:endParaRPr lang="en-US"/>
+          </a:p>
+        </p:txBody>
+      </p:sp>
+      <p:sp>
+        <p:nvSpPr>
+          <p:cNvPr id="21" name="Rectangle 20"/>
+          <p:cNvSpPr/>
+          <p:nvPr/>
+        </p:nvSpPr>
+        <p:spPr>
+          <a:xfrm>
+            <a:off x="7089101" y="2441614"/>
+            <a:ext cx="1032399" cy="307777"/>
+          </a:xfrm>
+          <a:prstGeom prst="rect">
+            <a:avLst/>
+          </a:prstGeom>
+        </p:spPr>
+        <p:txBody>
+          <a:bodyPr wrap="none">
+            <a:spAutoFit/>
+          </a:bodyPr>
+          <a:lstStyle/>
+          <a:p>
+            <a:r>
+              <a:rPr lang="en-US" sz="1400" b="1" dirty="0" smtClean="0"/>
+              <a:t>Parameters</a:t>
+            </a:r>
+            <a:endParaRPr lang="en-US" sz="1400" b="1" dirty="0"/>
+          </a:p>
+        </p:txBody>
+      </p:sp>
+      <p:sp>
+        <p:nvSpPr>
+          <p:cNvPr id="22" name="TextBox 21"/>
+          <p:cNvSpPr txBox="1"/>
+          <p:nvPr/>
+        </p:nvSpPr>
+        <p:spPr>
+          <a:xfrm>
+            <a:off x="5810250" y="3952874"/>
+            <a:ext cx="1074268" cy="954107"/>
+          </a:xfrm>
+          <a:prstGeom prst="rect">
+            <a:avLst/>
+          </a:prstGeom>
+          <a:noFill/>
+        </p:spPr>
+        <p:txBody>
+          <a:bodyPr wrap="none" rtlCol="0">
+            <a:spAutoFit/>
+          </a:bodyPr>
+          <a:lstStyle/>
+          <a:p>
+            <a:r>
+              <a:rPr lang="en-US" sz="1400" b="1" dirty="0" smtClean="0"/>
+              <a:t>Probability</a:t>
+            </a:r>
+          </a:p>
+          <a:p>
+            <a:r>
+              <a:rPr lang="en-US" sz="1400" dirty="0"/>
+              <a:t> </a:t>
+            </a:r>
+            <a:r>
+              <a:rPr lang="en-US" sz="1400" dirty="0" smtClean="0"/>
+              <a:t> </a:t>
+            </a:r>
+            <a:r>
+              <a:rPr lang="en-US" sz="1400" dirty="0"/>
+              <a:t>x̅</a:t>
+            </a:r>
+            <a:r>
+              <a:rPr lang="en-US" sz="1400" b="1" dirty="0" smtClean="0"/>
+              <a:t> (mean)</a:t>
+            </a:r>
+          </a:p>
+          <a:p>
+            <a:r>
+              <a:rPr lang="en-US" sz="1400" b="1" dirty="0"/>
+              <a:t> </a:t>
+            </a:r>
+            <a:r>
+              <a:rPr lang="en-US" sz="1400" b="1" dirty="0" smtClean="0"/>
+              <a:t> s (std. dev)</a:t>
+            </a:r>
+            <a:br>
+              <a:rPr lang="en-US" sz="1400" b="1" dirty="0" smtClean="0"/>
+            </a:br>
+            <a:r>
+              <a:rPr lang="en-US" sz="1400" b="1" dirty="0" smtClean="0"/>
+              <a:t>  n (size)</a:t>
+            </a:r>
+            <a:endParaRPr lang="en-US" sz="1400" b="1" dirty="0"/>
+          </a:p>
+        </p:txBody>
+      </p:sp>
+      <p:sp>
+        <p:nvSpPr>
+          <p:cNvPr id="24" name="TextBox 23"/>
+          <p:cNvSpPr txBox="1"/>
+          <p:nvPr/>
+        </p:nvSpPr>
+        <p:spPr>
+          <a:xfrm>
+            <a:off x="6781800" y="4953000"/>
+            <a:ext cx="2367892" cy="738664"/>
+          </a:xfrm>
+          <a:prstGeom prst="rect">
+            <a:avLst/>
+          </a:prstGeom>
+          <a:noFill/>
+        </p:spPr>
+        <p:txBody>
+          <a:bodyPr wrap="none" rtlCol="0">
+            <a:spAutoFit/>
+          </a:bodyPr>
+          <a:lstStyle/>
+          <a:p>
+            <a:r>
+              <a:rPr lang="en-US" sz="1400" dirty="0" smtClean="0">
+                <a:solidFill>
+                  <a:srgbClr val="00B050"/>
+                </a:solidFill>
+              </a:rPr>
+              <a:t>Can calculate probability</a:t>
+            </a:r>
+          </a:p>
+          <a:p>
+            <a:r>
+              <a:rPr lang="en-US" sz="1400" dirty="0" smtClean="0">
+                <a:solidFill>
+                  <a:srgbClr val="00B050"/>
+                </a:solidFill>
+              </a:rPr>
+              <a:t>sample is in population, when</a:t>
+            </a:r>
+          </a:p>
+          <a:p>
+            <a:r>
+              <a:rPr lang="en-US" sz="1400" dirty="0" smtClean="0">
+                <a:solidFill>
+                  <a:srgbClr val="00B050"/>
+                </a:solidFill>
+              </a:rPr>
+              <a:t>Population is known.</a:t>
+            </a:r>
+            <a:endParaRPr lang="en-US" sz="1400" dirty="0">
+              <a:solidFill>
+                <a:srgbClr val="00B050"/>
+              </a:solidFill>
+            </a:endParaRPr>
+          </a:p>
+        </p:txBody>
+      </p:sp>
+      <p:cxnSp>
+        <p:nvCxnSpPr>
+          <p:cNvPr id="25" name="Curved Connector 24"/>
+          <p:cNvCxnSpPr/>
+          <p:nvPr/>
+        </p:nvCxnSpPr>
+        <p:spPr>
+          <a:xfrm rot="10800000">
+            <a:off x="6221848" y="4953000"/>
+            <a:ext cx="636152" cy="553106"/>
+          </a:xfrm>
+          <a:prstGeom prst="curvedConnector3">
+            <a:avLst/>
+          </a:prstGeom>
+          <a:ln>
+            <a:solidFill>
+              <a:srgbClr val="00B050"/>
+            </a:solidFill>
+            <a:tailEnd type="arrow"/>
+          </a:ln>
+        </p:spPr>
+        <p:style>
+          <a:lnRef idx="1">
+            <a:schemeClr val="accent1"/>
+          </a:lnRef>
+          <a:fillRef idx="0">
+            <a:schemeClr val="accent1"/>
+          </a:fillRef>
+          <a:effectRef idx="0">
+            <a:schemeClr val="accent1"/>
+          </a:effectRef>
+          <a:fontRef idx="minor">
+            <a:schemeClr val="tx1"/>
+          </a:fontRef>
+        </p:style>
+      </p:cxnSp>
+      <p:sp>
+        <p:nvSpPr>
+          <p:cNvPr id="30" name="Right Brace 29"/>
+          <p:cNvSpPr/>
+          <p:nvPr/>
+        </p:nvSpPr>
+        <p:spPr>
+          <a:xfrm>
+            <a:off x="6790059" y="4289480"/>
+            <a:ext cx="199361" cy="530454"/>
+          </a:xfrm>
+          <a:prstGeom prst="rightBrace">
+            <a:avLst/>
+          </a:prstGeom>
+          <a:ln w="19050">
+            <a:solidFill>
+              <a:schemeClr val="tx1"/>
+            </a:solidFill>
+          </a:ln>
+        </p:spPr>
+        <p:style>
+          <a:lnRef idx="1">
+            <a:schemeClr val="accent1"/>
+          </a:lnRef>
+          <a:fillRef idx="0">
+            <a:schemeClr val="accent1"/>
+          </a:fillRef>
+          <a:effectRef idx="0">
+            <a:schemeClr val="accent1"/>
+          </a:effectRef>
+          <a:fontRef idx="minor">
+            <a:schemeClr val="tx1"/>
+          </a:fontRef>
+        </p:style>
+        <p:txBody>
+          <a:bodyPr rtlCol="0" anchor="ctr"/>
+          <a:lstStyle/>
+          <a:p>
+            <a:pPr algn="ctr"/>
+            <a:endParaRPr lang="en-US"/>
+          </a:p>
+        </p:txBody>
+      </p:sp>
+      <p:sp>
+        <p:nvSpPr>
+          <p:cNvPr id="31" name="Rectangle 30"/>
+          <p:cNvSpPr/>
+          <p:nvPr/>
+        </p:nvSpPr>
+        <p:spPr>
+          <a:xfrm>
+            <a:off x="6998945" y="4400818"/>
+            <a:ext cx="777200" cy="307777"/>
+          </a:xfrm>
+          <a:prstGeom prst="rect">
+            <a:avLst/>
+          </a:prstGeom>
+        </p:spPr>
+        <p:txBody>
+          <a:bodyPr wrap="none">
+            <a:spAutoFit/>
+          </a:bodyPr>
+          <a:lstStyle/>
+          <a:p>
+            <a:r>
+              <a:rPr lang="en-US" sz="1400" b="1" dirty="0" smtClean="0"/>
+              <a:t>Statistic</a:t>
+            </a:r>
+            <a:endParaRPr lang="en-US" sz="1400" b="1" dirty="0"/>
+          </a:p>
+        </p:txBody>
+      </p:sp>
+    </p:spTree>
+    <p:extLst>
+      <p:ext uri="{BB962C8B-B14F-4D97-AF65-F5344CB8AC3E}">
+        <p14:creationId xmlns:p14="http://schemas.microsoft.com/office/powerpoint/2010/main" val="415431644"/>
+      </p:ext>
+    </p:extLst>
+  </p:cSld>
+  <p:clrMapOvr>
+    <a:masterClrMapping/>
+  </p:clrMapOvr>
+  <p:timing>
+    <p:tnLst>
+      <p:par>
+        <p:cTn id="1" dur="indefinite" restart="never" nodeType="tmRoot"/>
+      </p:par>
+    </p:tnLst>
+  </p:timing>
+</p:sld>
+</file>
+
+<file path=ppt/slides/slide9.xml><?xml version="1.0" encoding="utf-8"?>
+<p:sld xmlns:a="http://schemas.openxmlformats.org/drawingml/2006/main" xmlns:r="http://schemas.openxmlformats.org/officeDocument/2006/relationships" xmlns:p="http://schemas.openxmlformats.org/presentationml/2006/main">
+  <p:cSld>
+    <p:spTree>
+      <p:nvGrpSpPr>
+        <p:cNvPr id="1" name=""/>
+        <p:cNvGrpSpPr/>
+        <p:nvPr/>
+      </p:nvGrpSpPr>
+      <p:grpSpPr>
+        <a:xfrm>
+          <a:off x="0" y="0"/>
+          <a:ext cx="0" cy="0"/>
+          <a:chOff x="0" y="0"/>
+          <a:chExt cx="0" cy="0"/>
+        </a:xfrm>
+      </p:grpSpPr>
+      <p:sp>
+        <p:nvSpPr>
+          <p:cNvPr id="2" name="Title 1"/>
+          <p:cNvSpPr>
+            <a:spLocks noGrp="1"/>
+          </p:cNvSpPr>
+          <p:nvPr>
+            <p:ph type="title"/>
+          </p:nvPr>
+        </p:nvSpPr>
+        <p:spPr>
+          <a:xfrm>
+            <a:off x="457200" y="274638"/>
+            <a:ext cx="8305800" cy="792162"/>
+          </a:xfrm>
+        </p:spPr>
+        <p:txBody>
+          <a:bodyPr>
+            <a:normAutofit/>
+          </a:bodyPr>
+          <a:lstStyle/>
+          <a:p>
+            <a:pPr algn="l"/>
+            <a:r>
+              <a:rPr lang="en-US" dirty="0" smtClean="0">
+                <a:solidFill>
+                  <a:schemeClr val="accent1">
+                    <a:lumMod val="75000"/>
+                  </a:schemeClr>
+                </a:solidFill>
+              </a:rPr>
+              <a:t>Sampling Distribution</a:t>
+            </a:r>
+            <a:endParaRPr lang="en-US" dirty="0">
+              <a:solidFill>
+                <a:schemeClr val="accent1">
+                  <a:lumMod val="75000"/>
+                </a:schemeClr>
+              </a:solidFill>
+            </a:endParaRPr>
+          </a:p>
+        </p:txBody>
+      </p:sp>
+      <p:cxnSp>
+        <p:nvCxnSpPr>
+          <p:cNvPr id="5" name="Straight Connector 4"/>
+          <p:cNvCxnSpPr/>
+          <p:nvPr/>
+        </p:nvCxnSpPr>
+        <p:spPr>
+          <a:xfrm>
+            <a:off x="0" y="990600"/>
+            <a:ext cx="9144000" cy="0"/>
+          </a:xfrm>
+          <a:prstGeom prst="line">
+            <a:avLst/>
+          </a:prstGeom>
+          <a:ln w="19050"/>
+        </p:spPr>
+        <p:style>
+          <a:lnRef idx="1">
+            <a:schemeClr val="accent1"/>
+          </a:lnRef>
+          <a:fillRef idx="0">
+            <a:schemeClr val="accent1"/>
+          </a:fillRef>
+          <a:effectRef idx="0">
+            <a:schemeClr val="accent1"/>
+          </a:effectRef>
+          <a:fontRef idx="minor">
+            <a:schemeClr val="tx1"/>
+          </a:fontRef>
+        </p:style>
+      </p:cxnSp>
+      <p:sp>
+        <p:nvSpPr>
+          <p:cNvPr id="3" name="Oval 2"/>
+          <p:cNvSpPr/>
+          <p:nvPr/>
+        </p:nvSpPr>
+        <p:spPr>
+          <a:xfrm>
+            <a:off x="1066800" y="2209800"/>
+            <a:ext cx="3352800" cy="3124200"/>
+          </a:xfrm>
+          <a:prstGeom prst="ellipse">
+            <a:avLst/>
+          </a:prstGeom>
+          <a:noFill/>
+        </p:spPr>
+        <p:style>
+          <a:lnRef idx="2">
+            <a:schemeClr val="accent1">
+              <a:shade val="50000"/>
+            </a:schemeClr>
+          </a:lnRef>
+          <a:fillRef idx="1">
+            <a:schemeClr val="accent1"/>
+          </a:fillRef>
+          <a:effectRef idx="0">
+            <a:schemeClr val="accent1"/>
+          </a:effectRef>
+          <a:fontRef idx="minor">
+            <a:schemeClr val="lt1"/>
+          </a:fontRef>
+        </p:style>
+        <p:txBody>
+          <a:bodyPr rtlCol="0" anchor="ctr"/>
+          <a:lstStyle/>
+          <a:p>
+            <a:pPr algn="ctr"/>
+            <a:endParaRPr lang="en-US"/>
+          </a:p>
+        </p:txBody>
+      </p:sp>
+      <p:sp>
+        <p:nvSpPr>
+          <p:cNvPr id="4" name="Oval 3"/>
+          <p:cNvSpPr/>
+          <p:nvPr/>
+        </p:nvSpPr>
+        <p:spPr>
+          <a:xfrm>
+            <a:off x="2857500" y="4038600"/>
+            <a:ext cx="381000" cy="381000"/>
+          </a:xfrm>
+          <a:prstGeom prst="ellipse">
+            <a:avLst/>
+          </a:prstGeom>
+          <a:solidFill>
+            <a:schemeClr val="accent6">
+              <a:lumMod val="75000"/>
+            </a:schemeClr>
+          </a:solidFill>
+          <a:ln>
+            <a:solidFill>
+              <a:schemeClr val="accent6">
+                <a:lumMod val="75000"/>
+              </a:schemeClr>
+            </a:solidFill>
+          </a:ln>
+        </p:spPr>
+        <p:style>
+          <a:lnRef idx="2">
+            <a:schemeClr val="accent1">
+              <a:shade val="50000"/>
+            </a:schemeClr>
+          </a:lnRef>
+          <a:fillRef idx="1">
+            <a:schemeClr val="accent1"/>
+          </a:fillRef>
+          <a:effectRef idx="0">
+            <a:schemeClr val="accent1"/>
+          </a:effectRef>
+          <a:fontRef idx="minor">
+            <a:schemeClr val="lt1"/>
+          </a:fontRef>
+        </p:style>
+        <p:txBody>
+          <a:bodyPr rtlCol="0" anchor="ctr"/>
+          <a:lstStyle/>
+          <a:p>
+            <a:pPr algn="ctr"/>
+            <a:endParaRPr lang="en-US"/>
+          </a:p>
+        </p:txBody>
+      </p:sp>
+      <p:sp>
+        <p:nvSpPr>
+          <p:cNvPr id="6" name="TextBox 5"/>
+          <p:cNvSpPr txBox="1"/>
+          <p:nvPr/>
+        </p:nvSpPr>
+        <p:spPr>
+          <a:xfrm>
+            <a:off x="2244377" y="1902023"/>
+            <a:ext cx="997645" cy="307777"/>
+          </a:xfrm>
+          <a:prstGeom prst="rect">
+            <a:avLst/>
+          </a:prstGeom>
+          <a:noFill/>
+        </p:spPr>
+        <p:txBody>
+          <a:bodyPr wrap="none" rtlCol="0">
+            <a:spAutoFit/>
+          </a:bodyPr>
+          <a:lstStyle/>
+          <a:p>
+            <a:r>
+              <a:rPr lang="en-US" sz="1400" b="1" dirty="0" smtClean="0"/>
+              <a:t>Population</a:t>
+            </a:r>
+            <a:endParaRPr lang="en-US" sz="1400" b="1" dirty="0"/>
+          </a:p>
+        </p:txBody>
+      </p:sp>
+      <p:sp>
+        <p:nvSpPr>
+          <p:cNvPr id="9" name="TextBox 8"/>
+          <p:cNvSpPr txBox="1"/>
+          <p:nvPr/>
+        </p:nvSpPr>
+        <p:spPr>
+          <a:xfrm>
+            <a:off x="5652070" y="3876675"/>
+            <a:ext cx="1606530" cy="523220"/>
+          </a:xfrm>
+          <a:prstGeom prst="rect">
+            <a:avLst/>
+          </a:prstGeom>
+          <a:noFill/>
+        </p:spPr>
+        <p:txBody>
+          <a:bodyPr wrap="none" rtlCol="0">
+            <a:spAutoFit/>
+          </a:bodyPr>
+          <a:lstStyle/>
+          <a:p>
+            <a:r>
+              <a:rPr lang="en-US" sz="1400" b="1" dirty="0" smtClean="0"/>
+              <a:t>Random Samples</a:t>
+            </a:r>
+          </a:p>
+          <a:p>
+            <a:r>
+              <a:rPr lang="en-US" sz="1400" b="1" dirty="0" smtClean="0"/>
+              <a:t>(       ,        ,       , … )  </a:t>
+            </a:r>
+            <a:endParaRPr lang="en-US" sz="1400" b="1" dirty="0"/>
+          </a:p>
+        </p:txBody>
+      </p:sp>
+      <p:cxnSp>
+        <p:nvCxnSpPr>
+          <p:cNvPr id="17" name="Straight Arrow Connector 16"/>
+          <p:cNvCxnSpPr/>
+          <p:nvPr/>
+        </p:nvCxnSpPr>
+        <p:spPr>
+          <a:xfrm>
+            <a:off x="3051522" y="4038600"/>
+            <a:ext cx="2549178" cy="0"/>
+          </a:xfrm>
+          <a:prstGeom prst="straightConnector1">
+            <a:avLst/>
+          </a:prstGeom>
+          <a:ln w="19050">
+            <a:solidFill>
+              <a:schemeClr val="accent6">
+                <a:lumMod val="75000"/>
+              </a:schemeClr>
+            </a:solidFill>
+            <a:tailEnd type="arrow"/>
+          </a:ln>
+        </p:spPr>
+        <p:style>
+          <a:lnRef idx="1">
+            <a:schemeClr val="accent1"/>
+          </a:lnRef>
+          <a:fillRef idx="0">
+            <a:schemeClr val="accent1"/>
+          </a:fillRef>
+          <a:effectRef idx="0">
+            <a:schemeClr val="accent1"/>
+          </a:effectRef>
+          <a:fontRef idx="minor">
+            <a:schemeClr val="tx1"/>
+          </a:fontRef>
+        </p:style>
+      </p:cxnSp>
+      <p:sp>
+        <p:nvSpPr>
+          <p:cNvPr id="23" name="Oval 22"/>
+          <p:cNvSpPr/>
+          <p:nvPr/>
+        </p:nvSpPr>
+        <p:spPr>
+          <a:xfrm>
+            <a:off x="2867025" y="3340298"/>
+            <a:ext cx="381000" cy="381000"/>
+          </a:xfrm>
+          <a:prstGeom prst="ellipse">
+            <a:avLst/>
+          </a:prstGeom>
+          <a:solidFill>
+            <a:schemeClr val="accent6">
+              <a:lumMod val="75000"/>
+            </a:schemeClr>
+          </a:solidFill>
+          <a:ln>
+            <a:solidFill>
+              <a:schemeClr val="accent6">
+                <a:lumMod val="75000"/>
+              </a:schemeClr>
+            </a:solidFill>
+          </a:ln>
+        </p:spPr>
+        <p:style>
+          <a:lnRef idx="2">
+            <a:schemeClr val="accent1">
+              <a:shade val="50000"/>
+            </a:schemeClr>
+          </a:lnRef>
+          <a:fillRef idx="1">
+            <a:schemeClr val="accent1"/>
+          </a:fillRef>
+          <a:effectRef idx="0">
+            <a:schemeClr val="accent1"/>
+          </a:effectRef>
+          <a:fontRef idx="minor">
+            <a:schemeClr val="lt1"/>
+          </a:fontRef>
+        </p:style>
+        <p:txBody>
+          <a:bodyPr rtlCol="0" anchor="ctr"/>
+          <a:lstStyle/>
+          <a:p>
+            <a:pPr algn="ctr"/>
+            <a:endParaRPr lang="en-US"/>
+          </a:p>
+        </p:txBody>
+      </p:sp>
+      <p:cxnSp>
+        <p:nvCxnSpPr>
+          <p:cNvPr id="26" name="Straight Arrow Connector 25"/>
+          <p:cNvCxnSpPr/>
+          <p:nvPr/>
+        </p:nvCxnSpPr>
+        <p:spPr>
+          <a:xfrm>
+            <a:off x="3061047" y="3340298"/>
+            <a:ext cx="2539653" cy="698302"/>
+          </a:xfrm>
+          <a:prstGeom prst="straightConnector1">
+            <a:avLst/>
+          </a:prstGeom>
+          <a:ln w="19050">
+            <a:solidFill>
+              <a:schemeClr val="accent6">
+                <a:lumMod val="75000"/>
+              </a:schemeClr>
+            </a:solidFill>
+            <a:tailEnd type="arrow"/>
+          </a:ln>
+        </p:spPr>
+        <p:style>
+          <a:lnRef idx="1">
+            <a:schemeClr val="accent1"/>
+          </a:lnRef>
+          <a:fillRef idx="0">
+            <a:schemeClr val="accent1"/>
+          </a:fillRef>
+          <a:effectRef idx="0">
+            <a:schemeClr val="accent1"/>
+          </a:effectRef>
+          <a:fontRef idx="minor">
+            <a:schemeClr val="tx1"/>
+          </a:fontRef>
+        </p:style>
+      </p:cxnSp>
+      <p:sp>
+        <p:nvSpPr>
+          <p:cNvPr id="27" name="Oval 26"/>
+          <p:cNvSpPr/>
+          <p:nvPr/>
+        </p:nvSpPr>
+        <p:spPr>
+          <a:xfrm>
+            <a:off x="3190875" y="4495800"/>
+            <a:ext cx="381000" cy="381000"/>
+          </a:xfrm>
+          <a:prstGeom prst="ellipse">
+            <a:avLst/>
+          </a:prstGeom>
+          <a:solidFill>
+            <a:schemeClr val="accent6">
+              <a:lumMod val="75000"/>
+            </a:schemeClr>
+          </a:solidFill>
+          <a:ln>
+            <a:solidFill>
+              <a:schemeClr val="accent6">
+                <a:lumMod val="75000"/>
+              </a:schemeClr>
+            </a:solidFill>
+          </a:ln>
+        </p:spPr>
+        <p:style>
+          <a:lnRef idx="2">
+            <a:schemeClr val="accent1">
+              <a:shade val="50000"/>
+            </a:schemeClr>
+          </a:lnRef>
+          <a:fillRef idx="1">
+            <a:schemeClr val="accent1"/>
+          </a:fillRef>
+          <a:effectRef idx="0">
+            <a:schemeClr val="accent1"/>
+          </a:effectRef>
+          <a:fontRef idx="minor">
+            <a:schemeClr val="lt1"/>
+          </a:fontRef>
+        </p:style>
+        <p:txBody>
+          <a:bodyPr rtlCol="0" anchor="ctr"/>
+          <a:lstStyle/>
+          <a:p>
+            <a:pPr algn="ctr"/>
+            <a:endParaRPr lang="en-US"/>
+          </a:p>
+        </p:txBody>
+      </p:sp>
+      <p:cxnSp>
+        <p:nvCxnSpPr>
+          <p:cNvPr id="28" name="Straight Arrow Connector 27"/>
+          <p:cNvCxnSpPr/>
+          <p:nvPr/>
+        </p:nvCxnSpPr>
+        <p:spPr>
+          <a:xfrm flipV="1">
+            <a:off x="3381375" y="4038600"/>
+            <a:ext cx="2219325" cy="457200"/>
+          </a:xfrm>
+          <a:prstGeom prst="straightConnector1">
+            <a:avLst/>
+          </a:prstGeom>
+          <a:ln w="19050">
+            <a:solidFill>
+              <a:schemeClr val="accent6">
+                <a:lumMod val="75000"/>
+              </a:schemeClr>
+            </a:solidFill>
+            <a:tailEnd type="arrow"/>
+          </a:ln>
+        </p:spPr>
+        <p:style>
+          <a:lnRef idx="1">
+            <a:schemeClr val="accent1"/>
+          </a:lnRef>
+          <a:fillRef idx="0">
+            <a:schemeClr val="accent1"/>
+          </a:fillRef>
+          <a:effectRef idx="0">
+            <a:schemeClr val="accent1"/>
+          </a:effectRef>
+          <a:fontRef idx="minor">
+            <a:schemeClr val="tx1"/>
+          </a:fontRef>
+        </p:style>
+      </p:cxnSp>
+      <p:cxnSp>
+        <p:nvCxnSpPr>
+          <p:cNvPr id="29" name="Straight Arrow Connector 28"/>
+          <p:cNvCxnSpPr/>
+          <p:nvPr/>
+        </p:nvCxnSpPr>
+        <p:spPr>
+          <a:xfrm>
+            <a:off x="2172964" y="3686175"/>
+            <a:ext cx="3427736" cy="352425"/>
+          </a:xfrm>
+          <a:prstGeom prst="straightConnector1">
+            <a:avLst/>
+          </a:prstGeom>
+          <a:ln w="19050">
+            <a:solidFill>
+              <a:schemeClr val="accent6">
+                <a:lumMod val="75000"/>
+              </a:schemeClr>
+            </a:solidFill>
+            <a:tailEnd type="arrow"/>
+          </a:ln>
+        </p:spPr>
+        <p:style>
+          <a:lnRef idx="1">
+            <a:schemeClr val="accent1"/>
+          </a:lnRef>
+          <a:fillRef idx="0">
+            <a:schemeClr val="accent1"/>
+          </a:fillRef>
+          <a:effectRef idx="0">
+            <a:schemeClr val="accent1"/>
+          </a:effectRef>
+          <a:fontRef idx="minor">
+            <a:schemeClr val="tx1"/>
+          </a:fontRef>
+        </p:style>
+      </p:cxnSp>
+      <p:sp>
+        <p:nvSpPr>
+          <p:cNvPr id="32" name="Oval 31"/>
+          <p:cNvSpPr/>
+          <p:nvPr/>
+        </p:nvSpPr>
+        <p:spPr>
+          <a:xfrm>
+            <a:off x="2053877" y="3686175"/>
+            <a:ext cx="381000" cy="381000"/>
+          </a:xfrm>
+          <a:prstGeom prst="ellipse">
+            <a:avLst/>
+          </a:prstGeom>
+          <a:solidFill>
+            <a:schemeClr val="accent6">
+              <a:lumMod val="75000"/>
+            </a:schemeClr>
+          </a:solidFill>
+          <a:ln>
+            <a:solidFill>
+              <a:schemeClr val="accent6">
+                <a:lumMod val="75000"/>
+              </a:schemeClr>
+            </a:solidFill>
+          </a:ln>
+        </p:spPr>
+        <p:style>
+          <a:lnRef idx="2">
+            <a:schemeClr val="accent1">
+              <a:shade val="50000"/>
+            </a:schemeClr>
+          </a:lnRef>
+          <a:fillRef idx="1">
+            <a:schemeClr val="accent1"/>
+          </a:fillRef>
+          <a:effectRef idx="0">
+            <a:schemeClr val="accent1"/>
+          </a:effectRef>
+          <a:fontRef idx="minor">
+            <a:schemeClr val="lt1"/>
+          </a:fontRef>
+        </p:style>
+        <p:txBody>
+          <a:bodyPr rtlCol="0" anchor="ctr"/>
+          <a:lstStyle/>
+          <a:p>
+            <a:pPr algn="ctr"/>
+            <a:endParaRPr lang="en-US"/>
+          </a:p>
+        </p:txBody>
+      </p:sp>
+      <p:sp>
+        <p:nvSpPr>
+          <p:cNvPr id="19" name="Oval 18"/>
+          <p:cNvSpPr/>
+          <p:nvPr/>
+        </p:nvSpPr>
+        <p:spPr>
+          <a:xfrm>
+            <a:off x="1828800" y="2895600"/>
+            <a:ext cx="2286000" cy="2209800"/>
+          </a:xfrm>
+          <a:prstGeom prst="ellipse">
+            <a:avLst/>
+          </a:prstGeom>
+          <a:noFill/>
+          <a:ln>
+            <a:solidFill>
+              <a:schemeClr val="bg1">
+                <a:lumMod val="50000"/>
+              </a:schemeClr>
+            </a:solidFill>
+            <a:prstDash val="dash"/>
+          </a:ln>
+        </p:spPr>
+        <p:style>
+          <a:lnRef idx="2">
+            <a:schemeClr val="accent1">
+              <a:shade val="50000"/>
+            </a:schemeClr>
+          </a:lnRef>
+          <a:fillRef idx="1">
+            <a:schemeClr val="accent1"/>
+          </a:fillRef>
+          <a:effectRef idx="0">
+            <a:schemeClr val="accent1"/>
+          </a:effectRef>
+          <a:fontRef idx="minor">
+            <a:schemeClr val="lt1"/>
+          </a:fontRef>
+        </p:style>
+        <p:txBody>
+          <a:bodyPr rtlCol="0" anchor="ctr"/>
+          <a:lstStyle/>
+          <a:p>
+            <a:pPr algn="ctr"/>
+            <a:endParaRPr lang="en-US"/>
+          </a:p>
+        </p:txBody>
+      </p:sp>
+      <p:cxnSp>
+        <p:nvCxnSpPr>
+          <p:cNvPr id="33" name="Straight Arrow Connector 32"/>
+          <p:cNvCxnSpPr>
+            <a:stCxn id="19" idx="0"/>
+          </p:cNvCxnSpPr>
+          <p:nvPr/>
+        </p:nvCxnSpPr>
+        <p:spPr>
+          <a:xfrm>
+            <a:off x="2971800" y="2895600"/>
+            <a:ext cx="2628900" cy="0"/>
+          </a:xfrm>
+          <a:prstGeom prst="straightConnector1">
+            <a:avLst/>
+          </a:prstGeom>
+          <a:ln w="19050">
+            <a:solidFill>
+              <a:schemeClr val="bg1">
+                <a:lumMod val="50000"/>
+              </a:schemeClr>
+            </a:solidFill>
+            <a:tailEnd type="arrow"/>
+          </a:ln>
+        </p:spPr>
+        <p:style>
+          <a:lnRef idx="1">
+            <a:schemeClr val="accent1"/>
+          </a:lnRef>
+          <a:fillRef idx="0">
+            <a:schemeClr val="accent1"/>
+          </a:fillRef>
+          <a:effectRef idx="0">
+            <a:schemeClr val="accent1"/>
+          </a:effectRef>
+          <a:fontRef idx="minor">
+            <a:schemeClr val="tx1"/>
+          </a:fontRef>
+        </p:style>
+      </p:cxnSp>
+      <mc:AlternateContent xmlns:mc="http://schemas.openxmlformats.org/markup-compatibility/2006">
+        <mc:Choice xmlns:a14="http://schemas.microsoft.com/office/drawing/2010/main" Requires="a14">
+          <p:sp>
+            <p:nvSpPr>
+              <p:cNvPr id="34" name="TextBox 33"/>
+              <p:cNvSpPr txBox="1"/>
+              <p:nvPr/>
+            </p:nvSpPr>
+            <p:spPr>
+              <a:xfrm>
+                <a:off x="5572125" y="2741711"/>
+                <a:ext cx="1803314" cy="1078180"/>
+              </a:xfrm>
+              <a:prstGeom prst="rect">
+                <a:avLst/>
+              </a:prstGeom>
+              <a:noFill/>
+            </p:spPr>
+            <p:txBody>
+              <a:bodyPr wrap="none" rtlCol="0">
+                <a:spAutoFit/>
+              </a:bodyPr>
+              <a:lstStyle/>
+              <a:p>
+                <a:r>
+                  <a:rPr lang="en-US" sz="1400" b="1" dirty="0" smtClean="0"/>
+                  <a:t>Sampling Distribution</a:t>
+                </a:r>
+              </a:p>
+              <a:p>
+                <a:r>
+                  <a:rPr lang="en-US" sz="1400" dirty="0" smtClean="0"/>
+                  <a:t>    </a:t>
+                </a:r>
+                <a14:m>
+                  <m:oMath xmlns:m="http://schemas.openxmlformats.org/officeDocument/2006/math">
+                    <m:r>
+                      <a:rPr lang="en-US" sz="1400" b="0" i="1">
+                        <a:latin typeface="Cambria Math"/>
+                      </a:rPr>
+                      <m:t>µ</m:t>
+                    </m:r>
+                  </m:oMath>
+                </a14:m>
+                <a:r>
+                  <a:rPr lang="en-US" sz="1400" dirty="0" smtClean="0"/>
+                  <a:t>     = </a:t>
+                </a:r>
+                <a14:m>
+                  <m:oMath xmlns:m="http://schemas.openxmlformats.org/officeDocument/2006/math">
+                    <m:r>
+                      <a:rPr lang="en-US" sz="1400" b="0" i="1">
+                        <a:latin typeface="Cambria Math"/>
+                      </a:rPr>
+                      <m:t>µ</m:t>
+                    </m:r>
+                  </m:oMath>
+                </a14:m>
+                <a:r>
+                  <a:rPr lang="en-US" sz="1400" b="0" dirty="0" smtClean="0"/>
+                  <a:t>   </a:t>
+                </a:r>
+                <a:r>
+                  <a:rPr lang="en-US" sz="1400" b="1" dirty="0" smtClean="0"/>
+                  <a:t>(mean)</a:t>
+                </a:r>
+              </a:p>
+              <a:p>
+                <a:endParaRPr lang="en-US" sz="1400" b="0" dirty="0" smtClean="0"/>
+              </a:p>
+              <a:p>
+                <a:r>
+                  <a:rPr lang="en-US" sz="1400" dirty="0"/>
+                  <a:t> </a:t>
+                </a:r>
+                <a:r>
+                  <a:rPr lang="en-US" sz="1400" dirty="0" smtClean="0"/>
+                  <a:t>   </a:t>
+                </a:r>
+                <a:r>
+                  <a:rPr lang="vi-VN" sz="1400" dirty="0" smtClean="0"/>
+                  <a:t>σ</a:t>
+                </a:r>
+                <a:r>
+                  <a:rPr lang="en-US" sz="1400" dirty="0" smtClean="0"/>
+                  <a:t>    = </a:t>
+                </a:r>
+                <a14:m>
+                  <m:oMath xmlns:m="http://schemas.openxmlformats.org/officeDocument/2006/math">
+                    <m:f>
+                      <m:fPr>
+                        <m:ctrlPr>
+                          <a:rPr lang="en-US" sz="1400" i="1" dirty="0" smtClean="0">
+                            <a:latin typeface="Cambria Math"/>
+                          </a:rPr>
+                        </m:ctrlPr>
+                      </m:fPr>
+                      <m:num>
+                        <m:r>
+                          <m:rPr>
+                            <m:nor/>
+                          </m:rPr>
+                          <a:rPr lang="vi-VN" sz="1400" dirty="0"/>
+                          <m:t>σ</m:t>
+                        </m:r>
+                      </m:num>
+                      <m:den>
+                        <m:rad>
+                          <m:radPr>
+                            <m:degHide m:val="on"/>
+                            <m:ctrlPr>
+                              <a:rPr lang="en-US" sz="1400" i="1" dirty="0" smtClean="0">
+                                <a:latin typeface="Cambria Math"/>
+                              </a:rPr>
+                            </m:ctrlPr>
+                          </m:radPr>
+                          <m:deg/>
+                          <m:e>
+                            <m:r>
+                              <a:rPr lang="en-US" sz="1400" b="0" i="1" dirty="0" smtClean="0">
+                                <a:latin typeface="Cambria Math"/>
+                              </a:rPr>
+                              <m:t>𝑛</m:t>
+                            </m:r>
+                          </m:e>
+                        </m:rad>
+                      </m:den>
+                    </m:f>
+                  </m:oMath>
+                </a14:m>
+                <a:r>
+                  <a:rPr lang="en-US" sz="1400" dirty="0" smtClean="0"/>
+                  <a:t>  </a:t>
+                </a:r>
+                <a:r>
+                  <a:rPr lang="en-US" sz="1400" b="1" dirty="0" smtClean="0"/>
+                  <a:t>(std. dev)</a:t>
+                </a:r>
+                <a:endParaRPr lang="en-US" sz="1400" b="1" dirty="0"/>
+              </a:p>
+            </p:txBody>
+          </p:sp>
+        </mc:Choice>
+        <mc:Fallback>
+          <p:sp>
+            <p:nvSpPr>
+              <p:cNvPr id="34" name="TextBox 33"/>
+              <p:cNvSpPr txBox="1">
+                <a:spLocks noRot="1" noChangeAspect="1" noMove="1" noResize="1" noEditPoints="1" noAdjustHandles="1" noChangeArrowheads="1" noChangeShapeType="1" noTextEdit="1"/>
+              </p:cNvSpPr>
+              <p:nvPr/>
+            </p:nvSpPr>
+            <p:spPr>
+              <a:xfrm>
+                <a:off x="5572125" y="2741711"/>
+                <a:ext cx="1803314" cy="1078180"/>
+              </a:xfrm>
+              <a:prstGeom prst="rect">
+                <a:avLst/>
+              </a:prstGeom>
+              <a:blipFill rotWithShape="1">
+                <a:blip r:embed="rId2"/>
+                <a:stretch>
+                  <a:fillRect l="-676" t="-565" r="-338"/>
+                </a:stretch>
+              </a:blipFill>
+            </p:spPr>
+            <p:txBody>
+              <a:bodyPr/>
+              <a:lstStyle/>
+              <a:p>
+                <a:r>
+                  <a:rPr lang="en-US">
+                    <a:noFill/>
+                  </a:rPr>
+                  <a:t> </a:t>
+                </a:r>
+              </a:p>
+            </p:txBody>
+          </p:sp>
+        </mc:Fallback>
+      </mc:AlternateContent>
+      <p:sp>
+        <p:nvSpPr>
+          <p:cNvPr id="35" name="TextBox 34"/>
+          <p:cNvSpPr txBox="1"/>
+          <p:nvPr/>
+        </p:nvSpPr>
+        <p:spPr>
+          <a:xfrm>
+            <a:off x="5796481" y="1532691"/>
+            <a:ext cx="3157916" cy="738664"/>
+          </a:xfrm>
+          <a:prstGeom prst="rect">
+            <a:avLst/>
+          </a:prstGeom>
+          <a:noFill/>
+        </p:spPr>
+        <p:txBody>
+          <a:bodyPr wrap="none" rtlCol="0">
+            <a:spAutoFit/>
+          </a:bodyPr>
+          <a:lstStyle/>
+          <a:p>
+            <a:r>
+              <a:rPr lang="en-US" sz="1400" dirty="0" smtClean="0">
+                <a:solidFill>
+                  <a:srgbClr val="00B050"/>
+                </a:solidFill>
+              </a:rPr>
+              <a:t>A collection of randomly chosen samples</a:t>
+            </a:r>
+          </a:p>
+          <a:p>
+            <a:r>
+              <a:rPr lang="en-US" sz="1400" dirty="0" smtClean="0">
+                <a:solidFill>
+                  <a:srgbClr val="00B050"/>
+                </a:solidFill>
+              </a:rPr>
+              <a:t>in a population is called a sampling</a:t>
+            </a:r>
+          </a:p>
+          <a:p>
+            <a:r>
+              <a:rPr lang="en-US" sz="1400" dirty="0" smtClean="0">
+                <a:solidFill>
+                  <a:srgbClr val="00B050"/>
+                </a:solidFill>
+              </a:rPr>
+              <a:t>distribution.</a:t>
+            </a:r>
+            <a:endParaRPr lang="en-US" sz="1400" dirty="0">
+              <a:solidFill>
+                <a:srgbClr val="00B050"/>
+              </a:solidFill>
+            </a:endParaRPr>
+          </a:p>
+        </p:txBody>
+      </p:sp>
+      <p:cxnSp>
+        <p:nvCxnSpPr>
+          <p:cNvPr id="36" name="Curved Connector 35"/>
+          <p:cNvCxnSpPr/>
+          <p:nvPr/>
+        </p:nvCxnSpPr>
+        <p:spPr>
+          <a:xfrm rot="5400000">
+            <a:off x="6152029" y="2352364"/>
+            <a:ext cx="470356" cy="283394"/>
+          </a:xfrm>
+          <a:prstGeom prst="curvedConnector3">
+            <a:avLst/>
+          </a:prstGeom>
+          <a:ln>
+            <a:solidFill>
+              <a:srgbClr val="00B050"/>
+            </a:solidFill>
+            <a:tailEnd type="arrow"/>
+          </a:ln>
+        </p:spPr>
+        <p:style>
+          <a:lnRef idx="1">
+            <a:schemeClr val="accent1"/>
+          </a:lnRef>
+          <a:fillRef idx="0">
+            <a:schemeClr val="accent1"/>
+          </a:fillRef>
+          <a:effectRef idx="0">
+            <a:schemeClr val="accent1"/>
+          </a:effectRef>
+          <a:fontRef idx="minor">
+            <a:schemeClr val="tx1"/>
+          </a:fontRef>
+        </p:style>
+      </p:cxnSp>
+      <p:sp>
+        <p:nvSpPr>
+          <p:cNvPr id="38" name="Rectangle 37"/>
+          <p:cNvSpPr/>
+          <p:nvPr/>
+        </p:nvSpPr>
+        <p:spPr>
+          <a:xfrm>
+            <a:off x="2867025" y="3049488"/>
+            <a:ext cx="336952" cy="369332"/>
+          </a:xfrm>
+          <a:prstGeom prst="rect">
+            <a:avLst/>
+          </a:prstGeom>
+        </p:spPr>
+        <p:txBody>
+          <a:bodyPr wrap="none">
+            <a:spAutoFit/>
+          </a:bodyPr>
+          <a:lstStyle/>
+          <a:p>
+            <a:r>
+              <a:rPr lang="en-US" dirty="0"/>
+              <a:t> x̅</a:t>
+            </a:r>
+          </a:p>
+        </p:txBody>
+      </p:sp>
+      <p:sp>
+        <p:nvSpPr>
+          <p:cNvPr id="39" name="Rectangle 38"/>
+          <p:cNvSpPr/>
+          <p:nvPr/>
+        </p:nvSpPr>
+        <p:spPr>
+          <a:xfrm>
+            <a:off x="2075901" y="3402568"/>
+            <a:ext cx="336952" cy="369332"/>
+          </a:xfrm>
+          <a:prstGeom prst="rect">
+            <a:avLst/>
+          </a:prstGeom>
+        </p:spPr>
+        <p:txBody>
+          <a:bodyPr wrap="none">
+            <a:spAutoFit/>
+          </a:bodyPr>
+          <a:lstStyle/>
+          <a:p>
+            <a:r>
+              <a:rPr lang="en-US" dirty="0" smtClean="0"/>
+              <a:t> x̅</a:t>
+            </a:r>
+            <a:endParaRPr lang="en-US" dirty="0"/>
+          </a:p>
+        </p:txBody>
+      </p:sp>
+      <p:sp>
+        <p:nvSpPr>
+          <p:cNvPr id="40" name="Rectangle 39"/>
+          <p:cNvSpPr/>
+          <p:nvPr/>
+        </p:nvSpPr>
+        <p:spPr>
+          <a:xfrm>
+            <a:off x="2853923" y="3715464"/>
+            <a:ext cx="336952" cy="369332"/>
+          </a:xfrm>
+          <a:prstGeom prst="rect">
+            <a:avLst/>
+          </a:prstGeom>
+        </p:spPr>
+        <p:txBody>
+          <a:bodyPr wrap="none">
+            <a:spAutoFit/>
+          </a:bodyPr>
+          <a:lstStyle/>
+          <a:p>
+            <a:r>
+              <a:rPr lang="en-US" dirty="0"/>
+              <a:t> x̅</a:t>
+            </a:r>
+          </a:p>
+        </p:txBody>
+      </p:sp>
+      <p:sp>
+        <p:nvSpPr>
+          <p:cNvPr id="41" name="Rectangle 40"/>
+          <p:cNvSpPr/>
+          <p:nvPr/>
+        </p:nvSpPr>
+        <p:spPr>
+          <a:xfrm>
+            <a:off x="3203977" y="4185286"/>
+            <a:ext cx="336952" cy="369332"/>
+          </a:xfrm>
+          <a:prstGeom prst="rect">
+            <a:avLst/>
+          </a:prstGeom>
+        </p:spPr>
+        <p:txBody>
+          <a:bodyPr wrap="none">
+            <a:spAutoFit/>
+          </a:bodyPr>
+          <a:lstStyle/>
+          <a:p>
+            <a:r>
+              <a:rPr lang="en-US" dirty="0"/>
+              <a:t> x̅</a:t>
+            </a:r>
+          </a:p>
+        </p:txBody>
+      </p:sp>
+      <p:sp>
+        <p:nvSpPr>
+          <p:cNvPr id="42" name="TextBox 41"/>
+          <p:cNvSpPr txBox="1"/>
+          <p:nvPr/>
+        </p:nvSpPr>
+        <p:spPr>
+          <a:xfrm>
+            <a:off x="1017069" y="5565577"/>
+            <a:ext cx="1964256" cy="307777"/>
+          </a:xfrm>
+          <a:prstGeom prst="rect">
+            <a:avLst/>
+          </a:prstGeom>
+          <a:noFill/>
+        </p:spPr>
+        <p:txBody>
+          <a:bodyPr wrap="none" rtlCol="0">
+            <a:spAutoFit/>
+          </a:bodyPr>
+          <a:lstStyle/>
+          <a:p>
+            <a:r>
+              <a:rPr lang="en-US" sz="1400" dirty="0" smtClean="0">
+                <a:solidFill>
+                  <a:srgbClr val="00B050"/>
+                </a:solidFill>
+              </a:rPr>
+              <a:t>Each sample has a mean</a:t>
+            </a:r>
+            <a:endParaRPr lang="en-US" sz="1400" dirty="0">
+              <a:solidFill>
+                <a:srgbClr val="00B050"/>
+              </a:solidFill>
+            </a:endParaRPr>
+          </a:p>
+        </p:txBody>
+      </p:sp>
+      <p:cxnSp>
+        <p:nvCxnSpPr>
+          <p:cNvPr id="43" name="Curved Connector 42"/>
+          <p:cNvCxnSpPr/>
+          <p:nvPr/>
+        </p:nvCxnSpPr>
+        <p:spPr>
+          <a:xfrm rot="5400000" flipH="1" flipV="1">
+            <a:off x="1475482" y="4174034"/>
+            <a:ext cx="1584157" cy="1198929"/>
+          </a:xfrm>
+          <a:prstGeom prst="curvedConnector2">
+            <a:avLst/>
+          </a:prstGeom>
+          <a:ln>
+            <a:solidFill>
+              <a:srgbClr val="00B050"/>
+            </a:solidFill>
+            <a:tailEnd type="arrow"/>
+          </a:ln>
+        </p:spPr>
+        <p:style>
+          <a:lnRef idx="1">
+            <a:schemeClr val="accent1"/>
+          </a:lnRef>
+          <a:fillRef idx="0">
+            <a:schemeClr val="accent1"/>
+          </a:fillRef>
+          <a:effectRef idx="0">
+            <a:schemeClr val="accent1"/>
+          </a:effectRef>
+          <a:fontRef idx="minor">
+            <a:schemeClr val="tx1"/>
+          </a:fontRef>
+        </p:style>
+      </p:cxnSp>
+      <p:pic>
+        <p:nvPicPr>
+          <p:cNvPr id="45" name="Picture 2" descr="Image result for normal distribution image"/>
+          <p:cNvPicPr>
+            <a:picLocks noChangeAspect="1" noChangeArrowheads="1"/>
+          </p:cNvPicPr>
+          <p:nvPr/>
+        </p:nvPicPr>
+        <p:blipFill>
+          <a:blip r:embed="rId3" cstate="print">
+            <a:extLst>
+              <a:ext uri="{28A0092B-C50C-407E-A947-70E740481C1C}">
+                <a14:useLocalDpi xmlns:a14="http://schemas.microsoft.com/office/drawing/2010/main" val="0"/>
+              </a:ext>
+            </a:extLst>
+          </a:blip>
+          <a:srcRect/>
+          <a:stretch>
+            <a:fillRect/>
+          </a:stretch>
+        </p:blipFill>
+        <p:spPr bwMode="auto">
+          <a:xfrm>
+            <a:off x="5445082" y="5152714"/>
+            <a:ext cx="2057400" cy="1441280"/>
+          </a:xfrm>
+          <a:prstGeom prst="rect">
+            <a:avLst/>
+          </a:prstGeom>
+          <a:noFill/>
+          <a:extLst>
+            <a:ext uri="{909E8E84-426E-40DD-AFC4-6F175D3DCCD1}">
+              <a14:hiddenFill xmlns:a14="http://schemas.microsoft.com/office/drawing/2010/main">
+                <a:solidFill>
+                  <a:srgbClr val="FFFFFF"/>
+                </a:solidFill>
+              </a14:hiddenFill>
+            </a:ext>
+          </a:extLst>
+        </p:spPr>
+      </p:pic>
+      <p:sp>
+        <p:nvSpPr>
+          <p:cNvPr id="47" name="Rectangle 46"/>
+          <p:cNvSpPr/>
+          <p:nvPr/>
+        </p:nvSpPr>
+        <p:spPr>
+          <a:xfrm>
+            <a:off x="5796481" y="4082534"/>
+            <a:ext cx="299520" cy="369332"/>
+          </a:xfrm>
+          <a:prstGeom prst="rect">
+            <a:avLst/>
+          </a:prstGeom>
+        </p:spPr>
+        <p:txBody>
+          <a:bodyPr wrap="square">
+            <a:spAutoFit/>
+          </a:bodyPr>
+          <a:lstStyle/>
+          <a:p>
+            <a:r>
+              <a:rPr lang="en-US" dirty="0" smtClean="0"/>
+              <a:t>x̅</a:t>
+            </a:r>
+            <a:endParaRPr lang="en-US" dirty="0"/>
+          </a:p>
+        </p:txBody>
+      </p:sp>
+      <p:sp>
+        <p:nvSpPr>
+          <p:cNvPr id="48" name="Rectangle 47"/>
+          <p:cNvSpPr/>
+          <p:nvPr/>
+        </p:nvSpPr>
+        <p:spPr>
+          <a:xfrm>
+            <a:off x="6126638" y="4067175"/>
+            <a:ext cx="299520" cy="369332"/>
+          </a:xfrm>
+          <a:prstGeom prst="rect">
+            <a:avLst/>
+          </a:prstGeom>
+        </p:spPr>
+        <p:txBody>
+          <a:bodyPr wrap="square">
+            <a:spAutoFit/>
+          </a:bodyPr>
+          <a:lstStyle/>
+          <a:p>
+            <a:r>
+              <a:rPr lang="en-US" dirty="0" smtClean="0"/>
+              <a:t>x̅</a:t>
+            </a:r>
+            <a:endParaRPr lang="en-US" dirty="0"/>
+          </a:p>
+        </p:txBody>
+      </p:sp>
+      <p:sp>
+        <p:nvSpPr>
+          <p:cNvPr id="49" name="Rectangle 48"/>
+          <p:cNvSpPr/>
+          <p:nvPr/>
+        </p:nvSpPr>
+        <p:spPr>
+          <a:xfrm>
+            <a:off x="6465896" y="4076700"/>
+            <a:ext cx="299520" cy="369332"/>
+          </a:xfrm>
+          <a:prstGeom prst="rect">
+            <a:avLst/>
+          </a:prstGeom>
+        </p:spPr>
+        <p:txBody>
+          <a:bodyPr wrap="square">
+            <a:spAutoFit/>
+          </a:bodyPr>
+          <a:lstStyle/>
+          <a:p>
+            <a:r>
+              <a:rPr lang="en-US" dirty="0" smtClean="0"/>
+              <a:t>x̅</a:t>
+            </a:r>
+            <a:endParaRPr lang="en-US" dirty="0"/>
+          </a:p>
+        </p:txBody>
+      </p:sp>
+      <p:sp>
+        <p:nvSpPr>
+          <p:cNvPr id="50" name="Down Arrow 49"/>
+          <p:cNvSpPr/>
+          <p:nvPr/>
+        </p:nvSpPr>
+        <p:spPr>
+          <a:xfrm>
+            <a:off x="6246196" y="4495800"/>
+            <a:ext cx="455172" cy="381000"/>
+          </a:xfrm>
+          <a:prstGeom prst="downArrow">
+            <a:avLst/>
+          </a:prstGeom>
+          <a:solidFill>
+            <a:schemeClr val="bg1">
+              <a:lumMod val="50000"/>
+            </a:schemeClr>
+          </a:solidFill>
+          <a:ln>
+            <a:solidFill>
+              <a:schemeClr val="bg1">
+                <a:lumMod val="50000"/>
+              </a:schemeClr>
+            </a:solidFill>
+          </a:ln>
+        </p:spPr>
+        <p:style>
+          <a:lnRef idx="2">
+            <a:schemeClr val="accent1">
+              <a:shade val="50000"/>
+            </a:schemeClr>
+          </a:lnRef>
+          <a:fillRef idx="1">
+            <a:schemeClr val="accent1"/>
+          </a:fillRef>
+          <a:effectRef idx="0">
+            <a:schemeClr val="accent1"/>
+          </a:effectRef>
+          <a:fontRef idx="minor">
+            <a:schemeClr val="lt1"/>
+          </a:fontRef>
+        </p:style>
+        <p:txBody>
+          <a:bodyPr rtlCol="0" anchor="ctr"/>
+          <a:lstStyle/>
+          <a:p>
+            <a:pPr algn="ctr"/>
+            <a:endParaRPr lang="en-US"/>
+          </a:p>
+        </p:txBody>
+      </p:sp>
+      <p:sp>
+        <p:nvSpPr>
+          <p:cNvPr id="51" name="TextBox 50"/>
+          <p:cNvSpPr txBox="1"/>
+          <p:nvPr/>
+        </p:nvSpPr>
+        <p:spPr>
+          <a:xfrm>
+            <a:off x="6765416" y="4532411"/>
+            <a:ext cx="1810111" cy="307777"/>
+          </a:xfrm>
+          <a:prstGeom prst="rect">
+            <a:avLst/>
+          </a:prstGeom>
+          <a:noFill/>
+        </p:spPr>
+        <p:txBody>
+          <a:bodyPr wrap="none" rtlCol="0">
+            <a:spAutoFit/>
+          </a:bodyPr>
+          <a:lstStyle/>
+          <a:p>
+            <a:r>
+              <a:rPr lang="en-US" sz="1400" b="1" dirty="0" smtClean="0"/>
+              <a:t>Plot of Sample Means</a:t>
+            </a:r>
+            <a:endParaRPr lang="en-US" sz="1400" b="1" dirty="0"/>
+          </a:p>
+        </p:txBody>
+      </p:sp>
+      <p:sp>
+        <p:nvSpPr>
+          <p:cNvPr id="52" name="TextBox 51"/>
+          <p:cNvSpPr txBox="1"/>
+          <p:nvPr/>
+        </p:nvSpPr>
+        <p:spPr>
+          <a:xfrm>
+            <a:off x="5623848" y="5135463"/>
+            <a:ext cx="1840953" cy="307777"/>
+          </a:xfrm>
+          <a:prstGeom prst="rect">
+            <a:avLst/>
+          </a:prstGeom>
+          <a:noFill/>
+        </p:spPr>
+        <p:txBody>
+          <a:bodyPr wrap="none" rtlCol="0">
+            <a:spAutoFit/>
+          </a:bodyPr>
+          <a:lstStyle/>
+          <a:p>
+            <a:r>
+              <a:rPr lang="en-US" sz="1400" b="1" dirty="0" smtClean="0"/>
+              <a:t>Central Limit Theorem</a:t>
+            </a:r>
+            <a:endParaRPr lang="en-US" sz="1400" b="1" dirty="0"/>
+          </a:p>
+        </p:txBody>
+      </p:sp>
+      <p:sp>
+        <p:nvSpPr>
+          <p:cNvPr id="53" name="TextBox 52"/>
+          <p:cNvSpPr txBox="1"/>
+          <p:nvPr/>
+        </p:nvSpPr>
+        <p:spPr>
+          <a:xfrm>
+            <a:off x="2192793" y="6019800"/>
+            <a:ext cx="2758163" cy="738664"/>
+          </a:xfrm>
+          <a:prstGeom prst="rect">
+            <a:avLst/>
+          </a:prstGeom>
+          <a:noFill/>
+        </p:spPr>
+        <p:txBody>
+          <a:bodyPr wrap="square" rtlCol="0">
+            <a:spAutoFit/>
+          </a:bodyPr>
+          <a:lstStyle/>
+          <a:p>
+            <a:r>
+              <a:rPr lang="en-US" sz="1400" dirty="0" smtClean="0">
+                <a:solidFill>
+                  <a:srgbClr val="00B050"/>
+                </a:solidFill>
+              </a:rPr>
+              <a:t>As the number of samples increase,</a:t>
+            </a:r>
+          </a:p>
+          <a:p>
+            <a:r>
+              <a:rPr lang="en-US" sz="1400" dirty="0" smtClean="0">
+                <a:solidFill>
+                  <a:srgbClr val="00B050"/>
+                </a:solidFill>
+              </a:rPr>
+              <a:t>plot of the sample means will approach a </a:t>
+            </a:r>
+            <a:r>
+              <a:rPr lang="en-US" sz="1400" b="1" u="sng" dirty="0" smtClean="0">
+                <a:solidFill>
+                  <a:srgbClr val="00B050"/>
+                </a:solidFill>
+              </a:rPr>
+              <a:t>normal distribution</a:t>
+            </a:r>
+            <a:endParaRPr lang="en-US" sz="1400" b="1" u="sng" dirty="0">
+              <a:solidFill>
+                <a:srgbClr val="00B050"/>
+              </a:solidFill>
+            </a:endParaRPr>
+          </a:p>
+        </p:txBody>
+      </p:sp>
+      <p:cxnSp>
+        <p:nvCxnSpPr>
+          <p:cNvPr id="54" name="Curved Connector 53"/>
+          <p:cNvCxnSpPr/>
+          <p:nvPr/>
+        </p:nvCxnSpPr>
+        <p:spPr>
+          <a:xfrm flipV="1">
+            <a:off x="4864057" y="5954422"/>
+            <a:ext cx="581025" cy="238337"/>
+          </a:xfrm>
+          <a:prstGeom prst="curvedConnector3">
+            <a:avLst>
+              <a:gd name="adj1" fmla="val 50000"/>
+            </a:avLst>
+          </a:prstGeom>
+          <a:ln>
+            <a:solidFill>
+              <a:srgbClr val="00B050"/>
+            </a:solidFill>
+            <a:tailEnd type="arrow"/>
+          </a:ln>
+        </p:spPr>
+        <p:style>
+          <a:lnRef idx="1">
+            <a:schemeClr val="accent1"/>
+          </a:lnRef>
+          <a:fillRef idx="0">
+            <a:schemeClr val="accent1"/>
+          </a:fillRef>
+          <a:effectRef idx="0">
+            <a:schemeClr val="accent1"/>
+          </a:effectRef>
+          <a:fontRef idx="minor">
+            <a:schemeClr val="tx1"/>
+          </a:fontRef>
+        </p:style>
+      </p:cxnSp>
+      <p:sp>
+        <p:nvSpPr>
+          <p:cNvPr id="59" name="TextBox 58"/>
+          <p:cNvSpPr txBox="1"/>
+          <p:nvPr/>
+        </p:nvSpPr>
+        <p:spPr>
+          <a:xfrm>
+            <a:off x="7455276" y="5143070"/>
+            <a:ext cx="1772858" cy="1169551"/>
+          </a:xfrm>
+          <a:prstGeom prst="rect">
+            <a:avLst/>
+          </a:prstGeom>
+          <a:noFill/>
+        </p:spPr>
+        <p:txBody>
+          <a:bodyPr wrap="none" rtlCol="0">
+            <a:spAutoFit/>
+          </a:bodyPr>
+          <a:lstStyle/>
+          <a:p>
+            <a:r>
+              <a:rPr lang="en-US" sz="1400" dirty="0" smtClean="0">
+                <a:solidFill>
+                  <a:srgbClr val="00B050"/>
+                </a:solidFill>
+              </a:rPr>
+              <a:t>The </a:t>
+            </a:r>
+            <a:r>
+              <a:rPr lang="en-US" sz="1400" b="1" u="sng" dirty="0" smtClean="0">
+                <a:solidFill>
+                  <a:srgbClr val="00B050"/>
+                </a:solidFill>
+              </a:rPr>
+              <a:t>mean</a:t>
+            </a:r>
+            <a:r>
+              <a:rPr lang="en-US" sz="1400" dirty="0" smtClean="0">
+                <a:solidFill>
+                  <a:srgbClr val="00B050"/>
+                </a:solidFill>
+              </a:rPr>
+              <a:t> of a </a:t>
+            </a:r>
+            <a:br>
+              <a:rPr lang="en-US" sz="1400" dirty="0" smtClean="0">
+                <a:solidFill>
+                  <a:srgbClr val="00B050"/>
+                </a:solidFill>
+              </a:rPr>
+            </a:br>
+            <a:r>
+              <a:rPr lang="en-US" sz="1400" dirty="0" smtClean="0">
+                <a:solidFill>
+                  <a:srgbClr val="00B050"/>
+                </a:solidFill>
+              </a:rPr>
+              <a:t>sampling</a:t>
+            </a:r>
+            <a:r>
+              <a:rPr lang="en-US" sz="1400" dirty="0">
+                <a:solidFill>
+                  <a:srgbClr val="00B050"/>
+                </a:solidFill>
+              </a:rPr>
+              <a:t> </a:t>
+            </a:r>
+            <a:r>
+              <a:rPr lang="en-US" sz="1400" dirty="0" smtClean="0">
+                <a:solidFill>
+                  <a:srgbClr val="00B050"/>
+                </a:solidFill>
+              </a:rPr>
+              <a:t>distribution </a:t>
+            </a:r>
+            <a:br>
+              <a:rPr lang="en-US" sz="1400" dirty="0" smtClean="0">
+                <a:solidFill>
+                  <a:srgbClr val="00B050"/>
+                </a:solidFill>
+              </a:rPr>
+            </a:br>
+            <a:r>
+              <a:rPr lang="en-US" sz="1400" dirty="0" smtClean="0">
+                <a:solidFill>
+                  <a:srgbClr val="00B050"/>
+                </a:solidFill>
+              </a:rPr>
+              <a:t>will approach the</a:t>
+            </a:r>
+          </a:p>
+          <a:p>
+            <a:r>
+              <a:rPr lang="en-US" sz="1400" dirty="0" smtClean="0">
+                <a:solidFill>
+                  <a:srgbClr val="00B050"/>
+                </a:solidFill>
+              </a:rPr>
+              <a:t>mean of the </a:t>
+            </a:r>
+            <a:br>
+              <a:rPr lang="en-US" sz="1400" dirty="0" smtClean="0">
+                <a:solidFill>
+                  <a:srgbClr val="00B050"/>
+                </a:solidFill>
+              </a:rPr>
+            </a:br>
+            <a:r>
+              <a:rPr lang="en-US" sz="1400" dirty="0" smtClean="0">
+                <a:solidFill>
+                  <a:srgbClr val="00B050"/>
+                </a:solidFill>
+              </a:rPr>
+              <a:t>population.</a:t>
+            </a:r>
+            <a:endParaRPr lang="en-US" sz="1400" dirty="0">
+              <a:solidFill>
+                <a:srgbClr val="00B050"/>
+              </a:solidFill>
+            </a:endParaRPr>
+          </a:p>
+        </p:txBody>
+      </p:sp>
+      <p:sp>
+        <p:nvSpPr>
+          <p:cNvPr id="60" name="Rectangle 59"/>
+          <p:cNvSpPr/>
+          <p:nvPr/>
+        </p:nvSpPr>
+        <p:spPr>
+          <a:xfrm>
+            <a:off x="5901007" y="3049488"/>
+            <a:ext cx="299520" cy="369332"/>
+          </a:xfrm>
+          <a:prstGeom prst="rect">
+            <a:avLst/>
+          </a:prstGeom>
+        </p:spPr>
+        <p:txBody>
+          <a:bodyPr wrap="square">
+            <a:spAutoFit/>
+          </a:bodyPr>
+          <a:lstStyle/>
+          <a:p>
+            <a:r>
+              <a:rPr lang="en-US" sz="1200" b="1" dirty="0" smtClean="0"/>
+              <a:t>x</a:t>
+            </a:r>
+            <a:r>
+              <a:rPr lang="en-US" dirty="0" smtClean="0"/>
+              <a:t>̅</a:t>
+            </a:r>
+            <a:endParaRPr lang="en-US" dirty="0"/>
+          </a:p>
+        </p:txBody>
+      </p:sp>
+      <p:sp>
+        <p:nvSpPr>
+          <p:cNvPr id="62" name="Rectangle 61"/>
+          <p:cNvSpPr/>
+          <p:nvPr/>
+        </p:nvSpPr>
+        <p:spPr>
+          <a:xfrm>
+            <a:off x="5905710" y="3474005"/>
+            <a:ext cx="299520" cy="369332"/>
+          </a:xfrm>
+          <a:prstGeom prst="rect">
+            <a:avLst/>
+          </a:prstGeom>
+        </p:spPr>
+        <p:txBody>
+          <a:bodyPr wrap="square">
+            <a:spAutoFit/>
+          </a:bodyPr>
+          <a:lstStyle/>
+          <a:p>
+            <a:r>
+              <a:rPr lang="en-US" sz="1200" b="1" dirty="0" smtClean="0"/>
+              <a:t>x</a:t>
+            </a:r>
+            <a:r>
+              <a:rPr lang="en-US" dirty="0" smtClean="0"/>
+              <a:t>̅</a:t>
+            </a:r>
+            <a:endParaRPr lang="en-US" dirty="0"/>
+          </a:p>
+        </p:txBody>
+      </p:sp>
+    </p:spTree>
+    <p:extLst>
+      <p:ext uri="{BB962C8B-B14F-4D97-AF65-F5344CB8AC3E}">
+        <p14:creationId xmlns:p14="http://schemas.microsoft.com/office/powerpoint/2010/main" val="1155206845"/>
       </p:ext>
     </p:extLst>
   </p:cSld>

--- a/Presentations/Stats - Basics - Terms.pptx
+++ b/Presentations/Stats - Basics - Terms.pptx
@@ -3450,11 +3450,11 @@
             </a:br>
             <a:r>
               <a:rPr lang="en-US" dirty="0" smtClean="0"/>
-              <a:t>Mean, Median, Mode, Standard Deviation and </a:t>
-            </a:r>
-            <a:r>
-              <a:rPr lang="en-US" smtClean="0"/>
-              <a:t>Normal Distribution</a:t>
+              <a:t>Mean, Median, Mode, Standard </a:t>
+            </a:r>
+            <a:r>
+              <a:rPr lang="en-US" dirty="0" smtClean="0"/>
+              <a:t>Deviation, Normal and Sampling Distribution, and Z-Score</a:t>
             </a:r>
             <a:r>
               <a:rPr lang="en-US" dirty="0"/>
@@ -3898,13 +3898,6 @@
               </a:rPr>
               <a:t>    in a normal distribution.</a:t>
             </a:r>
-            <a:endParaRPr lang="en-US" sz="2400" b="1" dirty="0" smtClean="0">
-              <a:solidFill>
-                <a:schemeClr val="accent5">
-                  <a:lumMod val="75000"/>
-                </a:schemeClr>
-              </a:solidFill>
-            </a:endParaRPr>
           </a:p>
         </p:txBody>
       </p:sp>
@@ -4161,8 +4154,8 @@
           </a:p>
         </p:txBody>
       </p:sp>
-      <mc:AlternateContent xmlns:mc="http://schemas.openxmlformats.org/markup-compatibility/2006">
-        <mc:Choice xmlns:a14="http://schemas.microsoft.com/office/drawing/2010/main" Requires="a14">
+      <mc:AlternateContent xmlns:mc="http://schemas.openxmlformats.org/markup-compatibility/2006" xmlns:a14="http://schemas.microsoft.com/office/drawing/2010/main">
+        <mc:Choice Requires="a14">
           <p:sp>
             <p:nvSpPr>
               <p:cNvPr id="61" name="TextBox 60"/>
@@ -4258,7 +4251,7 @@
             </p:txBody>
           </p:sp>
         </mc:Choice>
-        <mc:Fallback>
+        <mc:Fallback xmlns="">
           <p:sp>
             <p:nvSpPr>
               <p:cNvPr id="61" name="TextBox 60"/>
@@ -4330,8 +4323,8 @@
           </a:p>
         </p:txBody>
       </p:sp>
-      <mc:AlternateContent xmlns:mc="http://schemas.openxmlformats.org/markup-compatibility/2006">
-        <mc:Choice xmlns:a14="http://schemas.microsoft.com/office/drawing/2010/main" Requires="a14">
+      <mc:AlternateContent xmlns:mc="http://schemas.openxmlformats.org/markup-compatibility/2006" xmlns:a14="http://schemas.microsoft.com/office/drawing/2010/main">
+        <mc:Choice Requires="a14">
           <p:sp>
             <p:nvSpPr>
               <p:cNvPr id="15" name="Rectangle 14"/>
@@ -4353,6 +4346,7 @@
               </a:bodyPr>
               <a:lstStyle/>
               <a:p>
+                <a:pPr/>
                 <a14:m>
                   <m:oMathPara xmlns:m="http://schemas.openxmlformats.org/officeDocument/2006/math">
                     <m:oMathParaPr>
@@ -4373,7 +4367,7 @@
             </p:txBody>
           </p:sp>
         </mc:Choice>
-        <mc:Fallback>
+        <mc:Fallback xmlns="">
           <p:sp>
             <p:nvSpPr>
               <p:cNvPr id="15" name="Rectangle 14"/>
@@ -4576,7 +4570,36 @@
                   </a:schemeClr>
                 </a:solidFill>
               </a:rPr>
-              <a:t>of a </a:t>
+              <a:t>of a normal distribution can be looked up in the </a:t>
+            </a:r>
+            <a:r>
+              <a:rPr lang="en-US" sz="2400" b="1" dirty="0" smtClean="0">
+                <a:solidFill>
+                  <a:schemeClr val="accent6">
+                    <a:lumMod val="75000"/>
+                  </a:schemeClr>
+                </a:solidFill>
+              </a:rPr>
+              <a:t>Standard Normal</a:t>
+            </a:r>
+            <a:br>
+              <a:rPr lang="en-US" sz="2400" b="1" dirty="0" smtClean="0">
+                <a:solidFill>
+                  <a:schemeClr val="accent6">
+                    <a:lumMod val="75000"/>
+                  </a:schemeClr>
+                </a:solidFill>
+              </a:rPr>
+            </a:br>
+            <a:r>
+              <a:rPr lang="en-US" sz="2400" b="1" dirty="0" smtClean="0">
+                <a:solidFill>
+                  <a:schemeClr val="accent6">
+                    <a:lumMod val="75000"/>
+                  </a:schemeClr>
+                </a:solidFill>
+              </a:rPr>
+              <a:t>Probabilities Table</a:t>
             </a:r>
             <a:r>
               <a:rPr lang="en-US" sz="2400" b="1" dirty="0" smtClean="0">
@@ -4586,59 +4609,31 @@
                   </a:schemeClr>
                 </a:solidFill>
               </a:rPr>
-              <a:t>normal distribution can be looked up in the </a:t>
-            </a:r>
-            <a:r>
-              <a:rPr lang="en-US" sz="2400" b="1" dirty="0" smtClean="0">
-                <a:solidFill>
-                  <a:schemeClr val="accent6">
-                    <a:lumMod val="75000"/>
-                  </a:schemeClr>
-                </a:solidFill>
-              </a:rPr>
-              <a:t>Standard Normal</a:t>
-            </a:r>
-            <a:br>
-              <a:rPr lang="en-US" sz="2400" b="1" dirty="0" smtClean="0">
-                <a:solidFill>
-                  <a:schemeClr val="accent6">
-                    <a:lumMod val="75000"/>
-                  </a:schemeClr>
-                </a:solidFill>
-              </a:rPr>
-            </a:br>
-            <a:r>
-              <a:rPr lang="en-US" sz="2400" b="1" dirty="0" smtClean="0">
-                <a:solidFill>
-                  <a:schemeClr val="accent6">
-                    <a:lumMod val="75000"/>
-                  </a:schemeClr>
-                </a:solidFill>
-              </a:rPr>
-              <a:t>Probabilities Table</a:t>
-            </a:r>
-            <a:r>
-              <a:rPr lang="en-US" sz="2400" b="1" dirty="0" smtClean="0">
+              <a:t> </a:t>
+            </a:r>
+            <a:r>
+              <a:rPr lang="en-US" sz="2400" b="1" dirty="0">
                 <a:solidFill>
                   <a:schemeClr val="accent5">
                     <a:lumMod val="75000"/>
                   </a:schemeClr>
                 </a:solidFill>
               </a:rPr>
-              <a:t> </a:t>
-            </a:r>
-            <a:r>
-              <a:rPr lang="en-US" sz="2400" b="1" dirty="0">
+              <a:t>- </a:t>
+            </a:r>
+            <a:r>
+              <a:rPr lang="en-US" sz="1600" b="1" dirty="0">
                 <a:solidFill>
                   <a:schemeClr val="accent5">
                     <a:lumMod val="75000"/>
                   </a:schemeClr>
                 </a:solidFill>
-              </a:rPr>
-              <a:t>- </a:t>
-            </a:r>
-            <a:r>
-              <a:rPr lang="en-US" sz="1600" b="1" dirty="0">
+                <a:hlinkClick r:id="rId2"/>
+              </a:rPr>
+              <a:t>http://www.stat.ufl.edu/~</a:t>
+            </a:r>
+            <a:r>
+              <a:rPr lang="en-US" sz="1600" b="1" dirty="0" smtClean="0">
                 <a:solidFill>
                   <a:schemeClr val="accent5">
                     <a:lumMod val="75000"/>
@@ -4646,7 +4641,7 @@
                 </a:solidFill>
                 <a:hlinkClick r:id="rId2"/>
               </a:rPr>
-              <a:t>http://www.stat.ufl.edu/~</a:t>
+              <a:t>athienit/Tables/Ztable.pdf</a:t>
             </a:r>
             <a:r>
               <a:rPr lang="en-US" sz="1600" b="1" dirty="0" smtClean="0">
@@ -4655,27 +4650,9 @@
                     <a:lumMod val="75000"/>
                   </a:schemeClr>
                 </a:solidFill>
-                <a:hlinkClick r:id="rId2"/>
-              </a:rPr>
-              <a:t>athienit/Tables/Ztable.pdf</a:t>
-            </a:r>
-            <a:r>
-              <a:rPr lang="en-US" sz="1600" b="1" dirty="0" smtClean="0">
-                <a:solidFill>
-                  <a:schemeClr val="accent5">
-                    <a:lumMod val="75000"/>
-                  </a:schemeClr>
-                </a:solidFill>
               </a:rPr>
               <a:t> </a:t>
             </a:r>
-            <a:endParaRPr lang="en-US" sz="1600" b="1" dirty="0" smtClean="0">
-              <a:solidFill>
-                <a:schemeClr val="accent5">
-                  <a:lumMod val="75000"/>
-                </a:schemeClr>
-              </a:solidFill>
-            </a:endParaRPr>
           </a:p>
         </p:txBody>
       </p:sp>
@@ -4750,8 +4727,8 @@
           </a:p>
         </p:txBody>
       </p:sp>
-      <mc:AlternateContent xmlns:mc="http://schemas.openxmlformats.org/markup-compatibility/2006">
-        <mc:Choice xmlns:a14="http://schemas.microsoft.com/office/drawing/2010/main" Requires="a14">
+      <mc:AlternateContent xmlns:mc="http://schemas.openxmlformats.org/markup-compatibility/2006" xmlns:a14="http://schemas.microsoft.com/office/drawing/2010/main">
+        <mc:Choice Requires="a14">
           <p:sp>
             <p:nvSpPr>
               <p:cNvPr id="15" name="Rectangle 14"/>
@@ -4773,6 +4750,7 @@
               </a:bodyPr>
               <a:lstStyle/>
               <a:p>
+                <a:pPr/>
                 <a14:m>
                   <m:oMathPara xmlns:m="http://schemas.openxmlformats.org/officeDocument/2006/math">
                     <m:oMathParaPr>
@@ -4793,7 +4771,7 @@
             </p:txBody>
           </p:sp>
         </mc:Choice>
-        <mc:Fallback>
+        <mc:Fallback xmlns="">
           <p:sp>
             <p:nvSpPr>
               <p:cNvPr id="15" name="Rectangle 14"/>
@@ -5181,13 +5159,6 @@
               </a:rPr>
               <a:t>What is the probability the Robot can lift this pallet.</a:t>
             </a:r>
-            <a:endParaRPr lang="en-US" sz="2000" b="1" dirty="0" smtClean="0">
-              <a:solidFill>
-                <a:schemeClr val="accent5">
-                  <a:lumMod val="75000"/>
-                </a:schemeClr>
-              </a:solidFill>
-            </a:endParaRPr>
           </a:p>
         </p:txBody>
       </p:sp>
@@ -5535,8 +5506,8 @@
           </a:p>
         </p:txBody>
       </p:sp>
-      <mc:AlternateContent xmlns:mc="http://schemas.openxmlformats.org/markup-compatibility/2006">
-        <mc:Choice xmlns:a14="http://schemas.microsoft.com/office/drawing/2010/main" Requires="a14">
+      <mc:AlternateContent xmlns:mc="http://schemas.openxmlformats.org/markup-compatibility/2006" xmlns:a14="http://schemas.microsoft.com/office/drawing/2010/main">
+        <mc:Choice Requires="a14">
           <p:sp>
             <p:nvSpPr>
               <p:cNvPr id="23" name="TextBox 22"/>
@@ -5699,7 +5670,7 @@
             </p:txBody>
           </p:sp>
         </mc:Choice>
-        <mc:Fallback>
+        <mc:Fallback xmlns="">
           <p:sp>
             <p:nvSpPr>
               <p:cNvPr id="23" name="TextBox 22"/>
@@ -6107,8 +6078,8 @@
           </a:p>
         </p:txBody>
       </p:sp>
-      <mc:AlternateContent xmlns:mc="http://schemas.openxmlformats.org/markup-compatibility/2006">
-        <mc:Choice xmlns:a14="http://schemas.microsoft.com/office/drawing/2010/main" Requires="a14">
+      <mc:AlternateContent xmlns:mc="http://schemas.openxmlformats.org/markup-compatibility/2006" xmlns:a14="http://schemas.microsoft.com/office/drawing/2010/main">
+        <mc:Choice Requires="a14">
           <p:sp>
             <p:nvSpPr>
               <p:cNvPr id="35" name="TextBox 34"/>
@@ -6218,7 +6189,7 @@
             </p:txBody>
           </p:sp>
         </mc:Choice>
-        <mc:Fallback>
+        <mc:Fallback xmlns="">
           <p:sp>
             <p:nvSpPr>
               <p:cNvPr id="35" name="TextBox 34"/>
@@ -6376,8 +6347,8 @@
           </a:fontRef>
         </p:style>
       </p:cxnSp>
-      <mc:AlternateContent xmlns:mc="http://schemas.openxmlformats.org/markup-compatibility/2006">
-        <mc:Choice xmlns:a14="http://schemas.microsoft.com/office/drawing/2010/main" Requires="a14">
+      <mc:AlternateContent xmlns:mc="http://schemas.openxmlformats.org/markup-compatibility/2006" xmlns:a14="http://schemas.microsoft.com/office/drawing/2010/main">
+        <mc:Choice Requires="a14">
           <p:sp>
             <p:nvSpPr>
               <p:cNvPr id="29" name="TextBox 28"/>
@@ -6454,7 +6425,7 @@
             </p:txBody>
           </p:sp>
         </mc:Choice>
-        <mc:Fallback>
+        <mc:Fallback xmlns="">
           <p:sp>
             <p:nvSpPr>
               <p:cNvPr id="29" name="TextBox 28"/>
@@ -6779,8 +6750,8 @@
           </a:fontRef>
         </p:style>
       </p:cxnSp>
-      <mc:AlternateContent xmlns:mc="http://schemas.openxmlformats.org/markup-compatibility/2006">
-        <mc:Choice xmlns:a14="http://schemas.microsoft.com/office/drawing/2010/main" Requires="a14">
+      <mc:AlternateContent xmlns:mc="http://schemas.openxmlformats.org/markup-compatibility/2006" xmlns:a14="http://schemas.microsoft.com/office/drawing/2010/main">
+        <mc:Choice Requires="a14">
           <p:sp>
             <p:nvSpPr>
               <p:cNvPr id="4" name="TextBox 3"/>
@@ -7252,7 +7223,7 @@
             </p:txBody>
           </p:sp>
         </mc:Choice>
-        <mc:Fallback>
+        <mc:Fallback xmlns="">
           <p:sp>
             <p:nvSpPr>
               <p:cNvPr id="4" name="TextBox 3"/>
@@ -7291,8 +7262,8 @@
           </p:sp>
         </mc:Fallback>
       </mc:AlternateContent>
-      <mc:AlternateContent xmlns:mc="http://schemas.openxmlformats.org/markup-compatibility/2006">
-        <mc:Choice xmlns:a14="http://schemas.microsoft.com/office/drawing/2010/main" Requires="a14">
+      <mc:AlternateContent xmlns:mc="http://schemas.openxmlformats.org/markup-compatibility/2006" xmlns:a14="http://schemas.microsoft.com/office/drawing/2010/main">
+        <mc:Choice Requires="a14">
           <p:sp>
             <p:nvSpPr>
               <p:cNvPr id="6" name="TextBox 5"/>
@@ -7406,7 +7377,7 @@
             </p:txBody>
           </p:sp>
         </mc:Choice>
-        <mc:Fallback>
+        <mc:Fallback xmlns="">
           <p:sp>
             <p:nvSpPr>
               <p:cNvPr id="6" name="TextBox 5"/>
@@ -7478,8 +7449,8 @@
           </a:p>
         </p:txBody>
       </p:sp>
-      <mc:AlternateContent xmlns:mc="http://schemas.openxmlformats.org/markup-compatibility/2006">
-        <mc:Choice xmlns:a14="http://schemas.microsoft.com/office/drawing/2010/main" Requires="a14">
+      <mc:AlternateContent xmlns:mc="http://schemas.openxmlformats.org/markup-compatibility/2006" xmlns:a14="http://schemas.microsoft.com/office/drawing/2010/main">
+        <mc:Choice Requires="a14">
           <p:sp>
             <p:nvSpPr>
               <p:cNvPr id="8" name="TextBox 7"/>
@@ -7674,7 +7645,7 @@
             </p:txBody>
           </p:sp>
         </mc:Choice>
-        <mc:Fallback>
+        <mc:Fallback xmlns="">
           <p:sp>
             <p:nvSpPr>
               <p:cNvPr id="8" name="TextBox 7"/>
@@ -8057,8 +8028,8 @@
           </a:p>
         </p:txBody>
       </p:sp>
-      <mc:AlternateContent xmlns:mc="http://schemas.openxmlformats.org/markup-compatibility/2006">
-        <mc:Choice xmlns:a14="http://schemas.microsoft.com/office/drawing/2010/main" Requires="a14">
+      <mc:AlternateContent xmlns:mc="http://schemas.openxmlformats.org/markup-compatibility/2006" xmlns:a14="http://schemas.microsoft.com/office/drawing/2010/main">
+        <mc:Choice Requires="a14">
           <p:sp>
             <p:nvSpPr>
               <p:cNvPr id="19" name="TextBox 18"/>
@@ -8172,7 +8143,7 @@
             </p:txBody>
           </p:sp>
         </mc:Choice>
-        <mc:Fallback>
+        <mc:Fallback xmlns="">
           <p:sp>
             <p:nvSpPr>
               <p:cNvPr id="19" name="TextBox 18"/>
@@ -8244,8 +8215,8 @@
           </a:p>
         </p:txBody>
       </p:sp>
-      <mc:AlternateContent xmlns:mc="http://schemas.openxmlformats.org/markup-compatibility/2006">
-        <mc:Choice xmlns:a14="http://schemas.microsoft.com/office/drawing/2010/main" Requires="a14">
+      <mc:AlternateContent xmlns:mc="http://schemas.openxmlformats.org/markup-compatibility/2006" xmlns:a14="http://schemas.microsoft.com/office/drawing/2010/main">
+        <mc:Choice Requires="a14">
           <p:sp>
             <p:nvSpPr>
               <p:cNvPr id="21" name="TextBox 20"/>
@@ -8440,7 +8411,7 @@
             </p:txBody>
           </p:sp>
         </mc:Choice>
-        <mc:Fallback>
+        <mc:Fallback xmlns="">
           <p:sp>
             <p:nvSpPr>
               <p:cNvPr id="21" name="TextBox 20"/>
@@ -15525,8 +15496,8 @@
           </a:fontRef>
         </p:style>
       </p:cxnSp>
-      <mc:AlternateContent xmlns:mc="http://schemas.openxmlformats.org/markup-compatibility/2006">
-        <mc:Choice xmlns:a14="http://schemas.microsoft.com/office/drawing/2010/main" Requires="a14">
+      <mc:AlternateContent xmlns:mc="http://schemas.openxmlformats.org/markup-compatibility/2006" xmlns:a14="http://schemas.microsoft.com/office/drawing/2010/main">
+        <mc:Choice Requires="a14">
           <p:sp>
             <p:nvSpPr>
               <p:cNvPr id="34" name="TextBox 33"/>
@@ -15668,7 +15639,7 @@
             </p:txBody>
           </p:sp>
         </mc:Choice>
-        <mc:Fallback>
+        <mc:Fallback xmlns="">
           <p:sp>
             <p:nvSpPr>
               <p:cNvPr id="34" name="TextBox 33"/>

--- a/Presentations/Stats - Basics - Terms.pptx
+++ b/Presentations/Stats - Basics - Terms.pptx
@@ -5,7 +5,7 @@
     <p:sldMasterId id="2147483648" r:id="rId1"/>
   </p:sldMasterIdLst>
   <p:notesMasterIdLst>
-    <p:notesMasterId r:id="rId15"/>
+    <p:notesMasterId r:id="rId17"/>
   </p:notesMasterIdLst>
   <p:sldIdLst>
     <p:sldId id="256" r:id="rId2"/>
@@ -21,6 +21,8 @@
     <p:sldId id="291" r:id="rId12"/>
     <p:sldId id="292" r:id="rId13"/>
     <p:sldId id="290" r:id="rId14"/>
+    <p:sldId id="293" r:id="rId15"/>
+    <p:sldId id="294" r:id="rId16"/>
   </p:sldIdLst>
   <p:sldSz cx="9144000" cy="6858000" type="screen4x3"/>
   <p:notesSz cx="6858000" cy="9144000"/>
@@ -204,7 +206,7 @@
           <a:p>
             <a:fld id="{FAF957FC-5175-49AC-8D2B-2F056FFFC1DD}" type="datetimeFigureOut">
               <a:rPr lang="en-US" smtClean="0"/>
-              <a:t>7/19/2017</a:t>
+              <a:t>7/21/2017</a:t>
             </a:fld>
             <a:endParaRPr lang="en-US"/>
           </a:p>
@@ -654,7 +656,7 @@
             <a:fld id="{1D8BD707-D9CF-40AE-B4C6-C98DA3205C09}" type="datetimeFigureOut">
               <a:rPr lang="en-US" smtClean="0"/>
               <a:pPr/>
-              <a:t>7/19/2017</a:t>
+              <a:t>7/21/2017</a:t>
             </a:fld>
             <a:endParaRPr lang="en-US"/>
           </a:p>
@@ -821,7 +823,7 @@
             <a:fld id="{1D8BD707-D9CF-40AE-B4C6-C98DA3205C09}" type="datetimeFigureOut">
               <a:rPr lang="en-US" smtClean="0"/>
               <a:pPr/>
-              <a:t>7/19/2017</a:t>
+              <a:t>7/21/2017</a:t>
             </a:fld>
             <a:endParaRPr lang="en-US"/>
           </a:p>
@@ -998,7 +1000,7 @@
             <a:fld id="{1D8BD707-D9CF-40AE-B4C6-C98DA3205C09}" type="datetimeFigureOut">
               <a:rPr lang="en-US" smtClean="0"/>
               <a:pPr/>
-              <a:t>7/19/2017</a:t>
+              <a:t>7/21/2017</a:t>
             </a:fld>
             <a:endParaRPr lang="en-US"/>
           </a:p>
@@ -1165,7 +1167,7 @@
             <a:fld id="{1D8BD707-D9CF-40AE-B4C6-C98DA3205C09}" type="datetimeFigureOut">
               <a:rPr lang="en-US" smtClean="0"/>
               <a:pPr/>
-              <a:t>7/19/2017</a:t>
+              <a:t>7/21/2017</a:t>
             </a:fld>
             <a:endParaRPr lang="en-US"/>
           </a:p>
@@ -1408,7 +1410,7 @@
             <a:fld id="{1D8BD707-D9CF-40AE-B4C6-C98DA3205C09}" type="datetimeFigureOut">
               <a:rPr lang="en-US" smtClean="0"/>
               <a:pPr/>
-              <a:t>7/19/2017</a:t>
+              <a:t>7/21/2017</a:t>
             </a:fld>
             <a:endParaRPr lang="en-US"/>
           </a:p>
@@ -1693,7 +1695,7 @@
             <a:fld id="{1D8BD707-D9CF-40AE-B4C6-C98DA3205C09}" type="datetimeFigureOut">
               <a:rPr lang="en-US" smtClean="0"/>
               <a:pPr/>
-              <a:t>7/19/2017</a:t>
+              <a:t>7/21/2017</a:t>
             </a:fld>
             <a:endParaRPr lang="en-US"/>
           </a:p>
@@ -2112,7 +2114,7 @@
             <a:fld id="{1D8BD707-D9CF-40AE-B4C6-C98DA3205C09}" type="datetimeFigureOut">
               <a:rPr lang="en-US" smtClean="0"/>
               <a:pPr/>
-              <a:t>7/19/2017</a:t>
+              <a:t>7/21/2017</a:t>
             </a:fld>
             <a:endParaRPr lang="en-US"/>
           </a:p>
@@ -2227,7 +2229,7 @@
             <a:fld id="{1D8BD707-D9CF-40AE-B4C6-C98DA3205C09}" type="datetimeFigureOut">
               <a:rPr lang="en-US" smtClean="0"/>
               <a:pPr/>
-              <a:t>7/19/2017</a:t>
+              <a:t>7/21/2017</a:t>
             </a:fld>
             <a:endParaRPr lang="en-US"/>
           </a:p>
@@ -2319,7 +2321,7 @@
             <a:fld id="{1D8BD707-D9CF-40AE-B4C6-C98DA3205C09}" type="datetimeFigureOut">
               <a:rPr lang="en-US" smtClean="0"/>
               <a:pPr/>
-              <a:t>7/19/2017</a:t>
+              <a:t>7/21/2017</a:t>
             </a:fld>
             <a:endParaRPr lang="en-US"/>
           </a:p>
@@ -2593,7 +2595,7 @@
             <a:fld id="{1D8BD707-D9CF-40AE-B4C6-C98DA3205C09}" type="datetimeFigureOut">
               <a:rPr lang="en-US" smtClean="0"/>
               <a:pPr/>
-              <a:t>7/19/2017</a:t>
+              <a:t>7/21/2017</a:t>
             </a:fld>
             <a:endParaRPr lang="en-US"/>
           </a:p>
@@ -2843,7 +2845,7 @@
             <a:fld id="{1D8BD707-D9CF-40AE-B4C6-C98DA3205C09}" type="datetimeFigureOut">
               <a:rPr lang="en-US" smtClean="0"/>
               <a:pPr/>
-              <a:t>7/19/2017</a:t>
+              <a:t>7/21/2017</a:t>
             </a:fld>
             <a:endParaRPr lang="en-US"/>
           </a:p>
@@ -3053,7 +3055,7 @@
             <a:fld id="{1D8BD707-D9CF-40AE-B4C6-C98DA3205C09}" type="datetimeFigureOut">
               <a:rPr lang="en-US" smtClean="0"/>
               <a:pPr/>
-              <a:t>7/19/2017</a:t>
+              <a:t>7/21/2017</a:t>
             </a:fld>
             <a:endParaRPr lang="en-US"/>
           </a:p>
@@ -3450,11 +3452,7 @@
             </a:br>
             <a:r>
               <a:rPr lang="en-US" dirty="0" smtClean="0"/>
-              <a:t>Mean, Median, Mode, Standard </a:t>
-            </a:r>
-            <a:r>
-              <a:rPr lang="en-US" dirty="0" smtClean="0"/>
-              <a:t>Deviation, Normal and Sampling Distribution, and Z-Score</a:t>
+              <a:t>Mean, Median, Mode, Standard Deviation, Normal and Sampling Distribution, and Z-Score</a:t>
             </a:r>
             <a:r>
               <a:rPr lang="en-US" dirty="0"/>
@@ -8674,6 +8672,3025 @@
 </p:sld>
 </file>
 
+<file path=ppt/slides/slide14.xml><?xml version="1.0" encoding="utf-8"?>
+<p:sld xmlns:a="http://schemas.openxmlformats.org/drawingml/2006/main" xmlns:r="http://schemas.openxmlformats.org/officeDocument/2006/relationships" xmlns:p="http://schemas.openxmlformats.org/presentationml/2006/main">
+  <p:cSld>
+    <p:spTree>
+      <p:nvGrpSpPr>
+        <p:cNvPr id="1" name=""/>
+        <p:cNvGrpSpPr/>
+        <p:nvPr/>
+      </p:nvGrpSpPr>
+      <p:grpSpPr>
+        <a:xfrm>
+          <a:off x="0" y="0"/>
+          <a:ext cx="0" cy="0"/>
+          <a:chOff x="0" y="0"/>
+          <a:chExt cx="0" cy="0"/>
+        </a:xfrm>
+      </p:grpSpPr>
+      <p:sp>
+        <p:nvSpPr>
+          <p:cNvPr id="2" name="Title 1"/>
+          <p:cNvSpPr>
+            <a:spLocks noGrp="1"/>
+          </p:cNvSpPr>
+          <p:nvPr>
+            <p:ph type="title"/>
+          </p:nvPr>
+        </p:nvSpPr>
+        <p:spPr>
+          <a:xfrm>
+            <a:off x="457200" y="274638"/>
+            <a:ext cx="8305800" cy="792162"/>
+          </a:xfrm>
+        </p:spPr>
+        <p:txBody>
+          <a:bodyPr>
+            <a:normAutofit/>
+          </a:bodyPr>
+          <a:lstStyle/>
+          <a:p>
+            <a:pPr algn="l"/>
+            <a:r>
+              <a:rPr lang="en-US" dirty="0" smtClean="0">
+                <a:solidFill>
+                  <a:schemeClr val="accent1">
+                    <a:lumMod val="75000"/>
+                  </a:schemeClr>
+                </a:solidFill>
+              </a:rPr>
+              <a:t>Box (and Whisker) Plot</a:t>
+            </a:r>
+            <a:endParaRPr lang="en-US" dirty="0">
+              <a:solidFill>
+                <a:schemeClr val="accent1">
+                  <a:lumMod val="75000"/>
+                </a:schemeClr>
+              </a:solidFill>
+            </a:endParaRPr>
+          </a:p>
+        </p:txBody>
+      </p:sp>
+      <p:cxnSp>
+        <p:nvCxnSpPr>
+          <p:cNvPr id="5" name="Straight Connector 4"/>
+          <p:cNvCxnSpPr/>
+          <p:nvPr/>
+        </p:nvCxnSpPr>
+        <p:spPr>
+          <a:xfrm>
+            <a:off x="0" y="990600"/>
+            <a:ext cx="9144000" cy="0"/>
+          </a:xfrm>
+          <a:prstGeom prst="line">
+            <a:avLst/>
+          </a:prstGeom>
+          <a:ln w="19050"/>
+        </p:spPr>
+        <p:style>
+          <a:lnRef idx="1">
+            <a:schemeClr val="accent1"/>
+          </a:lnRef>
+          <a:fillRef idx="0">
+            <a:schemeClr val="accent1"/>
+          </a:fillRef>
+          <a:effectRef idx="0">
+            <a:schemeClr val="accent1"/>
+          </a:effectRef>
+          <a:fontRef idx="minor">
+            <a:schemeClr val="tx1"/>
+          </a:fontRef>
+        </p:style>
+      </p:cxnSp>
+      <p:sp>
+        <p:nvSpPr>
+          <p:cNvPr id="4" name="TextBox 3"/>
+          <p:cNvSpPr txBox="1"/>
+          <p:nvPr/>
+        </p:nvSpPr>
+        <p:spPr>
+          <a:xfrm>
+            <a:off x="76200" y="1066799"/>
+            <a:ext cx="8532272" cy="1569660"/>
+          </a:xfrm>
+          <a:prstGeom prst="rect">
+            <a:avLst/>
+          </a:prstGeom>
+          <a:noFill/>
+        </p:spPr>
+        <p:txBody>
+          <a:bodyPr wrap="none" rtlCol="0">
+            <a:spAutoFit/>
+          </a:bodyPr>
+          <a:lstStyle/>
+          <a:p>
+            <a:pPr marL="285750" indent="-285750">
+              <a:buFont typeface="Arial" panose="020B0604020202020204" pitchFamily="34" charset="0"/>
+              <a:buChar char="•"/>
+            </a:pPr>
+            <a:r>
+              <a:rPr lang="en-US" sz="2400" b="1" dirty="0" smtClean="0">
+                <a:solidFill>
+                  <a:schemeClr val="accent5">
+                    <a:lumMod val="75000"/>
+                  </a:schemeClr>
+                </a:solidFill>
+              </a:rPr>
+              <a:t>A method u</a:t>
+            </a:r>
+            <a:r>
+              <a:rPr lang="en-US" sz="2400" b="1" dirty="0" smtClean="0">
+                <a:solidFill>
+                  <a:schemeClr val="accent5">
+                    <a:lumMod val="75000"/>
+                  </a:schemeClr>
+                </a:solidFill>
+              </a:rPr>
+              <a:t>sed to </a:t>
+            </a:r>
+            <a:r>
+              <a:rPr lang="en-US" sz="2400" b="1" dirty="0" smtClean="0">
+                <a:solidFill>
+                  <a:schemeClr val="accent5">
+                    <a:lumMod val="75000"/>
+                  </a:schemeClr>
+                </a:solidFill>
+              </a:rPr>
+              <a:t>visualize the </a:t>
+            </a:r>
+            <a:r>
+              <a:rPr lang="en-US" sz="2400" b="1" dirty="0" smtClean="0">
+                <a:solidFill>
+                  <a:schemeClr val="accent6">
+                    <a:lumMod val="75000"/>
+                  </a:schemeClr>
+                </a:solidFill>
+              </a:rPr>
+              <a:t>spread</a:t>
+            </a:r>
+            <a:r>
+              <a:rPr lang="en-US" sz="2400" b="1" dirty="0" smtClean="0">
+                <a:solidFill>
+                  <a:schemeClr val="accent5">
+                    <a:lumMod val="75000"/>
+                  </a:schemeClr>
+                </a:solidFill>
+              </a:rPr>
+              <a:t> of data.</a:t>
+            </a:r>
+          </a:p>
+          <a:p>
+            <a:pPr marL="742950" lvl="1" indent="-285750">
+              <a:buFont typeface="Arial" panose="020B0604020202020204" pitchFamily="34" charset="0"/>
+              <a:buChar char="•"/>
+            </a:pPr>
+            <a:r>
+              <a:rPr lang="en-US" sz="2400" b="1" dirty="0">
+                <a:solidFill>
+                  <a:schemeClr val="accent5">
+                    <a:lumMod val="75000"/>
+                  </a:schemeClr>
+                </a:solidFill>
+              </a:rPr>
+              <a:t>Split the data into </a:t>
+            </a:r>
+            <a:r>
+              <a:rPr lang="en-US" sz="2400" b="1" dirty="0">
+                <a:solidFill>
+                  <a:schemeClr val="accent6">
+                    <a:lumMod val="75000"/>
+                  </a:schemeClr>
+                </a:solidFill>
+              </a:rPr>
+              <a:t>quartile</a:t>
+            </a:r>
+            <a:r>
+              <a:rPr lang="en-US" sz="2400" b="1" dirty="0">
+                <a:solidFill>
+                  <a:schemeClr val="accent5">
+                    <a:lumMod val="75000"/>
+                  </a:schemeClr>
+                </a:solidFill>
+              </a:rPr>
+              <a:t>s (quarters).</a:t>
+            </a:r>
+            <a:endParaRPr lang="en-US" sz="2400" b="1" dirty="0">
+              <a:solidFill>
+                <a:schemeClr val="accent6">
+                  <a:lumMod val="75000"/>
+                </a:schemeClr>
+              </a:solidFill>
+            </a:endParaRPr>
+          </a:p>
+          <a:p>
+            <a:pPr marL="742950" lvl="1" indent="-285750">
+              <a:buFont typeface="Arial" panose="020B0604020202020204" pitchFamily="34" charset="0"/>
+              <a:buChar char="•"/>
+            </a:pPr>
+            <a:r>
+              <a:rPr lang="en-US" sz="2400" b="1" dirty="0" smtClean="0">
+                <a:solidFill>
+                  <a:schemeClr val="accent5">
+                    <a:lumMod val="75000"/>
+                  </a:schemeClr>
+                </a:solidFill>
+              </a:rPr>
+              <a:t>A box is drawn around the middle two quartiles (1</a:t>
+            </a:r>
+            <a:r>
+              <a:rPr lang="en-US" sz="2400" b="1" baseline="30000" dirty="0" smtClean="0">
+                <a:solidFill>
+                  <a:schemeClr val="accent5">
+                    <a:lumMod val="75000"/>
+                  </a:schemeClr>
+                </a:solidFill>
+              </a:rPr>
+              <a:t>st</a:t>
+            </a:r>
+            <a:r>
+              <a:rPr lang="en-US" sz="2400" b="1" dirty="0" smtClean="0">
+                <a:solidFill>
+                  <a:schemeClr val="accent5">
+                    <a:lumMod val="75000"/>
+                  </a:schemeClr>
+                </a:solidFill>
+              </a:rPr>
+              <a:t> and 3</a:t>
+            </a:r>
+            <a:r>
+              <a:rPr lang="en-US" sz="2400" b="1" baseline="30000" dirty="0" smtClean="0">
+                <a:solidFill>
+                  <a:schemeClr val="accent5">
+                    <a:lumMod val="75000"/>
+                  </a:schemeClr>
+                </a:solidFill>
+              </a:rPr>
+              <a:t>rd</a:t>
+            </a:r>
+            <a:r>
+              <a:rPr lang="en-US" sz="2400" b="1" dirty="0" smtClean="0">
+                <a:solidFill>
+                  <a:schemeClr val="accent5">
+                    <a:lumMod val="75000"/>
+                  </a:schemeClr>
+                </a:solidFill>
+              </a:rPr>
+              <a:t>)</a:t>
+            </a:r>
+          </a:p>
+          <a:p>
+            <a:pPr marL="742950" lvl="1" indent="-285750">
+              <a:buFont typeface="Arial" panose="020B0604020202020204" pitchFamily="34" charset="0"/>
+              <a:buChar char="•"/>
+            </a:pPr>
+            <a:r>
+              <a:rPr lang="en-US" sz="2400" b="1" dirty="0" smtClean="0">
+                <a:solidFill>
+                  <a:schemeClr val="accent5">
+                    <a:lumMod val="75000"/>
+                  </a:schemeClr>
+                </a:solidFill>
+              </a:rPr>
+              <a:t>The </a:t>
+            </a:r>
+            <a:r>
+              <a:rPr lang="en-US" sz="2400" b="1" dirty="0" smtClean="0">
+                <a:solidFill>
+                  <a:schemeClr val="accent6">
+                    <a:lumMod val="75000"/>
+                  </a:schemeClr>
+                </a:solidFill>
+              </a:rPr>
+              <a:t>whiskers</a:t>
+            </a:r>
+            <a:r>
+              <a:rPr lang="en-US" sz="2400" b="1" dirty="0" smtClean="0">
+                <a:solidFill>
+                  <a:schemeClr val="accent5">
+                    <a:lumMod val="75000"/>
+                  </a:schemeClr>
+                </a:solidFill>
+              </a:rPr>
+              <a:t> are drawn at the end points.</a:t>
+            </a:r>
+          </a:p>
+        </p:txBody>
+      </p:sp>
+      <p:cxnSp>
+        <p:nvCxnSpPr>
+          <p:cNvPr id="26" name="Straight Arrow Connector 25"/>
+          <p:cNvCxnSpPr/>
+          <p:nvPr/>
+        </p:nvCxnSpPr>
+        <p:spPr>
+          <a:xfrm flipV="1">
+            <a:off x="2283130" y="2895600"/>
+            <a:ext cx="0" cy="2590800"/>
+          </a:xfrm>
+          <a:prstGeom prst="straightConnector1">
+            <a:avLst/>
+          </a:prstGeom>
+          <a:ln w="19050">
+            <a:solidFill>
+              <a:schemeClr val="tx1"/>
+            </a:solidFill>
+            <a:tailEnd type="arrow"/>
+          </a:ln>
+        </p:spPr>
+        <p:style>
+          <a:lnRef idx="1">
+            <a:schemeClr val="accent1"/>
+          </a:lnRef>
+          <a:fillRef idx="0">
+            <a:schemeClr val="accent1"/>
+          </a:fillRef>
+          <a:effectRef idx="0">
+            <a:schemeClr val="accent1"/>
+          </a:effectRef>
+          <a:fontRef idx="minor">
+            <a:schemeClr val="tx1"/>
+          </a:fontRef>
+        </p:style>
+      </p:cxnSp>
+      <p:sp>
+        <p:nvSpPr>
+          <p:cNvPr id="30" name="Rectangle 29"/>
+          <p:cNvSpPr/>
+          <p:nvPr/>
+        </p:nvSpPr>
+        <p:spPr>
+          <a:xfrm>
+            <a:off x="3505200" y="3581400"/>
+            <a:ext cx="609600" cy="1219200"/>
+          </a:xfrm>
+          <a:prstGeom prst="rect">
+            <a:avLst/>
+          </a:prstGeom>
+          <a:pattFill prst="smConfetti">
+            <a:fgClr>
+              <a:schemeClr val="bg1">
+                <a:lumMod val="50000"/>
+              </a:schemeClr>
+            </a:fgClr>
+            <a:bgClr>
+              <a:schemeClr val="bg1"/>
+            </a:bgClr>
+          </a:pattFill>
+          <a:ln>
+            <a:solidFill>
+              <a:schemeClr val="bg1">
+                <a:lumMod val="75000"/>
+              </a:schemeClr>
+            </a:solidFill>
+          </a:ln>
+        </p:spPr>
+        <p:style>
+          <a:lnRef idx="2">
+            <a:schemeClr val="accent1">
+              <a:shade val="50000"/>
+            </a:schemeClr>
+          </a:lnRef>
+          <a:fillRef idx="1">
+            <a:schemeClr val="accent1"/>
+          </a:fillRef>
+          <a:effectRef idx="0">
+            <a:schemeClr val="accent1"/>
+          </a:effectRef>
+          <a:fontRef idx="minor">
+            <a:schemeClr val="lt1"/>
+          </a:fontRef>
+        </p:style>
+        <p:txBody>
+          <a:bodyPr rtlCol="0" anchor="ctr"/>
+          <a:lstStyle/>
+          <a:p>
+            <a:pPr algn="ctr"/>
+            <a:endParaRPr lang="en-US"/>
+          </a:p>
+        </p:txBody>
+      </p:sp>
+      <p:sp>
+        <p:nvSpPr>
+          <p:cNvPr id="32" name="TextBox 31"/>
+          <p:cNvSpPr txBox="1"/>
+          <p:nvPr/>
+        </p:nvSpPr>
+        <p:spPr>
+          <a:xfrm>
+            <a:off x="2145111" y="5486399"/>
+            <a:ext cx="276038" cy="307777"/>
+          </a:xfrm>
+          <a:prstGeom prst="rect">
+            <a:avLst/>
+          </a:prstGeom>
+          <a:noFill/>
+        </p:spPr>
+        <p:txBody>
+          <a:bodyPr wrap="none" rtlCol="0">
+            <a:spAutoFit/>
+          </a:bodyPr>
+          <a:lstStyle/>
+          <a:p>
+            <a:r>
+              <a:rPr lang="en-US" sz="1400" dirty="0" smtClean="0"/>
+              <a:t>0</a:t>
+            </a:r>
+            <a:endParaRPr lang="en-US" sz="1400" dirty="0"/>
+          </a:p>
+        </p:txBody>
+      </p:sp>
+      <p:sp>
+        <p:nvSpPr>
+          <p:cNvPr id="33" name="TextBox 32"/>
+          <p:cNvSpPr txBox="1"/>
+          <p:nvPr/>
+        </p:nvSpPr>
+        <p:spPr>
+          <a:xfrm>
+            <a:off x="987730" y="4038600"/>
+            <a:ext cx="1061060" cy="523220"/>
+          </a:xfrm>
+          <a:prstGeom prst="rect">
+            <a:avLst/>
+          </a:prstGeom>
+          <a:noFill/>
+        </p:spPr>
+        <p:txBody>
+          <a:bodyPr wrap="none" rtlCol="0">
+            <a:spAutoFit/>
+          </a:bodyPr>
+          <a:lstStyle/>
+          <a:p>
+            <a:pPr algn="ctr"/>
+            <a:r>
+              <a:rPr lang="en-US" sz="1400" b="1" dirty="0" smtClean="0"/>
+              <a:t>Data Values</a:t>
+            </a:r>
+          </a:p>
+          <a:p>
+            <a:pPr algn="ctr"/>
+            <a:r>
+              <a:rPr lang="en-US" sz="1400" b="1" dirty="0" smtClean="0"/>
+              <a:t>(x)</a:t>
+            </a:r>
+            <a:endParaRPr lang="en-US" sz="1400" b="1" dirty="0"/>
+          </a:p>
+        </p:txBody>
+      </p:sp>
+      <p:cxnSp>
+        <p:nvCxnSpPr>
+          <p:cNvPr id="35" name="Straight Connector 34"/>
+          <p:cNvCxnSpPr/>
+          <p:nvPr/>
+        </p:nvCxnSpPr>
+        <p:spPr>
+          <a:xfrm>
+            <a:off x="3505200" y="4419600"/>
+            <a:ext cx="609600" cy="0"/>
+          </a:xfrm>
+          <a:prstGeom prst="line">
+            <a:avLst/>
+          </a:prstGeom>
+          <a:ln w="19050">
+            <a:solidFill>
+              <a:schemeClr val="bg1">
+                <a:lumMod val="50000"/>
+              </a:schemeClr>
+            </a:solidFill>
+          </a:ln>
+        </p:spPr>
+        <p:style>
+          <a:lnRef idx="1">
+            <a:schemeClr val="accent1"/>
+          </a:lnRef>
+          <a:fillRef idx="0">
+            <a:schemeClr val="accent1"/>
+          </a:fillRef>
+          <a:effectRef idx="0">
+            <a:schemeClr val="accent1"/>
+          </a:effectRef>
+          <a:fontRef idx="minor">
+            <a:schemeClr val="tx1"/>
+          </a:fontRef>
+        </p:style>
+      </p:cxnSp>
+      <p:cxnSp>
+        <p:nvCxnSpPr>
+          <p:cNvPr id="37" name="Straight Arrow Connector 36"/>
+          <p:cNvCxnSpPr/>
+          <p:nvPr/>
+        </p:nvCxnSpPr>
+        <p:spPr>
+          <a:xfrm flipH="1">
+            <a:off x="4342336" y="4419600"/>
+            <a:ext cx="305864" cy="0"/>
+          </a:xfrm>
+          <a:prstGeom prst="straightConnector1">
+            <a:avLst/>
+          </a:prstGeom>
+          <a:ln w="15875">
+            <a:solidFill>
+              <a:schemeClr val="accent6">
+                <a:lumMod val="75000"/>
+              </a:schemeClr>
+            </a:solidFill>
+            <a:tailEnd type="arrow"/>
+          </a:ln>
+        </p:spPr>
+        <p:style>
+          <a:lnRef idx="1">
+            <a:schemeClr val="accent1"/>
+          </a:lnRef>
+          <a:fillRef idx="0">
+            <a:schemeClr val="accent1"/>
+          </a:fillRef>
+          <a:effectRef idx="0">
+            <a:schemeClr val="accent1"/>
+          </a:effectRef>
+          <a:fontRef idx="minor">
+            <a:schemeClr val="tx1"/>
+          </a:fontRef>
+        </p:style>
+      </p:cxnSp>
+      <p:sp>
+        <p:nvSpPr>
+          <p:cNvPr id="38" name="TextBox 37"/>
+          <p:cNvSpPr txBox="1"/>
+          <p:nvPr/>
+        </p:nvSpPr>
+        <p:spPr>
+          <a:xfrm>
+            <a:off x="4676775" y="4249817"/>
+            <a:ext cx="1744388" cy="307777"/>
+          </a:xfrm>
+          <a:prstGeom prst="rect">
+            <a:avLst/>
+          </a:prstGeom>
+          <a:noFill/>
+        </p:spPr>
+        <p:txBody>
+          <a:bodyPr wrap="none" rtlCol="0">
+            <a:spAutoFit/>
+          </a:bodyPr>
+          <a:lstStyle/>
+          <a:p>
+            <a:r>
+              <a:rPr lang="en-US" sz="1400" b="1" dirty="0" smtClean="0">
+                <a:solidFill>
+                  <a:schemeClr val="accent6">
+                    <a:lumMod val="75000"/>
+                  </a:schemeClr>
+                </a:solidFill>
+              </a:rPr>
+              <a:t>2</a:t>
+            </a:r>
+            <a:r>
+              <a:rPr lang="en-US" sz="1400" b="1" baseline="30000" dirty="0" smtClean="0">
+                <a:solidFill>
+                  <a:schemeClr val="accent6">
+                    <a:lumMod val="75000"/>
+                  </a:schemeClr>
+                </a:solidFill>
+              </a:rPr>
+              <a:t>nd</a:t>
+            </a:r>
+            <a:r>
+              <a:rPr lang="en-US" sz="1400" b="1" dirty="0" smtClean="0">
+                <a:solidFill>
+                  <a:schemeClr val="accent6">
+                    <a:lumMod val="75000"/>
+                  </a:schemeClr>
+                </a:solidFill>
+              </a:rPr>
+              <a:t> quartile (median)</a:t>
+            </a:r>
+            <a:endParaRPr lang="en-US" sz="1400" b="1" dirty="0">
+              <a:solidFill>
+                <a:schemeClr val="accent6">
+                  <a:lumMod val="75000"/>
+                </a:schemeClr>
+              </a:solidFill>
+            </a:endParaRPr>
+          </a:p>
+        </p:txBody>
+      </p:sp>
+      <p:cxnSp>
+        <p:nvCxnSpPr>
+          <p:cNvPr id="40" name="Straight Connector 39"/>
+          <p:cNvCxnSpPr/>
+          <p:nvPr/>
+        </p:nvCxnSpPr>
+        <p:spPr>
+          <a:xfrm flipV="1">
+            <a:off x="3810000" y="3200400"/>
+            <a:ext cx="0" cy="1203305"/>
+          </a:xfrm>
+          <a:prstGeom prst="line">
+            <a:avLst/>
+          </a:prstGeom>
+          <a:ln w="19050">
+            <a:solidFill>
+              <a:schemeClr val="bg1">
+                <a:lumMod val="50000"/>
+              </a:schemeClr>
+            </a:solidFill>
+          </a:ln>
+        </p:spPr>
+        <p:style>
+          <a:lnRef idx="1">
+            <a:schemeClr val="accent1"/>
+          </a:lnRef>
+          <a:fillRef idx="0">
+            <a:schemeClr val="accent1"/>
+          </a:fillRef>
+          <a:effectRef idx="0">
+            <a:schemeClr val="accent1"/>
+          </a:effectRef>
+          <a:fontRef idx="minor">
+            <a:schemeClr val="tx1"/>
+          </a:fontRef>
+        </p:style>
+      </p:cxnSp>
+      <p:cxnSp>
+        <p:nvCxnSpPr>
+          <p:cNvPr id="41" name="Straight Connector 40"/>
+          <p:cNvCxnSpPr/>
+          <p:nvPr/>
+        </p:nvCxnSpPr>
+        <p:spPr>
+          <a:xfrm flipV="1">
+            <a:off x="3810000" y="4436984"/>
+            <a:ext cx="0" cy="897016"/>
+          </a:xfrm>
+          <a:prstGeom prst="line">
+            <a:avLst/>
+          </a:prstGeom>
+          <a:ln w="19050">
+            <a:solidFill>
+              <a:schemeClr val="bg1">
+                <a:lumMod val="50000"/>
+              </a:schemeClr>
+            </a:solidFill>
+          </a:ln>
+        </p:spPr>
+        <p:style>
+          <a:lnRef idx="1">
+            <a:schemeClr val="accent1"/>
+          </a:lnRef>
+          <a:fillRef idx="0">
+            <a:schemeClr val="accent1"/>
+          </a:fillRef>
+          <a:effectRef idx="0">
+            <a:schemeClr val="accent1"/>
+          </a:effectRef>
+          <a:fontRef idx="minor">
+            <a:schemeClr val="tx1"/>
+          </a:fontRef>
+        </p:style>
+      </p:cxnSp>
+      <p:cxnSp>
+        <p:nvCxnSpPr>
+          <p:cNvPr id="45" name="Straight Arrow Connector 44"/>
+          <p:cNvCxnSpPr/>
+          <p:nvPr/>
+        </p:nvCxnSpPr>
+        <p:spPr>
+          <a:xfrm flipH="1">
+            <a:off x="4342336" y="4800600"/>
+            <a:ext cx="305864" cy="0"/>
+          </a:xfrm>
+          <a:prstGeom prst="straightConnector1">
+            <a:avLst/>
+          </a:prstGeom>
+          <a:ln w="15875">
+            <a:solidFill>
+              <a:schemeClr val="accent6">
+                <a:lumMod val="75000"/>
+              </a:schemeClr>
+            </a:solidFill>
+            <a:tailEnd type="arrow"/>
+          </a:ln>
+        </p:spPr>
+        <p:style>
+          <a:lnRef idx="1">
+            <a:schemeClr val="accent1"/>
+          </a:lnRef>
+          <a:fillRef idx="0">
+            <a:schemeClr val="accent1"/>
+          </a:fillRef>
+          <a:effectRef idx="0">
+            <a:schemeClr val="accent1"/>
+          </a:effectRef>
+          <a:fontRef idx="minor">
+            <a:schemeClr val="tx1"/>
+          </a:fontRef>
+        </p:style>
+      </p:cxnSp>
+      <p:sp>
+        <p:nvSpPr>
+          <p:cNvPr id="46" name="TextBox 45"/>
+          <p:cNvSpPr txBox="1"/>
+          <p:nvPr/>
+        </p:nvSpPr>
+        <p:spPr>
+          <a:xfrm>
+            <a:off x="4676775" y="4614089"/>
+            <a:ext cx="2691314" cy="307777"/>
+          </a:xfrm>
+          <a:prstGeom prst="rect">
+            <a:avLst/>
+          </a:prstGeom>
+          <a:noFill/>
+        </p:spPr>
+        <p:txBody>
+          <a:bodyPr wrap="none" rtlCol="0">
+            <a:spAutoFit/>
+          </a:bodyPr>
+          <a:lstStyle/>
+          <a:p>
+            <a:r>
+              <a:rPr lang="en-US" sz="1400" b="1" dirty="0" smtClean="0">
+                <a:solidFill>
+                  <a:schemeClr val="accent6">
+                    <a:lumMod val="75000"/>
+                  </a:schemeClr>
+                </a:solidFill>
+              </a:rPr>
+              <a:t>1</a:t>
+            </a:r>
+            <a:r>
+              <a:rPr lang="en-US" sz="1400" b="1" baseline="30000" dirty="0" smtClean="0">
+                <a:solidFill>
+                  <a:schemeClr val="accent6">
+                    <a:lumMod val="75000"/>
+                  </a:schemeClr>
+                </a:solidFill>
+              </a:rPr>
+              <a:t>st</a:t>
+            </a:r>
+            <a:r>
+              <a:rPr lang="en-US" sz="1400" b="1" dirty="0" smtClean="0">
+                <a:solidFill>
+                  <a:schemeClr val="accent6">
+                    <a:lumMod val="75000"/>
+                  </a:schemeClr>
+                </a:solidFill>
+              </a:rPr>
+              <a:t> quartile (median of lower half)</a:t>
+            </a:r>
+            <a:endParaRPr lang="en-US" sz="1400" b="1" dirty="0">
+              <a:solidFill>
+                <a:schemeClr val="accent6">
+                  <a:lumMod val="75000"/>
+                </a:schemeClr>
+              </a:solidFill>
+            </a:endParaRPr>
+          </a:p>
+        </p:txBody>
+      </p:sp>
+      <p:sp>
+        <p:nvSpPr>
+          <p:cNvPr id="47" name="TextBox 46"/>
+          <p:cNvSpPr txBox="1"/>
+          <p:nvPr/>
+        </p:nvSpPr>
+        <p:spPr>
+          <a:xfrm>
+            <a:off x="4627396" y="3419474"/>
+            <a:ext cx="2765052" cy="307777"/>
+          </a:xfrm>
+          <a:prstGeom prst="rect">
+            <a:avLst/>
+          </a:prstGeom>
+          <a:noFill/>
+        </p:spPr>
+        <p:txBody>
+          <a:bodyPr wrap="none" rtlCol="0">
+            <a:spAutoFit/>
+          </a:bodyPr>
+          <a:lstStyle/>
+          <a:p>
+            <a:r>
+              <a:rPr lang="en-US" sz="1400" b="1" dirty="0" smtClean="0">
+                <a:solidFill>
+                  <a:schemeClr val="accent6">
+                    <a:lumMod val="75000"/>
+                  </a:schemeClr>
+                </a:solidFill>
+              </a:rPr>
+              <a:t>3</a:t>
+            </a:r>
+            <a:r>
+              <a:rPr lang="en-US" sz="1400" b="1" baseline="30000" dirty="0" smtClean="0">
+                <a:solidFill>
+                  <a:schemeClr val="accent6">
+                    <a:lumMod val="75000"/>
+                  </a:schemeClr>
+                </a:solidFill>
+              </a:rPr>
+              <a:t>rd</a:t>
+            </a:r>
+            <a:r>
+              <a:rPr lang="en-US" sz="1400" b="1" dirty="0" smtClean="0">
+                <a:solidFill>
+                  <a:schemeClr val="accent6">
+                    <a:lumMod val="75000"/>
+                  </a:schemeClr>
+                </a:solidFill>
+              </a:rPr>
+              <a:t>  quartile (median of upper half)</a:t>
+            </a:r>
+            <a:endParaRPr lang="en-US" sz="1400" b="1" dirty="0">
+              <a:solidFill>
+                <a:schemeClr val="accent6">
+                  <a:lumMod val="75000"/>
+                </a:schemeClr>
+              </a:solidFill>
+            </a:endParaRPr>
+          </a:p>
+        </p:txBody>
+      </p:sp>
+      <p:cxnSp>
+        <p:nvCxnSpPr>
+          <p:cNvPr id="48" name="Straight Arrow Connector 47"/>
+          <p:cNvCxnSpPr/>
+          <p:nvPr/>
+        </p:nvCxnSpPr>
+        <p:spPr>
+          <a:xfrm flipH="1">
+            <a:off x="4284654" y="3600450"/>
+            <a:ext cx="305864" cy="0"/>
+          </a:xfrm>
+          <a:prstGeom prst="straightConnector1">
+            <a:avLst/>
+          </a:prstGeom>
+          <a:ln w="15875">
+            <a:solidFill>
+              <a:schemeClr val="accent6">
+                <a:lumMod val="75000"/>
+              </a:schemeClr>
+            </a:solidFill>
+            <a:tailEnd type="arrow"/>
+          </a:ln>
+        </p:spPr>
+        <p:style>
+          <a:lnRef idx="1">
+            <a:schemeClr val="accent1"/>
+          </a:lnRef>
+          <a:fillRef idx="0">
+            <a:schemeClr val="accent1"/>
+          </a:fillRef>
+          <a:effectRef idx="0">
+            <a:schemeClr val="accent1"/>
+          </a:effectRef>
+          <a:fontRef idx="minor">
+            <a:schemeClr val="tx1"/>
+          </a:fontRef>
+        </p:style>
+      </p:cxnSp>
+      <p:sp>
+        <p:nvSpPr>
+          <p:cNvPr id="49" name="Left Brace 48"/>
+          <p:cNvSpPr/>
+          <p:nvPr/>
+        </p:nvSpPr>
+        <p:spPr>
+          <a:xfrm>
+            <a:off x="3048000" y="3581399"/>
+            <a:ext cx="304800" cy="1186578"/>
+          </a:xfrm>
+          <a:prstGeom prst="leftBrace">
+            <a:avLst/>
+          </a:prstGeom>
+          <a:ln w="19050">
+            <a:solidFill>
+              <a:schemeClr val="accent2">
+                <a:lumMod val="75000"/>
+              </a:schemeClr>
+            </a:solidFill>
+          </a:ln>
+        </p:spPr>
+        <p:style>
+          <a:lnRef idx="1">
+            <a:schemeClr val="accent1"/>
+          </a:lnRef>
+          <a:fillRef idx="0">
+            <a:schemeClr val="accent1"/>
+          </a:fillRef>
+          <a:effectRef idx="0">
+            <a:schemeClr val="accent1"/>
+          </a:effectRef>
+          <a:fontRef idx="minor">
+            <a:schemeClr val="tx1"/>
+          </a:fontRef>
+        </p:style>
+        <p:txBody>
+          <a:bodyPr rtlCol="0" anchor="ctr"/>
+          <a:lstStyle/>
+          <a:p>
+            <a:pPr algn="ctr"/>
+            <a:endParaRPr lang="en-US"/>
+          </a:p>
+        </p:txBody>
+      </p:sp>
+      <p:sp>
+        <p:nvSpPr>
+          <p:cNvPr id="50" name="TextBox 49"/>
+          <p:cNvSpPr txBox="1"/>
+          <p:nvPr/>
+        </p:nvSpPr>
+        <p:spPr>
+          <a:xfrm>
+            <a:off x="2478613" y="3929390"/>
+            <a:ext cx="569387" cy="523220"/>
+          </a:xfrm>
+          <a:prstGeom prst="rect">
+            <a:avLst/>
+          </a:prstGeom>
+          <a:noFill/>
+        </p:spPr>
+        <p:txBody>
+          <a:bodyPr wrap="none" rtlCol="0">
+            <a:spAutoFit/>
+          </a:bodyPr>
+          <a:lstStyle/>
+          <a:p>
+            <a:r>
+              <a:rPr lang="en-US" sz="1400" b="1" dirty="0" smtClean="0">
+                <a:solidFill>
+                  <a:schemeClr val="accent2">
+                    <a:lumMod val="75000"/>
+                  </a:schemeClr>
+                </a:solidFill>
+              </a:rPr>
+              <a:t>Box</a:t>
+            </a:r>
+          </a:p>
+          <a:p>
+            <a:r>
+              <a:rPr lang="en-US" sz="1400" b="1" dirty="0" smtClean="0">
+                <a:solidFill>
+                  <a:schemeClr val="accent2">
+                    <a:lumMod val="75000"/>
+                  </a:schemeClr>
+                </a:solidFill>
+              </a:rPr>
+              <a:t>(IQR)</a:t>
+            </a:r>
+            <a:endParaRPr lang="en-US" sz="1400" b="1" dirty="0">
+              <a:solidFill>
+                <a:schemeClr val="accent2">
+                  <a:lumMod val="75000"/>
+                </a:schemeClr>
+              </a:solidFill>
+            </a:endParaRPr>
+          </a:p>
+        </p:txBody>
+      </p:sp>
+      <p:cxnSp>
+        <p:nvCxnSpPr>
+          <p:cNvPr id="52" name="Straight Connector 51"/>
+          <p:cNvCxnSpPr/>
+          <p:nvPr/>
+        </p:nvCxnSpPr>
+        <p:spPr>
+          <a:xfrm>
+            <a:off x="3590925" y="3200400"/>
+            <a:ext cx="381000" cy="0"/>
+          </a:xfrm>
+          <a:prstGeom prst="line">
+            <a:avLst/>
+          </a:prstGeom>
+          <a:ln w="15875">
+            <a:solidFill>
+              <a:schemeClr val="bg1">
+                <a:lumMod val="50000"/>
+              </a:schemeClr>
+            </a:solidFill>
+          </a:ln>
+        </p:spPr>
+        <p:style>
+          <a:lnRef idx="1">
+            <a:schemeClr val="accent1"/>
+          </a:lnRef>
+          <a:fillRef idx="0">
+            <a:schemeClr val="accent1"/>
+          </a:fillRef>
+          <a:effectRef idx="0">
+            <a:schemeClr val="accent1"/>
+          </a:effectRef>
+          <a:fontRef idx="minor">
+            <a:schemeClr val="tx1"/>
+          </a:fontRef>
+        </p:style>
+      </p:cxnSp>
+      <p:cxnSp>
+        <p:nvCxnSpPr>
+          <p:cNvPr id="53" name="Straight Connector 52"/>
+          <p:cNvCxnSpPr/>
+          <p:nvPr/>
+        </p:nvCxnSpPr>
+        <p:spPr>
+          <a:xfrm>
+            <a:off x="3619500" y="5334000"/>
+            <a:ext cx="381000" cy="0"/>
+          </a:xfrm>
+          <a:prstGeom prst="line">
+            <a:avLst/>
+          </a:prstGeom>
+          <a:ln w="15875">
+            <a:solidFill>
+              <a:schemeClr val="bg1">
+                <a:lumMod val="50000"/>
+              </a:schemeClr>
+            </a:solidFill>
+          </a:ln>
+        </p:spPr>
+        <p:style>
+          <a:lnRef idx="1">
+            <a:schemeClr val="accent1"/>
+          </a:lnRef>
+          <a:fillRef idx="0">
+            <a:schemeClr val="accent1"/>
+          </a:fillRef>
+          <a:effectRef idx="0">
+            <a:schemeClr val="accent1"/>
+          </a:effectRef>
+          <a:fontRef idx="minor">
+            <a:schemeClr val="tx1"/>
+          </a:fontRef>
+        </p:style>
+      </p:cxnSp>
+      <p:cxnSp>
+        <p:nvCxnSpPr>
+          <p:cNvPr id="55" name="Straight Arrow Connector 54"/>
+          <p:cNvCxnSpPr/>
+          <p:nvPr/>
+        </p:nvCxnSpPr>
+        <p:spPr>
+          <a:xfrm flipH="1">
+            <a:off x="4370911" y="5334000"/>
+            <a:ext cx="305864" cy="0"/>
+          </a:xfrm>
+          <a:prstGeom prst="straightConnector1">
+            <a:avLst/>
+          </a:prstGeom>
+          <a:ln w="15875">
+            <a:solidFill>
+              <a:schemeClr val="accent6">
+                <a:lumMod val="75000"/>
+              </a:schemeClr>
+            </a:solidFill>
+            <a:tailEnd type="arrow"/>
+          </a:ln>
+        </p:spPr>
+        <p:style>
+          <a:lnRef idx="1">
+            <a:schemeClr val="accent1"/>
+          </a:lnRef>
+          <a:fillRef idx="0">
+            <a:schemeClr val="accent1"/>
+          </a:fillRef>
+          <a:effectRef idx="0">
+            <a:schemeClr val="accent1"/>
+          </a:effectRef>
+          <a:fontRef idx="minor">
+            <a:schemeClr val="tx1"/>
+          </a:fontRef>
+        </p:style>
+      </p:cxnSp>
+      <p:sp>
+        <p:nvSpPr>
+          <p:cNvPr id="56" name="TextBox 55"/>
+          <p:cNvSpPr txBox="1"/>
+          <p:nvPr/>
+        </p:nvSpPr>
+        <p:spPr>
+          <a:xfrm>
+            <a:off x="4705350" y="5178620"/>
+            <a:ext cx="1151341" cy="307777"/>
+          </a:xfrm>
+          <a:prstGeom prst="rect">
+            <a:avLst/>
+          </a:prstGeom>
+          <a:noFill/>
+        </p:spPr>
+        <p:txBody>
+          <a:bodyPr wrap="none" rtlCol="0">
+            <a:spAutoFit/>
+          </a:bodyPr>
+          <a:lstStyle/>
+          <a:p>
+            <a:r>
+              <a:rPr lang="en-US" sz="1400" b="1" dirty="0" smtClean="0">
+                <a:solidFill>
+                  <a:schemeClr val="accent6">
+                    <a:lumMod val="75000"/>
+                  </a:schemeClr>
+                </a:solidFill>
+              </a:rPr>
+              <a:t>Lowest value</a:t>
+            </a:r>
+            <a:endParaRPr lang="en-US" sz="1400" b="1" dirty="0">
+              <a:solidFill>
+                <a:schemeClr val="accent6">
+                  <a:lumMod val="75000"/>
+                </a:schemeClr>
+              </a:solidFill>
+            </a:endParaRPr>
+          </a:p>
+        </p:txBody>
+      </p:sp>
+      <p:cxnSp>
+        <p:nvCxnSpPr>
+          <p:cNvPr id="57" name="Straight Arrow Connector 56"/>
+          <p:cNvCxnSpPr/>
+          <p:nvPr/>
+        </p:nvCxnSpPr>
+        <p:spPr>
+          <a:xfrm flipH="1">
+            <a:off x="4228036" y="3201891"/>
+            <a:ext cx="305864" cy="0"/>
+          </a:xfrm>
+          <a:prstGeom prst="straightConnector1">
+            <a:avLst/>
+          </a:prstGeom>
+          <a:ln w="15875">
+            <a:solidFill>
+              <a:schemeClr val="accent6">
+                <a:lumMod val="75000"/>
+              </a:schemeClr>
+            </a:solidFill>
+            <a:tailEnd type="arrow"/>
+          </a:ln>
+        </p:spPr>
+        <p:style>
+          <a:lnRef idx="1">
+            <a:schemeClr val="accent1"/>
+          </a:lnRef>
+          <a:fillRef idx="0">
+            <a:schemeClr val="accent1"/>
+          </a:fillRef>
+          <a:effectRef idx="0">
+            <a:schemeClr val="accent1"/>
+          </a:effectRef>
+          <a:fontRef idx="minor">
+            <a:schemeClr val="tx1"/>
+          </a:fontRef>
+        </p:style>
+      </p:cxnSp>
+      <p:sp>
+        <p:nvSpPr>
+          <p:cNvPr id="58" name="TextBox 57"/>
+          <p:cNvSpPr txBox="1"/>
+          <p:nvPr/>
+        </p:nvSpPr>
+        <p:spPr>
+          <a:xfrm>
+            <a:off x="4562475" y="3046511"/>
+            <a:ext cx="1188339" cy="307777"/>
+          </a:xfrm>
+          <a:prstGeom prst="rect">
+            <a:avLst/>
+          </a:prstGeom>
+          <a:noFill/>
+        </p:spPr>
+        <p:txBody>
+          <a:bodyPr wrap="none" rtlCol="0">
+            <a:spAutoFit/>
+          </a:bodyPr>
+          <a:lstStyle/>
+          <a:p>
+            <a:r>
+              <a:rPr lang="en-US" sz="1400" b="1" dirty="0" smtClean="0">
+                <a:solidFill>
+                  <a:schemeClr val="accent6">
+                    <a:lumMod val="75000"/>
+                  </a:schemeClr>
+                </a:solidFill>
+              </a:rPr>
+              <a:t>Highest value</a:t>
+            </a:r>
+            <a:endParaRPr lang="en-US" sz="1400" b="1" dirty="0">
+              <a:solidFill>
+                <a:schemeClr val="accent6">
+                  <a:lumMod val="75000"/>
+                </a:schemeClr>
+              </a:solidFill>
+            </a:endParaRPr>
+          </a:p>
+        </p:txBody>
+      </p:sp>
+      <p:cxnSp>
+        <p:nvCxnSpPr>
+          <p:cNvPr id="60" name="Straight Arrow Connector 59"/>
+          <p:cNvCxnSpPr/>
+          <p:nvPr/>
+        </p:nvCxnSpPr>
+        <p:spPr>
+          <a:xfrm flipV="1">
+            <a:off x="3048000" y="3190873"/>
+            <a:ext cx="304800" cy="9527"/>
+          </a:xfrm>
+          <a:prstGeom prst="straightConnector1">
+            <a:avLst/>
+          </a:prstGeom>
+          <a:ln w="19050">
+            <a:solidFill>
+              <a:schemeClr val="accent2">
+                <a:lumMod val="75000"/>
+              </a:schemeClr>
+            </a:solidFill>
+            <a:tailEnd type="arrow"/>
+          </a:ln>
+        </p:spPr>
+        <p:style>
+          <a:lnRef idx="1">
+            <a:schemeClr val="accent1"/>
+          </a:lnRef>
+          <a:fillRef idx="0">
+            <a:schemeClr val="accent1"/>
+          </a:fillRef>
+          <a:effectRef idx="0">
+            <a:schemeClr val="accent1"/>
+          </a:effectRef>
+          <a:fontRef idx="minor">
+            <a:schemeClr val="tx1"/>
+          </a:fontRef>
+        </p:style>
+      </p:cxnSp>
+      <p:sp>
+        <p:nvSpPr>
+          <p:cNvPr id="62" name="TextBox 61"/>
+          <p:cNvSpPr txBox="1"/>
+          <p:nvPr/>
+        </p:nvSpPr>
+        <p:spPr>
+          <a:xfrm>
+            <a:off x="2283130" y="3036983"/>
+            <a:ext cx="796885" cy="307777"/>
+          </a:xfrm>
+          <a:prstGeom prst="rect">
+            <a:avLst/>
+          </a:prstGeom>
+          <a:noFill/>
+        </p:spPr>
+        <p:txBody>
+          <a:bodyPr wrap="none" rtlCol="0">
+            <a:spAutoFit/>
+          </a:bodyPr>
+          <a:lstStyle/>
+          <a:p>
+            <a:r>
+              <a:rPr lang="en-US" sz="1400" b="1" dirty="0" smtClean="0">
+                <a:solidFill>
+                  <a:schemeClr val="accent2">
+                    <a:lumMod val="75000"/>
+                  </a:schemeClr>
+                </a:solidFill>
+              </a:rPr>
+              <a:t>Whisker</a:t>
+            </a:r>
+            <a:endParaRPr lang="en-US" sz="1400" b="1" dirty="0">
+              <a:solidFill>
+                <a:schemeClr val="accent2">
+                  <a:lumMod val="75000"/>
+                </a:schemeClr>
+              </a:solidFill>
+            </a:endParaRPr>
+          </a:p>
+        </p:txBody>
+      </p:sp>
+      <p:cxnSp>
+        <p:nvCxnSpPr>
+          <p:cNvPr id="63" name="Straight Arrow Connector 62"/>
+          <p:cNvCxnSpPr/>
+          <p:nvPr/>
+        </p:nvCxnSpPr>
+        <p:spPr>
+          <a:xfrm flipV="1">
+            <a:off x="3048000" y="5332509"/>
+            <a:ext cx="304800" cy="9527"/>
+          </a:xfrm>
+          <a:prstGeom prst="straightConnector1">
+            <a:avLst/>
+          </a:prstGeom>
+          <a:ln w="19050">
+            <a:solidFill>
+              <a:schemeClr val="accent2">
+                <a:lumMod val="75000"/>
+              </a:schemeClr>
+            </a:solidFill>
+            <a:tailEnd type="arrow"/>
+          </a:ln>
+        </p:spPr>
+        <p:style>
+          <a:lnRef idx="1">
+            <a:schemeClr val="accent1"/>
+          </a:lnRef>
+          <a:fillRef idx="0">
+            <a:schemeClr val="accent1"/>
+          </a:fillRef>
+          <a:effectRef idx="0">
+            <a:schemeClr val="accent1"/>
+          </a:effectRef>
+          <a:fontRef idx="minor">
+            <a:schemeClr val="tx1"/>
+          </a:fontRef>
+        </p:style>
+      </p:cxnSp>
+      <p:sp>
+        <p:nvSpPr>
+          <p:cNvPr id="64" name="TextBox 63"/>
+          <p:cNvSpPr txBox="1"/>
+          <p:nvPr/>
+        </p:nvSpPr>
+        <p:spPr>
+          <a:xfrm>
+            <a:off x="2283130" y="5178619"/>
+            <a:ext cx="796885" cy="307777"/>
+          </a:xfrm>
+          <a:prstGeom prst="rect">
+            <a:avLst/>
+          </a:prstGeom>
+          <a:noFill/>
+        </p:spPr>
+        <p:txBody>
+          <a:bodyPr wrap="none" rtlCol="0">
+            <a:spAutoFit/>
+          </a:bodyPr>
+          <a:lstStyle/>
+          <a:p>
+            <a:r>
+              <a:rPr lang="en-US" sz="1400" b="1" dirty="0" smtClean="0">
+                <a:solidFill>
+                  <a:schemeClr val="accent2">
+                    <a:lumMod val="75000"/>
+                  </a:schemeClr>
+                </a:solidFill>
+              </a:rPr>
+              <a:t>Whisker</a:t>
+            </a:r>
+            <a:endParaRPr lang="en-US" sz="1400" b="1" dirty="0">
+              <a:solidFill>
+                <a:schemeClr val="accent2">
+                  <a:lumMod val="75000"/>
+                </a:schemeClr>
+              </a:solidFill>
+            </a:endParaRPr>
+          </a:p>
+        </p:txBody>
+      </p:sp>
+      <p:sp>
+        <p:nvSpPr>
+          <p:cNvPr id="65" name="TextBox 64"/>
+          <p:cNvSpPr txBox="1"/>
+          <p:nvPr/>
+        </p:nvSpPr>
+        <p:spPr>
+          <a:xfrm>
+            <a:off x="7086600" y="2528558"/>
+            <a:ext cx="1949123" cy="646331"/>
+          </a:xfrm>
+          <a:prstGeom prst="rect">
+            <a:avLst/>
+          </a:prstGeom>
+          <a:noFill/>
+        </p:spPr>
+        <p:txBody>
+          <a:bodyPr wrap="none" rtlCol="0">
+            <a:spAutoFit/>
+          </a:bodyPr>
+          <a:lstStyle/>
+          <a:p>
+            <a:r>
+              <a:rPr lang="en-US" sz="1200" dirty="0" smtClean="0">
+                <a:solidFill>
+                  <a:srgbClr val="00B050"/>
+                </a:solidFill>
+              </a:rPr>
+              <a:t>1. Calculate the median</a:t>
+            </a:r>
+          </a:p>
+          <a:p>
+            <a:r>
+              <a:rPr lang="en-US" sz="1200" dirty="0" smtClean="0">
+                <a:solidFill>
+                  <a:srgbClr val="00B050"/>
+                </a:solidFill>
+              </a:rPr>
+              <a:t>of the entire dataset,</a:t>
+            </a:r>
+          </a:p>
+          <a:p>
+            <a:r>
+              <a:rPr lang="en-US" sz="1200" dirty="0" smtClean="0">
+                <a:solidFill>
+                  <a:srgbClr val="00B050"/>
+                </a:solidFill>
+              </a:rPr>
+              <a:t>Split the dataset into halves.</a:t>
+            </a:r>
+            <a:endParaRPr lang="en-US" sz="1200" dirty="0">
+              <a:solidFill>
+                <a:srgbClr val="00B050"/>
+              </a:solidFill>
+            </a:endParaRPr>
+          </a:p>
+        </p:txBody>
+      </p:sp>
+      <p:cxnSp>
+        <p:nvCxnSpPr>
+          <p:cNvPr id="67" name="Curved Connector 66"/>
+          <p:cNvCxnSpPr>
+            <a:stCxn id="65" idx="1"/>
+            <a:endCxn id="38" idx="3"/>
+          </p:cNvCxnSpPr>
+          <p:nvPr/>
+        </p:nvCxnSpPr>
+        <p:spPr>
+          <a:xfrm rot="10800000" flipV="1">
+            <a:off x="6421164" y="2851724"/>
+            <a:ext cx="665437" cy="1551982"/>
+          </a:xfrm>
+          <a:prstGeom prst="curvedConnector3">
+            <a:avLst/>
+          </a:prstGeom>
+          <a:ln>
+            <a:solidFill>
+              <a:srgbClr val="00B050"/>
+            </a:solidFill>
+            <a:tailEnd type="arrow"/>
+          </a:ln>
+        </p:spPr>
+        <p:style>
+          <a:lnRef idx="1">
+            <a:schemeClr val="accent1"/>
+          </a:lnRef>
+          <a:fillRef idx="0">
+            <a:schemeClr val="accent1"/>
+          </a:fillRef>
+          <a:effectRef idx="0">
+            <a:schemeClr val="accent1"/>
+          </a:effectRef>
+          <a:fontRef idx="minor">
+            <a:schemeClr val="tx1"/>
+          </a:fontRef>
+        </p:style>
+      </p:cxnSp>
+      <p:sp>
+        <p:nvSpPr>
+          <p:cNvPr id="69" name="TextBox 68"/>
+          <p:cNvSpPr txBox="1"/>
+          <p:nvPr/>
+        </p:nvSpPr>
+        <p:spPr>
+          <a:xfrm>
+            <a:off x="7086600" y="3790653"/>
+            <a:ext cx="2017027" cy="830997"/>
+          </a:xfrm>
+          <a:prstGeom prst="rect">
+            <a:avLst/>
+          </a:prstGeom>
+          <a:noFill/>
+        </p:spPr>
+        <p:txBody>
+          <a:bodyPr wrap="none" rtlCol="0">
+            <a:spAutoFit/>
+          </a:bodyPr>
+          <a:lstStyle/>
+          <a:p>
+            <a:r>
+              <a:rPr lang="en-US" sz="1200" dirty="0" smtClean="0">
+                <a:solidFill>
+                  <a:srgbClr val="00B050"/>
+                </a:solidFill>
+              </a:rPr>
+              <a:t>2. Calculate the median</a:t>
+            </a:r>
+          </a:p>
+          <a:p>
+            <a:r>
+              <a:rPr lang="en-US" sz="1200" dirty="0" smtClean="0">
+                <a:solidFill>
+                  <a:srgbClr val="00B050"/>
+                </a:solidFill>
+              </a:rPr>
+              <a:t>of the top and lower half</a:t>
+            </a:r>
+          </a:p>
+          <a:p>
+            <a:r>
+              <a:rPr lang="en-US" sz="1200" dirty="0" smtClean="0">
+                <a:solidFill>
+                  <a:srgbClr val="00B050"/>
+                </a:solidFill>
+              </a:rPr>
+              <a:t>of the dataset, splitting them</a:t>
+            </a:r>
+          </a:p>
+          <a:p>
+            <a:r>
+              <a:rPr lang="en-US" sz="1200" dirty="0" smtClean="0">
+                <a:solidFill>
+                  <a:srgbClr val="00B050"/>
+                </a:solidFill>
+              </a:rPr>
+              <a:t>Into quarters.</a:t>
+            </a:r>
+            <a:endParaRPr lang="en-US" sz="1200" dirty="0">
+              <a:solidFill>
+                <a:srgbClr val="00B050"/>
+              </a:solidFill>
+            </a:endParaRPr>
+          </a:p>
+        </p:txBody>
+      </p:sp>
+      <p:cxnSp>
+        <p:nvCxnSpPr>
+          <p:cNvPr id="75" name="Straight Arrow Connector 74"/>
+          <p:cNvCxnSpPr/>
+          <p:nvPr/>
+        </p:nvCxnSpPr>
+        <p:spPr>
+          <a:xfrm flipH="1" flipV="1">
+            <a:off x="6934200" y="3727252"/>
+            <a:ext cx="228600" cy="447436"/>
+          </a:xfrm>
+          <a:prstGeom prst="straightConnector1">
+            <a:avLst/>
+          </a:prstGeom>
+          <a:ln>
+            <a:solidFill>
+              <a:srgbClr val="00B050"/>
+            </a:solidFill>
+            <a:tailEnd type="arrow"/>
+          </a:ln>
+        </p:spPr>
+        <p:style>
+          <a:lnRef idx="1">
+            <a:schemeClr val="accent1"/>
+          </a:lnRef>
+          <a:fillRef idx="0">
+            <a:schemeClr val="accent1"/>
+          </a:fillRef>
+          <a:effectRef idx="0">
+            <a:schemeClr val="accent1"/>
+          </a:effectRef>
+          <a:fontRef idx="minor">
+            <a:schemeClr val="tx1"/>
+          </a:fontRef>
+        </p:style>
+      </p:cxnSp>
+      <p:cxnSp>
+        <p:nvCxnSpPr>
+          <p:cNvPr id="79" name="Straight Arrow Connector 78"/>
+          <p:cNvCxnSpPr/>
+          <p:nvPr/>
+        </p:nvCxnSpPr>
+        <p:spPr>
+          <a:xfrm flipH="1">
+            <a:off x="6934200" y="4181415"/>
+            <a:ext cx="228601" cy="440235"/>
+          </a:xfrm>
+          <a:prstGeom prst="straightConnector1">
+            <a:avLst/>
+          </a:prstGeom>
+          <a:ln>
+            <a:solidFill>
+              <a:srgbClr val="00B050"/>
+            </a:solidFill>
+            <a:tailEnd type="arrow"/>
+          </a:ln>
+        </p:spPr>
+        <p:style>
+          <a:lnRef idx="1">
+            <a:schemeClr val="accent1"/>
+          </a:lnRef>
+          <a:fillRef idx="0">
+            <a:schemeClr val="accent1"/>
+          </a:fillRef>
+          <a:effectRef idx="0">
+            <a:schemeClr val="accent1"/>
+          </a:effectRef>
+          <a:fontRef idx="minor">
+            <a:schemeClr val="tx1"/>
+          </a:fontRef>
+        </p:style>
+      </p:cxnSp>
+    </p:spTree>
+    <p:extLst>
+      <p:ext uri="{BB962C8B-B14F-4D97-AF65-F5344CB8AC3E}">
+        <p14:creationId xmlns:p14="http://schemas.microsoft.com/office/powerpoint/2010/main" val="4080976315"/>
+      </p:ext>
+    </p:extLst>
+  </p:cSld>
+  <p:clrMapOvr>
+    <a:masterClrMapping/>
+  </p:clrMapOvr>
+  <p:timing>
+    <p:tnLst>
+      <p:par>
+        <p:cTn id="1" dur="indefinite" restart="never" nodeType="tmRoot"/>
+      </p:par>
+    </p:tnLst>
+  </p:timing>
+</p:sld>
+</file>
+
+<file path=ppt/slides/slide15.xml><?xml version="1.0" encoding="utf-8"?>
+<p:sld xmlns:a="http://schemas.openxmlformats.org/drawingml/2006/main" xmlns:r="http://schemas.openxmlformats.org/officeDocument/2006/relationships" xmlns:p="http://schemas.openxmlformats.org/presentationml/2006/main">
+  <p:cSld>
+    <p:spTree>
+      <p:nvGrpSpPr>
+        <p:cNvPr id="1" name=""/>
+        <p:cNvGrpSpPr/>
+        <p:nvPr/>
+      </p:nvGrpSpPr>
+      <p:grpSpPr>
+        <a:xfrm>
+          <a:off x="0" y="0"/>
+          <a:ext cx="0" cy="0"/>
+          <a:chOff x="0" y="0"/>
+          <a:chExt cx="0" cy="0"/>
+        </a:xfrm>
+      </p:grpSpPr>
+      <p:sp>
+        <p:nvSpPr>
+          <p:cNvPr id="2" name="Title 1"/>
+          <p:cNvSpPr>
+            <a:spLocks noGrp="1"/>
+          </p:cNvSpPr>
+          <p:nvPr>
+            <p:ph type="title"/>
+          </p:nvPr>
+        </p:nvSpPr>
+        <p:spPr>
+          <a:xfrm>
+            <a:off x="457200" y="274638"/>
+            <a:ext cx="8305800" cy="792162"/>
+          </a:xfrm>
+        </p:spPr>
+        <p:txBody>
+          <a:bodyPr>
+            <a:normAutofit/>
+          </a:bodyPr>
+          <a:lstStyle/>
+          <a:p>
+            <a:pPr algn="l"/>
+            <a:r>
+              <a:rPr lang="en-US" dirty="0" smtClean="0">
+                <a:solidFill>
+                  <a:schemeClr val="accent1">
+                    <a:lumMod val="75000"/>
+                  </a:schemeClr>
+                </a:solidFill>
+              </a:rPr>
+              <a:t>Box (and Whisker) Plot - Outliers</a:t>
+            </a:r>
+            <a:endParaRPr lang="en-US" dirty="0">
+              <a:solidFill>
+                <a:schemeClr val="accent1">
+                  <a:lumMod val="75000"/>
+                </a:schemeClr>
+              </a:solidFill>
+            </a:endParaRPr>
+          </a:p>
+        </p:txBody>
+      </p:sp>
+      <p:cxnSp>
+        <p:nvCxnSpPr>
+          <p:cNvPr id="5" name="Straight Connector 4"/>
+          <p:cNvCxnSpPr/>
+          <p:nvPr/>
+        </p:nvCxnSpPr>
+        <p:spPr>
+          <a:xfrm>
+            <a:off x="0" y="990600"/>
+            <a:ext cx="9144000" cy="0"/>
+          </a:xfrm>
+          <a:prstGeom prst="line">
+            <a:avLst/>
+          </a:prstGeom>
+          <a:ln w="19050"/>
+        </p:spPr>
+        <p:style>
+          <a:lnRef idx="1">
+            <a:schemeClr val="accent1"/>
+          </a:lnRef>
+          <a:fillRef idx="0">
+            <a:schemeClr val="accent1"/>
+          </a:fillRef>
+          <a:effectRef idx="0">
+            <a:schemeClr val="accent1"/>
+          </a:effectRef>
+          <a:fontRef idx="minor">
+            <a:schemeClr val="tx1"/>
+          </a:fontRef>
+        </p:style>
+      </p:cxnSp>
+      <p:sp>
+        <p:nvSpPr>
+          <p:cNvPr id="4" name="TextBox 3"/>
+          <p:cNvSpPr txBox="1"/>
+          <p:nvPr/>
+        </p:nvSpPr>
+        <p:spPr>
+          <a:xfrm>
+            <a:off x="76200" y="1066799"/>
+            <a:ext cx="8692316" cy="1938992"/>
+          </a:xfrm>
+          <a:prstGeom prst="rect">
+            <a:avLst/>
+          </a:prstGeom>
+          <a:noFill/>
+        </p:spPr>
+        <p:txBody>
+          <a:bodyPr wrap="none" rtlCol="0">
+            <a:spAutoFit/>
+          </a:bodyPr>
+          <a:lstStyle/>
+          <a:p>
+            <a:pPr marL="285750" indent="-285750">
+              <a:buFont typeface="Arial" panose="020B0604020202020204" pitchFamily="34" charset="0"/>
+              <a:buChar char="•"/>
+            </a:pPr>
+            <a:r>
+              <a:rPr lang="en-US" sz="2400" b="1" dirty="0" smtClean="0">
+                <a:solidFill>
+                  <a:schemeClr val="accent5">
+                    <a:lumMod val="75000"/>
+                  </a:schemeClr>
+                </a:solidFill>
+              </a:rPr>
+              <a:t>A variation of a box plot to show outliers.</a:t>
+            </a:r>
+          </a:p>
+          <a:p>
+            <a:pPr marL="742950" lvl="1" indent="-285750">
+              <a:buFont typeface="Arial" panose="020B0604020202020204" pitchFamily="34" charset="0"/>
+              <a:buChar char="•"/>
+            </a:pPr>
+            <a:r>
+              <a:rPr lang="en-US" sz="2400" b="1" dirty="0" smtClean="0">
+                <a:solidFill>
+                  <a:schemeClr val="accent5">
+                    <a:lumMod val="75000"/>
+                  </a:schemeClr>
+                </a:solidFill>
+              </a:rPr>
+              <a:t>The whiskers are replaced with an inner and outer fence at</a:t>
+            </a:r>
+          </a:p>
+          <a:p>
+            <a:pPr lvl="1"/>
+            <a:r>
+              <a:rPr lang="en-US" sz="2400" b="1" dirty="0">
+                <a:solidFill>
+                  <a:schemeClr val="accent5">
+                    <a:lumMod val="75000"/>
+                  </a:schemeClr>
+                </a:solidFill>
+              </a:rPr>
+              <a:t> </a:t>
+            </a:r>
+            <a:r>
+              <a:rPr lang="en-US" sz="2400" b="1" dirty="0" smtClean="0">
+                <a:solidFill>
+                  <a:schemeClr val="accent5">
+                    <a:lumMod val="75000"/>
+                  </a:schemeClr>
+                </a:solidFill>
+              </a:rPr>
+              <a:t>    </a:t>
+            </a:r>
+            <a:r>
+              <a:rPr lang="en-US" sz="2400" b="1" dirty="0" smtClean="0">
+                <a:solidFill>
+                  <a:schemeClr val="accent6">
+                    <a:lumMod val="75000"/>
+                  </a:schemeClr>
+                </a:solidFill>
+              </a:rPr>
+              <a:t>1.5 x IQR (inner) </a:t>
+            </a:r>
+            <a:r>
+              <a:rPr lang="en-US" sz="2400" b="1" dirty="0" smtClean="0">
+                <a:solidFill>
+                  <a:schemeClr val="accent5">
+                    <a:lumMod val="75000"/>
+                  </a:schemeClr>
+                </a:solidFill>
+              </a:rPr>
+              <a:t>and </a:t>
+            </a:r>
+            <a:r>
+              <a:rPr lang="en-US" sz="2400" b="1" dirty="0" smtClean="0">
+                <a:solidFill>
+                  <a:schemeClr val="accent6">
+                    <a:lumMod val="75000"/>
+                  </a:schemeClr>
+                </a:solidFill>
+              </a:rPr>
+              <a:t>3 x IQR (outer)</a:t>
+            </a:r>
+            <a:r>
+              <a:rPr lang="en-US" sz="2400" b="1" dirty="0" smtClean="0">
+                <a:solidFill>
+                  <a:schemeClr val="accent5">
+                    <a:lumMod val="75000"/>
+                  </a:schemeClr>
+                </a:solidFill>
+              </a:rPr>
+              <a:t>.</a:t>
+            </a:r>
+          </a:p>
+          <a:p>
+            <a:pPr marL="742950" lvl="1" indent="-285750">
+              <a:buFont typeface="Arial" panose="020B0604020202020204" pitchFamily="34" charset="0"/>
+              <a:buChar char="•"/>
+            </a:pPr>
+            <a:r>
+              <a:rPr lang="en-US" sz="2400" b="1" dirty="0" smtClean="0">
+                <a:solidFill>
+                  <a:schemeClr val="accent5">
+                    <a:lumMod val="75000"/>
+                  </a:schemeClr>
+                </a:solidFill>
+              </a:rPr>
+              <a:t>Values between 1.5 and 3 IQR are suspected outliers (white).</a:t>
+            </a:r>
+          </a:p>
+          <a:p>
+            <a:pPr marL="742950" lvl="1" indent="-285750">
+              <a:buFont typeface="Arial" panose="020B0604020202020204" pitchFamily="34" charset="0"/>
+              <a:buChar char="•"/>
+            </a:pPr>
+            <a:r>
+              <a:rPr lang="en-US" sz="2400" b="1" dirty="0" smtClean="0">
+                <a:solidFill>
+                  <a:schemeClr val="accent5">
+                    <a:lumMod val="75000"/>
+                  </a:schemeClr>
+                </a:solidFill>
+              </a:rPr>
+              <a:t>Values outside of 3 IQR are outliers (black).</a:t>
+            </a:r>
+          </a:p>
+        </p:txBody>
+      </p:sp>
+      <p:cxnSp>
+        <p:nvCxnSpPr>
+          <p:cNvPr id="26" name="Straight Arrow Connector 25"/>
+          <p:cNvCxnSpPr>
+            <a:stCxn id="32" idx="0"/>
+          </p:cNvCxnSpPr>
+          <p:nvPr/>
+        </p:nvCxnSpPr>
+        <p:spPr>
+          <a:xfrm flipV="1">
+            <a:off x="2406315" y="3005791"/>
+            <a:ext cx="0" cy="3332352"/>
+          </a:xfrm>
+          <a:prstGeom prst="straightConnector1">
+            <a:avLst/>
+          </a:prstGeom>
+          <a:ln w="19050">
+            <a:solidFill>
+              <a:schemeClr val="tx1"/>
+            </a:solidFill>
+            <a:tailEnd type="arrow"/>
+          </a:ln>
+        </p:spPr>
+        <p:style>
+          <a:lnRef idx="1">
+            <a:schemeClr val="accent1"/>
+          </a:lnRef>
+          <a:fillRef idx="0">
+            <a:schemeClr val="accent1"/>
+          </a:fillRef>
+          <a:effectRef idx="0">
+            <a:schemeClr val="accent1"/>
+          </a:effectRef>
+          <a:fontRef idx="minor">
+            <a:schemeClr val="tx1"/>
+          </a:fontRef>
+        </p:style>
+      </p:cxnSp>
+      <p:sp>
+        <p:nvSpPr>
+          <p:cNvPr id="30" name="Rectangle 29"/>
+          <p:cNvSpPr/>
+          <p:nvPr/>
+        </p:nvSpPr>
+        <p:spPr>
+          <a:xfrm>
+            <a:off x="3628385" y="4793783"/>
+            <a:ext cx="609600" cy="550783"/>
+          </a:xfrm>
+          <a:prstGeom prst="rect">
+            <a:avLst/>
+          </a:prstGeom>
+          <a:pattFill prst="smConfetti">
+            <a:fgClr>
+              <a:schemeClr val="bg1">
+                <a:lumMod val="50000"/>
+              </a:schemeClr>
+            </a:fgClr>
+            <a:bgClr>
+              <a:schemeClr val="bg1"/>
+            </a:bgClr>
+          </a:pattFill>
+          <a:ln>
+            <a:solidFill>
+              <a:schemeClr val="bg1">
+                <a:lumMod val="75000"/>
+              </a:schemeClr>
+            </a:solidFill>
+          </a:ln>
+        </p:spPr>
+        <p:style>
+          <a:lnRef idx="2">
+            <a:schemeClr val="accent1">
+              <a:shade val="50000"/>
+            </a:schemeClr>
+          </a:lnRef>
+          <a:fillRef idx="1">
+            <a:schemeClr val="accent1"/>
+          </a:fillRef>
+          <a:effectRef idx="0">
+            <a:schemeClr val="accent1"/>
+          </a:effectRef>
+          <a:fontRef idx="minor">
+            <a:schemeClr val="lt1"/>
+          </a:fontRef>
+        </p:style>
+        <p:txBody>
+          <a:bodyPr rtlCol="0" anchor="ctr"/>
+          <a:lstStyle/>
+          <a:p>
+            <a:pPr algn="ctr"/>
+            <a:endParaRPr lang="en-US"/>
+          </a:p>
+        </p:txBody>
+      </p:sp>
+      <p:sp>
+        <p:nvSpPr>
+          <p:cNvPr id="32" name="TextBox 31"/>
+          <p:cNvSpPr txBox="1"/>
+          <p:nvPr/>
+        </p:nvSpPr>
+        <p:spPr>
+          <a:xfrm>
+            <a:off x="2268296" y="6338143"/>
+            <a:ext cx="276038" cy="307777"/>
+          </a:xfrm>
+          <a:prstGeom prst="rect">
+            <a:avLst/>
+          </a:prstGeom>
+          <a:noFill/>
+        </p:spPr>
+        <p:txBody>
+          <a:bodyPr wrap="none" rtlCol="0">
+            <a:spAutoFit/>
+          </a:bodyPr>
+          <a:lstStyle/>
+          <a:p>
+            <a:r>
+              <a:rPr lang="en-US" sz="1400" dirty="0" smtClean="0"/>
+              <a:t>0</a:t>
+            </a:r>
+            <a:endParaRPr lang="en-US" sz="1400" dirty="0"/>
+          </a:p>
+        </p:txBody>
+      </p:sp>
+      <p:sp>
+        <p:nvSpPr>
+          <p:cNvPr id="33" name="TextBox 32"/>
+          <p:cNvSpPr txBox="1"/>
+          <p:nvPr/>
+        </p:nvSpPr>
+        <p:spPr>
+          <a:xfrm>
+            <a:off x="1110915" y="4582567"/>
+            <a:ext cx="1061060" cy="523220"/>
+          </a:xfrm>
+          <a:prstGeom prst="rect">
+            <a:avLst/>
+          </a:prstGeom>
+          <a:noFill/>
+        </p:spPr>
+        <p:txBody>
+          <a:bodyPr wrap="none" rtlCol="0">
+            <a:spAutoFit/>
+          </a:bodyPr>
+          <a:lstStyle/>
+          <a:p>
+            <a:pPr algn="ctr"/>
+            <a:r>
+              <a:rPr lang="en-US" sz="1400" b="1" dirty="0" smtClean="0"/>
+              <a:t>Data Values</a:t>
+            </a:r>
+          </a:p>
+          <a:p>
+            <a:pPr algn="ctr"/>
+            <a:r>
+              <a:rPr lang="en-US" sz="1400" b="1" dirty="0" smtClean="0"/>
+              <a:t>(x)</a:t>
+            </a:r>
+            <a:endParaRPr lang="en-US" sz="1400" b="1" dirty="0"/>
+          </a:p>
+        </p:txBody>
+      </p:sp>
+      <p:cxnSp>
+        <p:nvCxnSpPr>
+          <p:cNvPr id="35" name="Straight Connector 34"/>
+          <p:cNvCxnSpPr/>
+          <p:nvPr/>
+        </p:nvCxnSpPr>
+        <p:spPr>
+          <a:xfrm>
+            <a:off x="3628385" y="4963567"/>
+            <a:ext cx="609600" cy="0"/>
+          </a:xfrm>
+          <a:prstGeom prst="line">
+            <a:avLst/>
+          </a:prstGeom>
+          <a:ln w="19050">
+            <a:solidFill>
+              <a:schemeClr val="bg1">
+                <a:lumMod val="50000"/>
+              </a:schemeClr>
+            </a:solidFill>
+          </a:ln>
+        </p:spPr>
+        <p:style>
+          <a:lnRef idx="1">
+            <a:schemeClr val="accent1"/>
+          </a:lnRef>
+          <a:fillRef idx="0">
+            <a:schemeClr val="accent1"/>
+          </a:fillRef>
+          <a:effectRef idx="0">
+            <a:schemeClr val="accent1"/>
+          </a:effectRef>
+          <a:fontRef idx="minor">
+            <a:schemeClr val="tx1"/>
+          </a:fontRef>
+        </p:style>
+      </p:cxnSp>
+      <p:cxnSp>
+        <p:nvCxnSpPr>
+          <p:cNvPr id="40" name="Straight Connector 39"/>
+          <p:cNvCxnSpPr/>
+          <p:nvPr/>
+        </p:nvCxnSpPr>
+        <p:spPr>
+          <a:xfrm flipV="1">
+            <a:off x="3933185" y="4117329"/>
+            <a:ext cx="0" cy="830345"/>
+          </a:xfrm>
+          <a:prstGeom prst="line">
+            <a:avLst/>
+          </a:prstGeom>
+          <a:ln w="19050">
+            <a:solidFill>
+              <a:schemeClr val="bg1">
+                <a:lumMod val="50000"/>
+              </a:schemeClr>
+            </a:solidFill>
+          </a:ln>
+        </p:spPr>
+        <p:style>
+          <a:lnRef idx="1">
+            <a:schemeClr val="accent1"/>
+          </a:lnRef>
+          <a:fillRef idx="0">
+            <a:schemeClr val="accent1"/>
+          </a:fillRef>
+          <a:effectRef idx="0">
+            <a:schemeClr val="accent1"/>
+          </a:effectRef>
+          <a:fontRef idx="minor">
+            <a:schemeClr val="tx1"/>
+          </a:fontRef>
+        </p:style>
+      </p:cxnSp>
+      <p:cxnSp>
+        <p:nvCxnSpPr>
+          <p:cNvPr id="41" name="Straight Connector 40"/>
+          <p:cNvCxnSpPr/>
+          <p:nvPr/>
+        </p:nvCxnSpPr>
+        <p:spPr>
+          <a:xfrm flipV="1">
+            <a:off x="3933185" y="4980951"/>
+            <a:ext cx="0" cy="1049412"/>
+          </a:xfrm>
+          <a:prstGeom prst="line">
+            <a:avLst/>
+          </a:prstGeom>
+          <a:ln w="19050">
+            <a:solidFill>
+              <a:schemeClr val="bg1">
+                <a:lumMod val="50000"/>
+              </a:schemeClr>
+            </a:solidFill>
+          </a:ln>
+        </p:spPr>
+        <p:style>
+          <a:lnRef idx="1">
+            <a:schemeClr val="accent1"/>
+          </a:lnRef>
+          <a:fillRef idx="0">
+            <a:schemeClr val="accent1"/>
+          </a:fillRef>
+          <a:effectRef idx="0">
+            <a:schemeClr val="accent1"/>
+          </a:effectRef>
+          <a:fontRef idx="minor">
+            <a:schemeClr val="tx1"/>
+          </a:fontRef>
+        </p:style>
+      </p:cxnSp>
+      <p:sp>
+        <p:nvSpPr>
+          <p:cNvPr id="47" name="TextBox 46"/>
+          <p:cNvSpPr txBox="1"/>
+          <p:nvPr/>
+        </p:nvSpPr>
+        <p:spPr>
+          <a:xfrm>
+            <a:off x="4750581" y="3963441"/>
+            <a:ext cx="1744965" cy="307777"/>
+          </a:xfrm>
+          <a:prstGeom prst="rect">
+            <a:avLst/>
+          </a:prstGeom>
+          <a:noFill/>
+        </p:spPr>
+        <p:txBody>
+          <a:bodyPr wrap="none" rtlCol="0">
+            <a:spAutoFit/>
+          </a:bodyPr>
+          <a:lstStyle/>
+          <a:p>
+            <a:r>
+              <a:rPr lang="en-US" sz="1400" b="1" dirty="0" smtClean="0">
+                <a:solidFill>
+                  <a:schemeClr val="accent6">
+                    <a:lumMod val="75000"/>
+                  </a:schemeClr>
+                </a:solidFill>
+              </a:rPr>
+              <a:t>Inner Fence (1.5 IQR)</a:t>
+            </a:r>
+            <a:endParaRPr lang="en-US" sz="1400" b="1" dirty="0">
+              <a:solidFill>
+                <a:schemeClr val="accent6">
+                  <a:lumMod val="75000"/>
+                </a:schemeClr>
+              </a:solidFill>
+            </a:endParaRPr>
+          </a:p>
+        </p:txBody>
+      </p:sp>
+      <p:cxnSp>
+        <p:nvCxnSpPr>
+          <p:cNvPr id="48" name="Straight Arrow Connector 47"/>
+          <p:cNvCxnSpPr/>
+          <p:nvPr/>
+        </p:nvCxnSpPr>
+        <p:spPr>
+          <a:xfrm flipH="1">
+            <a:off x="4407839" y="4144417"/>
+            <a:ext cx="305864" cy="0"/>
+          </a:xfrm>
+          <a:prstGeom prst="straightConnector1">
+            <a:avLst/>
+          </a:prstGeom>
+          <a:ln w="15875">
+            <a:solidFill>
+              <a:schemeClr val="accent6">
+                <a:lumMod val="75000"/>
+              </a:schemeClr>
+            </a:solidFill>
+            <a:tailEnd type="arrow"/>
+          </a:ln>
+        </p:spPr>
+        <p:style>
+          <a:lnRef idx="1">
+            <a:schemeClr val="accent1"/>
+          </a:lnRef>
+          <a:fillRef idx="0">
+            <a:schemeClr val="accent1"/>
+          </a:fillRef>
+          <a:effectRef idx="0">
+            <a:schemeClr val="accent1"/>
+          </a:effectRef>
+          <a:fontRef idx="minor">
+            <a:schemeClr val="tx1"/>
+          </a:fontRef>
+        </p:style>
+      </p:cxnSp>
+      <p:sp>
+        <p:nvSpPr>
+          <p:cNvPr id="49" name="Left Brace 48"/>
+          <p:cNvSpPr/>
+          <p:nvPr/>
+        </p:nvSpPr>
+        <p:spPr>
+          <a:xfrm>
+            <a:off x="3171185" y="4793782"/>
+            <a:ext cx="304800" cy="518161"/>
+          </a:xfrm>
+          <a:prstGeom prst="leftBrace">
+            <a:avLst/>
+          </a:prstGeom>
+          <a:ln w="19050">
+            <a:solidFill>
+              <a:schemeClr val="accent2">
+                <a:lumMod val="75000"/>
+              </a:schemeClr>
+            </a:solidFill>
+          </a:ln>
+        </p:spPr>
+        <p:style>
+          <a:lnRef idx="1">
+            <a:schemeClr val="accent1"/>
+          </a:lnRef>
+          <a:fillRef idx="0">
+            <a:schemeClr val="accent1"/>
+          </a:fillRef>
+          <a:effectRef idx="0">
+            <a:schemeClr val="accent1"/>
+          </a:effectRef>
+          <a:fontRef idx="minor">
+            <a:schemeClr val="tx1"/>
+          </a:fontRef>
+        </p:style>
+        <p:txBody>
+          <a:bodyPr rtlCol="0" anchor="ctr"/>
+          <a:lstStyle/>
+          <a:p>
+            <a:pPr algn="ctr"/>
+            <a:endParaRPr lang="en-US"/>
+          </a:p>
+        </p:txBody>
+      </p:sp>
+      <p:sp>
+        <p:nvSpPr>
+          <p:cNvPr id="50" name="TextBox 49"/>
+          <p:cNvSpPr txBox="1"/>
+          <p:nvPr/>
+        </p:nvSpPr>
+        <p:spPr>
+          <a:xfrm>
+            <a:off x="2572647" y="4701957"/>
+            <a:ext cx="569387" cy="523220"/>
+          </a:xfrm>
+          <a:prstGeom prst="rect">
+            <a:avLst/>
+          </a:prstGeom>
+          <a:noFill/>
+        </p:spPr>
+        <p:txBody>
+          <a:bodyPr wrap="none" rtlCol="0">
+            <a:spAutoFit/>
+          </a:bodyPr>
+          <a:lstStyle/>
+          <a:p>
+            <a:r>
+              <a:rPr lang="en-US" sz="1400" b="1" dirty="0" smtClean="0">
+                <a:solidFill>
+                  <a:schemeClr val="accent2">
+                    <a:lumMod val="75000"/>
+                  </a:schemeClr>
+                </a:solidFill>
+              </a:rPr>
+              <a:t>Box</a:t>
+            </a:r>
+          </a:p>
+          <a:p>
+            <a:r>
+              <a:rPr lang="en-US" sz="1400" b="1" dirty="0" smtClean="0">
+                <a:solidFill>
+                  <a:schemeClr val="accent2">
+                    <a:lumMod val="75000"/>
+                  </a:schemeClr>
+                </a:solidFill>
+              </a:rPr>
+              <a:t>(IQR)</a:t>
+            </a:r>
+            <a:endParaRPr lang="en-US" sz="1400" b="1" dirty="0">
+              <a:solidFill>
+                <a:schemeClr val="accent2">
+                  <a:lumMod val="75000"/>
+                </a:schemeClr>
+              </a:solidFill>
+            </a:endParaRPr>
+          </a:p>
+        </p:txBody>
+      </p:sp>
+      <p:cxnSp>
+        <p:nvCxnSpPr>
+          <p:cNvPr id="52" name="Straight Connector 51"/>
+          <p:cNvCxnSpPr/>
+          <p:nvPr/>
+        </p:nvCxnSpPr>
+        <p:spPr>
+          <a:xfrm>
+            <a:off x="3728397" y="4117329"/>
+            <a:ext cx="381000" cy="0"/>
+          </a:xfrm>
+          <a:prstGeom prst="line">
+            <a:avLst/>
+          </a:prstGeom>
+          <a:ln w="15875">
+            <a:solidFill>
+              <a:schemeClr val="bg1">
+                <a:lumMod val="50000"/>
+              </a:schemeClr>
+            </a:solidFill>
+          </a:ln>
+        </p:spPr>
+        <p:style>
+          <a:lnRef idx="1">
+            <a:schemeClr val="accent1"/>
+          </a:lnRef>
+          <a:fillRef idx="0">
+            <a:schemeClr val="accent1"/>
+          </a:fillRef>
+          <a:effectRef idx="0">
+            <a:schemeClr val="accent1"/>
+          </a:effectRef>
+          <a:fontRef idx="minor">
+            <a:schemeClr val="tx1"/>
+          </a:fontRef>
+        </p:style>
+      </p:cxnSp>
+      <p:cxnSp>
+        <p:nvCxnSpPr>
+          <p:cNvPr id="53" name="Straight Connector 52"/>
+          <p:cNvCxnSpPr/>
+          <p:nvPr/>
+        </p:nvCxnSpPr>
+        <p:spPr>
+          <a:xfrm>
+            <a:off x="3742685" y="6030363"/>
+            <a:ext cx="381000" cy="0"/>
+          </a:xfrm>
+          <a:prstGeom prst="line">
+            <a:avLst/>
+          </a:prstGeom>
+          <a:ln w="15875">
+            <a:solidFill>
+              <a:schemeClr val="bg1">
+                <a:lumMod val="50000"/>
+              </a:schemeClr>
+            </a:solidFill>
+          </a:ln>
+        </p:spPr>
+        <p:style>
+          <a:lnRef idx="1">
+            <a:schemeClr val="accent1"/>
+          </a:lnRef>
+          <a:fillRef idx="0">
+            <a:schemeClr val="accent1"/>
+          </a:fillRef>
+          <a:effectRef idx="0">
+            <a:schemeClr val="accent1"/>
+          </a:effectRef>
+          <a:fontRef idx="minor">
+            <a:schemeClr val="tx1"/>
+          </a:fontRef>
+        </p:style>
+      </p:cxnSp>
+      <p:cxnSp>
+        <p:nvCxnSpPr>
+          <p:cNvPr id="55" name="Straight Arrow Connector 54"/>
+          <p:cNvCxnSpPr/>
+          <p:nvPr/>
+        </p:nvCxnSpPr>
+        <p:spPr>
+          <a:xfrm flipH="1">
+            <a:off x="4494096" y="6030363"/>
+            <a:ext cx="305864" cy="0"/>
+          </a:xfrm>
+          <a:prstGeom prst="straightConnector1">
+            <a:avLst/>
+          </a:prstGeom>
+          <a:ln w="15875">
+            <a:solidFill>
+              <a:schemeClr val="accent6">
+                <a:lumMod val="75000"/>
+              </a:schemeClr>
+            </a:solidFill>
+            <a:tailEnd type="arrow"/>
+          </a:ln>
+        </p:spPr>
+        <p:style>
+          <a:lnRef idx="1">
+            <a:schemeClr val="accent1"/>
+          </a:lnRef>
+          <a:fillRef idx="0">
+            <a:schemeClr val="accent1"/>
+          </a:fillRef>
+          <a:effectRef idx="0">
+            <a:schemeClr val="accent1"/>
+          </a:effectRef>
+          <a:fontRef idx="minor">
+            <a:schemeClr val="tx1"/>
+          </a:fontRef>
+        </p:style>
+      </p:cxnSp>
+      <p:sp>
+        <p:nvSpPr>
+          <p:cNvPr id="56" name="TextBox 55"/>
+          <p:cNvSpPr txBox="1"/>
+          <p:nvPr/>
+        </p:nvSpPr>
+        <p:spPr>
+          <a:xfrm>
+            <a:off x="4828535" y="5876474"/>
+            <a:ext cx="1744965" cy="307777"/>
+          </a:xfrm>
+          <a:prstGeom prst="rect">
+            <a:avLst/>
+          </a:prstGeom>
+          <a:noFill/>
+        </p:spPr>
+        <p:txBody>
+          <a:bodyPr wrap="none" rtlCol="0">
+            <a:spAutoFit/>
+          </a:bodyPr>
+          <a:lstStyle/>
+          <a:p>
+            <a:r>
+              <a:rPr lang="en-US" sz="1400" b="1" dirty="0" smtClean="0">
+                <a:solidFill>
+                  <a:schemeClr val="accent6">
+                    <a:lumMod val="75000"/>
+                  </a:schemeClr>
+                </a:solidFill>
+              </a:rPr>
+              <a:t>Inner Fence (1.5 IQR)</a:t>
+            </a:r>
+            <a:endParaRPr lang="en-US" sz="1400" b="1" dirty="0">
+              <a:solidFill>
+                <a:schemeClr val="accent6">
+                  <a:lumMod val="75000"/>
+                </a:schemeClr>
+              </a:solidFill>
+            </a:endParaRPr>
+          </a:p>
+        </p:txBody>
+      </p:sp>
+      <p:cxnSp>
+        <p:nvCxnSpPr>
+          <p:cNvPr id="57" name="Straight Arrow Connector 56"/>
+          <p:cNvCxnSpPr/>
+          <p:nvPr/>
+        </p:nvCxnSpPr>
+        <p:spPr>
+          <a:xfrm flipH="1">
+            <a:off x="4341164" y="3276600"/>
+            <a:ext cx="305864" cy="0"/>
+          </a:xfrm>
+          <a:prstGeom prst="straightConnector1">
+            <a:avLst/>
+          </a:prstGeom>
+          <a:ln w="15875">
+            <a:solidFill>
+              <a:schemeClr val="accent6">
+                <a:lumMod val="75000"/>
+              </a:schemeClr>
+            </a:solidFill>
+            <a:tailEnd type="arrow"/>
+          </a:ln>
+        </p:spPr>
+        <p:style>
+          <a:lnRef idx="1">
+            <a:schemeClr val="accent1"/>
+          </a:lnRef>
+          <a:fillRef idx="0">
+            <a:schemeClr val="accent1"/>
+          </a:fillRef>
+          <a:effectRef idx="0">
+            <a:schemeClr val="accent1"/>
+          </a:effectRef>
+          <a:fontRef idx="minor">
+            <a:schemeClr val="tx1"/>
+          </a:fontRef>
+        </p:style>
+      </p:cxnSp>
+      <p:sp>
+        <p:nvSpPr>
+          <p:cNvPr id="12" name="Oval 11"/>
+          <p:cNvSpPr/>
+          <p:nvPr/>
+        </p:nvSpPr>
+        <p:spPr>
+          <a:xfrm>
+            <a:off x="3918897" y="6184251"/>
+            <a:ext cx="95250" cy="76946"/>
+          </a:xfrm>
+          <a:prstGeom prst="ellipse">
+            <a:avLst/>
+          </a:prstGeom>
+          <a:solidFill>
+            <a:schemeClr val="bg1"/>
+          </a:solidFill>
+          <a:ln w="12700">
+            <a:solidFill>
+              <a:schemeClr val="tx1"/>
+            </a:solidFill>
+          </a:ln>
+        </p:spPr>
+        <p:style>
+          <a:lnRef idx="2">
+            <a:schemeClr val="accent1">
+              <a:shade val="50000"/>
+            </a:schemeClr>
+          </a:lnRef>
+          <a:fillRef idx="1">
+            <a:schemeClr val="accent1"/>
+          </a:fillRef>
+          <a:effectRef idx="0">
+            <a:schemeClr val="accent1"/>
+          </a:effectRef>
+          <a:fontRef idx="minor">
+            <a:schemeClr val="lt1"/>
+          </a:fontRef>
+        </p:style>
+        <p:txBody>
+          <a:bodyPr rtlCol="0" anchor="ctr"/>
+          <a:lstStyle/>
+          <a:p>
+            <a:pPr algn="ctr"/>
+            <a:endParaRPr lang="en-US"/>
+          </a:p>
+        </p:txBody>
+      </p:sp>
+      <p:sp>
+        <p:nvSpPr>
+          <p:cNvPr id="43" name="Oval 42"/>
+          <p:cNvSpPr/>
+          <p:nvPr/>
+        </p:nvSpPr>
+        <p:spPr>
+          <a:xfrm>
+            <a:off x="3870725" y="3963441"/>
+            <a:ext cx="95250" cy="76946"/>
+          </a:xfrm>
+          <a:prstGeom prst="ellipse">
+            <a:avLst/>
+          </a:prstGeom>
+          <a:solidFill>
+            <a:schemeClr val="bg1"/>
+          </a:solidFill>
+          <a:ln w="12700">
+            <a:solidFill>
+              <a:schemeClr val="tx1"/>
+            </a:solidFill>
+          </a:ln>
+        </p:spPr>
+        <p:style>
+          <a:lnRef idx="2">
+            <a:schemeClr val="accent1">
+              <a:shade val="50000"/>
+            </a:schemeClr>
+          </a:lnRef>
+          <a:fillRef idx="1">
+            <a:schemeClr val="accent1"/>
+          </a:fillRef>
+          <a:effectRef idx="0">
+            <a:schemeClr val="accent1"/>
+          </a:effectRef>
+          <a:fontRef idx="minor">
+            <a:schemeClr val="lt1"/>
+          </a:fontRef>
+        </p:style>
+        <p:txBody>
+          <a:bodyPr rtlCol="0" anchor="ctr"/>
+          <a:lstStyle/>
+          <a:p>
+            <a:pPr algn="ctr"/>
+            <a:endParaRPr lang="en-US"/>
+          </a:p>
+        </p:txBody>
+      </p:sp>
+      <p:sp>
+        <p:nvSpPr>
+          <p:cNvPr id="44" name="Oval 43"/>
+          <p:cNvSpPr/>
+          <p:nvPr/>
+        </p:nvSpPr>
+        <p:spPr>
+          <a:xfrm>
+            <a:off x="3870725" y="3805158"/>
+            <a:ext cx="95250" cy="76946"/>
+          </a:xfrm>
+          <a:prstGeom prst="ellipse">
+            <a:avLst/>
+          </a:prstGeom>
+          <a:solidFill>
+            <a:schemeClr val="bg1"/>
+          </a:solidFill>
+          <a:ln w="12700">
+            <a:solidFill>
+              <a:schemeClr val="tx1"/>
+            </a:solidFill>
+          </a:ln>
+        </p:spPr>
+        <p:style>
+          <a:lnRef idx="2">
+            <a:schemeClr val="accent1">
+              <a:shade val="50000"/>
+            </a:schemeClr>
+          </a:lnRef>
+          <a:fillRef idx="1">
+            <a:schemeClr val="accent1"/>
+          </a:fillRef>
+          <a:effectRef idx="0">
+            <a:schemeClr val="accent1"/>
+          </a:effectRef>
+          <a:fontRef idx="minor">
+            <a:schemeClr val="lt1"/>
+          </a:fontRef>
+        </p:style>
+        <p:txBody>
+          <a:bodyPr rtlCol="0" anchor="ctr"/>
+          <a:lstStyle/>
+          <a:p>
+            <a:pPr algn="ctr"/>
+            <a:endParaRPr lang="en-US"/>
+          </a:p>
+        </p:txBody>
+      </p:sp>
+      <p:sp>
+        <p:nvSpPr>
+          <p:cNvPr id="51" name="TextBox 50"/>
+          <p:cNvSpPr txBox="1"/>
+          <p:nvPr/>
+        </p:nvSpPr>
+        <p:spPr>
+          <a:xfrm>
+            <a:off x="4731531" y="3112054"/>
+            <a:ext cx="1643399" cy="307777"/>
+          </a:xfrm>
+          <a:prstGeom prst="rect">
+            <a:avLst/>
+          </a:prstGeom>
+          <a:noFill/>
+        </p:spPr>
+        <p:txBody>
+          <a:bodyPr wrap="none" rtlCol="0">
+            <a:spAutoFit/>
+          </a:bodyPr>
+          <a:lstStyle/>
+          <a:p>
+            <a:r>
+              <a:rPr lang="en-US" sz="1400" b="1" dirty="0" smtClean="0">
+                <a:solidFill>
+                  <a:schemeClr val="accent6">
+                    <a:lumMod val="75000"/>
+                  </a:schemeClr>
+                </a:solidFill>
+              </a:rPr>
+              <a:t>Outer Fence (3 IQR)</a:t>
+            </a:r>
+            <a:endParaRPr lang="en-US" sz="1400" b="1" dirty="0">
+              <a:solidFill>
+                <a:schemeClr val="accent6">
+                  <a:lumMod val="75000"/>
+                </a:schemeClr>
+              </a:solidFill>
+            </a:endParaRPr>
+          </a:p>
+        </p:txBody>
+      </p:sp>
+      <p:sp>
+        <p:nvSpPr>
+          <p:cNvPr id="54" name="Oval 53"/>
+          <p:cNvSpPr/>
+          <p:nvPr/>
+        </p:nvSpPr>
+        <p:spPr>
+          <a:xfrm>
+            <a:off x="3836200" y="3127008"/>
+            <a:ext cx="95250" cy="76946"/>
+          </a:xfrm>
+          <a:prstGeom prst="ellipse">
+            <a:avLst/>
+          </a:prstGeom>
+          <a:solidFill>
+            <a:schemeClr val="tx1"/>
+          </a:solidFill>
+          <a:ln w="12700">
+            <a:solidFill>
+              <a:schemeClr val="tx1"/>
+            </a:solidFill>
+          </a:ln>
+        </p:spPr>
+        <p:style>
+          <a:lnRef idx="2">
+            <a:schemeClr val="accent1">
+              <a:shade val="50000"/>
+            </a:schemeClr>
+          </a:lnRef>
+          <a:fillRef idx="1">
+            <a:schemeClr val="accent1"/>
+          </a:fillRef>
+          <a:effectRef idx="0">
+            <a:schemeClr val="accent1"/>
+          </a:effectRef>
+          <a:fontRef idx="minor">
+            <a:schemeClr val="lt1"/>
+          </a:fontRef>
+        </p:style>
+        <p:txBody>
+          <a:bodyPr rtlCol="0" anchor="ctr"/>
+          <a:lstStyle/>
+          <a:p>
+            <a:pPr algn="ctr"/>
+            <a:endParaRPr lang="en-US"/>
+          </a:p>
+        </p:txBody>
+      </p:sp>
+      <p:sp>
+        <p:nvSpPr>
+          <p:cNvPr id="59" name="TextBox 58"/>
+          <p:cNvSpPr txBox="1"/>
+          <p:nvPr/>
+        </p:nvSpPr>
+        <p:spPr>
+          <a:xfrm>
+            <a:off x="2544334" y="3004658"/>
+            <a:ext cx="708848" cy="307777"/>
+          </a:xfrm>
+          <a:prstGeom prst="rect">
+            <a:avLst/>
+          </a:prstGeom>
+          <a:noFill/>
+        </p:spPr>
+        <p:txBody>
+          <a:bodyPr wrap="none" rtlCol="0">
+            <a:spAutoFit/>
+          </a:bodyPr>
+          <a:lstStyle/>
+          <a:p>
+            <a:r>
+              <a:rPr lang="en-US" sz="1400" b="1" dirty="0" smtClean="0">
+                <a:solidFill>
+                  <a:schemeClr val="accent2">
+                    <a:lumMod val="75000"/>
+                  </a:schemeClr>
+                </a:solidFill>
+              </a:rPr>
+              <a:t>Outlier</a:t>
+            </a:r>
+            <a:endParaRPr lang="en-US" sz="1400" b="1" dirty="0">
+              <a:solidFill>
+                <a:schemeClr val="accent2">
+                  <a:lumMod val="75000"/>
+                </a:schemeClr>
+              </a:solidFill>
+            </a:endParaRPr>
+          </a:p>
+        </p:txBody>
+      </p:sp>
+      <p:cxnSp>
+        <p:nvCxnSpPr>
+          <p:cNvPr id="61" name="Straight Arrow Connector 60"/>
+          <p:cNvCxnSpPr/>
+          <p:nvPr/>
+        </p:nvCxnSpPr>
+        <p:spPr>
+          <a:xfrm flipV="1">
+            <a:off x="3253182" y="3165481"/>
+            <a:ext cx="304800" cy="9527"/>
+          </a:xfrm>
+          <a:prstGeom prst="straightConnector1">
+            <a:avLst/>
+          </a:prstGeom>
+          <a:ln w="19050">
+            <a:solidFill>
+              <a:schemeClr val="accent2">
+                <a:lumMod val="75000"/>
+              </a:schemeClr>
+            </a:solidFill>
+            <a:tailEnd type="arrow"/>
+          </a:ln>
+        </p:spPr>
+        <p:style>
+          <a:lnRef idx="1">
+            <a:schemeClr val="accent1"/>
+          </a:lnRef>
+          <a:fillRef idx="0">
+            <a:schemeClr val="accent1"/>
+          </a:fillRef>
+          <a:effectRef idx="0">
+            <a:schemeClr val="accent1"/>
+          </a:effectRef>
+          <a:fontRef idx="minor">
+            <a:schemeClr val="tx1"/>
+          </a:fontRef>
+        </p:style>
+      </p:cxnSp>
+      <p:sp>
+        <p:nvSpPr>
+          <p:cNvPr id="66" name="TextBox 65"/>
+          <p:cNvSpPr txBox="1"/>
+          <p:nvPr/>
+        </p:nvSpPr>
+        <p:spPr>
+          <a:xfrm>
+            <a:off x="2507532" y="3630688"/>
+            <a:ext cx="945515" cy="523220"/>
+          </a:xfrm>
+          <a:prstGeom prst="rect">
+            <a:avLst/>
+          </a:prstGeom>
+          <a:noFill/>
+        </p:spPr>
+        <p:txBody>
+          <a:bodyPr wrap="none" rtlCol="0">
+            <a:spAutoFit/>
+          </a:bodyPr>
+          <a:lstStyle/>
+          <a:p>
+            <a:r>
+              <a:rPr lang="en-US" sz="1400" b="1" dirty="0" smtClean="0">
+                <a:solidFill>
+                  <a:schemeClr val="accent2">
+                    <a:lumMod val="75000"/>
+                  </a:schemeClr>
+                </a:solidFill>
+              </a:rPr>
+              <a:t>Suspected</a:t>
+            </a:r>
+          </a:p>
+          <a:p>
+            <a:r>
+              <a:rPr lang="en-US" sz="1400" b="1" dirty="0" smtClean="0">
+                <a:solidFill>
+                  <a:schemeClr val="accent2">
+                    <a:lumMod val="75000"/>
+                  </a:schemeClr>
+                </a:solidFill>
+              </a:rPr>
+              <a:t>Outliers</a:t>
+            </a:r>
+            <a:endParaRPr lang="en-US" sz="1400" b="1" dirty="0">
+              <a:solidFill>
+                <a:schemeClr val="accent2">
+                  <a:lumMod val="75000"/>
+                </a:schemeClr>
+              </a:solidFill>
+            </a:endParaRPr>
+          </a:p>
+        </p:txBody>
+      </p:sp>
+      <p:cxnSp>
+        <p:nvCxnSpPr>
+          <p:cNvPr id="68" name="Straight Arrow Connector 67"/>
+          <p:cNvCxnSpPr/>
+          <p:nvPr/>
+        </p:nvCxnSpPr>
+        <p:spPr>
+          <a:xfrm flipV="1">
+            <a:off x="3267704" y="3938045"/>
+            <a:ext cx="304800" cy="9527"/>
+          </a:xfrm>
+          <a:prstGeom prst="straightConnector1">
+            <a:avLst/>
+          </a:prstGeom>
+          <a:ln w="19050">
+            <a:solidFill>
+              <a:schemeClr val="accent2">
+                <a:lumMod val="75000"/>
+              </a:schemeClr>
+            </a:solidFill>
+            <a:tailEnd type="arrow"/>
+          </a:ln>
+        </p:spPr>
+        <p:style>
+          <a:lnRef idx="1">
+            <a:schemeClr val="accent1"/>
+          </a:lnRef>
+          <a:fillRef idx="0">
+            <a:schemeClr val="accent1"/>
+          </a:fillRef>
+          <a:effectRef idx="0">
+            <a:schemeClr val="accent1"/>
+          </a:effectRef>
+          <a:fontRef idx="minor">
+            <a:schemeClr val="tx1"/>
+          </a:fontRef>
+        </p:style>
+      </p:cxnSp>
+      <p:sp>
+        <p:nvSpPr>
+          <p:cNvPr id="70" name="TextBox 69"/>
+          <p:cNvSpPr txBox="1"/>
+          <p:nvPr/>
+        </p:nvSpPr>
+        <p:spPr>
+          <a:xfrm>
+            <a:off x="2625865" y="6068835"/>
+            <a:ext cx="708848" cy="307777"/>
+          </a:xfrm>
+          <a:prstGeom prst="rect">
+            <a:avLst/>
+          </a:prstGeom>
+          <a:noFill/>
+        </p:spPr>
+        <p:txBody>
+          <a:bodyPr wrap="none" rtlCol="0">
+            <a:spAutoFit/>
+          </a:bodyPr>
+          <a:lstStyle/>
+          <a:p>
+            <a:r>
+              <a:rPr lang="en-US" sz="1400" b="1" dirty="0" smtClean="0">
+                <a:solidFill>
+                  <a:schemeClr val="accent2">
+                    <a:lumMod val="75000"/>
+                  </a:schemeClr>
+                </a:solidFill>
+              </a:rPr>
+              <a:t>Outlier</a:t>
+            </a:r>
+            <a:endParaRPr lang="en-US" sz="1400" b="1" dirty="0">
+              <a:solidFill>
+                <a:schemeClr val="accent2">
+                  <a:lumMod val="75000"/>
+                </a:schemeClr>
+              </a:solidFill>
+            </a:endParaRPr>
+          </a:p>
+        </p:txBody>
+      </p:sp>
+      <p:cxnSp>
+        <p:nvCxnSpPr>
+          <p:cNvPr id="71" name="Straight Arrow Connector 70"/>
+          <p:cNvCxnSpPr/>
+          <p:nvPr/>
+        </p:nvCxnSpPr>
+        <p:spPr>
+          <a:xfrm flipV="1">
+            <a:off x="3334713" y="6229658"/>
+            <a:ext cx="304800" cy="9527"/>
+          </a:xfrm>
+          <a:prstGeom prst="straightConnector1">
+            <a:avLst/>
+          </a:prstGeom>
+          <a:ln w="19050">
+            <a:solidFill>
+              <a:schemeClr val="accent2">
+                <a:lumMod val="75000"/>
+              </a:schemeClr>
+            </a:solidFill>
+            <a:tailEnd type="arrow"/>
+          </a:ln>
+        </p:spPr>
+        <p:style>
+          <a:lnRef idx="1">
+            <a:schemeClr val="accent1"/>
+          </a:lnRef>
+          <a:fillRef idx="0">
+            <a:schemeClr val="accent1"/>
+          </a:fillRef>
+          <a:effectRef idx="0">
+            <a:schemeClr val="accent1"/>
+          </a:effectRef>
+          <a:fontRef idx="minor">
+            <a:schemeClr val="tx1"/>
+          </a:fontRef>
+        </p:style>
+      </p:cxnSp>
+    </p:spTree>
+    <p:extLst>
+      <p:ext uri="{BB962C8B-B14F-4D97-AF65-F5344CB8AC3E}">
+        <p14:creationId xmlns:p14="http://schemas.microsoft.com/office/powerpoint/2010/main" val="3500485456"/>
+      </p:ext>
+    </p:extLst>
+  </p:cSld>
+  <p:clrMapOvr>
+    <a:masterClrMapping/>
+  </p:clrMapOvr>
+  <p:timing>
+    <p:tnLst>
+      <p:par>
+        <p:cTn id="1" dur="indefinite" restart="never" nodeType="tmRoot"/>
+      </p:par>
+    </p:tnLst>
+  </p:timing>
+</p:sld>
+</file>
+
 <file path=ppt/slides/slide2.xml><?xml version="1.0" encoding="utf-8"?>
 <p:sld xmlns:a="http://schemas.openxmlformats.org/drawingml/2006/main" xmlns:r="http://schemas.openxmlformats.org/officeDocument/2006/relationships" xmlns:p="http://schemas.openxmlformats.org/presentationml/2006/main">
   <p:cSld>
@@ -9071,13 +12088,7 @@
                             <a:rPr lang="en-US" b="0" i="1" smtClean="0">
                               <a:latin typeface="Cambria Math"/>
                             </a:rPr>
-                            <m:t>=</m:t>
-                          </m:r>
-                          <m:r>
-                            <a:rPr lang="en-US" b="0" i="1" smtClean="0">
-                              <a:latin typeface="Cambria Math"/>
-                            </a:rPr>
-                            <m:t>0</m:t>
+                            <m:t>=0</m:t>
                           </m:r>
                         </m:sub>
                         <m:sup>
@@ -12525,49 +15536,7 @@
                                   <m:nor/>
                                 </m:rPr>
                                 <a:rPr lang="en-US" sz="1200" dirty="0"/>
-                                <m:t>(</m:t>
-                              </m:r>
-                              <m:r>
-                                <m:rPr>
-                                  <m:nor/>
-                                </m:rPr>
-                                <a:rPr lang="en-US" sz="1200" dirty="0"/>
-                                <m:t>2</m:t>
-                              </m:r>
-                              <m:r>
-                                <m:rPr>
-                                  <m:nor/>
-                                </m:rPr>
-                                <a:rPr lang="en-US" sz="1200" dirty="0"/>
-                                <m:t>.</m:t>
-                              </m:r>
-                              <m:r>
-                                <m:rPr>
-                                  <m:nor/>
-                                </m:rPr>
-                                <a:rPr lang="en-US" sz="1200" dirty="0"/>
-                                <m:t>5 </m:t>
-                              </m:r>
-                              <m:r>
-                                <m:rPr>
-                                  <m:nor/>
-                                </m:rPr>
-                                <a:rPr lang="en-US" sz="1200" dirty="0"/>
-                                <m:t>– </m:t>
-                              </m:r>
-                              <m:r>
-                                <m:rPr>
-                                  <m:nor/>
-                                </m:rPr>
-                                <a:rPr lang="en-US" sz="1200" dirty="0"/>
-                                <m:t>1</m:t>
-                              </m:r>
-                              <m:r>
-                                <m:rPr>
-                                  <m:nor/>
-                                </m:rPr>
-                                <a:rPr lang="en-US" sz="1200" dirty="0"/>
-                                <m:t>)</m:t>
+                                <m:t>(2.5 – 1)</m:t>
                               </m:r>
                               <m:r>
                                 <m:rPr>
@@ -12581,49 +15550,7 @@
                                   <m:nor/>
                                 </m:rPr>
                                 <a:rPr lang="en-US" sz="1200" dirty="0"/>
-                                <m:t>+ (</m:t>
-                              </m:r>
-                              <m:r>
-                                <m:rPr>
-                                  <m:nor/>
-                                </m:rPr>
-                                <a:rPr lang="en-US" sz="1200" dirty="0"/>
-                                <m:t>2</m:t>
-                              </m:r>
-                              <m:r>
-                                <m:rPr>
-                                  <m:nor/>
-                                </m:rPr>
-                                <a:rPr lang="en-US" sz="1200" dirty="0"/>
-                                <m:t>.</m:t>
-                              </m:r>
-                              <m:r>
-                                <m:rPr>
-                                  <m:nor/>
-                                </m:rPr>
-                                <a:rPr lang="en-US" sz="1200" dirty="0"/>
-                                <m:t>5 </m:t>
-                              </m:r>
-                              <m:r>
-                                <m:rPr>
-                                  <m:nor/>
-                                </m:rPr>
-                                <a:rPr lang="en-US" sz="1200" dirty="0"/>
-                                <m:t>– </m:t>
-                              </m:r>
-                              <m:r>
-                                <m:rPr>
-                                  <m:nor/>
-                                </m:rPr>
-                                <a:rPr lang="en-US" sz="1200" dirty="0"/>
-                                <m:t>2</m:t>
-                              </m:r>
-                              <m:r>
-                                <m:rPr>
-                                  <m:nor/>
-                                </m:rPr>
-                                <a:rPr lang="en-US" sz="1200" dirty="0"/>
-                                <m:t>)</m:t>
+                                <m:t>+ (2.5 – 2)</m:t>
                               </m:r>
                               <m:r>
                                 <m:rPr>
@@ -12637,70 +15564,7 @@
                                   <m:nor/>
                                 </m:rPr>
                                 <a:rPr lang="en-US" sz="1200" dirty="0"/>
-                                <m:t> </m:t>
-                              </m:r>
-                              <m:r>
-                                <m:rPr>
-                                  <m:nor/>
-                                </m:rPr>
-                                <a:rPr lang="en-US" sz="1200" dirty="0"/>
-                                <m:t>+ (</m:t>
-                              </m:r>
-                              <m:r>
-                                <m:rPr>
-                                  <m:nor/>
-                                </m:rPr>
-                                <a:rPr lang="en-US" sz="1200" dirty="0"/>
-                                <m:t>2</m:t>
-                              </m:r>
-                              <m:r>
-                                <m:rPr>
-                                  <m:nor/>
-                                </m:rPr>
-                                <a:rPr lang="en-US" sz="1200" dirty="0"/>
-                                <m:t>.</m:t>
-                              </m:r>
-                              <m:r>
-                                <m:rPr>
-                                  <m:nor/>
-                                </m:rPr>
-                                <a:rPr lang="en-US" sz="1200" dirty="0"/>
-                                <m:t>5 </m:t>
-                              </m:r>
-                              <m:r>
-                                <m:rPr>
-                                  <m:nor/>
-                                </m:rPr>
-                                <a:rPr lang="en-US" sz="1200" dirty="0"/>
-                                <m:t>– </m:t>
-                              </m:r>
-                              <m:r>
-                                <m:rPr>
-                                  <m:nor/>
-                                </m:rPr>
-                                <a:rPr lang="en-US" sz="1200" dirty="0"/>
-                                <m:t>2</m:t>
-                              </m:r>
-                              <m:r>
-                                <m:rPr>
-                                  <m:nor/>
-                                </m:rPr>
-                                <a:rPr lang="en-US" sz="1200" dirty="0"/>
-                                <m:t>.</m:t>
-                              </m:r>
-                              <m:r>
-                                <m:rPr>
-                                  <m:nor/>
-                                </m:rPr>
-                                <a:rPr lang="en-US" sz="1200" dirty="0"/>
-                                <m:t>5</m:t>
-                              </m:r>
-                              <m:r>
-                                <m:rPr>
-                                  <m:nor/>
-                                </m:rPr>
-                                <a:rPr lang="en-US" sz="1200" dirty="0"/>
-                                <m:t>)</m:t>
+                                <m:t> + (2.5 – 2.5)</m:t>
                               </m:r>
                               <m:r>
                                 <m:rPr>
@@ -12714,63 +15578,7 @@
                                   <m:nor/>
                                 </m:rPr>
                                 <a:rPr lang="en-US" sz="1200" dirty="0"/>
-                                <m:t>+ (</m:t>
-                              </m:r>
-                              <m:r>
-                                <m:rPr>
-                                  <m:nor/>
-                                </m:rPr>
-                                <a:rPr lang="en-US" sz="1200" dirty="0"/>
-                                <m:t>2</m:t>
-                              </m:r>
-                              <m:r>
-                                <m:rPr>
-                                  <m:nor/>
-                                </m:rPr>
-                                <a:rPr lang="en-US" sz="1200" dirty="0"/>
-                                <m:t>.</m:t>
-                              </m:r>
-                              <m:r>
-                                <m:rPr>
-                                  <m:nor/>
-                                </m:rPr>
-                                <a:rPr lang="en-US" sz="1200" dirty="0"/>
-                                <m:t>5 </m:t>
-                              </m:r>
-                              <m:r>
-                                <m:rPr>
-                                  <m:nor/>
-                                </m:rPr>
-                                <a:rPr lang="en-US" sz="1200" dirty="0"/>
-                                <m:t>– </m:t>
-                              </m:r>
-                              <m:r>
-                                <m:rPr>
-                                  <m:nor/>
-                                </m:rPr>
-                                <a:rPr lang="en-US" sz="1200" dirty="0"/>
-                                <m:t>2</m:t>
-                              </m:r>
-                              <m:r>
-                                <m:rPr>
-                                  <m:nor/>
-                                </m:rPr>
-                                <a:rPr lang="en-US" sz="1200" dirty="0"/>
-                                <m:t>.</m:t>
-                              </m:r>
-                              <m:r>
-                                <m:rPr>
-                                  <m:nor/>
-                                </m:rPr>
-                                <a:rPr lang="en-US" sz="1200" dirty="0"/>
-                                <m:t>5</m:t>
-                              </m:r>
-                              <m:r>
-                                <m:rPr>
-                                  <m:nor/>
-                                </m:rPr>
-                                <a:rPr lang="en-US" sz="1200" dirty="0"/>
-                                <m:t>)</m:t>
+                                <m:t>+ (2.5 – 2.5)</m:t>
                               </m:r>
                               <m:r>
                                 <m:rPr>
@@ -12784,56 +15592,7 @@
                                   <m:nor/>
                                 </m:rPr>
                                 <a:rPr lang="en-US" sz="1200" dirty="0"/>
-                                <m:t> </m:t>
-                              </m:r>
-                              <m:r>
-                                <m:rPr>
-                                  <m:nor/>
-                                </m:rPr>
-                                <a:rPr lang="en-US" sz="1200" dirty="0"/>
-                                <m:t>+ (</m:t>
-                              </m:r>
-                              <m:r>
-                                <m:rPr>
-                                  <m:nor/>
-                                </m:rPr>
-                                <a:rPr lang="en-US" sz="1200" dirty="0"/>
-                                <m:t>2</m:t>
-                              </m:r>
-                              <m:r>
-                                <m:rPr>
-                                  <m:nor/>
-                                </m:rPr>
-                                <a:rPr lang="en-US" sz="1200" dirty="0"/>
-                                <m:t>.</m:t>
-                              </m:r>
-                              <m:r>
-                                <m:rPr>
-                                  <m:nor/>
-                                </m:rPr>
-                                <a:rPr lang="en-US" sz="1200" dirty="0"/>
-                                <m:t>5 </m:t>
-                              </m:r>
-                              <m:r>
-                                <m:rPr>
-                                  <m:nor/>
-                                </m:rPr>
-                                <a:rPr lang="en-US" sz="1200" dirty="0"/>
-                                <m:t>– </m:t>
-                              </m:r>
-                              <m:r>
-                                <m:rPr>
-                                  <m:nor/>
-                                </m:rPr>
-                                <a:rPr lang="en-US" sz="1200" dirty="0"/>
-                                <m:t>3</m:t>
-                              </m:r>
-                              <m:r>
-                                <m:rPr>
-                                  <m:nor/>
-                                </m:rPr>
-                                <a:rPr lang="en-US" sz="1200" dirty="0"/>
-                                <m:t>)</m:t>
+                                <m:t> + (2.5 – 3)</m:t>
                               </m:r>
                               <m:r>
                                 <m:rPr>
@@ -12847,56 +15606,7 @@
                                   <m:nor/>
                                 </m:rPr>
                                 <a:rPr lang="en-US" sz="1200" dirty="0"/>
-                                <m:t> </m:t>
-                              </m:r>
-                              <m:r>
-                                <m:rPr>
-                                  <m:nor/>
-                                </m:rPr>
-                                <a:rPr lang="en-US" sz="1200" dirty="0"/>
-                                <m:t>+ (</m:t>
-                              </m:r>
-                              <m:r>
-                                <m:rPr>
-                                  <m:nor/>
-                                </m:rPr>
-                                <a:rPr lang="en-US" sz="1200" dirty="0"/>
-                                <m:t>2</m:t>
-                              </m:r>
-                              <m:r>
-                                <m:rPr>
-                                  <m:nor/>
-                                </m:rPr>
-                                <a:rPr lang="en-US" sz="1200" dirty="0"/>
-                                <m:t>.</m:t>
-                              </m:r>
-                              <m:r>
-                                <m:rPr>
-                                  <m:nor/>
-                                </m:rPr>
-                                <a:rPr lang="en-US" sz="1200" dirty="0"/>
-                                <m:t>5 </m:t>
-                              </m:r>
-                              <m:r>
-                                <m:rPr>
-                                  <m:nor/>
-                                </m:rPr>
-                                <a:rPr lang="en-US" sz="1200" dirty="0"/>
-                                <m:t>– </m:t>
-                              </m:r>
-                              <m:r>
-                                <m:rPr>
-                                  <m:nor/>
-                                </m:rPr>
-                                <a:rPr lang="en-US" sz="1200" dirty="0"/>
-                                <m:t>3</m:t>
-                              </m:r>
-                              <m:r>
-                                <m:rPr>
-                                  <m:nor/>
-                                </m:rPr>
-                                <a:rPr lang="en-US" sz="1200" dirty="0"/>
-                                <m:t>)</m:t>
+                                <m:t> + (2.5 – 3)</m:t>
                               </m:r>
                               <m:r>
                                 <m:rPr>
@@ -12910,70 +15620,7 @@
                                   <m:nor/>
                                 </m:rPr>
                                 <a:rPr lang="en-US" sz="1200" dirty="0"/>
-                                <m:t> </m:t>
-                              </m:r>
-                              <m:r>
-                                <m:rPr>
-                                  <m:nor/>
-                                </m:rPr>
-                                <a:rPr lang="en-US" sz="1200" dirty="0"/>
-                                <m:t>+ (</m:t>
-                              </m:r>
-                              <m:r>
-                                <m:rPr>
-                                  <m:nor/>
-                                </m:rPr>
-                                <a:rPr lang="en-US" sz="1200" dirty="0"/>
-                                <m:t>2</m:t>
-                              </m:r>
-                              <m:r>
-                                <m:rPr>
-                                  <m:nor/>
-                                </m:rPr>
-                                <a:rPr lang="en-US" sz="1200" dirty="0"/>
-                                <m:t>.</m:t>
-                              </m:r>
-                              <m:r>
-                                <m:rPr>
-                                  <m:nor/>
-                                </m:rPr>
-                                <a:rPr lang="en-US" sz="1200" dirty="0"/>
-                                <m:t>5 </m:t>
-                              </m:r>
-                              <m:r>
-                                <m:rPr>
-                                  <m:nor/>
-                                </m:rPr>
-                                <a:rPr lang="en-US" sz="1200" dirty="0"/>
-                                <m:t>– </m:t>
-                              </m:r>
-                              <m:r>
-                                <m:rPr>
-                                  <m:nor/>
-                                </m:rPr>
-                                <a:rPr lang="en-US" sz="1200" dirty="0"/>
-                                <m:t>3</m:t>
-                              </m:r>
-                              <m:r>
-                                <m:rPr>
-                                  <m:nor/>
-                                </m:rPr>
-                                <a:rPr lang="en-US" sz="1200" dirty="0"/>
-                                <m:t>.</m:t>
-                              </m:r>
-                              <m:r>
-                                <m:rPr>
-                                  <m:nor/>
-                                </m:rPr>
-                                <a:rPr lang="en-US" sz="1200" dirty="0"/>
-                                <m:t>5</m:t>
-                              </m:r>
-                              <m:r>
-                                <m:rPr>
-                                  <m:nor/>
-                                </m:rPr>
-                                <a:rPr lang="en-US" sz="1200" dirty="0"/>
-                                <m:t>)</m:t>
+                                <m:t> + (2.5 – 3.5)</m:t>
                               </m:r>
                               <m:r>
                                 <m:rPr>
@@ -13136,187 +15783,7 @@
                                 <a:rPr lang="en-US" sz="1200" b="0" i="0" smtClean="0">
                                   <a:latin typeface="Cambria Math"/>
                                 </a:rPr>
-                                <m:t>2</m:t>
-                              </m:r>
-                              <m:r>
-                                <m:rPr>
-                                  <m:nor/>
-                                </m:rPr>
-                                <a:rPr lang="en-US" sz="1200" b="0" i="0" smtClean="0">
-                                  <a:latin typeface="Cambria Math"/>
-                                </a:rPr>
-                                <m:t>.</m:t>
-                              </m:r>
-                              <m:r>
-                                <m:rPr>
-                                  <m:nor/>
-                                </m:rPr>
-                                <a:rPr lang="en-US" sz="1200" b="0" i="0" smtClean="0">
-                                  <a:latin typeface="Cambria Math"/>
-                                </a:rPr>
-                                <m:t>25 </m:t>
-                              </m:r>
-                              <m:r>
-                                <m:rPr>
-                                  <m:nor/>
-                                </m:rPr>
-                                <a:rPr lang="en-US" sz="1200" b="0" i="0" smtClean="0">
-                                  <a:latin typeface="Cambria Math"/>
-                                </a:rPr>
-                                <m:t>+ </m:t>
-                              </m:r>
-                              <m:r>
-                                <m:rPr>
-                                  <m:nor/>
-                                </m:rPr>
-                                <a:rPr lang="en-US" sz="1200" b="0" i="0" smtClean="0">
-                                  <a:latin typeface="Cambria Math"/>
-                                </a:rPr>
-                                <m:t>0</m:t>
-                              </m:r>
-                              <m:r>
-                                <m:rPr>
-                                  <m:nor/>
-                                </m:rPr>
-                                <a:rPr lang="en-US" sz="1200" b="0" i="0" smtClean="0">
-                                  <a:latin typeface="Cambria Math"/>
-                                </a:rPr>
-                                <m:t>.</m:t>
-                              </m:r>
-                              <m:r>
-                                <m:rPr>
-                                  <m:nor/>
-                                </m:rPr>
-                                <a:rPr lang="en-US" sz="1200" b="0" i="0" smtClean="0">
-                                  <a:latin typeface="Cambria Math"/>
-                                </a:rPr>
-                                <m:t>25 </m:t>
-                              </m:r>
-                              <m:r>
-                                <m:rPr>
-                                  <m:nor/>
-                                </m:rPr>
-                                <a:rPr lang="en-US" sz="1200" b="0" i="0" smtClean="0">
-                                  <a:latin typeface="Cambria Math"/>
-                                </a:rPr>
-                                <m:t>+ </m:t>
-                              </m:r>
-                              <m:r>
-                                <m:rPr>
-                                  <m:nor/>
-                                </m:rPr>
-                                <a:rPr lang="en-US" sz="1200" b="0" i="0" smtClean="0">
-                                  <a:latin typeface="Cambria Math"/>
-                                </a:rPr>
-                                <m:t>0 </m:t>
-                              </m:r>
-                              <m:r>
-                                <m:rPr>
-                                  <m:nor/>
-                                </m:rPr>
-                                <a:rPr lang="en-US" sz="1200" b="0" i="0" smtClean="0">
-                                  <a:latin typeface="Cambria Math"/>
-                                </a:rPr>
-                                <m:t>+ </m:t>
-                              </m:r>
-                              <m:r>
-                                <m:rPr>
-                                  <m:nor/>
-                                </m:rPr>
-                                <a:rPr lang="en-US" sz="1200" b="0" i="0" smtClean="0">
-                                  <a:latin typeface="Cambria Math"/>
-                                </a:rPr>
-                                <m:t>0 </m:t>
-                              </m:r>
-                              <m:r>
-                                <m:rPr>
-                                  <m:nor/>
-                                </m:rPr>
-                                <a:rPr lang="en-US" sz="1200" b="0" i="0" smtClean="0">
-                                  <a:latin typeface="Cambria Math"/>
-                                </a:rPr>
-                                <m:t>+ </m:t>
-                              </m:r>
-                              <m:r>
-                                <m:rPr>
-                                  <m:nor/>
-                                </m:rPr>
-                                <a:rPr lang="en-US" sz="1200" b="0" i="0" smtClean="0">
-                                  <a:latin typeface="Cambria Math"/>
-                                </a:rPr>
-                                <m:t>0</m:t>
-                              </m:r>
-                              <m:r>
-                                <m:rPr>
-                                  <m:nor/>
-                                </m:rPr>
-                                <a:rPr lang="en-US" sz="1200" b="0" i="0" smtClean="0">
-                                  <a:latin typeface="Cambria Math"/>
-                                </a:rPr>
-                                <m:t>.</m:t>
-                              </m:r>
-                              <m:r>
-                                <m:rPr>
-                                  <m:nor/>
-                                </m:rPr>
-                                <a:rPr lang="en-US" sz="1200" b="0" i="0" smtClean="0">
-                                  <a:latin typeface="Cambria Math"/>
-                                </a:rPr>
-                                <m:t>25 </m:t>
-                              </m:r>
-                              <m:r>
-                                <m:rPr>
-                                  <m:nor/>
-                                </m:rPr>
-                                <a:rPr lang="en-US" sz="1200" b="0" i="0" smtClean="0">
-                                  <a:latin typeface="Cambria Math"/>
-                                </a:rPr>
-                                <m:t>+ </m:t>
-                              </m:r>
-                              <m:r>
-                                <m:rPr>
-                                  <m:nor/>
-                                </m:rPr>
-                                <a:rPr lang="en-US" sz="1200" b="0" i="0" smtClean="0">
-                                  <a:latin typeface="Cambria Math"/>
-                                </a:rPr>
-                                <m:t>0</m:t>
-                              </m:r>
-                              <m:r>
-                                <m:rPr>
-                                  <m:nor/>
-                                </m:rPr>
-                                <a:rPr lang="en-US" sz="1200" b="0" i="0" smtClean="0">
-                                  <a:latin typeface="Cambria Math"/>
-                                </a:rPr>
-                                <m:t>.</m:t>
-                              </m:r>
-                              <m:r>
-                                <m:rPr>
-                                  <m:nor/>
-                                </m:rPr>
-                                <a:rPr lang="en-US" sz="1200" b="0" i="0" smtClean="0">
-                                  <a:latin typeface="Cambria Math"/>
-                                </a:rPr>
-                                <m:t>25 </m:t>
-                              </m:r>
-                              <m:r>
-                                <m:rPr>
-                                  <m:nor/>
-                                </m:rPr>
-                                <a:rPr lang="en-US" sz="1200" b="0" i="0" smtClean="0">
-                                  <a:latin typeface="Cambria Math"/>
-                                </a:rPr>
-                                <m:t>+ </m:t>
-                              </m:r>
-                              <m:r>
-                                <m:rPr>
-                                  <m:nor/>
-                                </m:rPr>
-                                <a:rPr lang="en-US" sz="1200" b="0" i="0" smtClean="0">
-                                  <a:latin typeface="Cambria Math"/>
-                                </a:rPr>
-                                <m:t>1 </m:t>
+                                <m:t>2.25 + 0.25 + 0 + 0 + 0.25 + 0.25 + 1 </m:t>
                               </m:r>
                             </m:e>
                           </m:nary>
@@ -13440,13 +15907,7 @@
                             <a:rPr lang="en-US" sz="1200" b="0" i="1" smtClean="0">
                               <a:latin typeface="Cambria Math"/>
                             </a:rPr>
-                            <m:t> ∗</m:t>
-                          </m:r>
-                          <m:r>
-                            <a:rPr lang="en-US" sz="1200" b="0" i="1" smtClean="0">
-                              <a:latin typeface="Cambria Math"/>
-                            </a:rPr>
-                            <m:t>4</m:t>
+                            <m:t> ∗4</m:t>
                           </m:r>
                         </m:e>
                       </m:rad>
@@ -16481,6 +18942,85 @@
               <a:t>̅</a:t>
             </a:r>
             <a:endParaRPr lang="en-US" dirty="0"/>
+          </a:p>
+        </p:txBody>
+      </p:sp>
+      <p:sp>
+        <p:nvSpPr>
+          <p:cNvPr id="7" name="Rectangle 6"/>
+          <p:cNvSpPr/>
+          <p:nvPr/>
+        </p:nvSpPr>
+        <p:spPr>
+          <a:xfrm>
+            <a:off x="4724400" y="6405728"/>
+            <a:ext cx="4572000" cy="400110"/>
+          </a:xfrm>
+          <a:prstGeom prst="rect">
+            <a:avLst/>
+          </a:prstGeom>
+        </p:spPr>
+        <p:txBody>
+          <a:bodyPr>
+            <a:spAutoFit/>
+          </a:bodyPr>
+          <a:lstStyle/>
+          <a:p>
+            <a:r>
+              <a:rPr lang="en-US" sz="1000" dirty="0">
+                <a:solidFill>
+                  <a:srgbClr val="FF0000"/>
+                </a:solidFill>
+              </a:rPr>
+              <a:t>C</a:t>
+            </a:r>
+            <a:r>
+              <a:rPr lang="en-US" sz="1000" dirty="0" smtClean="0">
+                <a:solidFill>
+                  <a:srgbClr val="FF0000"/>
+                </a:solidFill>
+              </a:rPr>
+              <a:t>entral </a:t>
+            </a:r>
+            <a:r>
+              <a:rPr lang="en-US" sz="1000" dirty="0">
+                <a:solidFill>
+                  <a:srgbClr val="FF0000"/>
+                </a:solidFill>
+              </a:rPr>
+              <a:t>limit theorem only specifies that the central part of a distribution of </a:t>
+            </a:r>
+            <a:r>
+              <a:rPr lang="en-US" sz="1000" dirty="0" smtClean="0">
+                <a:solidFill>
+                  <a:srgbClr val="FF0000"/>
+                </a:solidFill>
+              </a:rPr>
+              <a:t/>
+            </a:r>
+            <a:br>
+              <a:rPr lang="en-US" sz="1000" dirty="0" smtClean="0">
+                <a:solidFill>
+                  <a:srgbClr val="FF0000"/>
+                </a:solidFill>
+              </a:rPr>
+            </a:br>
+            <a:r>
+              <a:rPr lang="en-US" sz="1000" dirty="0" smtClean="0">
+                <a:solidFill>
+                  <a:srgbClr val="FF0000"/>
+                </a:solidFill>
+              </a:rPr>
+              <a:t>averages will </a:t>
+            </a:r>
+            <a:r>
+              <a:rPr lang="en-US" sz="1000" dirty="0">
+                <a:solidFill>
+                  <a:srgbClr val="FF0000"/>
+                </a:solidFill>
+              </a:rPr>
+              <a:t>approach a normal distribution as the number of trials goes to infinity.</a:t>
+            </a:r>
           </a:p>
         </p:txBody>
       </p:sp>

--- a/Presentations/Stats - Basics - Terms.pptx
+++ b/Presentations/Stats - Basics - Terms.pptx
@@ -206,7 +206,7 @@
           <a:p>
             <a:fld id="{FAF957FC-5175-49AC-8D2B-2F056FFFC1DD}" type="datetimeFigureOut">
               <a:rPr lang="en-US" smtClean="0"/>
-              <a:t>7/21/2017</a:t>
+              <a:t>7/30/2017</a:t>
             </a:fld>
             <a:endParaRPr lang="en-US"/>
           </a:p>
@@ -656,7 +656,7 @@
             <a:fld id="{1D8BD707-D9CF-40AE-B4C6-C98DA3205C09}" type="datetimeFigureOut">
               <a:rPr lang="en-US" smtClean="0"/>
               <a:pPr/>
-              <a:t>7/21/2017</a:t>
+              <a:t>7/30/2017</a:t>
             </a:fld>
             <a:endParaRPr lang="en-US"/>
           </a:p>
@@ -823,7 +823,7 @@
             <a:fld id="{1D8BD707-D9CF-40AE-B4C6-C98DA3205C09}" type="datetimeFigureOut">
               <a:rPr lang="en-US" smtClean="0"/>
               <a:pPr/>
-              <a:t>7/21/2017</a:t>
+              <a:t>7/30/2017</a:t>
             </a:fld>
             <a:endParaRPr lang="en-US"/>
           </a:p>
@@ -1000,7 +1000,7 @@
             <a:fld id="{1D8BD707-D9CF-40AE-B4C6-C98DA3205C09}" type="datetimeFigureOut">
               <a:rPr lang="en-US" smtClean="0"/>
               <a:pPr/>
-              <a:t>7/21/2017</a:t>
+              <a:t>7/30/2017</a:t>
             </a:fld>
             <a:endParaRPr lang="en-US"/>
           </a:p>
@@ -1167,7 +1167,7 @@
             <a:fld id="{1D8BD707-D9CF-40AE-B4C6-C98DA3205C09}" type="datetimeFigureOut">
               <a:rPr lang="en-US" smtClean="0"/>
               <a:pPr/>
-              <a:t>7/21/2017</a:t>
+              <a:t>7/30/2017</a:t>
             </a:fld>
             <a:endParaRPr lang="en-US"/>
           </a:p>
@@ -1410,7 +1410,7 @@
             <a:fld id="{1D8BD707-D9CF-40AE-B4C6-C98DA3205C09}" type="datetimeFigureOut">
               <a:rPr lang="en-US" smtClean="0"/>
               <a:pPr/>
-              <a:t>7/21/2017</a:t>
+              <a:t>7/30/2017</a:t>
             </a:fld>
             <a:endParaRPr lang="en-US"/>
           </a:p>
@@ -1695,7 +1695,7 @@
             <a:fld id="{1D8BD707-D9CF-40AE-B4C6-C98DA3205C09}" type="datetimeFigureOut">
               <a:rPr lang="en-US" smtClean="0"/>
               <a:pPr/>
-              <a:t>7/21/2017</a:t>
+              <a:t>7/30/2017</a:t>
             </a:fld>
             <a:endParaRPr lang="en-US"/>
           </a:p>
@@ -2114,7 +2114,7 @@
             <a:fld id="{1D8BD707-D9CF-40AE-B4C6-C98DA3205C09}" type="datetimeFigureOut">
               <a:rPr lang="en-US" smtClean="0"/>
               <a:pPr/>
-              <a:t>7/21/2017</a:t>
+              <a:t>7/30/2017</a:t>
             </a:fld>
             <a:endParaRPr lang="en-US"/>
           </a:p>
@@ -2229,7 +2229,7 @@
             <a:fld id="{1D8BD707-D9CF-40AE-B4C6-C98DA3205C09}" type="datetimeFigureOut">
               <a:rPr lang="en-US" smtClean="0"/>
               <a:pPr/>
-              <a:t>7/21/2017</a:t>
+              <a:t>7/30/2017</a:t>
             </a:fld>
             <a:endParaRPr lang="en-US"/>
           </a:p>
@@ -2321,7 +2321,7 @@
             <a:fld id="{1D8BD707-D9CF-40AE-B4C6-C98DA3205C09}" type="datetimeFigureOut">
               <a:rPr lang="en-US" smtClean="0"/>
               <a:pPr/>
-              <a:t>7/21/2017</a:t>
+              <a:t>7/30/2017</a:t>
             </a:fld>
             <a:endParaRPr lang="en-US"/>
           </a:p>
@@ -2595,7 +2595,7 @@
             <a:fld id="{1D8BD707-D9CF-40AE-B4C6-C98DA3205C09}" type="datetimeFigureOut">
               <a:rPr lang="en-US" smtClean="0"/>
               <a:pPr/>
-              <a:t>7/21/2017</a:t>
+              <a:t>7/30/2017</a:t>
             </a:fld>
             <a:endParaRPr lang="en-US"/>
           </a:p>
@@ -2845,7 +2845,7 @@
             <a:fld id="{1D8BD707-D9CF-40AE-B4C6-C98DA3205C09}" type="datetimeFigureOut">
               <a:rPr lang="en-US" smtClean="0"/>
               <a:pPr/>
-              <a:t>7/21/2017</a:t>
+              <a:t>7/30/2017</a:t>
             </a:fld>
             <a:endParaRPr lang="en-US"/>
           </a:p>
@@ -3055,7 +3055,7 @@
             <a:fld id="{1D8BD707-D9CF-40AE-B4C6-C98DA3205C09}" type="datetimeFigureOut">
               <a:rPr lang="en-US" smtClean="0"/>
               <a:pPr/>
-              <a:t>7/21/2017</a:t>
+              <a:t>7/30/2017</a:t>
             </a:fld>
             <a:endParaRPr lang="en-US"/>
           </a:p>
@@ -8797,27 +8797,7 @@
                   </a:schemeClr>
                 </a:solidFill>
               </a:rPr>
-              <a:t>A method u</a:t>
-            </a:r>
-            <a:r>
-              <a:rPr lang="en-US" sz="2400" b="1" dirty="0" smtClean="0">
-                <a:solidFill>
-                  <a:schemeClr val="accent5">
-                    <a:lumMod val="75000"/>
-                  </a:schemeClr>
-                </a:solidFill>
-              </a:rPr>
-              <a:t>sed to </a:t>
-            </a:r>
-            <a:r>
-              <a:rPr lang="en-US" sz="2400" b="1" dirty="0" smtClean="0">
-                <a:solidFill>
-                  <a:schemeClr val="accent5">
-                    <a:lumMod val="75000"/>
-                  </a:schemeClr>
-                </a:solidFill>
-              </a:rPr>
-              <a:t>visualize the </a:t>
+              <a:t>A method used to visualize the </a:t>
             </a:r>
             <a:r>
               <a:rPr lang="en-US" sz="2400" b="1" dirty="0" smtClean="0">
@@ -12088,7 +12068,13 @@
                             <a:rPr lang="en-US" b="0" i="1" smtClean="0">
                               <a:latin typeface="Cambria Math"/>
                             </a:rPr>
-                            <m:t>=0</m:t>
+                            <m:t>=</m:t>
+                          </m:r>
+                          <m:r>
+                            <a:rPr lang="en-US" b="0" i="1" smtClean="0">
+                              <a:latin typeface="Cambria Math"/>
+                            </a:rPr>
+                            <m:t>0</m:t>
                           </m:r>
                         </m:sub>
                         <m:sup>
@@ -15536,7 +15522,49 @@
                                   <m:nor/>
                                 </m:rPr>
                                 <a:rPr lang="en-US" sz="1200" dirty="0"/>
-                                <m:t>(2.5 – 1)</m:t>
+                                <m:t>(</m:t>
+                              </m:r>
+                              <m:r>
+                                <m:rPr>
+                                  <m:nor/>
+                                </m:rPr>
+                                <a:rPr lang="en-US" sz="1200" dirty="0"/>
+                                <m:t>2</m:t>
+                              </m:r>
+                              <m:r>
+                                <m:rPr>
+                                  <m:nor/>
+                                </m:rPr>
+                                <a:rPr lang="en-US" sz="1200" dirty="0"/>
+                                <m:t>.</m:t>
+                              </m:r>
+                              <m:r>
+                                <m:rPr>
+                                  <m:nor/>
+                                </m:rPr>
+                                <a:rPr lang="en-US" sz="1200" dirty="0"/>
+                                <m:t>5 </m:t>
+                              </m:r>
+                              <m:r>
+                                <m:rPr>
+                                  <m:nor/>
+                                </m:rPr>
+                                <a:rPr lang="en-US" sz="1200" dirty="0"/>
+                                <m:t>– </m:t>
+                              </m:r>
+                              <m:r>
+                                <m:rPr>
+                                  <m:nor/>
+                                </m:rPr>
+                                <a:rPr lang="en-US" sz="1200" dirty="0"/>
+                                <m:t>1</m:t>
+                              </m:r>
+                              <m:r>
+                                <m:rPr>
+                                  <m:nor/>
+                                </m:rPr>
+                                <a:rPr lang="en-US" sz="1200" dirty="0"/>
+                                <m:t>)</m:t>
                               </m:r>
                               <m:r>
                                 <m:rPr>
@@ -15550,7 +15578,49 @@
                                   <m:nor/>
                                 </m:rPr>
                                 <a:rPr lang="en-US" sz="1200" dirty="0"/>
-                                <m:t>+ (2.5 – 2)</m:t>
+                                <m:t>+ (</m:t>
+                              </m:r>
+                              <m:r>
+                                <m:rPr>
+                                  <m:nor/>
+                                </m:rPr>
+                                <a:rPr lang="en-US" sz="1200" dirty="0"/>
+                                <m:t>2</m:t>
+                              </m:r>
+                              <m:r>
+                                <m:rPr>
+                                  <m:nor/>
+                                </m:rPr>
+                                <a:rPr lang="en-US" sz="1200" dirty="0"/>
+                                <m:t>.</m:t>
+                              </m:r>
+                              <m:r>
+                                <m:rPr>
+                                  <m:nor/>
+                                </m:rPr>
+                                <a:rPr lang="en-US" sz="1200" dirty="0"/>
+                                <m:t>5 </m:t>
+                              </m:r>
+                              <m:r>
+                                <m:rPr>
+                                  <m:nor/>
+                                </m:rPr>
+                                <a:rPr lang="en-US" sz="1200" dirty="0"/>
+                                <m:t>– </m:t>
+                              </m:r>
+                              <m:r>
+                                <m:rPr>
+                                  <m:nor/>
+                                </m:rPr>
+                                <a:rPr lang="en-US" sz="1200" dirty="0"/>
+                                <m:t>2</m:t>
+                              </m:r>
+                              <m:r>
+                                <m:rPr>
+                                  <m:nor/>
+                                </m:rPr>
+                                <a:rPr lang="en-US" sz="1200" dirty="0"/>
+                                <m:t>)</m:t>
                               </m:r>
                               <m:r>
                                 <m:rPr>
@@ -15564,7 +15634,70 @@
                                   <m:nor/>
                                 </m:rPr>
                                 <a:rPr lang="en-US" sz="1200" dirty="0"/>
-                                <m:t> + (2.5 – 2.5)</m:t>
+                                <m:t> </m:t>
+                              </m:r>
+                              <m:r>
+                                <m:rPr>
+                                  <m:nor/>
+                                </m:rPr>
+                                <a:rPr lang="en-US" sz="1200" dirty="0"/>
+                                <m:t>+ (</m:t>
+                              </m:r>
+                              <m:r>
+                                <m:rPr>
+                                  <m:nor/>
+                                </m:rPr>
+                                <a:rPr lang="en-US" sz="1200" dirty="0"/>
+                                <m:t>2</m:t>
+                              </m:r>
+                              <m:r>
+                                <m:rPr>
+                                  <m:nor/>
+                                </m:rPr>
+                                <a:rPr lang="en-US" sz="1200" dirty="0"/>
+                                <m:t>.</m:t>
+                              </m:r>
+                              <m:r>
+                                <m:rPr>
+                                  <m:nor/>
+                                </m:rPr>
+                                <a:rPr lang="en-US" sz="1200" dirty="0"/>
+                                <m:t>5 </m:t>
+                              </m:r>
+                              <m:r>
+                                <m:rPr>
+                                  <m:nor/>
+                                </m:rPr>
+                                <a:rPr lang="en-US" sz="1200" dirty="0"/>
+                                <m:t>– </m:t>
+                              </m:r>
+                              <m:r>
+                                <m:rPr>
+                                  <m:nor/>
+                                </m:rPr>
+                                <a:rPr lang="en-US" sz="1200" dirty="0"/>
+                                <m:t>2</m:t>
+                              </m:r>
+                              <m:r>
+                                <m:rPr>
+                                  <m:nor/>
+                                </m:rPr>
+                                <a:rPr lang="en-US" sz="1200" dirty="0"/>
+                                <m:t>.</m:t>
+                              </m:r>
+                              <m:r>
+                                <m:rPr>
+                                  <m:nor/>
+                                </m:rPr>
+                                <a:rPr lang="en-US" sz="1200" dirty="0"/>
+                                <m:t>5</m:t>
+                              </m:r>
+                              <m:r>
+                                <m:rPr>
+                                  <m:nor/>
+                                </m:rPr>
+                                <a:rPr lang="en-US" sz="1200" dirty="0"/>
+                                <m:t>)</m:t>
                               </m:r>
                               <m:r>
                                 <m:rPr>
@@ -15578,7 +15711,63 @@
                                   <m:nor/>
                                 </m:rPr>
                                 <a:rPr lang="en-US" sz="1200" dirty="0"/>
-                                <m:t>+ (2.5 – 2.5)</m:t>
+                                <m:t>+ (</m:t>
+                              </m:r>
+                              <m:r>
+                                <m:rPr>
+                                  <m:nor/>
+                                </m:rPr>
+                                <a:rPr lang="en-US" sz="1200" dirty="0"/>
+                                <m:t>2</m:t>
+                              </m:r>
+                              <m:r>
+                                <m:rPr>
+                                  <m:nor/>
+                                </m:rPr>
+                                <a:rPr lang="en-US" sz="1200" dirty="0"/>
+                                <m:t>.</m:t>
+                              </m:r>
+                              <m:r>
+                                <m:rPr>
+                                  <m:nor/>
+                                </m:rPr>
+                                <a:rPr lang="en-US" sz="1200" dirty="0"/>
+                                <m:t>5 </m:t>
+                              </m:r>
+                              <m:r>
+                                <m:rPr>
+                                  <m:nor/>
+                                </m:rPr>
+                                <a:rPr lang="en-US" sz="1200" dirty="0"/>
+                                <m:t>– </m:t>
+                              </m:r>
+                              <m:r>
+                                <m:rPr>
+                                  <m:nor/>
+                                </m:rPr>
+                                <a:rPr lang="en-US" sz="1200" dirty="0"/>
+                                <m:t>2</m:t>
+                              </m:r>
+                              <m:r>
+                                <m:rPr>
+                                  <m:nor/>
+                                </m:rPr>
+                                <a:rPr lang="en-US" sz="1200" dirty="0"/>
+                                <m:t>.</m:t>
+                              </m:r>
+                              <m:r>
+                                <m:rPr>
+                                  <m:nor/>
+                                </m:rPr>
+                                <a:rPr lang="en-US" sz="1200" dirty="0"/>
+                                <m:t>5</m:t>
+                              </m:r>
+                              <m:r>
+                                <m:rPr>
+                                  <m:nor/>
+                                </m:rPr>
+                                <a:rPr lang="en-US" sz="1200" dirty="0"/>
+                                <m:t>)</m:t>
                               </m:r>
                               <m:r>
                                 <m:rPr>
@@ -15592,7 +15781,56 @@
                                   <m:nor/>
                                 </m:rPr>
                                 <a:rPr lang="en-US" sz="1200" dirty="0"/>
-                                <m:t> + (2.5 – 3)</m:t>
+                                <m:t> </m:t>
+                              </m:r>
+                              <m:r>
+                                <m:rPr>
+                                  <m:nor/>
+                                </m:rPr>
+                                <a:rPr lang="en-US" sz="1200" dirty="0"/>
+                                <m:t>+ (</m:t>
+                              </m:r>
+                              <m:r>
+                                <m:rPr>
+                                  <m:nor/>
+                                </m:rPr>
+                                <a:rPr lang="en-US" sz="1200" dirty="0"/>
+                                <m:t>2</m:t>
+                              </m:r>
+                              <m:r>
+                                <m:rPr>
+                                  <m:nor/>
+                                </m:rPr>
+                                <a:rPr lang="en-US" sz="1200" dirty="0"/>
+                                <m:t>.</m:t>
+                              </m:r>
+                              <m:r>
+                                <m:rPr>
+                                  <m:nor/>
+                                </m:rPr>
+                                <a:rPr lang="en-US" sz="1200" dirty="0"/>
+                                <m:t>5 </m:t>
+                              </m:r>
+                              <m:r>
+                                <m:rPr>
+                                  <m:nor/>
+                                </m:rPr>
+                                <a:rPr lang="en-US" sz="1200" dirty="0"/>
+                                <m:t>– </m:t>
+                              </m:r>
+                              <m:r>
+                                <m:rPr>
+                                  <m:nor/>
+                                </m:rPr>
+                                <a:rPr lang="en-US" sz="1200" dirty="0"/>
+                                <m:t>3</m:t>
+                              </m:r>
+                              <m:r>
+                                <m:rPr>
+                                  <m:nor/>
+                                </m:rPr>
+                                <a:rPr lang="en-US" sz="1200" dirty="0"/>
+                                <m:t>)</m:t>
                               </m:r>
                               <m:r>
                                 <m:rPr>
@@ -15606,7 +15844,56 @@
                                   <m:nor/>
                                 </m:rPr>
                                 <a:rPr lang="en-US" sz="1200" dirty="0"/>
-                                <m:t> + (2.5 – 3)</m:t>
+                                <m:t> </m:t>
+                              </m:r>
+                              <m:r>
+                                <m:rPr>
+                                  <m:nor/>
+                                </m:rPr>
+                                <a:rPr lang="en-US" sz="1200" dirty="0"/>
+                                <m:t>+ (</m:t>
+                              </m:r>
+                              <m:r>
+                                <m:rPr>
+                                  <m:nor/>
+                                </m:rPr>
+                                <a:rPr lang="en-US" sz="1200" dirty="0"/>
+                                <m:t>2</m:t>
+                              </m:r>
+                              <m:r>
+                                <m:rPr>
+                                  <m:nor/>
+                                </m:rPr>
+                                <a:rPr lang="en-US" sz="1200" dirty="0"/>
+                                <m:t>.</m:t>
+                              </m:r>
+                              <m:r>
+                                <m:rPr>
+                                  <m:nor/>
+                                </m:rPr>
+                                <a:rPr lang="en-US" sz="1200" dirty="0"/>
+                                <m:t>5 </m:t>
+                              </m:r>
+                              <m:r>
+                                <m:rPr>
+                                  <m:nor/>
+                                </m:rPr>
+                                <a:rPr lang="en-US" sz="1200" dirty="0"/>
+                                <m:t>– </m:t>
+                              </m:r>
+                              <m:r>
+                                <m:rPr>
+                                  <m:nor/>
+                                </m:rPr>
+                                <a:rPr lang="en-US" sz="1200" dirty="0"/>
+                                <m:t>3</m:t>
+                              </m:r>
+                              <m:r>
+                                <m:rPr>
+                                  <m:nor/>
+                                </m:rPr>
+                                <a:rPr lang="en-US" sz="1200" dirty="0"/>
+                                <m:t>)</m:t>
                               </m:r>
                               <m:r>
                                 <m:rPr>
@@ -15620,7 +15907,70 @@
                                   <m:nor/>
                                 </m:rPr>
                                 <a:rPr lang="en-US" sz="1200" dirty="0"/>
-                                <m:t> + (2.5 – 3.5)</m:t>
+                                <m:t> </m:t>
+                              </m:r>
+                              <m:r>
+                                <m:rPr>
+                                  <m:nor/>
+                                </m:rPr>
+                                <a:rPr lang="en-US" sz="1200" dirty="0"/>
+                                <m:t>+ (</m:t>
+                              </m:r>
+                              <m:r>
+                                <m:rPr>
+                                  <m:nor/>
+                                </m:rPr>
+                                <a:rPr lang="en-US" sz="1200" dirty="0"/>
+                                <m:t>2</m:t>
+                              </m:r>
+                              <m:r>
+                                <m:rPr>
+                                  <m:nor/>
+                                </m:rPr>
+                                <a:rPr lang="en-US" sz="1200" dirty="0"/>
+                                <m:t>.</m:t>
+                              </m:r>
+                              <m:r>
+                                <m:rPr>
+                                  <m:nor/>
+                                </m:rPr>
+                                <a:rPr lang="en-US" sz="1200" dirty="0"/>
+                                <m:t>5 </m:t>
+                              </m:r>
+                              <m:r>
+                                <m:rPr>
+                                  <m:nor/>
+                                </m:rPr>
+                                <a:rPr lang="en-US" sz="1200" dirty="0"/>
+                                <m:t>– </m:t>
+                              </m:r>
+                              <m:r>
+                                <m:rPr>
+                                  <m:nor/>
+                                </m:rPr>
+                                <a:rPr lang="en-US" sz="1200" dirty="0"/>
+                                <m:t>3</m:t>
+                              </m:r>
+                              <m:r>
+                                <m:rPr>
+                                  <m:nor/>
+                                </m:rPr>
+                                <a:rPr lang="en-US" sz="1200" dirty="0"/>
+                                <m:t>.</m:t>
+                              </m:r>
+                              <m:r>
+                                <m:rPr>
+                                  <m:nor/>
+                                </m:rPr>
+                                <a:rPr lang="en-US" sz="1200" dirty="0"/>
+                                <m:t>5</m:t>
+                              </m:r>
+                              <m:r>
+                                <m:rPr>
+                                  <m:nor/>
+                                </m:rPr>
+                                <a:rPr lang="en-US" sz="1200" dirty="0"/>
+                                <m:t>)</m:t>
                               </m:r>
                               <m:r>
                                 <m:rPr>
@@ -15783,7 +16133,187 @@
                                 <a:rPr lang="en-US" sz="1200" b="0" i="0" smtClean="0">
                                   <a:latin typeface="Cambria Math"/>
                                 </a:rPr>
-                                <m:t>2.25 + 0.25 + 0 + 0 + 0.25 + 0.25 + 1 </m:t>
+                                <m:t>2</m:t>
+                              </m:r>
+                              <m:r>
+                                <m:rPr>
+                                  <m:nor/>
+                                </m:rPr>
+                                <a:rPr lang="en-US" sz="1200" b="0" i="0" smtClean="0">
+                                  <a:latin typeface="Cambria Math"/>
+                                </a:rPr>
+                                <m:t>.</m:t>
+                              </m:r>
+                              <m:r>
+                                <m:rPr>
+                                  <m:nor/>
+                                </m:rPr>
+                                <a:rPr lang="en-US" sz="1200" b="0" i="0" smtClean="0">
+                                  <a:latin typeface="Cambria Math"/>
+                                </a:rPr>
+                                <m:t>25 </m:t>
+                              </m:r>
+                              <m:r>
+                                <m:rPr>
+                                  <m:nor/>
+                                </m:rPr>
+                                <a:rPr lang="en-US" sz="1200" b="0" i="0" smtClean="0">
+                                  <a:latin typeface="Cambria Math"/>
+                                </a:rPr>
+                                <m:t>+ </m:t>
+                              </m:r>
+                              <m:r>
+                                <m:rPr>
+                                  <m:nor/>
+                                </m:rPr>
+                                <a:rPr lang="en-US" sz="1200" b="0" i="0" smtClean="0">
+                                  <a:latin typeface="Cambria Math"/>
+                                </a:rPr>
+                                <m:t>0</m:t>
+                              </m:r>
+                              <m:r>
+                                <m:rPr>
+                                  <m:nor/>
+                                </m:rPr>
+                                <a:rPr lang="en-US" sz="1200" b="0" i="0" smtClean="0">
+                                  <a:latin typeface="Cambria Math"/>
+                                </a:rPr>
+                                <m:t>.</m:t>
+                              </m:r>
+                              <m:r>
+                                <m:rPr>
+                                  <m:nor/>
+                                </m:rPr>
+                                <a:rPr lang="en-US" sz="1200" b="0" i="0" smtClean="0">
+                                  <a:latin typeface="Cambria Math"/>
+                                </a:rPr>
+                                <m:t>25 </m:t>
+                              </m:r>
+                              <m:r>
+                                <m:rPr>
+                                  <m:nor/>
+                                </m:rPr>
+                                <a:rPr lang="en-US" sz="1200" b="0" i="0" smtClean="0">
+                                  <a:latin typeface="Cambria Math"/>
+                                </a:rPr>
+                                <m:t>+ </m:t>
+                              </m:r>
+                              <m:r>
+                                <m:rPr>
+                                  <m:nor/>
+                                </m:rPr>
+                                <a:rPr lang="en-US" sz="1200" b="0" i="0" smtClean="0">
+                                  <a:latin typeface="Cambria Math"/>
+                                </a:rPr>
+                                <m:t>0 </m:t>
+                              </m:r>
+                              <m:r>
+                                <m:rPr>
+                                  <m:nor/>
+                                </m:rPr>
+                                <a:rPr lang="en-US" sz="1200" b="0" i="0" smtClean="0">
+                                  <a:latin typeface="Cambria Math"/>
+                                </a:rPr>
+                                <m:t>+ </m:t>
+                              </m:r>
+                              <m:r>
+                                <m:rPr>
+                                  <m:nor/>
+                                </m:rPr>
+                                <a:rPr lang="en-US" sz="1200" b="0" i="0" smtClean="0">
+                                  <a:latin typeface="Cambria Math"/>
+                                </a:rPr>
+                                <m:t>0 </m:t>
+                              </m:r>
+                              <m:r>
+                                <m:rPr>
+                                  <m:nor/>
+                                </m:rPr>
+                                <a:rPr lang="en-US" sz="1200" b="0" i="0" smtClean="0">
+                                  <a:latin typeface="Cambria Math"/>
+                                </a:rPr>
+                                <m:t>+ </m:t>
+                              </m:r>
+                              <m:r>
+                                <m:rPr>
+                                  <m:nor/>
+                                </m:rPr>
+                                <a:rPr lang="en-US" sz="1200" b="0" i="0" smtClean="0">
+                                  <a:latin typeface="Cambria Math"/>
+                                </a:rPr>
+                                <m:t>0</m:t>
+                              </m:r>
+                              <m:r>
+                                <m:rPr>
+                                  <m:nor/>
+                                </m:rPr>
+                                <a:rPr lang="en-US" sz="1200" b="0" i="0" smtClean="0">
+                                  <a:latin typeface="Cambria Math"/>
+                                </a:rPr>
+                                <m:t>.</m:t>
+                              </m:r>
+                              <m:r>
+                                <m:rPr>
+                                  <m:nor/>
+                                </m:rPr>
+                                <a:rPr lang="en-US" sz="1200" b="0" i="0" smtClean="0">
+                                  <a:latin typeface="Cambria Math"/>
+                                </a:rPr>
+                                <m:t>25 </m:t>
+                              </m:r>
+                              <m:r>
+                                <m:rPr>
+                                  <m:nor/>
+                                </m:rPr>
+                                <a:rPr lang="en-US" sz="1200" b="0" i="0" smtClean="0">
+                                  <a:latin typeface="Cambria Math"/>
+                                </a:rPr>
+                                <m:t>+ </m:t>
+                              </m:r>
+                              <m:r>
+                                <m:rPr>
+                                  <m:nor/>
+                                </m:rPr>
+                                <a:rPr lang="en-US" sz="1200" b="0" i="0" smtClean="0">
+                                  <a:latin typeface="Cambria Math"/>
+                                </a:rPr>
+                                <m:t>0</m:t>
+                              </m:r>
+                              <m:r>
+                                <m:rPr>
+                                  <m:nor/>
+                                </m:rPr>
+                                <a:rPr lang="en-US" sz="1200" b="0" i="0" smtClean="0">
+                                  <a:latin typeface="Cambria Math"/>
+                                </a:rPr>
+                                <m:t>.</m:t>
+                              </m:r>
+                              <m:r>
+                                <m:rPr>
+                                  <m:nor/>
+                                </m:rPr>
+                                <a:rPr lang="en-US" sz="1200" b="0" i="0" smtClean="0">
+                                  <a:latin typeface="Cambria Math"/>
+                                </a:rPr>
+                                <m:t>25 </m:t>
+                              </m:r>
+                              <m:r>
+                                <m:rPr>
+                                  <m:nor/>
+                                </m:rPr>
+                                <a:rPr lang="en-US" sz="1200" b="0" i="0" smtClean="0">
+                                  <a:latin typeface="Cambria Math"/>
+                                </a:rPr>
+                                <m:t>+ </m:t>
+                              </m:r>
+                              <m:r>
+                                <m:rPr>
+                                  <m:nor/>
+                                </m:rPr>
+                                <a:rPr lang="en-US" sz="1200" b="0" i="0" smtClean="0">
+                                  <a:latin typeface="Cambria Math"/>
+                                </a:rPr>
+                                <m:t>1 </m:t>
                               </m:r>
                             </m:e>
                           </m:nary>
@@ -15907,7 +16437,13 @@
                             <a:rPr lang="en-US" sz="1200" b="0" i="1" smtClean="0">
                               <a:latin typeface="Cambria Math"/>
                             </a:rPr>
-                            <m:t> ∗4</m:t>
+                            <m:t> ∗</m:t>
+                          </m:r>
+                          <m:r>
+                            <a:rPr lang="en-US" sz="1200" b="0" i="1" smtClean="0">
+                              <a:latin typeface="Cambria Math"/>
+                            </a:rPr>
+                            <m:t>4</m:t>
                           </m:r>
                         </m:e>
                       </m:rad>
@@ -17152,16 +17688,29 @@
                   <a:srgbClr val="00B050"/>
                 </a:solidFill>
               </a:rPr>
-              <a:t>Can calculate probability</a:t>
-            </a:r>
-          </a:p>
-          <a:p>
+              <a:t>Can calculate </a:t>
+            </a:r>
             <a:r>
               <a:rPr lang="en-US" sz="1400" dirty="0" smtClean="0">
                 <a:solidFill>
                   <a:srgbClr val="00B050"/>
                 </a:solidFill>
               </a:rPr>
+              <a:t>probability of</a:t>
+            </a:r>
+            <a:endParaRPr lang="en-US" sz="1400" dirty="0" smtClean="0">
+              <a:solidFill>
+                <a:srgbClr val="00B050"/>
+              </a:solidFill>
+            </a:endParaRPr>
+          </a:p>
+          <a:p>
+            <a:r>
+              <a:rPr lang="en-US" sz="1400" dirty="0" smtClean="0">
+                <a:solidFill>
+                  <a:srgbClr val="00B050"/>
+                </a:solidFill>
+              </a:rPr>
               <a:t>sample is in population, when</a:t>
             </a:r>
           </a:p>
@@ -17172,7 +17721,15 @@
                   <a:srgbClr val="00B050"/>
                 </a:solidFill>
               </a:rPr>
-              <a:t>Population is known.</a:t>
+              <a:t>population </a:t>
+            </a:r>
+            <a:r>
+              <a:rPr lang="en-US" sz="1400" dirty="0" smtClean="0">
+                <a:solidFill>
+                  <a:srgbClr val="00B050"/>
+                </a:solidFill>
+              </a:rPr>
+              <a:t>is known.</a:t>
             </a:r>
             <a:endParaRPr lang="en-US" sz="1400" dirty="0">
               <a:solidFill>

--- a/Presentations/Stats - Basics - Terms.pptx
+++ b/Presentations/Stats - Basics - Terms.pptx
@@ -206,7 +206,7 @@
           <a:p>
             <a:fld id="{FAF957FC-5175-49AC-8D2B-2F056FFFC1DD}" type="datetimeFigureOut">
               <a:rPr lang="en-US" smtClean="0"/>
-              <a:t>7/30/2017</a:t>
+              <a:t>9/17/2017</a:t>
             </a:fld>
             <a:endParaRPr lang="en-US"/>
           </a:p>
@@ -656,7 +656,7 @@
             <a:fld id="{1D8BD707-D9CF-40AE-B4C6-C98DA3205C09}" type="datetimeFigureOut">
               <a:rPr lang="en-US" smtClean="0"/>
               <a:pPr/>
-              <a:t>7/30/2017</a:t>
+              <a:t>9/17/2017</a:t>
             </a:fld>
             <a:endParaRPr lang="en-US"/>
           </a:p>
@@ -823,7 +823,7 @@
             <a:fld id="{1D8BD707-D9CF-40AE-B4C6-C98DA3205C09}" type="datetimeFigureOut">
               <a:rPr lang="en-US" smtClean="0"/>
               <a:pPr/>
-              <a:t>7/30/2017</a:t>
+              <a:t>9/17/2017</a:t>
             </a:fld>
             <a:endParaRPr lang="en-US"/>
           </a:p>
@@ -1000,7 +1000,7 @@
             <a:fld id="{1D8BD707-D9CF-40AE-B4C6-C98DA3205C09}" type="datetimeFigureOut">
               <a:rPr lang="en-US" smtClean="0"/>
               <a:pPr/>
-              <a:t>7/30/2017</a:t>
+              <a:t>9/17/2017</a:t>
             </a:fld>
             <a:endParaRPr lang="en-US"/>
           </a:p>
@@ -1167,7 +1167,7 @@
             <a:fld id="{1D8BD707-D9CF-40AE-B4C6-C98DA3205C09}" type="datetimeFigureOut">
               <a:rPr lang="en-US" smtClean="0"/>
               <a:pPr/>
-              <a:t>7/30/2017</a:t>
+              <a:t>9/17/2017</a:t>
             </a:fld>
             <a:endParaRPr lang="en-US"/>
           </a:p>
@@ -1410,7 +1410,7 @@
             <a:fld id="{1D8BD707-D9CF-40AE-B4C6-C98DA3205C09}" type="datetimeFigureOut">
               <a:rPr lang="en-US" smtClean="0"/>
               <a:pPr/>
-              <a:t>7/30/2017</a:t>
+              <a:t>9/17/2017</a:t>
             </a:fld>
             <a:endParaRPr lang="en-US"/>
           </a:p>
@@ -1695,7 +1695,7 @@
             <a:fld id="{1D8BD707-D9CF-40AE-B4C6-C98DA3205C09}" type="datetimeFigureOut">
               <a:rPr lang="en-US" smtClean="0"/>
               <a:pPr/>
-              <a:t>7/30/2017</a:t>
+              <a:t>9/17/2017</a:t>
             </a:fld>
             <a:endParaRPr lang="en-US"/>
           </a:p>
@@ -2114,7 +2114,7 @@
             <a:fld id="{1D8BD707-D9CF-40AE-B4C6-C98DA3205C09}" type="datetimeFigureOut">
               <a:rPr lang="en-US" smtClean="0"/>
               <a:pPr/>
-              <a:t>7/30/2017</a:t>
+              <a:t>9/17/2017</a:t>
             </a:fld>
             <a:endParaRPr lang="en-US"/>
           </a:p>
@@ -2229,7 +2229,7 @@
             <a:fld id="{1D8BD707-D9CF-40AE-B4C6-C98DA3205C09}" type="datetimeFigureOut">
               <a:rPr lang="en-US" smtClean="0"/>
               <a:pPr/>
-              <a:t>7/30/2017</a:t>
+              <a:t>9/17/2017</a:t>
             </a:fld>
             <a:endParaRPr lang="en-US"/>
           </a:p>
@@ -2321,7 +2321,7 @@
             <a:fld id="{1D8BD707-D9CF-40AE-B4C6-C98DA3205C09}" type="datetimeFigureOut">
               <a:rPr lang="en-US" smtClean="0"/>
               <a:pPr/>
-              <a:t>7/30/2017</a:t>
+              <a:t>9/17/2017</a:t>
             </a:fld>
             <a:endParaRPr lang="en-US"/>
           </a:p>
@@ -2595,7 +2595,7 @@
             <a:fld id="{1D8BD707-D9CF-40AE-B4C6-C98DA3205C09}" type="datetimeFigureOut">
               <a:rPr lang="en-US" smtClean="0"/>
               <a:pPr/>
-              <a:t>7/30/2017</a:t>
+              <a:t>9/17/2017</a:t>
             </a:fld>
             <a:endParaRPr lang="en-US"/>
           </a:p>
@@ -2845,7 +2845,7 @@
             <a:fld id="{1D8BD707-D9CF-40AE-B4C6-C98DA3205C09}" type="datetimeFigureOut">
               <a:rPr lang="en-US" smtClean="0"/>
               <a:pPr/>
-              <a:t>7/30/2017</a:t>
+              <a:t>9/17/2017</a:t>
             </a:fld>
             <a:endParaRPr lang="en-US"/>
           </a:p>
@@ -3055,7 +3055,7 @@
             <a:fld id="{1D8BD707-D9CF-40AE-B4C6-C98DA3205C09}" type="datetimeFigureOut">
               <a:rPr lang="en-US" smtClean="0"/>
               <a:pPr/>
-              <a:t>7/30/2017</a:t>
+              <a:t>9/17/2017</a:t>
             </a:fld>
             <a:endParaRPr lang="en-US"/>
           </a:p>
@@ -14918,8 +14918,8 @@
           </a:p>
         </p:txBody>
       </p:sp>
-      <mc:AlternateContent xmlns:mc="http://schemas.openxmlformats.org/markup-compatibility/2006" xmlns:a14="http://schemas.microsoft.com/office/drawing/2010/main">
-        <mc:Choice Requires="a14">
+      <mc:AlternateContent xmlns:mc="http://schemas.openxmlformats.org/markup-compatibility/2006">
+        <mc:Choice xmlns:a14="http://schemas.microsoft.com/office/drawing/2010/main" Requires="a14">
           <p:sp>
             <p:nvSpPr>
               <p:cNvPr id="3" name="TextBox 2"/>
@@ -15055,7 +15055,7 @@
             </p:txBody>
           </p:sp>
         </mc:Choice>
-        <mc:Fallback xmlns="">
+        <mc:Fallback>
           <p:sp>
             <p:nvSpPr>
               <p:cNvPr id="3" name="TextBox 2"/>
@@ -17688,21 +17688,18 @@
                   <a:srgbClr val="00B050"/>
                 </a:solidFill>
               </a:rPr>
-              <a:t>Can calculate </a:t>
-            </a:r>
+              <a:t>Can calculate probability of</a:t>
+            </a:r>
+          </a:p>
+          <a:p>
             <a:r>
               <a:rPr lang="en-US" sz="1400" dirty="0" smtClean="0">
                 <a:solidFill>
                   <a:srgbClr val="00B050"/>
                 </a:solidFill>
               </a:rPr>
-              <a:t>probability of</a:t>
-            </a:r>
-            <a:endParaRPr lang="en-US" sz="1400" dirty="0" smtClean="0">
-              <a:solidFill>
-                <a:srgbClr val="00B050"/>
-              </a:solidFill>
-            </a:endParaRPr>
+              <a:t>sample is in population, when</a:t>
+            </a:r>
           </a:p>
           <a:p>
             <a:r>
@@ -17711,25 +17708,7 @@
                   <a:srgbClr val="00B050"/>
                 </a:solidFill>
               </a:rPr>
-              <a:t>sample is in population, when</a:t>
-            </a:r>
-          </a:p>
-          <a:p>
-            <a:r>
-              <a:rPr lang="en-US" sz="1400" dirty="0" smtClean="0">
-                <a:solidFill>
-                  <a:srgbClr val="00B050"/>
-                </a:solidFill>
-              </a:rPr>
-              <a:t>population </a:t>
-            </a:r>
-            <a:r>
-              <a:rPr lang="en-US" sz="1400" dirty="0" smtClean="0">
-                <a:solidFill>
-                  <a:srgbClr val="00B050"/>
-                </a:solidFill>
-              </a:rPr>
-              <a:t>is known.</a:t>
+              <a:t>population is known.</a:t>
             </a:r>
             <a:endParaRPr lang="en-US" sz="1400" dirty="0">
               <a:solidFill>

--- a/Presentations/Stats - Basics - Terms.pptx
+++ b/Presentations/Stats - Basics - Terms.pptx
@@ -206,7 +206,7 @@
           <a:p>
             <a:fld id="{FAF957FC-5175-49AC-8D2B-2F056FFFC1DD}" type="datetimeFigureOut">
               <a:rPr lang="en-US" smtClean="0"/>
-              <a:t>9/17/2017</a:t>
+              <a:t>11/11/2017</a:t>
             </a:fld>
             <a:endParaRPr lang="en-US"/>
           </a:p>
@@ -656,7 +656,7 @@
             <a:fld id="{1D8BD707-D9CF-40AE-B4C6-C98DA3205C09}" type="datetimeFigureOut">
               <a:rPr lang="en-US" smtClean="0"/>
               <a:pPr/>
-              <a:t>9/17/2017</a:t>
+              <a:t>11/11/2017</a:t>
             </a:fld>
             <a:endParaRPr lang="en-US"/>
           </a:p>
@@ -823,7 +823,7 @@
             <a:fld id="{1D8BD707-D9CF-40AE-B4C6-C98DA3205C09}" type="datetimeFigureOut">
               <a:rPr lang="en-US" smtClean="0"/>
               <a:pPr/>
-              <a:t>9/17/2017</a:t>
+              <a:t>11/11/2017</a:t>
             </a:fld>
             <a:endParaRPr lang="en-US"/>
           </a:p>
@@ -1000,7 +1000,7 @@
             <a:fld id="{1D8BD707-D9CF-40AE-B4C6-C98DA3205C09}" type="datetimeFigureOut">
               <a:rPr lang="en-US" smtClean="0"/>
               <a:pPr/>
-              <a:t>9/17/2017</a:t>
+              <a:t>11/11/2017</a:t>
             </a:fld>
             <a:endParaRPr lang="en-US"/>
           </a:p>
@@ -1167,7 +1167,7 @@
             <a:fld id="{1D8BD707-D9CF-40AE-B4C6-C98DA3205C09}" type="datetimeFigureOut">
               <a:rPr lang="en-US" smtClean="0"/>
               <a:pPr/>
-              <a:t>9/17/2017</a:t>
+              <a:t>11/11/2017</a:t>
             </a:fld>
             <a:endParaRPr lang="en-US"/>
           </a:p>
@@ -1410,7 +1410,7 @@
             <a:fld id="{1D8BD707-D9CF-40AE-B4C6-C98DA3205C09}" type="datetimeFigureOut">
               <a:rPr lang="en-US" smtClean="0"/>
               <a:pPr/>
-              <a:t>9/17/2017</a:t>
+              <a:t>11/11/2017</a:t>
             </a:fld>
             <a:endParaRPr lang="en-US"/>
           </a:p>
@@ -1695,7 +1695,7 @@
             <a:fld id="{1D8BD707-D9CF-40AE-B4C6-C98DA3205C09}" type="datetimeFigureOut">
               <a:rPr lang="en-US" smtClean="0"/>
               <a:pPr/>
-              <a:t>9/17/2017</a:t>
+              <a:t>11/11/2017</a:t>
             </a:fld>
             <a:endParaRPr lang="en-US"/>
           </a:p>
@@ -2114,7 +2114,7 @@
             <a:fld id="{1D8BD707-D9CF-40AE-B4C6-C98DA3205C09}" type="datetimeFigureOut">
               <a:rPr lang="en-US" smtClean="0"/>
               <a:pPr/>
-              <a:t>9/17/2017</a:t>
+              <a:t>11/11/2017</a:t>
             </a:fld>
             <a:endParaRPr lang="en-US"/>
           </a:p>
@@ -2229,7 +2229,7 @@
             <a:fld id="{1D8BD707-D9CF-40AE-B4C6-C98DA3205C09}" type="datetimeFigureOut">
               <a:rPr lang="en-US" smtClean="0"/>
               <a:pPr/>
-              <a:t>9/17/2017</a:t>
+              <a:t>11/11/2017</a:t>
             </a:fld>
             <a:endParaRPr lang="en-US"/>
           </a:p>
@@ -2321,7 +2321,7 @@
             <a:fld id="{1D8BD707-D9CF-40AE-B4C6-C98DA3205C09}" type="datetimeFigureOut">
               <a:rPr lang="en-US" smtClean="0"/>
               <a:pPr/>
-              <a:t>9/17/2017</a:t>
+              <a:t>11/11/2017</a:t>
             </a:fld>
             <a:endParaRPr lang="en-US"/>
           </a:p>
@@ -2595,7 +2595,7 @@
             <a:fld id="{1D8BD707-D9CF-40AE-B4C6-C98DA3205C09}" type="datetimeFigureOut">
               <a:rPr lang="en-US" smtClean="0"/>
               <a:pPr/>
-              <a:t>9/17/2017</a:t>
+              <a:t>11/11/2017</a:t>
             </a:fld>
             <a:endParaRPr lang="en-US"/>
           </a:p>
@@ -2845,7 +2845,7 @@
             <a:fld id="{1D8BD707-D9CF-40AE-B4C6-C98DA3205C09}" type="datetimeFigureOut">
               <a:rPr lang="en-US" smtClean="0"/>
               <a:pPr/>
-              <a:t>9/17/2017</a:t>
+              <a:t>11/11/2017</a:t>
             </a:fld>
             <a:endParaRPr lang="en-US"/>
           </a:p>
@@ -3055,7 +3055,7 @@
             <a:fld id="{1D8BD707-D9CF-40AE-B4C6-C98DA3205C09}" type="datetimeFigureOut">
               <a:rPr lang="en-US" smtClean="0"/>
               <a:pPr/>
-              <a:t>9/17/2017</a:t>
+              <a:t>11/11/2017</a:t>
             </a:fld>
             <a:endParaRPr lang="en-US"/>
           </a:p>
@@ -3490,7 +3490,7 @@
                   </a:schemeClr>
                 </a:solidFill>
               </a:rPr>
-              <a:t>Portland Data Science </a:t>
+              <a:t>Artificial Intelligence Training</a:t>
             </a:r>
             <a:r>
               <a:rPr lang="en-US" sz="2400" dirty="0">
@@ -3500,7 +3500,7 @@
                   </a:schemeClr>
                 </a:solidFill>
               </a:rPr>
-              <a:t>Group</a:t>
+              <a:t/>
             </a:r>
             <a:br>
               <a:rPr lang="en-US" sz="2400" dirty="0">
@@ -3532,7 +3532,7 @@
               <a:t>Ferlitsch</a:t>
             </a:r>
             <a:r>
-              <a:rPr lang="en-US" sz="2400" dirty="0">
+              <a:rPr lang="en-US" sz="2400">
                 <a:solidFill>
                   <a:schemeClr val="accent1">
                     <a:lumMod val="75000"/>
@@ -3542,7 +3542,7 @@
               <a:t/>
             </a:r>
             <a:br>
-              <a:rPr lang="en-US" sz="2400" dirty="0">
+              <a:rPr lang="en-US" sz="2400">
                 <a:solidFill>
                   <a:schemeClr val="accent1">
                     <a:lumMod val="75000"/>
@@ -3551,24 +3551,14 @@
               </a:rPr>
             </a:br>
             <a:r>
-              <a:rPr lang="en-US" sz="2400" dirty="0">
+              <a:rPr lang="en-US" sz="2400" smtClean="0">
                 <a:solidFill>
                   <a:schemeClr val="accent1">
                     <a:lumMod val="75000"/>
                   </a:schemeClr>
                 </a:solidFill>
               </a:rPr>
-              <a:t>Community Outreach </a:t>
-            </a:r>
-            <a:r>
-              <a:rPr lang="en-US" sz="2400" dirty="0" smtClean="0">
-                <a:solidFill>
-                  <a:schemeClr val="accent1">
-                    <a:lumMod val="75000"/>
-                  </a:schemeClr>
-                </a:solidFill>
-              </a:rPr>
-              <a:t>Officer</a:t>
+              <a:t>Instructor</a:t>
             </a:r>
             <a:r>
               <a:rPr lang="en-US" sz="2400" dirty="0" smtClean="0"/>
@@ -14918,8 +14908,8 @@
           </a:p>
         </p:txBody>
       </p:sp>
-      <mc:AlternateContent xmlns:mc="http://schemas.openxmlformats.org/markup-compatibility/2006">
-        <mc:Choice xmlns:a14="http://schemas.microsoft.com/office/drawing/2010/main" Requires="a14">
+      <mc:AlternateContent xmlns:mc="http://schemas.openxmlformats.org/markup-compatibility/2006" xmlns:a14="http://schemas.microsoft.com/office/drawing/2010/main">
+        <mc:Choice Requires="a14">
           <p:sp>
             <p:nvSpPr>
               <p:cNvPr id="3" name="TextBox 2"/>
@@ -15055,7 +15045,7 @@
             </p:txBody>
           </p:sp>
         </mc:Choice>
-        <mc:Fallback>
+        <mc:Fallback xmlns="">
           <p:sp>
             <p:nvSpPr>
               <p:cNvPr id="3" name="TextBox 2"/>

--- a/Presentations/Stats - Basics - Terms.pptx
+++ b/Presentations/Stats - Basics - Terms.pptx
@@ -206,7 +206,7 @@
           <a:p>
             <a:fld id="{FAF957FC-5175-49AC-8D2B-2F056FFFC1DD}" type="datetimeFigureOut">
               <a:rPr lang="en-US" smtClean="0"/>
-              <a:t>11/11/2017</a:t>
+              <a:t>11/26/2017</a:t>
             </a:fld>
             <a:endParaRPr lang="en-US"/>
           </a:p>
@@ -656,7 +656,7 @@
             <a:fld id="{1D8BD707-D9CF-40AE-B4C6-C98DA3205C09}" type="datetimeFigureOut">
               <a:rPr lang="en-US" smtClean="0"/>
               <a:pPr/>
-              <a:t>11/11/2017</a:t>
+              <a:t>11/26/2017</a:t>
             </a:fld>
             <a:endParaRPr lang="en-US"/>
           </a:p>
@@ -823,7 +823,7 @@
             <a:fld id="{1D8BD707-D9CF-40AE-B4C6-C98DA3205C09}" type="datetimeFigureOut">
               <a:rPr lang="en-US" smtClean="0"/>
               <a:pPr/>
-              <a:t>11/11/2017</a:t>
+              <a:t>11/26/2017</a:t>
             </a:fld>
             <a:endParaRPr lang="en-US"/>
           </a:p>
@@ -1000,7 +1000,7 @@
             <a:fld id="{1D8BD707-D9CF-40AE-B4C6-C98DA3205C09}" type="datetimeFigureOut">
               <a:rPr lang="en-US" smtClean="0"/>
               <a:pPr/>
-              <a:t>11/11/2017</a:t>
+              <a:t>11/26/2017</a:t>
             </a:fld>
             <a:endParaRPr lang="en-US"/>
           </a:p>
@@ -1167,7 +1167,7 @@
             <a:fld id="{1D8BD707-D9CF-40AE-B4C6-C98DA3205C09}" type="datetimeFigureOut">
               <a:rPr lang="en-US" smtClean="0"/>
               <a:pPr/>
-              <a:t>11/11/2017</a:t>
+              <a:t>11/26/2017</a:t>
             </a:fld>
             <a:endParaRPr lang="en-US"/>
           </a:p>
@@ -1410,7 +1410,7 @@
             <a:fld id="{1D8BD707-D9CF-40AE-B4C6-C98DA3205C09}" type="datetimeFigureOut">
               <a:rPr lang="en-US" smtClean="0"/>
               <a:pPr/>
-              <a:t>11/11/2017</a:t>
+              <a:t>11/26/2017</a:t>
             </a:fld>
             <a:endParaRPr lang="en-US"/>
           </a:p>
@@ -1695,7 +1695,7 @@
             <a:fld id="{1D8BD707-D9CF-40AE-B4C6-C98DA3205C09}" type="datetimeFigureOut">
               <a:rPr lang="en-US" smtClean="0"/>
               <a:pPr/>
-              <a:t>11/11/2017</a:t>
+              <a:t>11/26/2017</a:t>
             </a:fld>
             <a:endParaRPr lang="en-US"/>
           </a:p>
@@ -2114,7 +2114,7 @@
             <a:fld id="{1D8BD707-D9CF-40AE-B4C6-C98DA3205C09}" type="datetimeFigureOut">
               <a:rPr lang="en-US" smtClean="0"/>
               <a:pPr/>
-              <a:t>11/11/2017</a:t>
+              <a:t>11/26/2017</a:t>
             </a:fld>
             <a:endParaRPr lang="en-US"/>
           </a:p>
@@ -2229,7 +2229,7 @@
             <a:fld id="{1D8BD707-D9CF-40AE-B4C6-C98DA3205C09}" type="datetimeFigureOut">
               <a:rPr lang="en-US" smtClean="0"/>
               <a:pPr/>
-              <a:t>11/11/2017</a:t>
+              <a:t>11/26/2017</a:t>
             </a:fld>
             <a:endParaRPr lang="en-US"/>
           </a:p>
@@ -2321,7 +2321,7 @@
             <a:fld id="{1D8BD707-D9CF-40AE-B4C6-C98DA3205C09}" type="datetimeFigureOut">
               <a:rPr lang="en-US" smtClean="0"/>
               <a:pPr/>
-              <a:t>11/11/2017</a:t>
+              <a:t>11/26/2017</a:t>
             </a:fld>
             <a:endParaRPr lang="en-US"/>
           </a:p>
@@ -2595,7 +2595,7 @@
             <a:fld id="{1D8BD707-D9CF-40AE-B4C6-C98DA3205C09}" type="datetimeFigureOut">
               <a:rPr lang="en-US" smtClean="0"/>
               <a:pPr/>
-              <a:t>11/11/2017</a:t>
+              <a:t>11/26/2017</a:t>
             </a:fld>
             <a:endParaRPr lang="en-US"/>
           </a:p>
@@ -2845,7 +2845,7 @@
             <a:fld id="{1D8BD707-D9CF-40AE-B4C6-C98DA3205C09}" type="datetimeFigureOut">
               <a:rPr lang="en-US" smtClean="0"/>
               <a:pPr/>
-              <a:t>11/11/2017</a:t>
+              <a:t>11/26/2017</a:t>
             </a:fld>
             <a:endParaRPr lang="en-US"/>
           </a:p>
@@ -3055,7 +3055,7 @@
             <a:fld id="{1D8BD707-D9CF-40AE-B4C6-C98DA3205C09}" type="datetimeFigureOut">
               <a:rPr lang="en-US" smtClean="0"/>
               <a:pPr/>
-              <a:t>11/11/2017</a:t>
+              <a:t>11/26/2017</a:t>
             </a:fld>
             <a:endParaRPr lang="en-US"/>
           </a:p>
@@ -8833,7 +8833,7 @@
                   </a:schemeClr>
                 </a:solidFill>
               </a:rPr>
-              <a:t>quartile</a:t>
+              <a:t>quartiles</a:t>
             </a:r>
             <a:r>
               <a:rPr lang="en-US" sz="2400" b="1" dirty="0">
@@ -8843,7 +8843,7 @@
                   </a:schemeClr>
                 </a:solidFill>
               </a:rPr>
-              <a:t>s (quarters).</a:t>
+              <a:t> (quarters).</a:t>
             </a:r>
             <a:endParaRPr lang="en-US" sz="2400" b="1" dirty="0">
               <a:solidFill>
@@ -14908,8 +14908,8 @@
           </a:p>
         </p:txBody>
       </p:sp>
-      <mc:AlternateContent xmlns:mc="http://schemas.openxmlformats.org/markup-compatibility/2006" xmlns:a14="http://schemas.microsoft.com/office/drawing/2010/main">
-        <mc:Choice Requires="a14">
+      <mc:AlternateContent xmlns:mc="http://schemas.openxmlformats.org/markup-compatibility/2006">
+        <mc:Choice xmlns:a14="http://schemas.microsoft.com/office/drawing/2010/main" Requires="a14">
           <p:sp>
             <p:nvSpPr>
               <p:cNvPr id="3" name="TextBox 2"/>
@@ -15045,7 +15045,7 @@
             </p:txBody>
           </p:sp>
         </mc:Choice>
-        <mc:Fallback xmlns="">
+        <mc:Fallback>
           <p:sp>
             <p:nvSpPr>
               <p:cNvPr id="3" name="TextBox 2"/>
@@ -15332,7 +15332,7 @@
         </p:nvCxnSpPr>
         <p:spPr>
           <a:xfrm rot="16200000" flipV="1">
-            <a:off x="4743152" y="3537078"/>
+            <a:off x="4758296" y="3420158"/>
             <a:ext cx="394126" cy="330370"/>
           </a:xfrm>
           <a:prstGeom prst="curvedConnector3">
@@ -17658,7 +17658,7 @@
         </p:nvSpPr>
         <p:spPr>
           <a:xfrm>
-            <a:off x="6781800" y="4953000"/>
+            <a:off x="6738008" y="5036225"/>
             <a:ext cx="2367892" cy="738664"/>
           </a:xfrm>
           <a:prstGeom prst="rect">
@@ -17711,15 +17711,17 @@
       <p:cxnSp>
         <p:nvCxnSpPr>
           <p:cNvPr id="25" name="Curved Connector 24"/>
-          <p:cNvCxnSpPr/>
+          <p:cNvCxnSpPr>
+            <a:endCxn id="22" idx="2"/>
+          </p:cNvCxnSpPr>
           <p:nvPr/>
         </p:nvCxnSpPr>
         <p:spPr>
           <a:xfrm rot="10800000">
-            <a:off x="6221848" y="4953000"/>
-            <a:ext cx="636152" cy="553106"/>
-          </a:xfrm>
-          <a:prstGeom prst="curvedConnector3">
+            <a:off x="6347385" y="4906981"/>
+            <a:ext cx="442675" cy="299562"/>
+          </a:xfrm>
+          <a:prstGeom prst="curvedConnector2">
             <a:avLst/>
           </a:prstGeom>
           <a:ln>
